--- a/Lecture/BIOINFORMATICS AND DADA 2.pptx
+++ b/Lecture/BIOINFORMATICS AND DADA 2.pptx
@@ -5,7 +5,7 @@
     <p:sldMasterId id="2147483673" r:id="rId1"/>
   </p:sldMasterIdLst>
   <p:notesMasterIdLst>
-    <p:notesMasterId r:id="rId27"/>
+    <p:notesMasterId r:id="rId30"/>
   </p:notesMasterIdLst>
   <p:sldIdLst>
     <p:sldId id="256" r:id="rId2"/>
@@ -13,26 +13,29 @@
     <p:sldId id="258" r:id="rId4"/>
     <p:sldId id="259" r:id="rId5"/>
     <p:sldId id="261" r:id="rId6"/>
-    <p:sldId id="260" r:id="rId7"/>
-    <p:sldId id="263" r:id="rId8"/>
-    <p:sldId id="264" r:id="rId9"/>
-    <p:sldId id="262" r:id="rId10"/>
-    <p:sldId id="265" r:id="rId11"/>
-    <p:sldId id="266" r:id="rId12"/>
-    <p:sldId id="267" r:id="rId13"/>
-    <p:sldId id="268" r:id="rId14"/>
-    <p:sldId id="269" r:id="rId15"/>
-    <p:sldId id="270" r:id="rId16"/>
-    <p:sldId id="271" r:id="rId17"/>
-    <p:sldId id="272" r:id="rId18"/>
-    <p:sldId id="273" r:id="rId19"/>
-    <p:sldId id="274" r:id="rId20"/>
-    <p:sldId id="281" r:id="rId21"/>
-    <p:sldId id="282" r:id="rId22"/>
-    <p:sldId id="276" r:id="rId23"/>
-    <p:sldId id="277" r:id="rId24"/>
-    <p:sldId id="278" r:id="rId25"/>
-    <p:sldId id="280" r:id="rId26"/>
+    <p:sldId id="283" r:id="rId7"/>
+    <p:sldId id="284" r:id="rId8"/>
+    <p:sldId id="263" r:id="rId9"/>
+    <p:sldId id="260" r:id="rId10"/>
+    <p:sldId id="285" r:id="rId11"/>
+    <p:sldId id="262" r:id="rId12"/>
+    <p:sldId id="264" r:id="rId13"/>
+    <p:sldId id="265" r:id="rId14"/>
+    <p:sldId id="266" r:id="rId15"/>
+    <p:sldId id="267" r:id="rId16"/>
+    <p:sldId id="268" r:id="rId17"/>
+    <p:sldId id="286" r:id="rId18"/>
+    <p:sldId id="269" r:id="rId19"/>
+    <p:sldId id="270" r:id="rId20"/>
+    <p:sldId id="288" r:id="rId21"/>
+    <p:sldId id="272" r:id="rId22"/>
+    <p:sldId id="273" r:id="rId23"/>
+    <p:sldId id="274" r:id="rId24"/>
+    <p:sldId id="281" r:id="rId25"/>
+    <p:sldId id="276" r:id="rId26"/>
+    <p:sldId id="277" r:id="rId27"/>
+    <p:sldId id="278" r:id="rId28"/>
+    <p:sldId id="280" r:id="rId29"/>
   </p:sldIdLst>
   <p:sldSz cx="12192000" cy="6858000"/>
   <p:notesSz cx="6858000" cy="9144000"/>
@@ -142,7 +145,7 @@
 <file path=ppt/revisionInfo.xml><?xml version="1.0" encoding="utf-8"?>
 <p1510:revInfo xmlns:a="http://schemas.openxmlformats.org/drawingml/2006/main" xmlns:r="http://schemas.openxmlformats.org/officeDocument/2006/relationships" xmlns:p1510="http://schemas.microsoft.com/office/powerpoint/2015/10/main">
   <p1510:revLst>
-    <p1510:client id="{85D83A9D-A990-429B-979B-389AA997474C}" v="40" dt="2021-06-30T08:15:38.317"/>
+    <p1510:client id="{6ADC351E-CCCE-4530-A30F-D8D5223C6855}" v="13" dt="2022-07-08T09:19:03.042"/>
   </p1510:revLst>
 </p1510:revInfo>
 </file>
@@ -150,20 +153,35 @@
 <file path=ppt/changesInfos/changesInfo1.xml><?xml version="1.0" encoding="utf-8"?>
 <pc:chgInfo xmlns:a="http://schemas.openxmlformats.org/drawingml/2006/main" xmlns:r="http://schemas.openxmlformats.org/officeDocument/2006/relationships" xmlns:ac="http://schemas.microsoft.com/office/drawing/2013/main/command" xmlns:pc="http://schemas.microsoft.com/office/powerpoint/2013/main/command">
   <pc:docChgLst>
-    <pc:chgData name="Cheshtaa Chitkara" userId="66861ce1-fb79-4c9f-85bd-e5ecfc5c67ba" providerId="ADAL" clId="{17C37AC8-791D-4BA4-A82D-31A0B522B6F6}"/>
-    <pc:docChg chg="custSel addSld delSld modSld">
-      <pc:chgData name="Cheshtaa Chitkara" userId="66861ce1-fb79-4c9f-85bd-e5ecfc5c67ba" providerId="ADAL" clId="{17C37AC8-791D-4BA4-A82D-31A0B522B6F6}" dt="2021-06-27T11:25:09.439" v="3201" actId="26606"/>
+    <pc:chgData name="Cheshtaa Chitkara" userId="66861ce1-fb79-4c9f-85bd-e5ecfc5c67ba" providerId="ADAL" clId="{6ADC351E-CCCE-4530-A30F-D8D5223C6855}"/>
+    <pc:docChg chg="undo custSel addSld delSld modSld sldOrd">
+      <pc:chgData name="Cheshtaa Chitkara" userId="66861ce1-fb79-4c9f-85bd-e5ecfc5c67ba" providerId="ADAL" clId="{6ADC351E-CCCE-4530-A30F-D8D5223C6855}" dt="2022-07-08T09:28:07.931" v="260" actId="113"/>
       <pc:docMkLst>
         <pc:docMk/>
       </pc:docMkLst>
       <pc:sldChg chg="modSp mod">
-        <pc:chgData name="Cheshtaa Chitkara" userId="66861ce1-fb79-4c9f-85bd-e5ecfc5c67ba" providerId="ADAL" clId="{17C37AC8-791D-4BA4-A82D-31A0B522B6F6}" dt="2021-06-27T10:10:05.544" v="160" actId="27636"/>
+        <pc:chgData name="Cheshtaa Chitkara" userId="66861ce1-fb79-4c9f-85bd-e5ecfc5c67ba" providerId="ADAL" clId="{6ADC351E-CCCE-4530-A30F-D8D5223C6855}" dt="2022-07-08T08:53:40.384" v="252" actId="20577"/>
+        <pc:sldMkLst>
+          <pc:docMk/>
+          <pc:sldMk cId="2783872439" sldId="256"/>
+        </pc:sldMkLst>
+        <pc:spChg chg="mod">
+          <ac:chgData name="Cheshtaa Chitkara" userId="66861ce1-fb79-4c9f-85bd-e5ecfc5c67ba" providerId="ADAL" clId="{6ADC351E-CCCE-4530-A30F-D8D5223C6855}" dt="2022-07-08T08:53:40.384" v="252" actId="20577"/>
+          <ac:spMkLst>
+            <pc:docMk/>
+            <pc:sldMk cId="2783872439" sldId="256"/>
+            <ac:spMk id="3" creationId="{FF05EA43-A314-445E-B32D-5F4493B99C53}"/>
+          </ac:spMkLst>
+        </pc:spChg>
+      </pc:sldChg>
+      <pc:sldChg chg="modSp mod">
+        <pc:chgData name="Cheshtaa Chitkara" userId="66861ce1-fb79-4c9f-85bd-e5ecfc5c67ba" providerId="ADAL" clId="{6ADC351E-CCCE-4530-A30F-D8D5223C6855}" dt="2022-07-08T08:08:45.822" v="16" actId="27636"/>
         <pc:sldMkLst>
           <pc:docMk/>
           <pc:sldMk cId="3264971418" sldId="257"/>
         </pc:sldMkLst>
         <pc:spChg chg="mod">
-          <ac:chgData name="Cheshtaa Chitkara" userId="66861ce1-fb79-4c9f-85bd-e5ecfc5c67ba" providerId="ADAL" clId="{17C37AC8-791D-4BA4-A82D-31A0B522B6F6}" dt="2021-06-27T10:10:05.544" v="160" actId="27636"/>
+          <ac:chgData name="Cheshtaa Chitkara" userId="66861ce1-fb79-4c9f-85bd-e5ecfc5c67ba" providerId="ADAL" clId="{6ADC351E-CCCE-4530-A30F-D8D5223C6855}" dt="2022-07-08T08:08:45.822" v="16" actId="27636"/>
           <ac:spMkLst>
             <pc:docMk/>
             <pc:sldMk cId="3264971418" sldId="257"/>
@@ -172,425 +190,218 @@
         </pc:spChg>
       </pc:sldChg>
       <pc:sldChg chg="modSp mod">
-        <pc:chgData name="Cheshtaa Chitkara" userId="66861ce1-fb79-4c9f-85bd-e5ecfc5c67ba" providerId="ADAL" clId="{17C37AC8-791D-4BA4-A82D-31A0B522B6F6}" dt="2021-06-27T11:00:34.920" v="1215" actId="14100"/>
+        <pc:chgData name="Cheshtaa Chitkara" userId="66861ce1-fb79-4c9f-85bd-e5ecfc5c67ba" providerId="ADAL" clId="{6ADC351E-CCCE-4530-A30F-D8D5223C6855}" dt="2022-07-08T08:08:37.746" v="10" actId="1076"/>
+        <pc:sldMkLst>
+          <pc:docMk/>
+          <pc:sldMk cId="3926491634" sldId="258"/>
+        </pc:sldMkLst>
+        <pc:spChg chg="mod">
+          <ac:chgData name="Cheshtaa Chitkara" userId="66861ce1-fb79-4c9f-85bd-e5ecfc5c67ba" providerId="ADAL" clId="{6ADC351E-CCCE-4530-A30F-D8D5223C6855}" dt="2022-07-08T08:08:21.444" v="7" actId="20577"/>
+          <ac:spMkLst>
+            <pc:docMk/>
+            <pc:sldMk cId="3926491634" sldId="258"/>
+            <ac:spMk id="3" creationId="{A6A9E7A8-CF59-409F-BC34-2AF05FFAC36F}"/>
+          </ac:spMkLst>
+        </pc:spChg>
+        <pc:picChg chg="mod">
+          <ac:chgData name="Cheshtaa Chitkara" userId="66861ce1-fb79-4c9f-85bd-e5ecfc5c67ba" providerId="ADAL" clId="{6ADC351E-CCCE-4530-A30F-D8D5223C6855}" dt="2022-07-08T08:08:37.746" v="10" actId="1076"/>
+          <ac:picMkLst>
+            <pc:docMk/>
+            <pc:sldMk cId="3926491634" sldId="258"/>
+            <ac:picMk id="5" creationId="{503B8FCD-E1F2-4A3A-B5B2-14C17CD581FA}"/>
+          </ac:picMkLst>
+        </pc:picChg>
+      </pc:sldChg>
+      <pc:sldChg chg="delSp modSp mod delAnim modAnim modNotesTx">
+        <pc:chgData name="Cheshtaa Chitkara" userId="66861ce1-fb79-4c9f-85bd-e5ecfc5c67ba" providerId="ADAL" clId="{6ADC351E-CCCE-4530-A30F-D8D5223C6855}" dt="2022-07-08T08:33:12.827" v="214" actId="20577"/>
         <pc:sldMkLst>
           <pc:docMk/>
           <pc:sldMk cId="2806832781" sldId="259"/>
         </pc:sldMkLst>
         <pc:spChg chg="mod">
-          <ac:chgData name="Cheshtaa Chitkara" userId="66861ce1-fb79-4c9f-85bd-e5ecfc5c67ba" providerId="ADAL" clId="{17C37AC8-791D-4BA4-A82D-31A0B522B6F6}" dt="2021-06-27T11:00:34.920" v="1215" actId="14100"/>
+          <ac:chgData name="Cheshtaa Chitkara" userId="66861ce1-fb79-4c9f-85bd-e5ecfc5c67ba" providerId="ADAL" clId="{6ADC351E-CCCE-4530-A30F-D8D5223C6855}" dt="2022-07-08T08:08:42.223" v="12" actId="27636"/>
           <ac:spMkLst>
             <pc:docMk/>
             <pc:sldMk cId="2806832781" sldId="259"/>
             <ac:spMk id="2" creationId="{DC629612-1189-4452-93FC-0785C5FB0181}"/>
           </ac:spMkLst>
         </pc:spChg>
-      </pc:sldChg>
-      <pc:sldChg chg="modSp">
-        <pc:chgData name="Cheshtaa Chitkara" userId="66861ce1-fb79-4c9f-85bd-e5ecfc5c67ba" providerId="ADAL" clId="{17C37AC8-791D-4BA4-A82D-31A0B522B6F6}" dt="2021-06-27T11:00:55.958" v="1216" actId="1076"/>
-        <pc:sldMkLst>
-          <pc:docMk/>
-          <pc:sldMk cId="1685334867" sldId="261"/>
-        </pc:sldMkLst>
-        <pc:picChg chg="mod">
-          <ac:chgData name="Cheshtaa Chitkara" userId="66861ce1-fb79-4c9f-85bd-e5ecfc5c67ba" providerId="ADAL" clId="{17C37AC8-791D-4BA4-A82D-31A0B522B6F6}" dt="2021-06-27T11:00:55.958" v="1216" actId="1076"/>
-          <ac:picMkLst>
-            <pc:docMk/>
-            <pc:sldMk cId="1685334867" sldId="261"/>
-            <ac:picMk id="8" creationId="{8708C3AD-8C57-41A1-8ED4-7B6DE10D8ECF}"/>
-          </ac:picMkLst>
-        </pc:picChg>
-      </pc:sldChg>
-      <pc:sldChg chg="modSp mod">
-        <pc:chgData name="Cheshtaa Chitkara" userId="66861ce1-fb79-4c9f-85bd-e5ecfc5c67ba" providerId="ADAL" clId="{17C37AC8-791D-4BA4-A82D-31A0B522B6F6}" dt="2021-06-27T08:57:53.407" v="0" actId="14100"/>
-        <pc:sldMkLst>
-          <pc:docMk/>
-          <pc:sldMk cId="2703609540" sldId="266"/>
-        </pc:sldMkLst>
         <pc:spChg chg="mod">
-          <ac:chgData name="Cheshtaa Chitkara" userId="66861ce1-fb79-4c9f-85bd-e5ecfc5c67ba" providerId="ADAL" clId="{17C37AC8-791D-4BA4-A82D-31A0B522B6F6}" dt="2021-06-27T08:57:53.407" v="0" actId="14100"/>
+          <ac:chgData name="Cheshtaa Chitkara" userId="66861ce1-fb79-4c9f-85bd-e5ecfc5c67ba" providerId="ADAL" clId="{6ADC351E-CCCE-4530-A30F-D8D5223C6855}" dt="2022-07-08T08:09:53.858" v="20" actId="1076"/>
           <ac:spMkLst>
             <pc:docMk/>
-            <pc:sldMk cId="2703609540" sldId="266"/>
-            <ac:spMk id="2" creationId="{A699149A-826F-41FB-8E72-AE58E4ABA48F}"/>
+            <pc:sldMk cId="2806832781" sldId="259"/>
+            <ac:spMk id="7" creationId="{10DDF08C-9ECD-4783-B022-9EBD2D86E92C}"/>
+          </ac:spMkLst>
+        </pc:spChg>
+        <pc:spChg chg="mod">
+          <ac:chgData name="Cheshtaa Chitkara" userId="66861ce1-fb79-4c9f-85bd-e5ecfc5c67ba" providerId="ADAL" clId="{6ADC351E-CCCE-4530-A30F-D8D5223C6855}" dt="2022-07-08T08:09:56.538" v="21" actId="1076"/>
+          <ac:spMkLst>
+            <pc:docMk/>
+            <pc:sldMk cId="2806832781" sldId="259"/>
+            <ac:spMk id="8" creationId="{1572E0FD-E411-40E7-834D-FC50C2B36791}"/>
+          </ac:spMkLst>
+        </pc:spChg>
+        <pc:spChg chg="mod">
+          <ac:chgData name="Cheshtaa Chitkara" userId="66861ce1-fb79-4c9f-85bd-e5ecfc5c67ba" providerId="ADAL" clId="{6ADC351E-CCCE-4530-A30F-D8D5223C6855}" dt="2022-07-08T08:09:58.713" v="22" actId="1076"/>
+          <ac:spMkLst>
+            <pc:docMk/>
+            <pc:sldMk cId="2806832781" sldId="259"/>
+            <ac:spMk id="9" creationId="{165D85E8-9E8E-4274-908D-078B73470920}"/>
+          </ac:spMkLst>
+        </pc:spChg>
+        <pc:spChg chg="del mod">
+          <ac:chgData name="Cheshtaa Chitkara" userId="66861ce1-fb79-4c9f-85bd-e5ecfc5c67ba" providerId="ADAL" clId="{6ADC351E-CCCE-4530-A30F-D8D5223C6855}" dt="2022-07-08T08:09:48.602" v="19"/>
+          <ac:spMkLst>
+            <pc:docMk/>
+            <pc:sldMk cId="2806832781" sldId="259"/>
+            <ac:spMk id="10" creationId="{E7C30F7E-1626-4401-BCD1-F7F3D15A0845}"/>
+          </ac:spMkLst>
+        </pc:spChg>
+        <pc:spChg chg="mod">
+          <ac:chgData name="Cheshtaa Chitkara" userId="66861ce1-fb79-4c9f-85bd-e5ecfc5c67ba" providerId="ADAL" clId="{6ADC351E-CCCE-4530-A30F-D8D5223C6855}" dt="2022-07-08T08:10:02.530" v="23" actId="1076"/>
+          <ac:spMkLst>
+            <pc:docMk/>
+            <pc:sldMk cId="2806832781" sldId="259"/>
+            <ac:spMk id="11" creationId="{920262DB-F11E-4D16-B4D2-5545BB516B45}"/>
           </ac:spMkLst>
         </pc:spChg>
       </pc:sldChg>
-      <pc:sldChg chg="modSp mod">
-        <pc:chgData name="Cheshtaa Chitkara" userId="66861ce1-fb79-4c9f-85bd-e5ecfc5c67ba" providerId="ADAL" clId="{17C37AC8-791D-4BA4-A82D-31A0B522B6F6}" dt="2021-06-27T08:57:59.267" v="1" actId="14100"/>
+      <pc:sldChg chg="ord">
+        <pc:chgData name="Cheshtaa Chitkara" userId="66861ce1-fb79-4c9f-85bd-e5ecfc5c67ba" providerId="ADAL" clId="{6ADC351E-CCCE-4530-A30F-D8D5223C6855}" dt="2022-07-08T08:51:16.355" v="242"/>
         <pc:sldMkLst>
           <pc:docMk/>
-          <pc:sldMk cId="763466673" sldId="267"/>
+          <pc:sldMk cId="3858511350" sldId="260"/>
+        </pc:sldMkLst>
+      </pc:sldChg>
+      <pc:sldChg chg="ord">
+        <pc:chgData name="Cheshtaa Chitkara" userId="66861ce1-fb79-4c9f-85bd-e5ecfc5c67ba" providerId="ADAL" clId="{6ADC351E-CCCE-4530-A30F-D8D5223C6855}" dt="2022-07-08T08:50:39.348" v="240"/>
+        <pc:sldMkLst>
+          <pc:docMk/>
+          <pc:sldMk cId="1605952621" sldId="262"/>
+        </pc:sldMkLst>
+      </pc:sldChg>
+      <pc:sldChg chg="modNotesTx">
+        <pc:chgData name="Cheshtaa Chitkara" userId="66861ce1-fb79-4c9f-85bd-e5ecfc5c67ba" providerId="ADAL" clId="{6ADC351E-CCCE-4530-A30F-D8D5223C6855}" dt="2022-07-08T08:53:15.257" v="248"/>
+        <pc:sldMkLst>
+          <pc:docMk/>
+          <pc:sldMk cId="2254910046" sldId="264"/>
+        </pc:sldMkLst>
+      </pc:sldChg>
+      <pc:sldChg chg="addSp modSp mod modAnim modNotesTx">
+        <pc:chgData name="Cheshtaa Chitkara" userId="66861ce1-fb79-4c9f-85bd-e5ecfc5c67ba" providerId="ADAL" clId="{6ADC351E-CCCE-4530-A30F-D8D5223C6855}" dt="2022-07-08T08:47:23.112" v="223"/>
+        <pc:sldMkLst>
+          <pc:docMk/>
+          <pc:sldMk cId="227539732" sldId="265"/>
         </pc:sldMkLst>
         <pc:spChg chg="mod">
-          <ac:chgData name="Cheshtaa Chitkara" userId="66861ce1-fb79-4c9f-85bd-e5ecfc5c67ba" providerId="ADAL" clId="{17C37AC8-791D-4BA4-A82D-31A0B522B6F6}" dt="2021-06-27T08:57:59.267" v="1" actId="14100"/>
+          <ac:chgData name="Cheshtaa Chitkara" userId="66861ce1-fb79-4c9f-85bd-e5ecfc5c67ba" providerId="ADAL" clId="{6ADC351E-CCCE-4530-A30F-D8D5223C6855}" dt="2022-07-08T08:47:14.801" v="222" actId="1076"/>
           <ac:spMkLst>
             <pc:docMk/>
-            <pc:sldMk cId="763466673" sldId="267"/>
-            <ac:spMk id="2" creationId="{F870447D-3ACF-4D36-8419-0655428FBE82}"/>
+            <pc:sldMk cId="227539732" sldId="265"/>
+            <ac:spMk id="6" creationId="{99EE6165-904B-4A17-9EE2-F47C6D3D5C0F}"/>
+          </ac:spMkLst>
+        </pc:spChg>
+        <pc:spChg chg="add mod">
+          <ac:chgData name="Cheshtaa Chitkara" userId="66861ce1-fb79-4c9f-85bd-e5ecfc5c67ba" providerId="ADAL" clId="{6ADC351E-CCCE-4530-A30F-D8D5223C6855}" dt="2022-07-08T08:47:23.112" v="223"/>
+          <ac:spMkLst>
+            <pc:docMk/>
+            <pc:sldMk cId="227539732" sldId="265"/>
+            <ac:spMk id="7" creationId="{5110E796-6EA6-4C37-A64F-22B3987B55CA}"/>
           </ac:spMkLst>
         </pc:spChg>
       </pc:sldChg>
-      <pc:sldChg chg="modSp mod">
-        <pc:chgData name="Cheshtaa Chitkara" userId="66861ce1-fb79-4c9f-85bd-e5ecfc5c67ba" providerId="ADAL" clId="{17C37AC8-791D-4BA4-A82D-31A0B522B6F6}" dt="2021-06-27T09:02:00.948" v="3" actId="14100"/>
+      <pc:sldChg chg="delSp modSp mod modNotesTx">
+        <pc:chgData name="Cheshtaa Chitkara" userId="66861ce1-fb79-4c9f-85bd-e5ecfc5c67ba" providerId="ADAL" clId="{6ADC351E-CCCE-4530-A30F-D8D5223C6855}" dt="2022-07-08T09:19:03.042" v="255" actId="1076"/>
         <pc:sldMkLst>
           <pc:docMk/>
           <pc:sldMk cId="3083508322" sldId="268"/>
         </pc:sldMkLst>
         <pc:spChg chg="mod">
-          <ac:chgData name="Cheshtaa Chitkara" userId="66861ce1-fb79-4c9f-85bd-e5ecfc5c67ba" providerId="ADAL" clId="{17C37AC8-791D-4BA4-A82D-31A0B522B6F6}" dt="2021-06-27T09:01:54.719" v="2" actId="14100"/>
+          <ac:chgData name="Cheshtaa Chitkara" userId="66861ce1-fb79-4c9f-85bd-e5ecfc5c67ba" providerId="ADAL" clId="{6ADC351E-CCCE-4530-A30F-D8D5223C6855}" dt="2022-07-08T09:18:53.284" v="253" actId="6549"/>
           <ac:spMkLst>
             <pc:docMk/>
             <pc:sldMk cId="3083508322" sldId="268"/>
-            <ac:spMk id="2" creationId="{ED735847-F402-4562-8AA8-DEE4AFC14A23}"/>
+            <ac:spMk id="3" creationId="{28738DED-2476-49A2-B258-E672F0B15F23}"/>
           </ac:spMkLst>
         </pc:spChg>
-        <pc:spChg chg="mod">
-          <ac:chgData name="Cheshtaa Chitkara" userId="66861ce1-fb79-4c9f-85bd-e5ecfc5c67ba" providerId="ADAL" clId="{17C37AC8-791D-4BA4-A82D-31A0B522B6F6}" dt="2021-06-27T09:02:00.948" v="3" actId="14100"/>
+        <pc:spChg chg="del">
+          <ac:chgData name="Cheshtaa Chitkara" userId="66861ce1-fb79-4c9f-85bd-e5ecfc5c67ba" providerId="ADAL" clId="{6ADC351E-CCCE-4530-A30F-D8D5223C6855}" dt="2022-07-08T08:45:54.660" v="215" actId="478"/>
           <ac:spMkLst>
             <pc:docMk/>
             <pc:sldMk cId="3083508322" sldId="268"/>
-            <ac:spMk id="4" creationId="{F1CBB440-9B27-4140-8DF5-2CEA8165DE65}"/>
+            <ac:spMk id="7" creationId="{57DF63A0-207C-4A36-8403-1F0A68A6682E}"/>
           </ac:spMkLst>
         </pc:spChg>
+        <pc:picChg chg="del">
+          <ac:chgData name="Cheshtaa Chitkara" userId="66861ce1-fb79-4c9f-85bd-e5ecfc5c67ba" providerId="ADAL" clId="{6ADC351E-CCCE-4530-A30F-D8D5223C6855}" dt="2022-07-08T08:45:55.588" v="216" actId="478"/>
+          <ac:picMkLst>
+            <pc:docMk/>
+            <pc:sldMk cId="3083508322" sldId="268"/>
+            <ac:picMk id="10" creationId="{5EE8FF12-0C0F-4881-A4B5-E10651D8D44C}"/>
+          </ac:picMkLst>
+        </pc:picChg>
+        <pc:picChg chg="mod">
+          <ac:chgData name="Cheshtaa Chitkara" userId="66861ce1-fb79-4c9f-85bd-e5ecfc5c67ba" providerId="ADAL" clId="{6ADC351E-CCCE-4530-A30F-D8D5223C6855}" dt="2022-07-08T09:19:03.042" v="255" actId="1076"/>
+          <ac:picMkLst>
+            <pc:docMk/>
+            <pc:sldMk cId="3083508322" sldId="268"/>
+            <ac:picMk id="3074" creationId="{18CDC55A-77AC-4912-8B71-320A969D421B}"/>
+          </ac:picMkLst>
+        </pc:picChg>
       </pc:sldChg>
-      <pc:sldChg chg="addSp delSp modSp new mod">
-        <pc:chgData name="Cheshtaa Chitkara" userId="66861ce1-fb79-4c9f-85bd-e5ecfc5c67ba" providerId="ADAL" clId="{17C37AC8-791D-4BA4-A82D-31A0B522B6F6}" dt="2021-06-27T10:11:41.068" v="246" actId="1076"/>
+      <pc:sldChg chg="modSp mod">
+        <pc:chgData name="Cheshtaa Chitkara" userId="66861ce1-fb79-4c9f-85bd-e5ecfc5c67ba" providerId="ADAL" clId="{6ADC351E-CCCE-4530-A30F-D8D5223C6855}" dt="2022-07-08T09:22:53.578" v="256" actId="20577"/>
         <pc:sldMkLst>
           <pc:docMk/>
           <pc:sldMk cId="389027491" sldId="269"/>
         </pc:sldMkLst>
         <pc:spChg chg="mod">
-          <ac:chgData name="Cheshtaa Chitkara" userId="66861ce1-fb79-4c9f-85bd-e5ecfc5c67ba" providerId="ADAL" clId="{17C37AC8-791D-4BA4-A82D-31A0B522B6F6}" dt="2021-06-27T10:05:15.265" v="22" actId="1076"/>
-          <ac:spMkLst>
-            <pc:docMk/>
-            <pc:sldMk cId="389027491" sldId="269"/>
-            <ac:spMk id="2" creationId="{1E03D065-D33F-4872-B77B-029674CF3A91}"/>
-          </ac:spMkLst>
-        </pc:spChg>
-        <pc:spChg chg="mod">
-          <ac:chgData name="Cheshtaa Chitkara" userId="66861ce1-fb79-4c9f-85bd-e5ecfc5c67ba" providerId="ADAL" clId="{17C37AC8-791D-4BA4-A82D-31A0B522B6F6}" dt="2021-06-27T10:11:38.572" v="245" actId="14100"/>
+          <ac:chgData name="Cheshtaa Chitkara" userId="66861ce1-fb79-4c9f-85bd-e5ecfc5c67ba" providerId="ADAL" clId="{6ADC351E-CCCE-4530-A30F-D8D5223C6855}" dt="2022-07-08T09:22:53.578" v="256" actId="20577"/>
           <ac:spMkLst>
             <pc:docMk/>
             <pc:sldMk cId="389027491" sldId="269"/>
             <ac:spMk id="3" creationId="{AB741D3A-ACAC-4C6A-81D2-B4F195EEFA9F}"/>
           </ac:spMkLst>
         </pc:spChg>
-        <pc:spChg chg="add del mod">
-          <ac:chgData name="Cheshtaa Chitkara" userId="66861ce1-fb79-4c9f-85bd-e5ecfc5c67ba" providerId="ADAL" clId="{17C37AC8-791D-4BA4-A82D-31A0B522B6F6}" dt="2021-06-27T10:10:05.497" v="159"/>
-          <ac:spMkLst>
-            <pc:docMk/>
-            <pc:sldMk cId="389027491" sldId="269"/>
-            <ac:spMk id="4" creationId="{25984BAD-23B8-4F80-AF70-98784A71C3CE}"/>
-          </ac:spMkLst>
-        </pc:spChg>
-        <pc:picChg chg="add mod modCrop">
-          <ac:chgData name="Cheshtaa Chitkara" userId="66861ce1-fb79-4c9f-85bd-e5ecfc5c67ba" providerId="ADAL" clId="{17C37AC8-791D-4BA4-A82D-31A0B522B6F6}" dt="2021-06-27T10:11:41.068" v="246" actId="1076"/>
-          <ac:picMkLst>
-            <pc:docMk/>
-            <pc:sldMk cId="389027491" sldId="269"/>
-            <ac:picMk id="6" creationId="{91CD0E83-E70D-4698-985D-2C6792770FF8}"/>
-          </ac:picMkLst>
-        </pc:picChg>
       </pc:sldChg>
-      <pc:sldChg chg="addSp delSp modSp new mod">
-        <pc:chgData name="Cheshtaa Chitkara" userId="66861ce1-fb79-4c9f-85bd-e5ecfc5c67ba" providerId="ADAL" clId="{17C37AC8-791D-4BA4-A82D-31A0B522B6F6}" dt="2021-06-27T10:20:37.208" v="415" actId="1076"/>
-        <pc:sldMkLst>
-          <pc:docMk/>
-          <pc:sldMk cId="1833388495" sldId="270"/>
-        </pc:sldMkLst>
-        <pc:spChg chg="mod">
-          <ac:chgData name="Cheshtaa Chitkara" userId="66861ce1-fb79-4c9f-85bd-e5ecfc5c67ba" providerId="ADAL" clId="{17C37AC8-791D-4BA4-A82D-31A0B522B6F6}" dt="2021-06-27T10:12:40.796" v="274" actId="1076"/>
-          <ac:spMkLst>
-            <pc:docMk/>
-            <pc:sldMk cId="1833388495" sldId="270"/>
-            <ac:spMk id="2" creationId="{41325CE8-1821-4F08-A14A-545E133AFB87}"/>
-          </ac:spMkLst>
-        </pc:spChg>
-        <pc:spChg chg="del mod">
-          <ac:chgData name="Cheshtaa Chitkara" userId="66861ce1-fb79-4c9f-85bd-e5ecfc5c67ba" providerId="ADAL" clId="{17C37AC8-791D-4BA4-A82D-31A0B522B6F6}" dt="2021-06-27T10:15:16.713" v="277" actId="22"/>
-          <ac:spMkLst>
-            <pc:docMk/>
-            <pc:sldMk cId="1833388495" sldId="270"/>
-            <ac:spMk id="3" creationId="{3E1AC391-A269-407D-9DBD-0F5821479F49}"/>
-          </ac:spMkLst>
-        </pc:spChg>
-        <pc:spChg chg="add mod">
-          <ac:chgData name="Cheshtaa Chitkara" userId="66861ce1-fb79-4c9f-85bd-e5ecfc5c67ba" providerId="ADAL" clId="{17C37AC8-791D-4BA4-A82D-31A0B522B6F6}" dt="2021-06-27T10:20:28.799" v="412" actId="20577"/>
-          <ac:spMkLst>
-            <pc:docMk/>
-            <pc:sldMk cId="1833388495" sldId="270"/>
-            <ac:spMk id="6" creationId="{8E357BB2-FBC1-4A03-8FEA-66362EACB40D}"/>
-          </ac:spMkLst>
-        </pc:spChg>
-        <pc:picChg chg="add mod ord modCrop">
-          <ac:chgData name="Cheshtaa Chitkara" userId="66861ce1-fb79-4c9f-85bd-e5ecfc5c67ba" providerId="ADAL" clId="{17C37AC8-791D-4BA4-A82D-31A0B522B6F6}" dt="2021-06-27T10:20:37.208" v="415" actId="1076"/>
-          <ac:picMkLst>
-            <pc:docMk/>
-            <pc:sldMk cId="1833388495" sldId="270"/>
-            <ac:picMk id="5" creationId="{993A05D7-3DC0-42DD-A8EB-6883F1435779}"/>
-          </ac:picMkLst>
-        </pc:picChg>
-      </pc:sldChg>
-      <pc:sldChg chg="modSp new mod">
-        <pc:chgData name="Cheshtaa Chitkara" userId="66861ce1-fb79-4c9f-85bd-e5ecfc5c67ba" providerId="ADAL" clId="{17C37AC8-791D-4BA4-A82D-31A0B522B6F6}" dt="2021-06-27T10:38:58.067" v="603" actId="20577"/>
+      <pc:sldChg chg="del">
+        <pc:chgData name="Cheshtaa Chitkara" userId="66861ce1-fb79-4c9f-85bd-e5ecfc5c67ba" providerId="ADAL" clId="{6ADC351E-CCCE-4530-A30F-D8D5223C6855}" dt="2022-07-08T08:48:16.496" v="228" actId="47"/>
         <pc:sldMkLst>
           <pc:docMk/>
           <pc:sldMk cId="2151245427" sldId="271"/>
         </pc:sldMkLst>
-        <pc:spChg chg="mod">
-          <ac:chgData name="Cheshtaa Chitkara" userId="66861ce1-fb79-4c9f-85bd-e5ecfc5c67ba" providerId="ADAL" clId="{17C37AC8-791D-4BA4-A82D-31A0B522B6F6}" dt="2021-06-27T10:22:20.639" v="440" actId="1076"/>
-          <ac:spMkLst>
-            <pc:docMk/>
-            <pc:sldMk cId="2151245427" sldId="271"/>
-            <ac:spMk id="2" creationId="{73C3DF57-6791-42AA-A4C0-BDB220AE5A97}"/>
-          </ac:spMkLst>
-        </pc:spChg>
-        <pc:spChg chg="mod">
-          <ac:chgData name="Cheshtaa Chitkara" userId="66861ce1-fb79-4c9f-85bd-e5ecfc5c67ba" providerId="ADAL" clId="{17C37AC8-791D-4BA4-A82D-31A0B522B6F6}" dt="2021-06-27T10:38:58.067" v="603" actId="20577"/>
-          <ac:spMkLst>
-            <pc:docMk/>
-            <pc:sldMk cId="2151245427" sldId="271"/>
-            <ac:spMk id="3" creationId="{556BE548-8A4A-4132-BDA6-58CFBF74D0F1}"/>
-          </ac:spMkLst>
-        </pc:spChg>
       </pc:sldChg>
-      <pc:sldChg chg="addSp modSp new mod">
-        <pc:chgData name="Cheshtaa Chitkara" userId="66861ce1-fb79-4c9f-85bd-e5ecfc5c67ba" providerId="ADAL" clId="{17C37AC8-791D-4BA4-A82D-31A0B522B6F6}" dt="2021-06-27T10:49:00.383" v="846" actId="20577"/>
-        <pc:sldMkLst>
-          <pc:docMk/>
-          <pc:sldMk cId="2462639946" sldId="272"/>
-        </pc:sldMkLst>
-        <pc:spChg chg="mod">
-          <ac:chgData name="Cheshtaa Chitkara" userId="66861ce1-fb79-4c9f-85bd-e5ecfc5c67ba" providerId="ADAL" clId="{17C37AC8-791D-4BA4-A82D-31A0B522B6F6}" dt="2021-06-27T10:43:08.887" v="658" actId="20577"/>
-          <ac:spMkLst>
-            <pc:docMk/>
-            <pc:sldMk cId="2462639946" sldId="272"/>
-            <ac:spMk id="2" creationId="{F5DF8EE5-E06D-4F76-858A-B29902A9B0BE}"/>
-          </ac:spMkLst>
-        </pc:spChg>
-        <pc:spChg chg="mod">
-          <ac:chgData name="Cheshtaa Chitkara" userId="66861ce1-fb79-4c9f-85bd-e5ecfc5c67ba" providerId="ADAL" clId="{17C37AC8-791D-4BA4-A82D-31A0B522B6F6}" dt="2021-06-27T10:49:00.383" v="846" actId="20577"/>
-          <ac:spMkLst>
-            <pc:docMk/>
-            <pc:sldMk cId="2462639946" sldId="272"/>
-            <ac:spMk id="3" creationId="{1D62EAE9-3869-46DC-90B4-AC9CDEF6D049}"/>
-          </ac:spMkLst>
-        </pc:spChg>
-        <pc:picChg chg="add mod">
-          <ac:chgData name="Cheshtaa Chitkara" userId="66861ce1-fb79-4c9f-85bd-e5ecfc5c67ba" providerId="ADAL" clId="{17C37AC8-791D-4BA4-A82D-31A0B522B6F6}" dt="2021-06-27T10:48:40.025" v="809" actId="1076"/>
-          <ac:picMkLst>
-            <pc:docMk/>
-            <pc:sldMk cId="2462639946" sldId="272"/>
-            <ac:picMk id="5" creationId="{C5C38FB6-A2C7-47E8-875A-F36AF8B9D57C}"/>
-          </ac:picMkLst>
-        </pc:picChg>
-      </pc:sldChg>
-      <pc:sldChg chg="addSp delSp modSp new mod">
-        <pc:chgData name="Cheshtaa Chitkara" userId="66861ce1-fb79-4c9f-85bd-e5ecfc5c67ba" providerId="ADAL" clId="{17C37AC8-791D-4BA4-A82D-31A0B522B6F6}" dt="2021-06-27T10:52:54.129" v="1041" actId="1076"/>
+      <pc:sldChg chg="modSp mod">
+        <pc:chgData name="Cheshtaa Chitkara" userId="66861ce1-fb79-4c9f-85bd-e5ecfc5c67ba" providerId="ADAL" clId="{6ADC351E-CCCE-4530-A30F-D8D5223C6855}" dt="2022-07-08T09:27:02.970" v="257" actId="20577"/>
         <pc:sldMkLst>
           <pc:docMk/>
           <pc:sldMk cId="1351791954" sldId="273"/>
         </pc:sldMkLst>
         <pc:spChg chg="mod">
-          <ac:chgData name="Cheshtaa Chitkara" userId="66861ce1-fb79-4c9f-85bd-e5ecfc5c67ba" providerId="ADAL" clId="{17C37AC8-791D-4BA4-A82D-31A0B522B6F6}" dt="2021-06-27T10:49:27.051" v="906" actId="20577"/>
-          <ac:spMkLst>
-            <pc:docMk/>
-            <pc:sldMk cId="1351791954" sldId="273"/>
-            <ac:spMk id="2" creationId="{5F26E2E2-44BF-46F0-AB78-E718D81FA586}"/>
-          </ac:spMkLst>
-        </pc:spChg>
-        <pc:spChg chg="del mod">
-          <ac:chgData name="Cheshtaa Chitkara" userId="66861ce1-fb79-4c9f-85bd-e5ecfc5c67ba" providerId="ADAL" clId="{17C37AC8-791D-4BA4-A82D-31A0B522B6F6}" dt="2021-06-27T10:51:38.875" v="910" actId="22"/>
-          <ac:spMkLst>
-            <pc:docMk/>
-            <pc:sldMk cId="1351791954" sldId="273"/>
-            <ac:spMk id="3" creationId="{68832EDE-2E11-4A66-ABB8-C1A0AE5C0F3B}"/>
-          </ac:spMkLst>
-        </pc:spChg>
-        <pc:spChg chg="add mod">
-          <ac:chgData name="Cheshtaa Chitkara" userId="66861ce1-fb79-4c9f-85bd-e5ecfc5c67ba" providerId="ADAL" clId="{17C37AC8-791D-4BA4-A82D-31A0B522B6F6}" dt="2021-06-27T10:52:45.690" v="1039" actId="14100"/>
+          <ac:chgData name="Cheshtaa Chitkara" userId="66861ce1-fb79-4c9f-85bd-e5ecfc5c67ba" providerId="ADAL" clId="{6ADC351E-CCCE-4530-A30F-D8D5223C6855}" dt="2022-07-08T09:27:02.970" v="257" actId="20577"/>
           <ac:spMkLst>
             <pc:docMk/>
             <pc:sldMk cId="1351791954" sldId="273"/>
             <ac:spMk id="7" creationId="{6FD6FFD7-F06D-4FA7-BB6A-A17F3060B2E6}"/>
           </ac:spMkLst>
         </pc:spChg>
-        <pc:picChg chg="add del mod ord modCrop">
-          <ac:chgData name="Cheshtaa Chitkara" userId="66861ce1-fb79-4c9f-85bd-e5ecfc5c67ba" providerId="ADAL" clId="{17C37AC8-791D-4BA4-A82D-31A0B522B6F6}" dt="2021-06-27T10:52:05.040" v="914" actId="478"/>
-          <ac:picMkLst>
-            <pc:docMk/>
-            <pc:sldMk cId="1351791954" sldId="273"/>
-            <ac:picMk id="5" creationId="{D2DEA1C7-0253-4128-8B27-7F64DC59F342}"/>
-          </ac:picMkLst>
-        </pc:picChg>
-        <pc:picChg chg="add mod modCrop">
-          <ac:chgData name="Cheshtaa Chitkara" userId="66861ce1-fb79-4c9f-85bd-e5ecfc5c67ba" providerId="ADAL" clId="{17C37AC8-791D-4BA4-A82D-31A0B522B6F6}" dt="2021-06-27T10:52:54.129" v="1041" actId="1076"/>
-          <ac:picMkLst>
-            <pc:docMk/>
-            <pc:sldMk cId="1351791954" sldId="273"/>
-            <ac:picMk id="9" creationId="{04A449B6-DE49-45E2-9BA6-5530C33BA068}"/>
-          </ac:picMkLst>
-        </pc:picChg>
       </pc:sldChg>
-      <pc:sldChg chg="addSp modSp new mod">
-        <pc:chgData name="Cheshtaa Chitkara" userId="66861ce1-fb79-4c9f-85bd-e5ecfc5c67ba" providerId="ADAL" clId="{17C37AC8-791D-4BA4-A82D-31A0B522B6F6}" dt="2021-06-27T11:04:07.062" v="1375" actId="20577"/>
+      <pc:sldChg chg="ord">
+        <pc:chgData name="Cheshtaa Chitkara" userId="66861ce1-fb79-4c9f-85bd-e5ecfc5c67ba" providerId="ADAL" clId="{6ADC351E-CCCE-4530-A30F-D8D5223C6855}" dt="2022-07-08T08:49:19.037" v="233"/>
         <pc:sldMkLst>
           <pc:docMk/>
           <pc:sldMk cId="1890577983" sldId="274"/>
         </pc:sldMkLst>
-        <pc:spChg chg="mod">
-          <ac:chgData name="Cheshtaa Chitkara" userId="66861ce1-fb79-4c9f-85bd-e5ecfc5c67ba" providerId="ADAL" clId="{17C37AC8-791D-4BA4-A82D-31A0B522B6F6}" dt="2021-06-27T10:56:45.819" v="1074" actId="20577"/>
-          <ac:spMkLst>
-            <pc:docMk/>
-            <pc:sldMk cId="1890577983" sldId="274"/>
-            <ac:spMk id="2" creationId="{A2179F93-67EC-41FD-A0EB-BB09C5D0723E}"/>
-          </ac:spMkLst>
-        </pc:spChg>
-        <pc:spChg chg="mod">
-          <ac:chgData name="Cheshtaa Chitkara" userId="66861ce1-fb79-4c9f-85bd-e5ecfc5c67ba" providerId="ADAL" clId="{17C37AC8-791D-4BA4-A82D-31A0B522B6F6}" dt="2021-06-27T11:04:07.062" v="1375" actId="20577"/>
-          <ac:spMkLst>
-            <pc:docMk/>
-            <pc:sldMk cId="1890577983" sldId="274"/>
-            <ac:spMk id="3" creationId="{D7A26D38-BD9E-45A3-B701-A8B08BEAB263}"/>
-          </ac:spMkLst>
-        </pc:spChg>
-        <pc:spChg chg="add mod">
-          <ac:chgData name="Cheshtaa Chitkara" userId="66861ce1-fb79-4c9f-85bd-e5ecfc5c67ba" providerId="ADAL" clId="{17C37AC8-791D-4BA4-A82D-31A0B522B6F6}" dt="2021-06-27T10:59:25.204" v="1120" actId="1076"/>
-          <ac:spMkLst>
-            <pc:docMk/>
-            <pc:sldMk cId="1890577983" sldId="274"/>
-            <ac:spMk id="5" creationId="{CDF11FB9-E32E-4595-BF54-2ADBEFCFBFB3}"/>
-          </ac:spMkLst>
-        </pc:spChg>
-        <pc:picChg chg="add mod modCrop">
-          <ac:chgData name="Cheshtaa Chitkara" userId="66861ce1-fb79-4c9f-85bd-e5ecfc5c67ba" providerId="ADAL" clId="{17C37AC8-791D-4BA4-A82D-31A0B522B6F6}" dt="2021-06-27T11:02:58.178" v="1222" actId="732"/>
-          <ac:picMkLst>
-            <pc:docMk/>
-            <pc:sldMk cId="1890577983" sldId="274"/>
-            <ac:picMk id="7" creationId="{B96E03C7-B788-4214-918C-CC114CA12FB1}"/>
-          </ac:picMkLst>
-        </pc:picChg>
       </pc:sldChg>
-      <pc:sldChg chg="addSp delSp modSp new del mod setBg">
-        <pc:chgData name="Cheshtaa Chitkara" userId="66861ce1-fb79-4c9f-85bd-e5ecfc5c67ba" providerId="ADAL" clId="{17C37AC8-791D-4BA4-A82D-31A0B522B6F6}" dt="2021-06-27T11:06:17.028" v="1575" actId="47"/>
-        <pc:sldMkLst>
-          <pc:docMk/>
-          <pc:sldMk cId="2403395225" sldId="275"/>
-        </pc:sldMkLst>
-        <pc:spChg chg="mod">
-          <ac:chgData name="Cheshtaa Chitkara" userId="66861ce1-fb79-4c9f-85bd-e5ecfc5c67ba" providerId="ADAL" clId="{17C37AC8-791D-4BA4-A82D-31A0B522B6F6}" dt="2021-06-27T11:05:12.186" v="1414" actId="14100"/>
-          <ac:spMkLst>
-            <pc:docMk/>
-            <pc:sldMk cId="2403395225" sldId="275"/>
-            <ac:spMk id="2" creationId="{3D522264-9DD2-4B10-9A8E-454D3E481CA7}"/>
-          </ac:spMkLst>
-        </pc:spChg>
-        <pc:spChg chg="del mod">
-          <ac:chgData name="Cheshtaa Chitkara" userId="66861ce1-fb79-4c9f-85bd-e5ecfc5c67ba" providerId="ADAL" clId="{17C37AC8-791D-4BA4-A82D-31A0B522B6F6}" dt="2021-06-27T11:04:42.712" v="1409" actId="26606"/>
-          <ac:spMkLst>
-            <pc:docMk/>
-            <pc:sldMk cId="2403395225" sldId="275"/>
-            <ac:spMk id="3" creationId="{1D627558-9CFD-42B2-BFCC-001727872A51}"/>
-          </ac:spMkLst>
-        </pc:spChg>
-        <pc:spChg chg="add del mod">
-          <ac:chgData name="Cheshtaa Chitkara" userId="66861ce1-fb79-4c9f-85bd-e5ecfc5c67ba" providerId="ADAL" clId="{17C37AC8-791D-4BA4-A82D-31A0B522B6F6}" dt="2021-06-27T11:06:13.070" v="1573"/>
-          <ac:spMkLst>
-            <pc:docMk/>
-            <pc:sldMk cId="2403395225" sldId="275"/>
-            <ac:spMk id="4" creationId="{237BE446-1639-48EA-AA8E-3F294E0D632C}"/>
-          </ac:spMkLst>
-        </pc:spChg>
-        <pc:spChg chg="add del">
-          <ac:chgData name="Cheshtaa Chitkara" userId="66861ce1-fb79-4c9f-85bd-e5ecfc5c67ba" providerId="ADAL" clId="{17C37AC8-791D-4BA4-A82D-31A0B522B6F6}" dt="2021-06-27T11:05:00.859" v="1411" actId="26606"/>
-          <ac:spMkLst>
-            <pc:docMk/>
-            <pc:sldMk cId="2403395225" sldId="275"/>
-            <ac:spMk id="11" creationId="{19F9BF86-FE94-4517-B97D-026C7515E589}"/>
-          </ac:spMkLst>
-        </pc:spChg>
-        <pc:spChg chg="add del">
-          <ac:chgData name="Cheshtaa Chitkara" userId="66861ce1-fb79-4c9f-85bd-e5ecfc5c67ba" providerId="ADAL" clId="{17C37AC8-791D-4BA4-A82D-31A0B522B6F6}" dt="2021-06-27T11:05:00.859" v="1411" actId="26606"/>
-          <ac:spMkLst>
-            <pc:docMk/>
-            <pc:sldMk cId="2403395225" sldId="275"/>
-            <ac:spMk id="13" creationId="{38390362-5868-4DF6-BD74-91C728840437}"/>
-          </ac:spMkLst>
-        </pc:spChg>
-        <pc:spChg chg="add">
-          <ac:chgData name="Cheshtaa Chitkara" userId="66861ce1-fb79-4c9f-85bd-e5ecfc5c67ba" providerId="ADAL" clId="{17C37AC8-791D-4BA4-A82D-31A0B522B6F6}" dt="2021-06-27T11:05:00.859" v="1411" actId="26606"/>
-          <ac:spMkLst>
-            <pc:docMk/>
-            <pc:sldMk cId="2403395225" sldId="275"/>
-            <ac:spMk id="22" creationId="{59A9681A-2486-4655-A876-E26402CA2EF6}"/>
-          </ac:spMkLst>
-        </pc:spChg>
-        <pc:spChg chg="add">
-          <ac:chgData name="Cheshtaa Chitkara" userId="66861ce1-fb79-4c9f-85bd-e5ecfc5c67ba" providerId="ADAL" clId="{17C37AC8-791D-4BA4-A82D-31A0B522B6F6}" dt="2021-06-27T11:05:00.859" v="1411" actId="26606"/>
-          <ac:spMkLst>
-            <pc:docMk/>
-            <pc:sldMk cId="2403395225" sldId="275"/>
-            <ac:spMk id="24" creationId="{C9BB6818-31C2-4340-98F8-64FF7F46A414}"/>
-          </ac:spMkLst>
-        </pc:spChg>
-        <pc:picChg chg="add mod">
-          <ac:chgData name="Cheshtaa Chitkara" userId="66861ce1-fb79-4c9f-85bd-e5ecfc5c67ba" providerId="ADAL" clId="{17C37AC8-791D-4BA4-A82D-31A0B522B6F6}" dt="2021-06-27T11:05:00.859" v="1411" actId="26606"/>
-          <ac:picMkLst>
-            <pc:docMk/>
-            <pc:sldMk cId="2403395225" sldId="275"/>
-            <ac:picMk id="5" creationId="{AB9B4D7E-1582-434A-A6C6-47A801BF6FC6}"/>
-          </ac:picMkLst>
-        </pc:picChg>
-        <pc:cxnChg chg="add del">
-          <ac:chgData name="Cheshtaa Chitkara" userId="66861ce1-fb79-4c9f-85bd-e5ecfc5c67ba" providerId="ADAL" clId="{17C37AC8-791D-4BA4-A82D-31A0B522B6F6}" dt="2021-06-27T11:05:00.859" v="1411" actId="26606"/>
-          <ac:cxnSpMkLst>
-            <pc:docMk/>
-            <pc:sldMk cId="2403395225" sldId="275"/>
-            <ac:cxnSpMk id="9" creationId="{F209B62C-3402-4623-9A7C-AA048B56F8C3}"/>
-          </ac:cxnSpMkLst>
-        </pc:cxnChg>
-        <pc:cxnChg chg="add del">
-          <ac:chgData name="Cheshtaa Chitkara" userId="66861ce1-fb79-4c9f-85bd-e5ecfc5c67ba" providerId="ADAL" clId="{17C37AC8-791D-4BA4-A82D-31A0B522B6F6}" dt="2021-06-27T11:05:00.859" v="1411" actId="26606"/>
-          <ac:cxnSpMkLst>
-            <pc:docMk/>
-            <pc:sldMk cId="2403395225" sldId="275"/>
-            <ac:cxnSpMk id="15" creationId="{8A5C8BF2-C035-4BFF-8802-A39723834415}"/>
-          </ac:cxnSpMkLst>
-        </pc:cxnChg>
-        <pc:cxnChg chg="add">
-          <ac:chgData name="Cheshtaa Chitkara" userId="66861ce1-fb79-4c9f-85bd-e5ecfc5c67ba" providerId="ADAL" clId="{17C37AC8-791D-4BA4-A82D-31A0B522B6F6}" dt="2021-06-27T11:05:00.859" v="1411" actId="26606"/>
-          <ac:cxnSpMkLst>
-            <pc:docMk/>
-            <pc:sldMk cId="2403395225" sldId="275"/>
-            <ac:cxnSpMk id="20" creationId="{F209B62C-3402-4623-9A7C-AA048B56F8C3}"/>
-          </ac:cxnSpMkLst>
-        </pc:cxnChg>
-        <pc:cxnChg chg="add">
-          <ac:chgData name="Cheshtaa Chitkara" userId="66861ce1-fb79-4c9f-85bd-e5ecfc5c67ba" providerId="ADAL" clId="{17C37AC8-791D-4BA4-A82D-31A0B522B6F6}" dt="2021-06-27T11:05:00.859" v="1411" actId="26606"/>
-          <ac:cxnSpMkLst>
-            <pc:docMk/>
-            <pc:sldMk cId="2403395225" sldId="275"/>
-            <ac:cxnSpMk id="26" creationId="{F0CE0765-E93C-4D37-9D5F-D464EFB10FA7}"/>
-          </ac:cxnSpMkLst>
-        </pc:cxnChg>
-      </pc:sldChg>
-      <pc:sldChg chg="modSp new mod">
-        <pc:chgData name="Cheshtaa Chitkara" userId="66861ce1-fb79-4c9f-85bd-e5ecfc5c67ba" providerId="ADAL" clId="{17C37AC8-791D-4BA4-A82D-31A0B522B6F6}" dt="2021-06-27T11:21:38.680" v="3168" actId="20577"/>
+      <pc:sldChg chg="modSp mod">
+        <pc:chgData name="Cheshtaa Chitkara" userId="66861ce1-fb79-4c9f-85bd-e5ecfc5c67ba" providerId="ADAL" clId="{6ADC351E-CCCE-4530-A30F-D8D5223C6855}" dt="2022-07-08T09:28:07.931" v="260" actId="113"/>
         <pc:sldMkLst>
           <pc:docMk/>
           <pc:sldMk cId="1689068937" sldId="276"/>
         </pc:sldMkLst>
         <pc:spChg chg="mod">
-          <ac:chgData name="Cheshtaa Chitkara" userId="66861ce1-fb79-4c9f-85bd-e5ecfc5c67ba" providerId="ADAL" clId="{17C37AC8-791D-4BA4-A82D-31A0B522B6F6}" dt="2021-06-27T11:06:25.305" v="1604" actId="1076"/>
-          <ac:spMkLst>
-            <pc:docMk/>
-            <pc:sldMk cId="1689068937" sldId="276"/>
-            <ac:spMk id="2" creationId="{CED35CE5-C6A9-4C85-8EB3-31F96F9D5FC9}"/>
-          </ac:spMkLst>
-        </pc:spChg>
-        <pc:spChg chg="mod">
-          <ac:chgData name="Cheshtaa Chitkara" userId="66861ce1-fb79-4c9f-85bd-e5ecfc5c67ba" providerId="ADAL" clId="{17C37AC8-791D-4BA4-A82D-31A0B522B6F6}" dt="2021-06-27T11:21:38.680" v="3168" actId="20577"/>
+          <ac:chgData name="Cheshtaa Chitkara" userId="66861ce1-fb79-4c9f-85bd-e5ecfc5c67ba" providerId="ADAL" clId="{6ADC351E-CCCE-4530-A30F-D8D5223C6855}" dt="2022-07-08T09:28:07.931" v="260" actId="113"/>
           <ac:spMkLst>
             <pc:docMk/>
             <pc:sldMk cId="1689068937" sldId="276"/>
@@ -598,207 +409,139 @@
           </ac:spMkLst>
         </pc:spChg>
       </pc:sldChg>
-      <pc:sldChg chg="addSp modSp new mod">
-        <pc:chgData name="Cheshtaa Chitkara" userId="66861ce1-fb79-4c9f-85bd-e5ecfc5c67ba" providerId="ADAL" clId="{17C37AC8-791D-4BA4-A82D-31A0B522B6F6}" dt="2021-06-27T11:17:42.724" v="2889" actId="20577"/>
+      <pc:sldChg chg="new del">
+        <pc:chgData name="Cheshtaa Chitkara" userId="66861ce1-fb79-4c9f-85bd-e5ecfc5c67ba" providerId="ADAL" clId="{6ADC351E-CCCE-4530-A30F-D8D5223C6855}" dt="2022-07-08T08:46:45.005" v="220" actId="47"/>
         <pc:sldMkLst>
           <pc:docMk/>
-          <pc:sldMk cId="465386946" sldId="277"/>
+          <pc:sldMk cId="1597102752" sldId="282"/>
+        </pc:sldMkLst>
+      </pc:sldChg>
+      <pc:sldChg chg="modSp add ord modAnim">
+        <pc:chgData name="Cheshtaa Chitkara" userId="66861ce1-fb79-4c9f-85bd-e5ecfc5c67ba" providerId="ADAL" clId="{6ADC351E-CCCE-4530-A30F-D8D5223C6855}" dt="2022-07-08T08:51:52.903" v="246" actId="20577"/>
+        <pc:sldMkLst>
+          <pc:docMk/>
+          <pc:sldMk cId="603825204" sldId="283"/>
         </pc:sldMkLst>
         <pc:spChg chg="mod">
-          <ac:chgData name="Cheshtaa Chitkara" userId="66861ce1-fb79-4c9f-85bd-e5ecfc5c67ba" providerId="ADAL" clId="{17C37AC8-791D-4BA4-A82D-31A0B522B6F6}" dt="2021-06-27T11:14:22.388" v="2343" actId="20577"/>
+          <ac:chgData name="Cheshtaa Chitkara" userId="66861ce1-fb79-4c9f-85bd-e5ecfc5c67ba" providerId="ADAL" clId="{6ADC351E-CCCE-4530-A30F-D8D5223C6855}" dt="2022-07-08T08:51:52.903" v="246" actId="20577"/>
           <ac:spMkLst>
             <pc:docMk/>
-            <pc:sldMk cId="465386946" sldId="277"/>
-            <ac:spMk id="2" creationId="{69A17898-3EE8-4081-8119-27E0F1E7119F}"/>
+            <pc:sldMk cId="603825204" sldId="283"/>
+            <ac:spMk id="3" creationId="{AFBE543D-0669-424E-B35B-F065CC082098}"/>
           </ac:spMkLst>
         </pc:spChg>
+      </pc:sldChg>
+      <pc:sldChg chg="modSp add ord">
+        <pc:chgData name="Cheshtaa Chitkara" userId="66861ce1-fb79-4c9f-85bd-e5ecfc5c67ba" providerId="ADAL" clId="{6ADC351E-CCCE-4530-A30F-D8D5223C6855}" dt="2022-07-08T08:52:05.539" v="247" actId="20577"/>
+        <pc:sldMkLst>
+          <pc:docMk/>
+          <pc:sldMk cId="3322734860" sldId="284"/>
+        </pc:sldMkLst>
         <pc:spChg chg="mod">
-          <ac:chgData name="Cheshtaa Chitkara" userId="66861ce1-fb79-4c9f-85bd-e5ecfc5c67ba" providerId="ADAL" clId="{17C37AC8-791D-4BA4-A82D-31A0B522B6F6}" dt="2021-06-27T11:17:42.724" v="2889" actId="20577"/>
+          <ac:chgData name="Cheshtaa Chitkara" userId="66861ce1-fb79-4c9f-85bd-e5ecfc5c67ba" providerId="ADAL" clId="{6ADC351E-CCCE-4530-A30F-D8D5223C6855}" dt="2022-07-08T08:52:05.539" v="247" actId="20577"/>
           <ac:spMkLst>
             <pc:docMk/>
-            <pc:sldMk cId="465386946" sldId="277"/>
-            <ac:spMk id="3" creationId="{2D5AD929-2540-4FD2-A88C-0284899C78F9}"/>
+            <pc:sldMk cId="3322734860" sldId="284"/>
+            <ac:spMk id="3" creationId="{117A3935-8C5C-45C7-A3C6-4B3D8073B85E}"/>
           </ac:spMkLst>
         </pc:spChg>
-        <pc:picChg chg="add mod modCrop">
-          <ac:chgData name="Cheshtaa Chitkara" userId="66861ce1-fb79-4c9f-85bd-e5ecfc5c67ba" providerId="ADAL" clId="{17C37AC8-791D-4BA4-A82D-31A0B522B6F6}" dt="2021-06-27T11:15:09.002" v="2351" actId="1076"/>
-          <ac:picMkLst>
-            <pc:docMk/>
-            <pc:sldMk cId="465386946" sldId="277"/>
-            <ac:picMk id="5" creationId="{1D7B5D46-2255-4A73-86A7-F26724604312}"/>
-          </ac:picMkLst>
-        </pc:picChg>
       </pc:sldChg>
-      <pc:sldChg chg="addSp modSp new mod">
-        <pc:chgData name="Cheshtaa Chitkara" userId="66861ce1-fb79-4c9f-85bd-e5ecfc5c67ba" providerId="ADAL" clId="{17C37AC8-791D-4BA4-A82D-31A0B522B6F6}" dt="2021-06-27T11:21:06.465" v="3160" actId="20577"/>
+      <pc:sldChg chg="delSp add setBg delDesignElem">
+        <pc:chgData name="Cheshtaa Chitkara" userId="66861ce1-fb79-4c9f-85bd-e5ecfc5c67ba" providerId="ADAL" clId="{6ADC351E-CCCE-4530-A30F-D8D5223C6855}" dt="2022-07-08T08:50:20.917" v="237"/>
         <pc:sldMkLst>
           <pc:docMk/>
-          <pc:sldMk cId="1636725487" sldId="278"/>
+          <pc:sldMk cId="1654687904" sldId="285"/>
         </pc:sldMkLst>
-        <pc:spChg chg="mod">
-          <ac:chgData name="Cheshtaa Chitkara" userId="66861ce1-fb79-4c9f-85bd-e5ecfc5c67ba" providerId="ADAL" clId="{17C37AC8-791D-4BA4-A82D-31A0B522B6F6}" dt="2021-06-27T11:19:11.990" v="2898" actId="1076"/>
+        <pc:spChg chg="del">
+          <ac:chgData name="Cheshtaa Chitkara" userId="66861ce1-fb79-4c9f-85bd-e5ecfc5c67ba" providerId="ADAL" clId="{6ADC351E-CCCE-4530-A30F-D8D5223C6855}" dt="2022-07-08T08:50:20.917" v="237"/>
           <ac:spMkLst>
             <pc:docMk/>
-            <pc:sldMk cId="1636725487" sldId="278"/>
-            <ac:spMk id="2" creationId="{C89B6361-CAE9-4A29-8D62-93D1A7B736CA}"/>
+            <pc:sldMk cId="1654687904" sldId="285"/>
+            <ac:spMk id="73" creationId="{19F9BF86-FE94-4517-B97D-026C7515E589}"/>
           </ac:spMkLst>
         </pc:spChg>
-        <pc:spChg chg="mod">
-          <ac:chgData name="Cheshtaa Chitkara" userId="66861ce1-fb79-4c9f-85bd-e5ecfc5c67ba" providerId="ADAL" clId="{17C37AC8-791D-4BA4-A82D-31A0B522B6F6}" dt="2021-06-27T11:21:06.465" v="3160" actId="20577"/>
+        <pc:spChg chg="del">
+          <ac:chgData name="Cheshtaa Chitkara" userId="66861ce1-fb79-4c9f-85bd-e5ecfc5c67ba" providerId="ADAL" clId="{6ADC351E-CCCE-4530-A30F-D8D5223C6855}" dt="2022-07-08T08:50:20.917" v="237"/>
           <ac:spMkLst>
             <pc:docMk/>
-            <pc:sldMk cId="1636725487" sldId="278"/>
-            <ac:spMk id="3" creationId="{A94058F1-3B1E-4F7F-AC32-DC7F00CFB690}"/>
+            <pc:sldMk cId="1654687904" sldId="285"/>
+            <ac:spMk id="75" creationId="{122AB34F-E75C-451A-8410-05B6C249E9D3}"/>
           </ac:spMkLst>
         </pc:spChg>
-        <pc:picChg chg="add mod modCrop">
-          <ac:chgData name="Cheshtaa Chitkara" userId="66861ce1-fb79-4c9f-85bd-e5ecfc5c67ba" providerId="ADAL" clId="{17C37AC8-791D-4BA4-A82D-31A0B522B6F6}" dt="2021-06-27T11:20:27.614" v="3023" actId="1076"/>
-          <ac:picMkLst>
+        <pc:cxnChg chg="del">
+          <ac:chgData name="Cheshtaa Chitkara" userId="66861ce1-fb79-4c9f-85bd-e5ecfc5c67ba" providerId="ADAL" clId="{6ADC351E-CCCE-4530-A30F-D8D5223C6855}" dt="2022-07-08T08:50:20.917" v="237"/>
+          <ac:cxnSpMkLst>
             <pc:docMk/>
-            <pc:sldMk cId="1636725487" sldId="278"/>
-            <ac:picMk id="5" creationId="{B4519205-3AA9-4727-83AF-08F528B4D704}"/>
-          </ac:picMkLst>
-        </pc:picChg>
+            <pc:sldMk cId="1654687904" sldId="285"/>
+            <ac:cxnSpMk id="71" creationId="{F209B62C-3402-4623-9A7C-AA048B56F8C3}"/>
+          </ac:cxnSpMkLst>
+        </pc:cxnChg>
+        <pc:cxnChg chg="del">
+          <ac:chgData name="Cheshtaa Chitkara" userId="66861ce1-fb79-4c9f-85bd-e5ecfc5c67ba" providerId="ADAL" clId="{6ADC351E-CCCE-4530-A30F-D8D5223C6855}" dt="2022-07-08T08:50:20.917" v="237"/>
+          <ac:cxnSpMkLst>
+            <pc:docMk/>
+            <pc:sldMk cId="1654687904" sldId="285"/>
+            <ac:cxnSpMk id="77" creationId="{97CC2FE6-3AD0-4131-B4BC-1F4D65E25E13}"/>
+          </ac:cxnSpMkLst>
+        </pc:cxnChg>
       </pc:sldChg>
-      <pc:sldChg chg="new del">
-        <pc:chgData name="Cheshtaa Chitkara" userId="66861ce1-fb79-4c9f-85bd-e5ecfc5c67ba" providerId="ADAL" clId="{17C37AC8-791D-4BA4-A82D-31A0B522B6F6}" dt="2021-06-27T11:22:21.882" v="3173" actId="47"/>
+      <pc:sldChg chg="add">
+        <pc:chgData name="Cheshtaa Chitkara" userId="66861ce1-fb79-4c9f-85bd-e5ecfc5c67ba" providerId="ADAL" clId="{6ADC351E-CCCE-4530-A30F-D8D5223C6855}" dt="2022-07-08T08:46:42.941" v="219"/>
         <pc:sldMkLst>
           <pc:docMk/>
-          <pc:sldMk cId="875762155" sldId="279"/>
+          <pc:sldMk cId="277142095" sldId="286"/>
         </pc:sldMkLst>
       </pc:sldChg>
       <pc:sldChg chg="new del">
-        <pc:chgData name="Cheshtaa Chitkara" userId="66861ce1-fb79-4c9f-85bd-e5ecfc5c67ba" providerId="ADAL" clId="{17C37AC8-791D-4BA4-A82D-31A0B522B6F6}" dt="2021-06-27T11:22:07.902" v="3170" actId="47"/>
+        <pc:chgData name="Cheshtaa Chitkara" userId="66861ce1-fb79-4c9f-85bd-e5ecfc5c67ba" providerId="ADAL" clId="{6ADC351E-CCCE-4530-A30F-D8D5223C6855}" dt="2022-07-08T08:48:15.258" v="227" actId="47"/>
         <pc:sldMkLst>
           <pc:docMk/>
-          <pc:sldMk cId="4017628956" sldId="279"/>
+          <pc:sldMk cId="4283544862" sldId="287"/>
         </pc:sldMkLst>
       </pc:sldChg>
-      <pc:sldChg chg="addSp delSp modSp new mod setBg">
-        <pc:chgData name="Cheshtaa Chitkara" userId="66861ce1-fb79-4c9f-85bd-e5ecfc5c67ba" providerId="ADAL" clId="{17C37AC8-791D-4BA4-A82D-31A0B522B6F6}" dt="2021-06-27T11:25:09.439" v="3201" actId="26606"/>
+      <pc:sldChg chg="delSp add setBg delDesignElem">
+        <pc:chgData name="Cheshtaa Chitkara" userId="66861ce1-fb79-4c9f-85bd-e5ecfc5c67ba" providerId="ADAL" clId="{6ADC351E-CCCE-4530-A30F-D8D5223C6855}" dt="2022-07-08T08:48:12.946" v="226"/>
         <pc:sldMkLst>
           <pc:docMk/>
-          <pc:sldMk cId="1856304606" sldId="280"/>
+          <pc:sldMk cId="781490477" sldId="288"/>
         </pc:sldMkLst>
-        <pc:spChg chg="mod">
-          <ac:chgData name="Cheshtaa Chitkara" userId="66861ce1-fb79-4c9f-85bd-e5ecfc5c67ba" providerId="ADAL" clId="{17C37AC8-791D-4BA4-A82D-31A0B522B6F6}" dt="2021-06-27T11:22:30.655" v="3186" actId="20577"/>
+        <pc:spChg chg="del">
+          <ac:chgData name="Cheshtaa Chitkara" userId="66861ce1-fb79-4c9f-85bd-e5ecfc5c67ba" providerId="ADAL" clId="{6ADC351E-CCCE-4530-A30F-D8D5223C6855}" dt="2022-07-08T08:48:12.946" v="226"/>
           <ac:spMkLst>
             <pc:docMk/>
-            <pc:sldMk cId="1856304606" sldId="280"/>
-            <ac:spMk id="2" creationId="{C5183C63-DFD1-4E35-87BC-E4A24FE167C7}"/>
+            <pc:sldMk cId="781490477" sldId="288"/>
+            <ac:spMk id="71" creationId="{744CAA32-F237-419C-A2DD-43C28D920D3C}"/>
           </ac:spMkLst>
         </pc:spChg>
-        <pc:spChg chg="add del">
-          <ac:chgData name="Cheshtaa Chitkara" userId="66861ce1-fb79-4c9f-85bd-e5ecfc5c67ba" providerId="ADAL" clId="{17C37AC8-791D-4BA4-A82D-31A0B522B6F6}" dt="2021-06-27T11:25:09.439" v="3201" actId="26606"/>
-          <ac:spMkLst>
-            <pc:docMk/>
-            <pc:sldMk cId="1856304606" sldId="280"/>
-            <ac:spMk id="10" creationId="{19F9BF86-FE94-4517-B97D-026C7515E589}"/>
-          </ac:spMkLst>
-        </pc:spChg>
-        <pc:spChg chg="add del">
-          <ac:chgData name="Cheshtaa Chitkara" userId="66861ce1-fb79-4c9f-85bd-e5ecfc5c67ba" providerId="ADAL" clId="{17C37AC8-791D-4BA4-A82D-31A0B522B6F6}" dt="2021-06-27T11:25:09.439" v="3201" actId="26606"/>
-          <ac:spMkLst>
-            <pc:docMk/>
-            <pc:sldMk cId="1856304606" sldId="280"/>
-            <ac:spMk id="12" creationId="{9BD78BA5-2579-4D62-B68F-2289D39BF376}"/>
-          </ac:spMkLst>
-        </pc:spChg>
-        <pc:spChg chg="add">
-          <ac:chgData name="Cheshtaa Chitkara" userId="66861ce1-fb79-4c9f-85bd-e5ecfc5c67ba" providerId="ADAL" clId="{17C37AC8-791D-4BA4-A82D-31A0B522B6F6}" dt="2021-06-27T11:25:09.439" v="3201" actId="26606"/>
-          <ac:spMkLst>
-            <pc:docMk/>
-            <pc:sldMk cId="1856304606" sldId="280"/>
-            <ac:spMk id="22" creationId="{19F9BF86-FE94-4517-B97D-026C7515E589}"/>
-          </ac:spMkLst>
-        </pc:spChg>
-        <pc:spChg chg="add">
-          <ac:chgData name="Cheshtaa Chitkara" userId="66861ce1-fb79-4c9f-85bd-e5ecfc5c67ba" providerId="ADAL" clId="{17C37AC8-791D-4BA4-A82D-31A0B522B6F6}" dt="2021-06-27T11:25:09.439" v="3201" actId="26606"/>
-          <ac:spMkLst>
-            <pc:docMk/>
-            <pc:sldMk cId="1856304606" sldId="280"/>
-            <ac:spMk id="24" creationId="{9E9D00D9-C4F5-471E-BE2C-126CB112A6BD}"/>
-          </ac:spMkLst>
-        </pc:spChg>
-        <pc:picChg chg="add del">
-          <ac:chgData name="Cheshtaa Chitkara" userId="66861ce1-fb79-4c9f-85bd-e5ecfc5c67ba" providerId="ADAL" clId="{17C37AC8-791D-4BA4-A82D-31A0B522B6F6}" dt="2021-06-27T11:25:04.429" v="3200" actId="478"/>
-          <ac:picMkLst>
-            <pc:docMk/>
-            <pc:sldMk cId="1856304606" sldId="280"/>
-            <ac:picMk id="4" creationId="{B30FC6B5-D5F1-426B-9BF5-5D8F0302DCF9}"/>
-          </ac:picMkLst>
-        </pc:picChg>
-        <pc:picChg chg="add">
-          <ac:chgData name="Cheshtaa Chitkara" userId="66861ce1-fb79-4c9f-85bd-e5ecfc5c67ba" providerId="ADAL" clId="{17C37AC8-791D-4BA4-A82D-31A0B522B6F6}" dt="2021-06-27T11:25:09.439" v="3201" actId="26606"/>
-          <ac:picMkLst>
-            <pc:docMk/>
-            <pc:sldMk cId="1856304606" sldId="280"/>
-            <ac:picMk id="16" creationId="{CA339130-1E60-4AB7-9041-81C4CD6A68BB}"/>
-          </ac:picMkLst>
-        </pc:picChg>
-        <pc:cxnChg chg="add del">
-          <ac:chgData name="Cheshtaa Chitkara" userId="66861ce1-fb79-4c9f-85bd-e5ecfc5c67ba" providerId="ADAL" clId="{17C37AC8-791D-4BA4-A82D-31A0B522B6F6}" dt="2021-06-27T11:25:09.439" v="3201" actId="26606"/>
+        <pc:cxnChg chg="del">
+          <ac:chgData name="Cheshtaa Chitkara" userId="66861ce1-fb79-4c9f-85bd-e5ecfc5c67ba" providerId="ADAL" clId="{6ADC351E-CCCE-4530-A30F-D8D5223C6855}" dt="2022-07-08T08:48:12.946" v="226"/>
           <ac:cxnSpMkLst>
             <pc:docMk/>
-            <pc:sldMk cId="1856304606" sldId="280"/>
-            <ac:cxnSpMk id="8" creationId="{F209B62C-3402-4623-9A7C-AA048B56F8C3}"/>
-          </ac:cxnSpMkLst>
-        </pc:cxnChg>
-        <pc:cxnChg chg="add del">
-          <ac:chgData name="Cheshtaa Chitkara" userId="66861ce1-fb79-4c9f-85bd-e5ecfc5c67ba" providerId="ADAL" clId="{17C37AC8-791D-4BA4-A82D-31A0B522B6F6}" dt="2021-06-27T11:25:09.439" v="3201" actId="26606"/>
-          <ac:cxnSpMkLst>
-            <pc:docMk/>
-            <pc:sldMk cId="1856304606" sldId="280"/>
-            <ac:cxnSpMk id="14" creationId="{97CC2FE6-3AD0-4131-B4BC-1F4D65E25E13}"/>
-          </ac:cxnSpMkLst>
-        </pc:cxnChg>
-        <pc:cxnChg chg="add">
-          <ac:chgData name="Cheshtaa Chitkara" userId="66861ce1-fb79-4c9f-85bd-e5ecfc5c67ba" providerId="ADAL" clId="{17C37AC8-791D-4BA4-A82D-31A0B522B6F6}" dt="2021-06-27T11:25:09.439" v="3201" actId="26606"/>
-          <ac:cxnSpMkLst>
-            <pc:docMk/>
-            <pc:sldMk cId="1856304606" sldId="280"/>
-            <ac:cxnSpMk id="20" creationId="{F209B62C-3402-4623-9A7C-AA048B56F8C3}"/>
-          </ac:cxnSpMkLst>
-        </pc:cxnChg>
-        <pc:cxnChg chg="add">
-          <ac:chgData name="Cheshtaa Chitkara" userId="66861ce1-fb79-4c9f-85bd-e5ecfc5c67ba" providerId="ADAL" clId="{17C37AC8-791D-4BA4-A82D-31A0B522B6F6}" dt="2021-06-27T11:25:09.439" v="3201" actId="26606"/>
-          <ac:cxnSpMkLst>
-            <pc:docMk/>
-            <pc:sldMk cId="1856304606" sldId="280"/>
-            <ac:cxnSpMk id="26" creationId="{97CC2FE6-3AD0-4131-B4BC-1F4D65E25E13}"/>
+            <pc:sldMk cId="781490477" sldId="288"/>
+            <ac:cxnSpMk id="73" creationId="{753FE100-D0AB-4AE2-824B-60CFA31EC6A2}"/>
           </ac:cxnSpMkLst>
         </pc:cxnChg>
       </pc:sldChg>
-      <pc:sldChg chg="addSp delSp modSp new mod">
-        <pc:chgData name="Cheshtaa Chitkara" userId="66861ce1-fb79-4c9f-85bd-e5ecfc5c67ba" providerId="ADAL" clId="{17C37AC8-791D-4BA4-A82D-31A0B522B6F6}" dt="2021-06-27T11:24:41.037" v="3199" actId="1076"/>
+      <pc:sldChg chg="new del">
+        <pc:chgData name="Cheshtaa Chitkara" userId="66861ce1-fb79-4c9f-85bd-e5ecfc5c67ba" providerId="ADAL" clId="{6ADC351E-CCCE-4530-A30F-D8D5223C6855}" dt="2022-07-08T08:49:08.234" v="231" actId="47"/>
         <pc:sldMkLst>
           <pc:docMk/>
-          <pc:sldMk cId="1400069238" sldId="281"/>
+          <pc:sldMk cId="1281999568" sldId="289"/>
         </pc:sldMkLst>
-        <pc:spChg chg="mod">
-          <ac:chgData name="Cheshtaa Chitkara" userId="66861ce1-fb79-4c9f-85bd-e5ecfc5c67ba" providerId="ADAL" clId="{17C37AC8-791D-4BA4-A82D-31A0B522B6F6}" dt="2021-06-27T11:23:31.586" v="3193" actId="1076"/>
-          <ac:spMkLst>
-            <pc:docMk/>
-            <pc:sldMk cId="1400069238" sldId="281"/>
-            <ac:spMk id="2" creationId="{403E7125-3DC1-4CEA-8DE1-A410488A2684}"/>
-          </ac:spMkLst>
-        </pc:spChg>
-        <pc:spChg chg="del">
-          <ac:chgData name="Cheshtaa Chitkara" userId="66861ce1-fb79-4c9f-85bd-e5ecfc5c67ba" providerId="ADAL" clId="{17C37AC8-791D-4BA4-A82D-31A0B522B6F6}" dt="2021-06-27T11:24:30.361" v="3194" actId="22"/>
-          <ac:spMkLst>
-            <pc:docMk/>
-            <pc:sldMk cId="1400069238" sldId="281"/>
-            <ac:spMk id="3" creationId="{A3503C5C-7FA3-4C64-835F-8D679792D524}"/>
-          </ac:spMkLst>
-        </pc:spChg>
-        <pc:picChg chg="add mod ord">
-          <ac:chgData name="Cheshtaa Chitkara" userId="66861ce1-fb79-4c9f-85bd-e5ecfc5c67ba" providerId="ADAL" clId="{17C37AC8-791D-4BA4-A82D-31A0B522B6F6}" dt="2021-06-27T11:24:41.037" v="3199" actId="1076"/>
-          <ac:picMkLst>
-            <pc:docMk/>
-            <pc:sldMk cId="1400069238" sldId="281"/>
-            <ac:picMk id="5" creationId="{5B0C5144-04F3-4024-9CF6-643726510035}"/>
-          </ac:picMkLst>
-        </pc:picChg>
+      </pc:sldChg>
+      <pc:sldChg chg="new del">
+        <pc:chgData name="Cheshtaa Chitkara" userId="66861ce1-fb79-4c9f-85bd-e5ecfc5c67ba" providerId="ADAL" clId="{6ADC351E-CCCE-4530-A30F-D8D5223C6855}" dt="2022-07-08T08:50:22.314" v="238" actId="47"/>
+        <pc:sldMkLst>
+          <pc:docMk/>
+          <pc:sldMk cId="2736192086" sldId="289"/>
+        </pc:sldMkLst>
+      </pc:sldChg>
+      <pc:sldChg chg="add del">
+        <pc:chgData name="Cheshtaa Chitkara" userId="66861ce1-fb79-4c9f-85bd-e5ecfc5c67ba" providerId="ADAL" clId="{6ADC351E-CCCE-4530-A30F-D8D5223C6855}" dt="2022-07-08T08:49:50.183" v="234" actId="47"/>
+        <pc:sldMkLst>
+          <pc:docMk/>
+          <pc:sldMk cId="2603483094" sldId="290"/>
+        </pc:sldMkLst>
       </pc:sldChg>
     </pc:docChg>
   </pc:docChgLst>
@@ -1477,6 +1220,659 @@
       </pc:sldChg>
     </pc:docChg>
   </pc:docChgLst>
+  <pc:docChgLst>
+    <pc:chgData name="Cheshtaa Chitkara" userId="66861ce1-fb79-4c9f-85bd-e5ecfc5c67ba" providerId="ADAL" clId="{17C37AC8-791D-4BA4-A82D-31A0B522B6F6}"/>
+    <pc:docChg chg="custSel addSld delSld modSld">
+      <pc:chgData name="Cheshtaa Chitkara" userId="66861ce1-fb79-4c9f-85bd-e5ecfc5c67ba" providerId="ADAL" clId="{17C37AC8-791D-4BA4-A82D-31A0B522B6F6}" dt="2021-06-27T11:25:09.439" v="3201" actId="26606"/>
+      <pc:docMkLst>
+        <pc:docMk/>
+      </pc:docMkLst>
+      <pc:sldChg chg="modSp mod">
+        <pc:chgData name="Cheshtaa Chitkara" userId="66861ce1-fb79-4c9f-85bd-e5ecfc5c67ba" providerId="ADAL" clId="{17C37AC8-791D-4BA4-A82D-31A0B522B6F6}" dt="2021-06-27T10:10:05.544" v="160" actId="27636"/>
+        <pc:sldMkLst>
+          <pc:docMk/>
+          <pc:sldMk cId="3264971418" sldId="257"/>
+        </pc:sldMkLst>
+        <pc:spChg chg="mod">
+          <ac:chgData name="Cheshtaa Chitkara" userId="66861ce1-fb79-4c9f-85bd-e5ecfc5c67ba" providerId="ADAL" clId="{17C37AC8-791D-4BA4-A82D-31A0B522B6F6}" dt="2021-06-27T10:10:05.544" v="160" actId="27636"/>
+          <ac:spMkLst>
+            <pc:docMk/>
+            <pc:sldMk cId="3264971418" sldId="257"/>
+            <ac:spMk id="2" creationId="{2ECF4806-95B0-4D4F-9B6F-3C0310D89361}"/>
+          </ac:spMkLst>
+        </pc:spChg>
+      </pc:sldChg>
+      <pc:sldChg chg="modSp mod">
+        <pc:chgData name="Cheshtaa Chitkara" userId="66861ce1-fb79-4c9f-85bd-e5ecfc5c67ba" providerId="ADAL" clId="{17C37AC8-791D-4BA4-A82D-31A0B522B6F6}" dt="2021-06-27T11:00:34.920" v="1215" actId="14100"/>
+        <pc:sldMkLst>
+          <pc:docMk/>
+          <pc:sldMk cId="2806832781" sldId="259"/>
+        </pc:sldMkLst>
+        <pc:spChg chg="mod">
+          <ac:chgData name="Cheshtaa Chitkara" userId="66861ce1-fb79-4c9f-85bd-e5ecfc5c67ba" providerId="ADAL" clId="{17C37AC8-791D-4BA4-A82D-31A0B522B6F6}" dt="2021-06-27T11:00:34.920" v="1215" actId="14100"/>
+          <ac:spMkLst>
+            <pc:docMk/>
+            <pc:sldMk cId="2806832781" sldId="259"/>
+            <ac:spMk id="2" creationId="{DC629612-1189-4452-93FC-0785C5FB0181}"/>
+          </ac:spMkLst>
+        </pc:spChg>
+      </pc:sldChg>
+      <pc:sldChg chg="modSp">
+        <pc:chgData name="Cheshtaa Chitkara" userId="66861ce1-fb79-4c9f-85bd-e5ecfc5c67ba" providerId="ADAL" clId="{17C37AC8-791D-4BA4-A82D-31A0B522B6F6}" dt="2021-06-27T11:00:55.958" v="1216" actId="1076"/>
+        <pc:sldMkLst>
+          <pc:docMk/>
+          <pc:sldMk cId="1685334867" sldId="261"/>
+        </pc:sldMkLst>
+        <pc:picChg chg="mod">
+          <ac:chgData name="Cheshtaa Chitkara" userId="66861ce1-fb79-4c9f-85bd-e5ecfc5c67ba" providerId="ADAL" clId="{17C37AC8-791D-4BA4-A82D-31A0B522B6F6}" dt="2021-06-27T11:00:55.958" v="1216" actId="1076"/>
+          <ac:picMkLst>
+            <pc:docMk/>
+            <pc:sldMk cId="1685334867" sldId="261"/>
+            <ac:picMk id="8" creationId="{8708C3AD-8C57-41A1-8ED4-7B6DE10D8ECF}"/>
+          </ac:picMkLst>
+        </pc:picChg>
+      </pc:sldChg>
+      <pc:sldChg chg="modSp mod">
+        <pc:chgData name="Cheshtaa Chitkara" userId="66861ce1-fb79-4c9f-85bd-e5ecfc5c67ba" providerId="ADAL" clId="{17C37AC8-791D-4BA4-A82D-31A0B522B6F6}" dt="2021-06-27T08:57:53.407" v="0" actId="14100"/>
+        <pc:sldMkLst>
+          <pc:docMk/>
+          <pc:sldMk cId="2703609540" sldId="266"/>
+        </pc:sldMkLst>
+        <pc:spChg chg="mod">
+          <ac:chgData name="Cheshtaa Chitkara" userId="66861ce1-fb79-4c9f-85bd-e5ecfc5c67ba" providerId="ADAL" clId="{17C37AC8-791D-4BA4-A82D-31A0B522B6F6}" dt="2021-06-27T08:57:53.407" v="0" actId="14100"/>
+          <ac:spMkLst>
+            <pc:docMk/>
+            <pc:sldMk cId="2703609540" sldId="266"/>
+            <ac:spMk id="2" creationId="{A699149A-826F-41FB-8E72-AE58E4ABA48F}"/>
+          </ac:spMkLst>
+        </pc:spChg>
+      </pc:sldChg>
+      <pc:sldChg chg="modSp mod">
+        <pc:chgData name="Cheshtaa Chitkara" userId="66861ce1-fb79-4c9f-85bd-e5ecfc5c67ba" providerId="ADAL" clId="{17C37AC8-791D-4BA4-A82D-31A0B522B6F6}" dt="2021-06-27T08:57:59.267" v="1" actId="14100"/>
+        <pc:sldMkLst>
+          <pc:docMk/>
+          <pc:sldMk cId="763466673" sldId="267"/>
+        </pc:sldMkLst>
+        <pc:spChg chg="mod">
+          <ac:chgData name="Cheshtaa Chitkara" userId="66861ce1-fb79-4c9f-85bd-e5ecfc5c67ba" providerId="ADAL" clId="{17C37AC8-791D-4BA4-A82D-31A0B522B6F6}" dt="2021-06-27T08:57:59.267" v="1" actId="14100"/>
+          <ac:spMkLst>
+            <pc:docMk/>
+            <pc:sldMk cId="763466673" sldId="267"/>
+            <ac:spMk id="2" creationId="{F870447D-3ACF-4D36-8419-0655428FBE82}"/>
+          </ac:spMkLst>
+        </pc:spChg>
+      </pc:sldChg>
+      <pc:sldChg chg="modSp mod">
+        <pc:chgData name="Cheshtaa Chitkara" userId="66861ce1-fb79-4c9f-85bd-e5ecfc5c67ba" providerId="ADAL" clId="{17C37AC8-791D-4BA4-A82D-31A0B522B6F6}" dt="2021-06-27T09:02:00.948" v="3" actId="14100"/>
+        <pc:sldMkLst>
+          <pc:docMk/>
+          <pc:sldMk cId="3083508322" sldId="268"/>
+        </pc:sldMkLst>
+        <pc:spChg chg="mod">
+          <ac:chgData name="Cheshtaa Chitkara" userId="66861ce1-fb79-4c9f-85bd-e5ecfc5c67ba" providerId="ADAL" clId="{17C37AC8-791D-4BA4-A82D-31A0B522B6F6}" dt="2021-06-27T09:01:54.719" v="2" actId="14100"/>
+          <ac:spMkLst>
+            <pc:docMk/>
+            <pc:sldMk cId="3083508322" sldId="268"/>
+            <ac:spMk id="2" creationId="{ED735847-F402-4562-8AA8-DEE4AFC14A23}"/>
+          </ac:spMkLst>
+        </pc:spChg>
+        <pc:spChg chg="mod">
+          <ac:chgData name="Cheshtaa Chitkara" userId="66861ce1-fb79-4c9f-85bd-e5ecfc5c67ba" providerId="ADAL" clId="{17C37AC8-791D-4BA4-A82D-31A0B522B6F6}" dt="2021-06-27T09:02:00.948" v="3" actId="14100"/>
+          <ac:spMkLst>
+            <pc:docMk/>
+            <pc:sldMk cId="3083508322" sldId="268"/>
+            <ac:spMk id="4" creationId="{F1CBB440-9B27-4140-8DF5-2CEA8165DE65}"/>
+          </ac:spMkLst>
+        </pc:spChg>
+      </pc:sldChg>
+      <pc:sldChg chg="addSp delSp modSp new mod">
+        <pc:chgData name="Cheshtaa Chitkara" userId="66861ce1-fb79-4c9f-85bd-e5ecfc5c67ba" providerId="ADAL" clId="{17C37AC8-791D-4BA4-A82D-31A0B522B6F6}" dt="2021-06-27T10:11:41.068" v="246" actId="1076"/>
+        <pc:sldMkLst>
+          <pc:docMk/>
+          <pc:sldMk cId="389027491" sldId="269"/>
+        </pc:sldMkLst>
+        <pc:spChg chg="mod">
+          <ac:chgData name="Cheshtaa Chitkara" userId="66861ce1-fb79-4c9f-85bd-e5ecfc5c67ba" providerId="ADAL" clId="{17C37AC8-791D-4BA4-A82D-31A0B522B6F6}" dt="2021-06-27T10:05:15.265" v="22" actId="1076"/>
+          <ac:spMkLst>
+            <pc:docMk/>
+            <pc:sldMk cId="389027491" sldId="269"/>
+            <ac:spMk id="2" creationId="{1E03D065-D33F-4872-B77B-029674CF3A91}"/>
+          </ac:spMkLst>
+        </pc:spChg>
+        <pc:spChg chg="mod">
+          <ac:chgData name="Cheshtaa Chitkara" userId="66861ce1-fb79-4c9f-85bd-e5ecfc5c67ba" providerId="ADAL" clId="{17C37AC8-791D-4BA4-A82D-31A0B522B6F6}" dt="2021-06-27T10:11:38.572" v="245" actId="14100"/>
+          <ac:spMkLst>
+            <pc:docMk/>
+            <pc:sldMk cId="389027491" sldId="269"/>
+            <ac:spMk id="3" creationId="{AB741D3A-ACAC-4C6A-81D2-B4F195EEFA9F}"/>
+          </ac:spMkLst>
+        </pc:spChg>
+        <pc:spChg chg="add del mod">
+          <ac:chgData name="Cheshtaa Chitkara" userId="66861ce1-fb79-4c9f-85bd-e5ecfc5c67ba" providerId="ADAL" clId="{17C37AC8-791D-4BA4-A82D-31A0B522B6F6}" dt="2021-06-27T10:10:05.497" v="159"/>
+          <ac:spMkLst>
+            <pc:docMk/>
+            <pc:sldMk cId="389027491" sldId="269"/>
+            <ac:spMk id="4" creationId="{25984BAD-23B8-4F80-AF70-98784A71C3CE}"/>
+          </ac:spMkLst>
+        </pc:spChg>
+        <pc:picChg chg="add mod modCrop">
+          <ac:chgData name="Cheshtaa Chitkara" userId="66861ce1-fb79-4c9f-85bd-e5ecfc5c67ba" providerId="ADAL" clId="{17C37AC8-791D-4BA4-A82D-31A0B522B6F6}" dt="2021-06-27T10:11:41.068" v="246" actId="1076"/>
+          <ac:picMkLst>
+            <pc:docMk/>
+            <pc:sldMk cId="389027491" sldId="269"/>
+            <ac:picMk id="6" creationId="{91CD0E83-E70D-4698-985D-2C6792770FF8}"/>
+          </ac:picMkLst>
+        </pc:picChg>
+      </pc:sldChg>
+      <pc:sldChg chg="addSp delSp modSp new mod">
+        <pc:chgData name="Cheshtaa Chitkara" userId="66861ce1-fb79-4c9f-85bd-e5ecfc5c67ba" providerId="ADAL" clId="{17C37AC8-791D-4BA4-A82D-31A0B522B6F6}" dt="2021-06-27T10:20:37.208" v="415" actId="1076"/>
+        <pc:sldMkLst>
+          <pc:docMk/>
+          <pc:sldMk cId="1833388495" sldId="270"/>
+        </pc:sldMkLst>
+        <pc:spChg chg="mod">
+          <ac:chgData name="Cheshtaa Chitkara" userId="66861ce1-fb79-4c9f-85bd-e5ecfc5c67ba" providerId="ADAL" clId="{17C37AC8-791D-4BA4-A82D-31A0B522B6F6}" dt="2021-06-27T10:12:40.796" v="274" actId="1076"/>
+          <ac:spMkLst>
+            <pc:docMk/>
+            <pc:sldMk cId="1833388495" sldId="270"/>
+            <ac:spMk id="2" creationId="{41325CE8-1821-4F08-A14A-545E133AFB87}"/>
+          </ac:spMkLst>
+        </pc:spChg>
+        <pc:spChg chg="del mod">
+          <ac:chgData name="Cheshtaa Chitkara" userId="66861ce1-fb79-4c9f-85bd-e5ecfc5c67ba" providerId="ADAL" clId="{17C37AC8-791D-4BA4-A82D-31A0B522B6F6}" dt="2021-06-27T10:15:16.713" v="277" actId="22"/>
+          <ac:spMkLst>
+            <pc:docMk/>
+            <pc:sldMk cId="1833388495" sldId="270"/>
+            <ac:spMk id="3" creationId="{3E1AC391-A269-407D-9DBD-0F5821479F49}"/>
+          </ac:spMkLst>
+        </pc:spChg>
+        <pc:spChg chg="add mod">
+          <ac:chgData name="Cheshtaa Chitkara" userId="66861ce1-fb79-4c9f-85bd-e5ecfc5c67ba" providerId="ADAL" clId="{17C37AC8-791D-4BA4-A82D-31A0B522B6F6}" dt="2021-06-27T10:20:28.799" v="412" actId="20577"/>
+          <ac:spMkLst>
+            <pc:docMk/>
+            <pc:sldMk cId="1833388495" sldId="270"/>
+            <ac:spMk id="6" creationId="{8E357BB2-FBC1-4A03-8FEA-66362EACB40D}"/>
+          </ac:spMkLst>
+        </pc:spChg>
+        <pc:picChg chg="add mod ord modCrop">
+          <ac:chgData name="Cheshtaa Chitkara" userId="66861ce1-fb79-4c9f-85bd-e5ecfc5c67ba" providerId="ADAL" clId="{17C37AC8-791D-4BA4-A82D-31A0B522B6F6}" dt="2021-06-27T10:20:37.208" v="415" actId="1076"/>
+          <ac:picMkLst>
+            <pc:docMk/>
+            <pc:sldMk cId="1833388495" sldId="270"/>
+            <ac:picMk id="5" creationId="{993A05D7-3DC0-42DD-A8EB-6883F1435779}"/>
+          </ac:picMkLst>
+        </pc:picChg>
+      </pc:sldChg>
+      <pc:sldChg chg="modSp new mod">
+        <pc:chgData name="Cheshtaa Chitkara" userId="66861ce1-fb79-4c9f-85bd-e5ecfc5c67ba" providerId="ADAL" clId="{17C37AC8-791D-4BA4-A82D-31A0B522B6F6}" dt="2021-06-27T10:38:58.067" v="603" actId="20577"/>
+        <pc:sldMkLst>
+          <pc:docMk/>
+          <pc:sldMk cId="2151245427" sldId="271"/>
+        </pc:sldMkLst>
+        <pc:spChg chg="mod">
+          <ac:chgData name="Cheshtaa Chitkara" userId="66861ce1-fb79-4c9f-85bd-e5ecfc5c67ba" providerId="ADAL" clId="{17C37AC8-791D-4BA4-A82D-31A0B522B6F6}" dt="2021-06-27T10:22:20.639" v="440" actId="1076"/>
+          <ac:spMkLst>
+            <pc:docMk/>
+            <pc:sldMk cId="2151245427" sldId="271"/>
+            <ac:spMk id="2" creationId="{73C3DF57-6791-42AA-A4C0-BDB220AE5A97}"/>
+          </ac:spMkLst>
+        </pc:spChg>
+        <pc:spChg chg="mod">
+          <ac:chgData name="Cheshtaa Chitkara" userId="66861ce1-fb79-4c9f-85bd-e5ecfc5c67ba" providerId="ADAL" clId="{17C37AC8-791D-4BA4-A82D-31A0B522B6F6}" dt="2021-06-27T10:38:58.067" v="603" actId="20577"/>
+          <ac:spMkLst>
+            <pc:docMk/>
+            <pc:sldMk cId="2151245427" sldId="271"/>
+            <ac:spMk id="3" creationId="{556BE548-8A4A-4132-BDA6-58CFBF74D0F1}"/>
+          </ac:spMkLst>
+        </pc:spChg>
+      </pc:sldChg>
+      <pc:sldChg chg="addSp modSp new mod">
+        <pc:chgData name="Cheshtaa Chitkara" userId="66861ce1-fb79-4c9f-85bd-e5ecfc5c67ba" providerId="ADAL" clId="{17C37AC8-791D-4BA4-A82D-31A0B522B6F6}" dt="2021-06-27T10:49:00.383" v="846" actId="20577"/>
+        <pc:sldMkLst>
+          <pc:docMk/>
+          <pc:sldMk cId="2462639946" sldId="272"/>
+        </pc:sldMkLst>
+        <pc:spChg chg="mod">
+          <ac:chgData name="Cheshtaa Chitkara" userId="66861ce1-fb79-4c9f-85bd-e5ecfc5c67ba" providerId="ADAL" clId="{17C37AC8-791D-4BA4-A82D-31A0B522B6F6}" dt="2021-06-27T10:43:08.887" v="658" actId="20577"/>
+          <ac:spMkLst>
+            <pc:docMk/>
+            <pc:sldMk cId="2462639946" sldId="272"/>
+            <ac:spMk id="2" creationId="{F5DF8EE5-E06D-4F76-858A-B29902A9B0BE}"/>
+          </ac:spMkLst>
+        </pc:spChg>
+        <pc:spChg chg="mod">
+          <ac:chgData name="Cheshtaa Chitkara" userId="66861ce1-fb79-4c9f-85bd-e5ecfc5c67ba" providerId="ADAL" clId="{17C37AC8-791D-4BA4-A82D-31A0B522B6F6}" dt="2021-06-27T10:49:00.383" v="846" actId="20577"/>
+          <ac:spMkLst>
+            <pc:docMk/>
+            <pc:sldMk cId="2462639946" sldId="272"/>
+            <ac:spMk id="3" creationId="{1D62EAE9-3869-46DC-90B4-AC9CDEF6D049}"/>
+          </ac:spMkLst>
+        </pc:spChg>
+        <pc:picChg chg="add mod">
+          <ac:chgData name="Cheshtaa Chitkara" userId="66861ce1-fb79-4c9f-85bd-e5ecfc5c67ba" providerId="ADAL" clId="{17C37AC8-791D-4BA4-A82D-31A0B522B6F6}" dt="2021-06-27T10:48:40.025" v="809" actId="1076"/>
+          <ac:picMkLst>
+            <pc:docMk/>
+            <pc:sldMk cId="2462639946" sldId="272"/>
+            <ac:picMk id="5" creationId="{C5C38FB6-A2C7-47E8-875A-F36AF8B9D57C}"/>
+          </ac:picMkLst>
+        </pc:picChg>
+      </pc:sldChg>
+      <pc:sldChg chg="addSp delSp modSp new mod">
+        <pc:chgData name="Cheshtaa Chitkara" userId="66861ce1-fb79-4c9f-85bd-e5ecfc5c67ba" providerId="ADAL" clId="{17C37AC8-791D-4BA4-A82D-31A0B522B6F6}" dt="2021-06-27T10:52:54.129" v="1041" actId="1076"/>
+        <pc:sldMkLst>
+          <pc:docMk/>
+          <pc:sldMk cId="1351791954" sldId="273"/>
+        </pc:sldMkLst>
+        <pc:spChg chg="mod">
+          <ac:chgData name="Cheshtaa Chitkara" userId="66861ce1-fb79-4c9f-85bd-e5ecfc5c67ba" providerId="ADAL" clId="{17C37AC8-791D-4BA4-A82D-31A0B522B6F6}" dt="2021-06-27T10:49:27.051" v="906" actId="20577"/>
+          <ac:spMkLst>
+            <pc:docMk/>
+            <pc:sldMk cId="1351791954" sldId="273"/>
+            <ac:spMk id="2" creationId="{5F26E2E2-44BF-46F0-AB78-E718D81FA586}"/>
+          </ac:spMkLst>
+        </pc:spChg>
+        <pc:spChg chg="del mod">
+          <ac:chgData name="Cheshtaa Chitkara" userId="66861ce1-fb79-4c9f-85bd-e5ecfc5c67ba" providerId="ADAL" clId="{17C37AC8-791D-4BA4-A82D-31A0B522B6F6}" dt="2021-06-27T10:51:38.875" v="910" actId="22"/>
+          <ac:spMkLst>
+            <pc:docMk/>
+            <pc:sldMk cId="1351791954" sldId="273"/>
+            <ac:spMk id="3" creationId="{68832EDE-2E11-4A66-ABB8-C1A0AE5C0F3B}"/>
+          </ac:spMkLst>
+        </pc:spChg>
+        <pc:spChg chg="add mod">
+          <ac:chgData name="Cheshtaa Chitkara" userId="66861ce1-fb79-4c9f-85bd-e5ecfc5c67ba" providerId="ADAL" clId="{17C37AC8-791D-4BA4-A82D-31A0B522B6F6}" dt="2021-06-27T10:52:45.690" v="1039" actId="14100"/>
+          <ac:spMkLst>
+            <pc:docMk/>
+            <pc:sldMk cId="1351791954" sldId="273"/>
+            <ac:spMk id="7" creationId="{6FD6FFD7-F06D-4FA7-BB6A-A17F3060B2E6}"/>
+          </ac:spMkLst>
+        </pc:spChg>
+        <pc:picChg chg="add del mod ord modCrop">
+          <ac:chgData name="Cheshtaa Chitkara" userId="66861ce1-fb79-4c9f-85bd-e5ecfc5c67ba" providerId="ADAL" clId="{17C37AC8-791D-4BA4-A82D-31A0B522B6F6}" dt="2021-06-27T10:52:05.040" v="914" actId="478"/>
+          <ac:picMkLst>
+            <pc:docMk/>
+            <pc:sldMk cId="1351791954" sldId="273"/>
+            <ac:picMk id="5" creationId="{D2DEA1C7-0253-4128-8B27-7F64DC59F342}"/>
+          </ac:picMkLst>
+        </pc:picChg>
+        <pc:picChg chg="add mod modCrop">
+          <ac:chgData name="Cheshtaa Chitkara" userId="66861ce1-fb79-4c9f-85bd-e5ecfc5c67ba" providerId="ADAL" clId="{17C37AC8-791D-4BA4-A82D-31A0B522B6F6}" dt="2021-06-27T10:52:54.129" v="1041" actId="1076"/>
+          <ac:picMkLst>
+            <pc:docMk/>
+            <pc:sldMk cId="1351791954" sldId="273"/>
+            <ac:picMk id="9" creationId="{04A449B6-DE49-45E2-9BA6-5530C33BA068}"/>
+          </ac:picMkLst>
+        </pc:picChg>
+      </pc:sldChg>
+      <pc:sldChg chg="addSp modSp new mod">
+        <pc:chgData name="Cheshtaa Chitkara" userId="66861ce1-fb79-4c9f-85bd-e5ecfc5c67ba" providerId="ADAL" clId="{17C37AC8-791D-4BA4-A82D-31A0B522B6F6}" dt="2021-06-27T11:04:07.062" v="1375" actId="20577"/>
+        <pc:sldMkLst>
+          <pc:docMk/>
+          <pc:sldMk cId="1890577983" sldId="274"/>
+        </pc:sldMkLst>
+        <pc:spChg chg="mod">
+          <ac:chgData name="Cheshtaa Chitkara" userId="66861ce1-fb79-4c9f-85bd-e5ecfc5c67ba" providerId="ADAL" clId="{17C37AC8-791D-4BA4-A82D-31A0B522B6F6}" dt="2021-06-27T10:56:45.819" v="1074" actId="20577"/>
+          <ac:spMkLst>
+            <pc:docMk/>
+            <pc:sldMk cId="1890577983" sldId="274"/>
+            <ac:spMk id="2" creationId="{A2179F93-67EC-41FD-A0EB-BB09C5D0723E}"/>
+          </ac:spMkLst>
+        </pc:spChg>
+        <pc:spChg chg="mod">
+          <ac:chgData name="Cheshtaa Chitkara" userId="66861ce1-fb79-4c9f-85bd-e5ecfc5c67ba" providerId="ADAL" clId="{17C37AC8-791D-4BA4-A82D-31A0B522B6F6}" dt="2021-06-27T11:04:07.062" v="1375" actId="20577"/>
+          <ac:spMkLst>
+            <pc:docMk/>
+            <pc:sldMk cId="1890577983" sldId="274"/>
+            <ac:spMk id="3" creationId="{D7A26D38-BD9E-45A3-B701-A8B08BEAB263}"/>
+          </ac:spMkLst>
+        </pc:spChg>
+        <pc:spChg chg="add mod">
+          <ac:chgData name="Cheshtaa Chitkara" userId="66861ce1-fb79-4c9f-85bd-e5ecfc5c67ba" providerId="ADAL" clId="{17C37AC8-791D-4BA4-A82D-31A0B522B6F6}" dt="2021-06-27T10:59:25.204" v="1120" actId="1076"/>
+          <ac:spMkLst>
+            <pc:docMk/>
+            <pc:sldMk cId="1890577983" sldId="274"/>
+            <ac:spMk id="5" creationId="{CDF11FB9-E32E-4595-BF54-2ADBEFCFBFB3}"/>
+          </ac:spMkLst>
+        </pc:spChg>
+        <pc:picChg chg="add mod modCrop">
+          <ac:chgData name="Cheshtaa Chitkara" userId="66861ce1-fb79-4c9f-85bd-e5ecfc5c67ba" providerId="ADAL" clId="{17C37AC8-791D-4BA4-A82D-31A0B522B6F6}" dt="2021-06-27T11:02:58.178" v="1222" actId="732"/>
+          <ac:picMkLst>
+            <pc:docMk/>
+            <pc:sldMk cId="1890577983" sldId="274"/>
+            <ac:picMk id="7" creationId="{B96E03C7-B788-4214-918C-CC114CA12FB1}"/>
+          </ac:picMkLst>
+        </pc:picChg>
+      </pc:sldChg>
+      <pc:sldChg chg="addSp delSp modSp new del mod setBg">
+        <pc:chgData name="Cheshtaa Chitkara" userId="66861ce1-fb79-4c9f-85bd-e5ecfc5c67ba" providerId="ADAL" clId="{17C37AC8-791D-4BA4-A82D-31A0B522B6F6}" dt="2021-06-27T11:06:17.028" v="1575" actId="47"/>
+        <pc:sldMkLst>
+          <pc:docMk/>
+          <pc:sldMk cId="2403395225" sldId="275"/>
+        </pc:sldMkLst>
+        <pc:spChg chg="mod">
+          <ac:chgData name="Cheshtaa Chitkara" userId="66861ce1-fb79-4c9f-85bd-e5ecfc5c67ba" providerId="ADAL" clId="{17C37AC8-791D-4BA4-A82D-31A0B522B6F6}" dt="2021-06-27T11:05:12.186" v="1414" actId="14100"/>
+          <ac:spMkLst>
+            <pc:docMk/>
+            <pc:sldMk cId="2403395225" sldId="275"/>
+            <ac:spMk id="2" creationId="{3D522264-9DD2-4B10-9A8E-454D3E481CA7}"/>
+          </ac:spMkLst>
+        </pc:spChg>
+        <pc:spChg chg="del mod">
+          <ac:chgData name="Cheshtaa Chitkara" userId="66861ce1-fb79-4c9f-85bd-e5ecfc5c67ba" providerId="ADAL" clId="{17C37AC8-791D-4BA4-A82D-31A0B522B6F6}" dt="2021-06-27T11:04:42.712" v="1409" actId="26606"/>
+          <ac:spMkLst>
+            <pc:docMk/>
+            <pc:sldMk cId="2403395225" sldId="275"/>
+            <ac:spMk id="3" creationId="{1D627558-9CFD-42B2-BFCC-001727872A51}"/>
+          </ac:spMkLst>
+        </pc:spChg>
+        <pc:spChg chg="add del mod">
+          <ac:chgData name="Cheshtaa Chitkara" userId="66861ce1-fb79-4c9f-85bd-e5ecfc5c67ba" providerId="ADAL" clId="{17C37AC8-791D-4BA4-A82D-31A0B522B6F6}" dt="2021-06-27T11:06:13.070" v="1573"/>
+          <ac:spMkLst>
+            <pc:docMk/>
+            <pc:sldMk cId="2403395225" sldId="275"/>
+            <ac:spMk id="4" creationId="{237BE446-1639-48EA-AA8E-3F294E0D632C}"/>
+          </ac:spMkLst>
+        </pc:spChg>
+        <pc:spChg chg="add del">
+          <ac:chgData name="Cheshtaa Chitkara" userId="66861ce1-fb79-4c9f-85bd-e5ecfc5c67ba" providerId="ADAL" clId="{17C37AC8-791D-4BA4-A82D-31A0B522B6F6}" dt="2021-06-27T11:05:00.859" v="1411" actId="26606"/>
+          <ac:spMkLst>
+            <pc:docMk/>
+            <pc:sldMk cId="2403395225" sldId="275"/>
+            <ac:spMk id="11" creationId="{19F9BF86-FE94-4517-B97D-026C7515E589}"/>
+          </ac:spMkLst>
+        </pc:spChg>
+        <pc:spChg chg="add del">
+          <ac:chgData name="Cheshtaa Chitkara" userId="66861ce1-fb79-4c9f-85bd-e5ecfc5c67ba" providerId="ADAL" clId="{17C37AC8-791D-4BA4-A82D-31A0B522B6F6}" dt="2021-06-27T11:05:00.859" v="1411" actId="26606"/>
+          <ac:spMkLst>
+            <pc:docMk/>
+            <pc:sldMk cId="2403395225" sldId="275"/>
+            <ac:spMk id="13" creationId="{38390362-5868-4DF6-BD74-91C728840437}"/>
+          </ac:spMkLst>
+        </pc:spChg>
+        <pc:spChg chg="add">
+          <ac:chgData name="Cheshtaa Chitkara" userId="66861ce1-fb79-4c9f-85bd-e5ecfc5c67ba" providerId="ADAL" clId="{17C37AC8-791D-4BA4-A82D-31A0B522B6F6}" dt="2021-06-27T11:05:00.859" v="1411" actId="26606"/>
+          <ac:spMkLst>
+            <pc:docMk/>
+            <pc:sldMk cId="2403395225" sldId="275"/>
+            <ac:spMk id="22" creationId="{59A9681A-2486-4655-A876-E26402CA2EF6}"/>
+          </ac:spMkLst>
+        </pc:spChg>
+        <pc:spChg chg="add">
+          <ac:chgData name="Cheshtaa Chitkara" userId="66861ce1-fb79-4c9f-85bd-e5ecfc5c67ba" providerId="ADAL" clId="{17C37AC8-791D-4BA4-A82D-31A0B522B6F6}" dt="2021-06-27T11:05:00.859" v="1411" actId="26606"/>
+          <ac:spMkLst>
+            <pc:docMk/>
+            <pc:sldMk cId="2403395225" sldId="275"/>
+            <ac:spMk id="24" creationId="{C9BB6818-31C2-4340-98F8-64FF7F46A414}"/>
+          </ac:spMkLst>
+        </pc:spChg>
+        <pc:picChg chg="add mod">
+          <ac:chgData name="Cheshtaa Chitkara" userId="66861ce1-fb79-4c9f-85bd-e5ecfc5c67ba" providerId="ADAL" clId="{17C37AC8-791D-4BA4-A82D-31A0B522B6F6}" dt="2021-06-27T11:05:00.859" v="1411" actId="26606"/>
+          <ac:picMkLst>
+            <pc:docMk/>
+            <pc:sldMk cId="2403395225" sldId="275"/>
+            <ac:picMk id="5" creationId="{AB9B4D7E-1582-434A-A6C6-47A801BF6FC6}"/>
+          </ac:picMkLst>
+        </pc:picChg>
+        <pc:cxnChg chg="add del">
+          <ac:chgData name="Cheshtaa Chitkara" userId="66861ce1-fb79-4c9f-85bd-e5ecfc5c67ba" providerId="ADAL" clId="{17C37AC8-791D-4BA4-A82D-31A0B522B6F6}" dt="2021-06-27T11:05:00.859" v="1411" actId="26606"/>
+          <ac:cxnSpMkLst>
+            <pc:docMk/>
+            <pc:sldMk cId="2403395225" sldId="275"/>
+            <ac:cxnSpMk id="9" creationId="{F209B62C-3402-4623-9A7C-AA048B56F8C3}"/>
+          </ac:cxnSpMkLst>
+        </pc:cxnChg>
+        <pc:cxnChg chg="add del">
+          <ac:chgData name="Cheshtaa Chitkara" userId="66861ce1-fb79-4c9f-85bd-e5ecfc5c67ba" providerId="ADAL" clId="{17C37AC8-791D-4BA4-A82D-31A0B522B6F6}" dt="2021-06-27T11:05:00.859" v="1411" actId="26606"/>
+          <ac:cxnSpMkLst>
+            <pc:docMk/>
+            <pc:sldMk cId="2403395225" sldId="275"/>
+            <ac:cxnSpMk id="15" creationId="{8A5C8BF2-C035-4BFF-8802-A39723834415}"/>
+          </ac:cxnSpMkLst>
+        </pc:cxnChg>
+        <pc:cxnChg chg="add">
+          <ac:chgData name="Cheshtaa Chitkara" userId="66861ce1-fb79-4c9f-85bd-e5ecfc5c67ba" providerId="ADAL" clId="{17C37AC8-791D-4BA4-A82D-31A0B522B6F6}" dt="2021-06-27T11:05:00.859" v="1411" actId="26606"/>
+          <ac:cxnSpMkLst>
+            <pc:docMk/>
+            <pc:sldMk cId="2403395225" sldId="275"/>
+            <ac:cxnSpMk id="20" creationId="{F209B62C-3402-4623-9A7C-AA048B56F8C3}"/>
+          </ac:cxnSpMkLst>
+        </pc:cxnChg>
+        <pc:cxnChg chg="add">
+          <ac:chgData name="Cheshtaa Chitkara" userId="66861ce1-fb79-4c9f-85bd-e5ecfc5c67ba" providerId="ADAL" clId="{17C37AC8-791D-4BA4-A82D-31A0B522B6F6}" dt="2021-06-27T11:05:00.859" v="1411" actId="26606"/>
+          <ac:cxnSpMkLst>
+            <pc:docMk/>
+            <pc:sldMk cId="2403395225" sldId="275"/>
+            <ac:cxnSpMk id="26" creationId="{F0CE0765-E93C-4D37-9D5F-D464EFB10FA7}"/>
+          </ac:cxnSpMkLst>
+        </pc:cxnChg>
+      </pc:sldChg>
+      <pc:sldChg chg="modSp new mod">
+        <pc:chgData name="Cheshtaa Chitkara" userId="66861ce1-fb79-4c9f-85bd-e5ecfc5c67ba" providerId="ADAL" clId="{17C37AC8-791D-4BA4-A82D-31A0B522B6F6}" dt="2021-06-27T11:21:38.680" v="3168" actId="20577"/>
+        <pc:sldMkLst>
+          <pc:docMk/>
+          <pc:sldMk cId="1689068937" sldId="276"/>
+        </pc:sldMkLst>
+        <pc:spChg chg="mod">
+          <ac:chgData name="Cheshtaa Chitkara" userId="66861ce1-fb79-4c9f-85bd-e5ecfc5c67ba" providerId="ADAL" clId="{17C37AC8-791D-4BA4-A82D-31A0B522B6F6}" dt="2021-06-27T11:06:25.305" v="1604" actId="1076"/>
+          <ac:spMkLst>
+            <pc:docMk/>
+            <pc:sldMk cId="1689068937" sldId="276"/>
+            <ac:spMk id="2" creationId="{CED35CE5-C6A9-4C85-8EB3-31F96F9D5FC9}"/>
+          </ac:spMkLst>
+        </pc:spChg>
+        <pc:spChg chg="mod">
+          <ac:chgData name="Cheshtaa Chitkara" userId="66861ce1-fb79-4c9f-85bd-e5ecfc5c67ba" providerId="ADAL" clId="{17C37AC8-791D-4BA4-A82D-31A0B522B6F6}" dt="2021-06-27T11:21:38.680" v="3168" actId="20577"/>
+          <ac:spMkLst>
+            <pc:docMk/>
+            <pc:sldMk cId="1689068937" sldId="276"/>
+            <ac:spMk id="3" creationId="{316CCB34-991F-4454-8B74-D2A538C7F2F2}"/>
+          </ac:spMkLst>
+        </pc:spChg>
+      </pc:sldChg>
+      <pc:sldChg chg="addSp modSp new mod">
+        <pc:chgData name="Cheshtaa Chitkara" userId="66861ce1-fb79-4c9f-85bd-e5ecfc5c67ba" providerId="ADAL" clId="{17C37AC8-791D-4BA4-A82D-31A0B522B6F6}" dt="2021-06-27T11:17:42.724" v="2889" actId="20577"/>
+        <pc:sldMkLst>
+          <pc:docMk/>
+          <pc:sldMk cId="465386946" sldId="277"/>
+        </pc:sldMkLst>
+        <pc:spChg chg="mod">
+          <ac:chgData name="Cheshtaa Chitkara" userId="66861ce1-fb79-4c9f-85bd-e5ecfc5c67ba" providerId="ADAL" clId="{17C37AC8-791D-4BA4-A82D-31A0B522B6F6}" dt="2021-06-27T11:14:22.388" v="2343" actId="20577"/>
+          <ac:spMkLst>
+            <pc:docMk/>
+            <pc:sldMk cId="465386946" sldId="277"/>
+            <ac:spMk id="2" creationId="{69A17898-3EE8-4081-8119-27E0F1E7119F}"/>
+          </ac:spMkLst>
+        </pc:spChg>
+        <pc:spChg chg="mod">
+          <ac:chgData name="Cheshtaa Chitkara" userId="66861ce1-fb79-4c9f-85bd-e5ecfc5c67ba" providerId="ADAL" clId="{17C37AC8-791D-4BA4-A82D-31A0B522B6F6}" dt="2021-06-27T11:17:42.724" v="2889" actId="20577"/>
+          <ac:spMkLst>
+            <pc:docMk/>
+            <pc:sldMk cId="465386946" sldId="277"/>
+            <ac:spMk id="3" creationId="{2D5AD929-2540-4FD2-A88C-0284899C78F9}"/>
+          </ac:spMkLst>
+        </pc:spChg>
+        <pc:picChg chg="add mod modCrop">
+          <ac:chgData name="Cheshtaa Chitkara" userId="66861ce1-fb79-4c9f-85bd-e5ecfc5c67ba" providerId="ADAL" clId="{17C37AC8-791D-4BA4-A82D-31A0B522B6F6}" dt="2021-06-27T11:15:09.002" v="2351" actId="1076"/>
+          <ac:picMkLst>
+            <pc:docMk/>
+            <pc:sldMk cId="465386946" sldId="277"/>
+            <ac:picMk id="5" creationId="{1D7B5D46-2255-4A73-86A7-F26724604312}"/>
+          </ac:picMkLst>
+        </pc:picChg>
+      </pc:sldChg>
+      <pc:sldChg chg="addSp modSp new mod">
+        <pc:chgData name="Cheshtaa Chitkara" userId="66861ce1-fb79-4c9f-85bd-e5ecfc5c67ba" providerId="ADAL" clId="{17C37AC8-791D-4BA4-A82D-31A0B522B6F6}" dt="2021-06-27T11:21:06.465" v="3160" actId="20577"/>
+        <pc:sldMkLst>
+          <pc:docMk/>
+          <pc:sldMk cId="1636725487" sldId="278"/>
+        </pc:sldMkLst>
+        <pc:spChg chg="mod">
+          <ac:chgData name="Cheshtaa Chitkara" userId="66861ce1-fb79-4c9f-85bd-e5ecfc5c67ba" providerId="ADAL" clId="{17C37AC8-791D-4BA4-A82D-31A0B522B6F6}" dt="2021-06-27T11:19:11.990" v="2898" actId="1076"/>
+          <ac:spMkLst>
+            <pc:docMk/>
+            <pc:sldMk cId="1636725487" sldId="278"/>
+            <ac:spMk id="2" creationId="{C89B6361-CAE9-4A29-8D62-93D1A7B736CA}"/>
+          </ac:spMkLst>
+        </pc:spChg>
+        <pc:spChg chg="mod">
+          <ac:chgData name="Cheshtaa Chitkara" userId="66861ce1-fb79-4c9f-85bd-e5ecfc5c67ba" providerId="ADAL" clId="{17C37AC8-791D-4BA4-A82D-31A0B522B6F6}" dt="2021-06-27T11:21:06.465" v="3160" actId="20577"/>
+          <ac:spMkLst>
+            <pc:docMk/>
+            <pc:sldMk cId="1636725487" sldId="278"/>
+            <ac:spMk id="3" creationId="{A94058F1-3B1E-4F7F-AC32-DC7F00CFB690}"/>
+          </ac:spMkLst>
+        </pc:spChg>
+        <pc:picChg chg="add mod modCrop">
+          <ac:chgData name="Cheshtaa Chitkara" userId="66861ce1-fb79-4c9f-85bd-e5ecfc5c67ba" providerId="ADAL" clId="{17C37AC8-791D-4BA4-A82D-31A0B522B6F6}" dt="2021-06-27T11:20:27.614" v="3023" actId="1076"/>
+          <ac:picMkLst>
+            <pc:docMk/>
+            <pc:sldMk cId="1636725487" sldId="278"/>
+            <ac:picMk id="5" creationId="{B4519205-3AA9-4727-83AF-08F528B4D704}"/>
+          </ac:picMkLst>
+        </pc:picChg>
+      </pc:sldChg>
+      <pc:sldChg chg="new del">
+        <pc:chgData name="Cheshtaa Chitkara" userId="66861ce1-fb79-4c9f-85bd-e5ecfc5c67ba" providerId="ADAL" clId="{17C37AC8-791D-4BA4-A82D-31A0B522B6F6}" dt="2021-06-27T11:22:21.882" v="3173" actId="47"/>
+        <pc:sldMkLst>
+          <pc:docMk/>
+          <pc:sldMk cId="875762155" sldId="279"/>
+        </pc:sldMkLst>
+      </pc:sldChg>
+      <pc:sldChg chg="new del">
+        <pc:chgData name="Cheshtaa Chitkara" userId="66861ce1-fb79-4c9f-85bd-e5ecfc5c67ba" providerId="ADAL" clId="{17C37AC8-791D-4BA4-A82D-31A0B522B6F6}" dt="2021-06-27T11:22:07.902" v="3170" actId="47"/>
+        <pc:sldMkLst>
+          <pc:docMk/>
+          <pc:sldMk cId="4017628956" sldId="279"/>
+        </pc:sldMkLst>
+      </pc:sldChg>
+      <pc:sldChg chg="addSp delSp modSp new mod setBg">
+        <pc:chgData name="Cheshtaa Chitkara" userId="66861ce1-fb79-4c9f-85bd-e5ecfc5c67ba" providerId="ADAL" clId="{17C37AC8-791D-4BA4-A82D-31A0B522B6F6}" dt="2021-06-27T11:25:09.439" v="3201" actId="26606"/>
+        <pc:sldMkLst>
+          <pc:docMk/>
+          <pc:sldMk cId="1856304606" sldId="280"/>
+        </pc:sldMkLst>
+        <pc:spChg chg="mod">
+          <ac:chgData name="Cheshtaa Chitkara" userId="66861ce1-fb79-4c9f-85bd-e5ecfc5c67ba" providerId="ADAL" clId="{17C37AC8-791D-4BA4-A82D-31A0B522B6F6}" dt="2021-06-27T11:22:30.655" v="3186" actId="20577"/>
+          <ac:spMkLst>
+            <pc:docMk/>
+            <pc:sldMk cId="1856304606" sldId="280"/>
+            <ac:spMk id="2" creationId="{C5183C63-DFD1-4E35-87BC-E4A24FE167C7}"/>
+          </ac:spMkLst>
+        </pc:spChg>
+        <pc:spChg chg="add del">
+          <ac:chgData name="Cheshtaa Chitkara" userId="66861ce1-fb79-4c9f-85bd-e5ecfc5c67ba" providerId="ADAL" clId="{17C37AC8-791D-4BA4-A82D-31A0B522B6F6}" dt="2021-06-27T11:25:09.439" v="3201" actId="26606"/>
+          <ac:spMkLst>
+            <pc:docMk/>
+            <pc:sldMk cId="1856304606" sldId="280"/>
+            <ac:spMk id="10" creationId="{19F9BF86-FE94-4517-B97D-026C7515E589}"/>
+          </ac:spMkLst>
+        </pc:spChg>
+        <pc:spChg chg="add del">
+          <ac:chgData name="Cheshtaa Chitkara" userId="66861ce1-fb79-4c9f-85bd-e5ecfc5c67ba" providerId="ADAL" clId="{17C37AC8-791D-4BA4-A82D-31A0B522B6F6}" dt="2021-06-27T11:25:09.439" v="3201" actId="26606"/>
+          <ac:spMkLst>
+            <pc:docMk/>
+            <pc:sldMk cId="1856304606" sldId="280"/>
+            <ac:spMk id="12" creationId="{9BD78BA5-2579-4D62-B68F-2289D39BF376}"/>
+          </ac:spMkLst>
+        </pc:spChg>
+        <pc:spChg chg="add">
+          <ac:chgData name="Cheshtaa Chitkara" userId="66861ce1-fb79-4c9f-85bd-e5ecfc5c67ba" providerId="ADAL" clId="{17C37AC8-791D-4BA4-A82D-31A0B522B6F6}" dt="2021-06-27T11:25:09.439" v="3201" actId="26606"/>
+          <ac:spMkLst>
+            <pc:docMk/>
+            <pc:sldMk cId="1856304606" sldId="280"/>
+            <ac:spMk id="22" creationId="{19F9BF86-FE94-4517-B97D-026C7515E589}"/>
+          </ac:spMkLst>
+        </pc:spChg>
+        <pc:spChg chg="add">
+          <ac:chgData name="Cheshtaa Chitkara" userId="66861ce1-fb79-4c9f-85bd-e5ecfc5c67ba" providerId="ADAL" clId="{17C37AC8-791D-4BA4-A82D-31A0B522B6F6}" dt="2021-06-27T11:25:09.439" v="3201" actId="26606"/>
+          <ac:spMkLst>
+            <pc:docMk/>
+            <pc:sldMk cId="1856304606" sldId="280"/>
+            <ac:spMk id="24" creationId="{9E9D00D9-C4F5-471E-BE2C-126CB112A6BD}"/>
+          </ac:spMkLst>
+        </pc:spChg>
+        <pc:picChg chg="add del">
+          <ac:chgData name="Cheshtaa Chitkara" userId="66861ce1-fb79-4c9f-85bd-e5ecfc5c67ba" providerId="ADAL" clId="{17C37AC8-791D-4BA4-A82D-31A0B522B6F6}" dt="2021-06-27T11:25:04.429" v="3200" actId="478"/>
+          <ac:picMkLst>
+            <pc:docMk/>
+            <pc:sldMk cId="1856304606" sldId="280"/>
+            <ac:picMk id="4" creationId="{B30FC6B5-D5F1-426B-9BF5-5D8F0302DCF9}"/>
+          </ac:picMkLst>
+        </pc:picChg>
+        <pc:picChg chg="add">
+          <ac:chgData name="Cheshtaa Chitkara" userId="66861ce1-fb79-4c9f-85bd-e5ecfc5c67ba" providerId="ADAL" clId="{17C37AC8-791D-4BA4-A82D-31A0B522B6F6}" dt="2021-06-27T11:25:09.439" v="3201" actId="26606"/>
+          <ac:picMkLst>
+            <pc:docMk/>
+            <pc:sldMk cId="1856304606" sldId="280"/>
+            <ac:picMk id="16" creationId="{CA339130-1E60-4AB7-9041-81C4CD6A68BB}"/>
+          </ac:picMkLst>
+        </pc:picChg>
+        <pc:cxnChg chg="add del">
+          <ac:chgData name="Cheshtaa Chitkara" userId="66861ce1-fb79-4c9f-85bd-e5ecfc5c67ba" providerId="ADAL" clId="{17C37AC8-791D-4BA4-A82D-31A0B522B6F6}" dt="2021-06-27T11:25:09.439" v="3201" actId="26606"/>
+          <ac:cxnSpMkLst>
+            <pc:docMk/>
+            <pc:sldMk cId="1856304606" sldId="280"/>
+            <ac:cxnSpMk id="8" creationId="{F209B62C-3402-4623-9A7C-AA048B56F8C3}"/>
+          </ac:cxnSpMkLst>
+        </pc:cxnChg>
+        <pc:cxnChg chg="add del">
+          <ac:chgData name="Cheshtaa Chitkara" userId="66861ce1-fb79-4c9f-85bd-e5ecfc5c67ba" providerId="ADAL" clId="{17C37AC8-791D-4BA4-A82D-31A0B522B6F6}" dt="2021-06-27T11:25:09.439" v="3201" actId="26606"/>
+          <ac:cxnSpMkLst>
+            <pc:docMk/>
+            <pc:sldMk cId="1856304606" sldId="280"/>
+            <ac:cxnSpMk id="14" creationId="{97CC2FE6-3AD0-4131-B4BC-1F4D65E25E13}"/>
+          </ac:cxnSpMkLst>
+        </pc:cxnChg>
+        <pc:cxnChg chg="add">
+          <ac:chgData name="Cheshtaa Chitkara" userId="66861ce1-fb79-4c9f-85bd-e5ecfc5c67ba" providerId="ADAL" clId="{17C37AC8-791D-4BA4-A82D-31A0B522B6F6}" dt="2021-06-27T11:25:09.439" v="3201" actId="26606"/>
+          <ac:cxnSpMkLst>
+            <pc:docMk/>
+            <pc:sldMk cId="1856304606" sldId="280"/>
+            <ac:cxnSpMk id="20" creationId="{F209B62C-3402-4623-9A7C-AA048B56F8C3}"/>
+          </ac:cxnSpMkLst>
+        </pc:cxnChg>
+        <pc:cxnChg chg="add">
+          <ac:chgData name="Cheshtaa Chitkara" userId="66861ce1-fb79-4c9f-85bd-e5ecfc5c67ba" providerId="ADAL" clId="{17C37AC8-791D-4BA4-A82D-31A0B522B6F6}" dt="2021-06-27T11:25:09.439" v="3201" actId="26606"/>
+          <ac:cxnSpMkLst>
+            <pc:docMk/>
+            <pc:sldMk cId="1856304606" sldId="280"/>
+            <ac:cxnSpMk id="26" creationId="{97CC2FE6-3AD0-4131-B4BC-1F4D65E25E13}"/>
+          </ac:cxnSpMkLst>
+        </pc:cxnChg>
+      </pc:sldChg>
+      <pc:sldChg chg="addSp delSp modSp new mod">
+        <pc:chgData name="Cheshtaa Chitkara" userId="66861ce1-fb79-4c9f-85bd-e5ecfc5c67ba" providerId="ADAL" clId="{17C37AC8-791D-4BA4-A82D-31A0B522B6F6}" dt="2021-06-27T11:24:41.037" v="3199" actId="1076"/>
+        <pc:sldMkLst>
+          <pc:docMk/>
+          <pc:sldMk cId="1400069238" sldId="281"/>
+        </pc:sldMkLst>
+        <pc:spChg chg="mod">
+          <ac:chgData name="Cheshtaa Chitkara" userId="66861ce1-fb79-4c9f-85bd-e5ecfc5c67ba" providerId="ADAL" clId="{17C37AC8-791D-4BA4-A82D-31A0B522B6F6}" dt="2021-06-27T11:23:31.586" v="3193" actId="1076"/>
+          <ac:spMkLst>
+            <pc:docMk/>
+            <pc:sldMk cId="1400069238" sldId="281"/>
+            <ac:spMk id="2" creationId="{403E7125-3DC1-4CEA-8DE1-A410488A2684}"/>
+          </ac:spMkLst>
+        </pc:spChg>
+        <pc:spChg chg="del">
+          <ac:chgData name="Cheshtaa Chitkara" userId="66861ce1-fb79-4c9f-85bd-e5ecfc5c67ba" providerId="ADAL" clId="{17C37AC8-791D-4BA4-A82D-31A0B522B6F6}" dt="2021-06-27T11:24:30.361" v="3194" actId="22"/>
+          <ac:spMkLst>
+            <pc:docMk/>
+            <pc:sldMk cId="1400069238" sldId="281"/>
+            <ac:spMk id="3" creationId="{A3503C5C-7FA3-4C64-835F-8D679792D524}"/>
+          </ac:spMkLst>
+        </pc:spChg>
+        <pc:picChg chg="add mod ord">
+          <ac:chgData name="Cheshtaa Chitkara" userId="66861ce1-fb79-4c9f-85bd-e5ecfc5c67ba" providerId="ADAL" clId="{17C37AC8-791D-4BA4-A82D-31A0B522B6F6}" dt="2021-06-27T11:24:41.037" v="3199" actId="1076"/>
+          <ac:picMkLst>
+            <pc:docMk/>
+            <pc:sldMk cId="1400069238" sldId="281"/>
+            <ac:picMk id="5" creationId="{5B0C5144-04F3-4024-9CF6-643726510035}"/>
+          </ac:picMkLst>
+        </pc:picChg>
+      </pc:sldChg>
+    </pc:docChg>
+  </pc:docChgLst>
 </pc:chgInfo>
 </file>
 
@@ -1562,7 +1958,7 @@
           <a:p>
             <a:fld id="{95F8B53E-9BE9-47A5-B05C-64A3584B3853}" type="datetimeFigureOut">
               <a:rPr lang="nb-NO" smtClean="0"/>
-              <a:t>01.07.2021</a:t>
+              <a:t>08.07.2022</a:t>
             </a:fld>
             <a:endParaRPr lang="nb-NO"/>
           </a:p>
@@ -1830,6 +2226,1805 @@
 </p:notesMaster>
 </file>
 
+<file path=ppt/notesSlides/notesSlide1.xml><?xml version="1.0" encoding="utf-8"?>
+<p:notes xmlns:a="http://schemas.openxmlformats.org/drawingml/2006/main" xmlns:r="http://schemas.openxmlformats.org/officeDocument/2006/relationships" xmlns:p="http://schemas.openxmlformats.org/presentationml/2006/main">
+  <p:cSld>
+    <p:spTree>
+      <p:nvGrpSpPr>
+        <p:cNvPr id="1" name=""/>
+        <p:cNvGrpSpPr/>
+        <p:nvPr/>
+      </p:nvGrpSpPr>
+      <p:grpSpPr>
+        <a:xfrm>
+          <a:off x="0" y="0"/>
+          <a:ext cx="0" cy="0"/>
+          <a:chOff x="0" y="0"/>
+          <a:chExt cx="0" cy="0"/>
+        </a:xfrm>
+      </p:grpSpPr>
+      <p:sp>
+        <p:nvSpPr>
+          <p:cNvPr id="2" name="Slide Image Placeholder 1"/>
+          <p:cNvSpPr>
+            <a:spLocks noGrp="1" noRot="1" noChangeAspect="1"/>
+          </p:cNvSpPr>
+          <p:nvPr>
+            <p:ph type="sldImg"/>
+          </p:nvPr>
+        </p:nvSpPr>
+        <p:spPr/>
+      </p:sp>
+      <p:sp>
+        <p:nvSpPr>
+          <p:cNvPr id="3" name="Notes Placeholder 2"/>
+          <p:cNvSpPr>
+            <a:spLocks noGrp="1"/>
+          </p:cNvSpPr>
+          <p:nvPr>
+            <p:ph type="body" idx="1"/>
+          </p:nvPr>
+        </p:nvSpPr>
+        <p:spPr/>
+        <p:txBody>
+          <a:bodyPr/>
+          <a:lstStyle/>
+          <a:p>
+            <a:r>
+              <a:rPr lang="nb-NO" dirty="0" err="1"/>
+              <a:t>Metabarcoding</a:t>
+            </a:r>
+            <a:r>
+              <a:rPr lang="nb-NO" dirty="0"/>
+              <a:t> – </a:t>
+            </a:r>
+            <a:r>
+              <a:rPr lang="nb-NO" dirty="0" err="1"/>
+              <a:t>relies</a:t>
+            </a:r>
+            <a:r>
+              <a:rPr lang="nb-NO" dirty="0"/>
+              <a:t> </a:t>
+            </a:r>
+            <a:r>
+              <a:rPr lang="nb-NO" dirty="0" err="1"/>
+              <a:t>on</a:t>
+            </a:r>
+            <a:r>
+              <a:rPr lang="nb-NO" dirty="0"/>
+              <a:t> </a:t>
+            </a:r>
+            <a:r>
+              <a:rPr lang="nb-NO" dirty="0" err="1"/>
+              <a:t>high</a:t>
+            </a:r>
+            <a:r>
+              <a:rPr lang="nb-NO" dirty="0"/>
+              <a:t> </a:t>
+            </a:r>
+            <a:r>
+              <a:rPr lang="nb-NO" dirty="0" err="1"/>
+              <a:t>throughput</a:t>
+            </a:r>
+            <a:r>
+              <a:rPr lang="nb-NO" dirty="0"/>
+              <a:t> </a:t>
+            </a:r>
+            <a:r>
+              <a:rPr lang="nb-NO" dirty="0" err="1"/>
+              <a:t>sequencing</a:t>
+            </a:r>
+            <a:r>
+              <a:rPr lang="nb-NO" dirty="0"/>
+              <a:t> </a:t>
+            </a:r>
+            <a:r>
+              <a:rPr lang="nb-NO" dirty="0" err="1"/>
+              <a:t>technologies</a:t>
+            </a:r>
+            <a:r>
+              <a:rPr lang="nb-NO" dirty="0"/>
+              <a:t> – </a:t>
+            </a:r>
+            <a:r>
+              <a:rPr lang="nb-NO" dirty="0" err="1"/>
+              <a:t>yeilding</a:t>
+            </a:r>
+            <a:r>
+              <a:rPr lang="nb-NO" dirty="0"/>
+              <a:t> millions </a:t>
+            </a:r>
+            <a:r>
+              <a:rPr lang="nb-NO" dirty="0" err="1"/>
+              <a:t>of</a:t>
+            </a:r>
+            <a:r>
+              <a:rPr lang="nb-NO" dirty="0"/>
+              <a:t> DNA </a:t>
+            </a:r>
+            <a:r>
+              <a:rPr lang="nb-NO" dirty="0" err="1"/>
+              <a:t>sequences</a:t>
+            </a:r>
+            <a:r>
+              <a:rPr lang="nb-NO" dirty="0"/>
+              <a:t> in </a:t>
+            </a:r>
+            <a:r>
+              <a:rPr lang="nb-NO" dirty="0" err="1"/>
+              <a:t>parallel</a:t>
+            </a:r>
+            <a:r>
+              <a:rPr lang="nb-NO" dirty="0"/>
+              <a:t> and </a:t>
+            </a:r>
+            <a:r>
+              <a:rPr lang="nb-NO" dirty="0" err="1"/>
+              <a:t>allow</a:t>
+            </a:r>
+            <a:r>
+              <a:rPr lang="nb-NO" dirty="0"/>
+              <a:t> </a:t>
+            </a:r>
+            <a:r>
+              <a:rPr lang="nb-NO" dirty="0" err="1"/>
+              <a:t>large</a:t>
+            </a:r>
+            <a:r>
+              <a:rPr lang="nb-NO" dirty="0"/>
+              <a:t> </a:t>
+            </a:r>
+            <a:r>
+              <a:rPr lang="nb-NO" dirty="0" err="1"/>
+              <a:t>scale</a:t>
+            </a:r>
+            <a:r>
+              <a:rPr lang="nb-NO" dirty="0"/>
+              <a:t> </a:t>
+            </a:r>
+            <a:r>
+              <a:rPr lang="nb-NO" dirty="0" err="1"/>
+              <a:t>analysis</a:t>
+            </a:r>
+            <a:r>
+              <a:rPr lang="nb-NO" dirty="0"/>
+              <a:t> </a:t>
+            </a:r>
+            <a:r>
+              <a:rPr lang="nb-NO" dirty="0" err="1"/>
+              <a:t>of</a:t>
+            </a:r>
+            <a:r>
+              <a:rPr lang="nb-NO" dirty="0"/>
+              <a:t> </a:t>
+            </a:r>
+            <a:r>
+              <a:rPr lang="nb-NO" dirty="0" err="1"/>
+              <a:t>environmental</a:t>
+            </a:r>
+            <a:r>
+              <a:rPr lang="nb-NO" dirty="0"/>
+              <a:t> samples.</a:t>
+            </a:r>
+          </a:p>
+        </p:txBody>
+      </p:sp>
+      <p:sp>
+        <p:nvSpPr>
+          <p:cNvPr id="4" name="Slide Number Placeholder 3"/>
+          <p:cNvSpPr>
+            <a:spLocks noGrp="1"/>
+          </p:cNvSpPr>
+          <p:nvPr>
+            <p:ph type="sldNum" sz="quarter" idx="5"/>
+          </p:nvPr>
+        </p:nvSpPr>
+        <p:spPr/>
+        <p:txBody>
+          <a:bodyPr/>
+          <a:lstStyle/>
+          <a:p>
+            <a:fld id="{A25C8A11-C6F2-406A-BE8D-599351CE5793}" type="slidenum">
+              <a:rPr lang="nb-NO" smtClean="0"/>
+              <a:t>4</a:t>
+            </a:fld>
+            <a:endParaRPr lang="nb-NO"/>
+          </a:p>
+        </p:txBody>
+      </p:sp>
+    </p:spTree>
+    <p:extLst>
+      <p:ext uri="{BB962C8B-B14F-4D97-AF65-F5344CB8AC3E}">
+        <p14:creationId xmlns:p14="http://schemas.microsoft.com/office/powerpoint/2010/main" val="3588052320"/>
+      </p:ext>
+    </p:extLst>
+  </p:cSld>
+  <p:clrMapOvr>
+    <a:masterClrMapping/>
+  </p:clrMapOvr>
+</p:notes>
+</file>
+
+<file path=ppt/notesSlides/notesSlide2.xml><?xml version="1.0" encoding="utf-8"?>
+<p:notes xmlns:a="http://schemas.openxmlformats.org/drawingml/2006/main" xmlns:r="http://schemas.openxmlformats.org/officeDocument/2006/relationships" xmlns:p="http://schemas.openxmlformats.org/presentationml/2006/main">
+  <p:cSld>
+    <p:spTree>
+      <p:nvGrpSpPr>
+        <p:cNvPr id="1" name=""/>
+        <p:cNvGrpSpPr/>
+        <p:nvPr/>
+      </p:nvGrpSpPr>
+      <p:grpSpPr>
+        <a:xfrm>
+          <a:off x="0" y="0"/>
+          <a:ext cx="0" cy="0"/>
+          <a:chOff x="0" y="0"/>
+          <a:chExt cx="0" cy="0"/>
+        </a:xfrm>
+      </p:grpSpPr>
+      <p:sp>
+        <p:nvSpPr>
+          <p:cNvPr id="2" name="Slide Image Placeholder 1"/>
+          <p:cNvSpPr>
+            <a:spLocks noGrp="1" noRot="1" noChangeAspect="1"/>
+          </p:cNvSpPr>
+          <p:nvPr>
+            <p:ph type="sldImg"/>
+          </p:nvPr>
+        </p:nvSpPr>
+        <p:spPr/>
+      </p:sp>
+      <p:sp>
+        <p:nvSpPr>
+          <p:cNvPr id="3" name="Notes Placeholder 2"/>
+          <p:cNvSpPr>
+            <a:spLocks noGrp="1"/>
+          </p:cNvSpPr>
+          <p:nvPr>
+            <p:ph type="body" idx="1"/>
+          </p:nvPr>
+        </p:nvSpPr>
+        <p:spPr/>
+        <p:txBody>
+          <a:bodyPr/>
+          <a:lstStyle/>
+          <a:p>
+            <a:r>
+              <a:rPr lang="nb-NO" dirty="0"/>
+              <a:t>First line is </a:t>
+            </a:r>
+            <a:r>
+              <a:rPr lang="nb-NO" dirty="0" err="1"/>
+              <a:t>the</a:t>
+            </a:r>
+            <a:r>
+              <a:rPr lang="nb-NO" dirty="0"/>
+              <a:t> header</a:t>
+            </a:r>
+          </a:p>
+          <a:p>
+            <a:r>
+              <a:rPr lang="nb-NO" dirty="0" err="1"/>
+              <a:t>Then</a:t>
+            </a:r>
+            <a:r>
+              <a:rPr lang="nb-NO" dirty="0"/>
+              <a:t> </a:t>
+            </a:r>
+            <a:r>
+              <a:rPr lang="nb-NO" dirty="0" err="1"/>
+              <a:t>its</a:t>
+            </a:r>
+            <a:r>
+              <a:rPr lang="nb-NO" dirty="0"/>
+              <a:t> </a:t>
+            </a:r>
+            <a:r>
+              <a:rPr lang="nb-NO" dirty="0" err="1"/>
+              <a:t>the</a:t>
+            </a:r>
+            <a:r>
+              <a:rPr lang="nb-NO" dirty="0"/>
+              <a:t> </a:t>
+            </a:r>
+            <a:r>
+              <a:rPr lang="nb-NO" dirty="0" err="1"/>
+              <a:t>sequence</a:t>
+            </a:r>
+            <a:endParaRPr lang="nb-NO" dirty="0"/>
+          </a:p>
+          <a:p>
+            <a:r>
+              <a:rPr lang="nb-NO" dirty="0" err="1"/>
+              <a:t>Then</a:t>
+            </a:r>
+            <a:r>
+              <a:rPr lang="nb-NO" dirty="0"/>
+              <a:t> a </a:t>
+            </a:r>
+            <a:r>
+              <a:rPr lang="nb-NO" dirty="0" err="1"/>
+              <a:t>plus</a:t>
+            </a:r>
+            <a:r>
+              <a:rPr lang="nb-NO" dirty="0"/>
+              <a:t> </a:t>
+            </a:r>
+            <a:r>
+              <a:rPr lang="nb-NO" dirty="0" err="1"/>
+              <a:t>after</a:t>
+            </a:r>
+            <a:r>
+              <a:rPr lang="nb-NO" dirty="0"/>
+              <a:t> </a:t>
+            </a:r>
+            <a:r>
+              <a:rPr lang="nb-NO" dirty="0" err="1"/>
+              <a:t>which</a:t>
+            </a:r>
+            <a:r>
+              <a:rPr lang="nb-NO" dirty="0"/>
+              <a:t> </a:t>
+            </a:r>
+            <a:r>
+              <a:rPr lang="nb-NO" dirty="0" err="1"/>
+              <a:t>we</a:t>
+            </a:r>
+            <a:r>
+              <a:rPr lang="nb-NO" dirty="0"/>
+              <a:t> have</a:t>
+            </a:r>
+          </a:p>
+          <a:p>
+            <a:r>
+              <a:rPr lang="nb-NO" dirty="0" err="1"/>
+              <a:t>Quality</a:t>
+            </a:r>
+            <a:r>
+              <a:rPr lang="nb-NO" dirty="0"/>
+              <a:t> score for </a:t>
+            </a:r>
+            <a:r>
+              <a:rPr lang="nb-NO" dirty="0" err="1"/>
+              <a:t>each</a:t>
+            </a:r>
+            <a:r>
+              <a:rPr lang="nb-NO" dirty="0"/>
+              <a:t> </a:t>
+            </a:r>
+            <a:r>
+              <a:rPr lang="nb-NO" dirty="0" err="1"/>
+              <a:t>character</a:t>
+            </a:r>
+            <a:r>
+              <a:rPr lang="nb-NO" dirty="0"/>
+              <a:t> – for </a:t>
+            </a:r>
+            <a:r>
+              <a:rPr lang="nb-NO" dirty="0" err="1"/>
+              <a:t>each</a:t>
+            </a:r>
+            <a:r>
+              <a:rPr lang="nb-NO" dirty="0"/>
+              <a:t> </a:t>
+            </a:r>
+            <a:r>
+              <a:rPr lang="nb-NO" dirty="0" err="1"/>
+              <a:t>individual</a:t>
+            </a:r>
+            <a:r>
+              <a:rPr lang="nb-NO" dirty="0"/>
+              <a:t> </a:t>
+            </a:r>
+            <a:r>
+              <a:rPr lang="nb-NO" dirty="0" err="1"/>
+              <a:t>basecall</a:t>
+            </a:r>
+            <a:r>
+              <a:rPr lang="nb-NO" dirty="0"/>
+              <a:t>.</a:t>
+            </a:r>
+          </a:p>
+          <a:p>
+            <a:endParaRPr lang="nb-NO" dirty="0"/>
+          </a:p>
+        </p:txBody>
+      </p:sp>
+      <p:sp>
+        <p:nvSpPr>
+          <p:cNvPr id="4" name="Slide Number Placeholder 3"/>
+          <p:cNvSpPr>
+            <a:spLocks noGrp="1"/>
+          </p:cNvSpPr>
+          <p:nvPr>
+            <p:ph type="sldNum" sz="quarter" idx="5"/>
+          </p:nvPr>
+        </p:nvSpPr>
+        <p:spPr/>
+        <p:txBody>
+          <a:bodyPr/>
+          <a:lstStyle/>
+          <a:p>
+            <a:fld id="{A25C8A11-C6F2-406A-BE8D-599351CE5793}" type="slidenum">
+              <a:rPr lang="nb-NO" smtClean="0"/>
+              <a:t>12</a:t>
+            </a:fld>
+            <a:endParaRPr lang="nb-NO"/>
+          </a:p>
+        </p:txBody>
+      </p:sp>
+    </p:spTree>
+    <p:extLst>
+      <p:ext uri="{BB962C8B-B14F-4D97-AF65-F5344CB8AC3E}">
+        <p14:creationId xmlns:p14="http://schemas.microsoft.com/office/powerpoint/2010/main" val="1318395642"/>
+      </p:ext>
+    </p:extLst>
+  </p:cSld>
+  <p:clrMapOvr>
+    <a:masterClrMapping/>
+  </p:clrMapOvr>
+</p:notes>
+</file>
+
+<file path=ppt/notesSlides/notesSlide3.xml><?xml version="1.0" encoding="utf-8"?>
+<p:notes xmlns:a="http://schemas.openxmlformats.org/drawingml/2006/main" xmlns:r="http://schemas.openxmlformats.org/officeDocument/2006/relationships" xmlns:p="http://schemas.openxmlformats.org/presentationml/2006/main">
+  <p:cSld>
+    <p:spTree>
+      <p:nvGrpSpPr>
+        <p:cNvPr id="1" name=""/>
+        <p:cNvGrpSpPr/>
+        <p:nvPr/>
+      </p:nvGrpSpPr>
+      <p:grpSpPr>
+        <a:xfrm>
+          <a:off x="0" y="0"/>
+          <a:ext cx="0" cy="0"/>
+          <a:chOff x="0" y="0"/>
+          <a:chExt cx="0" cy="0"/>
+        </a:xfrm>
+      </p:grpSpPr>
+      <p:sp>
+        <p:nvSpPr>
+          <p:cNvPr id="2" name="Slide Image Placeholder 1"/>
+          <p:cNvSpPr>
+            <a:spLocks noGrp="1" noRot="1" noChangeAspect="1"/>
+          </p:cNvSpPr>
+          <p:nvPr>
+            <p:ph type="sldImg"/>
+          </p:nvPr>
+        </p:nvSpPr>
+        <p:spPr/>
+      </p:sp>
+      <p:sp>
+        <p:nvSpPr>
+          <p:cNvPr id="3" name="Notes Placeholder 2"/>
+          <p:cNvSpPr>
+            <a:spLocks noGrp="1"/>
+          </p:cNvSpPr>
+          <p:nvPr>
+            <p:ph type="body" idx="1"/>
+          </p:nvPr>
+        </p:nvSpPr>
+        <p:spPr/>
+        <p:txBody>
+          <a:bodyPr/>
+          <a:lstStyle/>
+          <a:p>
+            <a:r>
+              <a:rPr lang="nb-NO" dirty="0"/>
+              <a:t>This is </a:t>
+            </a:r>
+            <a:r>
+              <a:rPr lang="nb-NO" dirty="0" err="1"/>
+              <a:t>the</a:t>
+            </a:r>
+            <a:r>
+              <a:rPr lang="nb-NO" dirty="0"/>
+              <a:t> </a:t>
+            </a:r>
+            <a:r>
+              <a:rPr lang="nb-NO" dirty="0" err="1"/>
+              <a:t>FastQC</a:t>
+            </a:r>
+            <a:r>
+              <a:rPr lang="nb-NO" dirty="0"/>
+              <a:t> – </a:t>
+            </a:r>
+            <a:r>
+              <a:rPr lang="nb-NO" dirty="0" err="1"/>
+              <a:t>this</a:t>
+            </a:r>
+            <a:r>
+              <a:rPr lang="nb-NO" dirty="0"/>
+              <a:t> is a </a:t>
+            </a:r>
+            <a:r>
+              <a:rPr lang="nb-NO" dirty="0" err="1"/>
+              <a:t>user</a:t>
+            </a:r>
+            <a:r>
+              <a:rPr lang="nb-NO" dirty="0"/>
+              <a:t> </a:t>
+            </a:r>
+            <a:r>
+              <a:rPr lang="nb-NO" dirty="0" err="1"/>
+              <a:t>friendly</a:t>
+            </a:r>
+            <a:r>
+              <a:rPr lang="nb-NO" dirty="0"/>
+              <a:t> </a:t>
+            </a:r>
+            <a:r>
+              <a:rPr lang="nb-NO" dirty="0" err="1"/>
+              <a:t>tool</a:t>
+            </a:r>
+            <a:r>
+              <a:rPr lang="nb-NO" dirty="0"/>
+              <a:t> </a:t>
+            </a:r>
+            <a:r>
+              <a:rPr lang="nb-NO" dirty="0" err="1"/>
+              <a:t>useful</a:t>
+            </a:r>
+            <a:r>
+              <a:rPr lang="nb-NO" dirty="0"/>
+              <a:t> for </a:t>
+            </a:r>
+            <a:r>
+              <a:rPr lang="nb-NO" dirty="0" err="1"/>
+              <a:t>getting</a:t>
+            </a:r>
+            <a:r>
+              <a:rPr lang="nb-NO" dirty="0"/>
+              <a:t> an </a:t>
+            </a:r>
+            <a:r>
+              <a:rPr lang="nb-NO" dirty="0" err="1"/>
+              <a:t>overview</a:t>
+            </a:r>
+            <a:r>
+              <a:rPr lang="nb-NO" dirty="0"/>
+              <a:t> </a:t>
+            </a:r>
+            <a:r>
+              <a:rPr lang="nb-NO" dirty="0" err="1"/>
+              <a:t>of</a:t>
+            </a:r>
+            <a:r>
+              <a:rPr lang="nb-NO" dirty="0"/>
+              <a:t> </a:t>
+            </a:r>
+            <a:r>
+              <a:rPr lang="nb-NO" dirty="0" err="1"/>
+              <a:t>your</a:t>
+            </a:r>
+            <a:r>
+              <a:rPr lang="nb-NO" dirty="0"/>
+              <a:t> </a:t>
+            </a:r>
+            <a:r>
+              <a:rPr lang="nb-NO" dirty="0" err="1"/>
+              <a:t>data’s</a:t>
+            </a:r>
+            <a:r>
+              <a:rPr lang="nb-NO" dirty="0"/>
+              <a:t> </a:t>
+            </a:r>
+            <a:r>
+              <a:rPr lang="nb-NO" dirty="0" err="1"/>
+              <a:t>quality</a:t>
+            </a:r>
+            <a:r>
+              <a:rPr lang="nb-NO" dirty="0"/>
+              <a:t>.</a:t>
+            </a:r>
+          </a:p>
+          <a:p>
+            <a:r>
+              <a:rPr lang="nb-NO" dirty="0" err="1"/>
+              <a:t>Phred</a:t>
+            </a:r>
+            <a:r>
+              <a:rPr lang="nb-NO" dirty="0"/>
+              <a:t> scores or </a:t>
+            </a:r>
+            <a:r>
+              <a:rPr lang="nb-NO" dirty="0" err="1"/>
+              <a:t>quality</a:t>
+            </a:r>
+            <a:r>
+              <a:rPr lang="nb-NO" dirty="0"/>
+              <a:t> scores </a:t>
+            </a:r>
+            <a:r>
+              <a:rPr lang="nb-NO" dirty="0" err="1"/>
+              <a:t>calculated</a:t>
+            </a:r>
+            <a:r>
+              <a:rPr lang="nb-NO" dirty="0"/>
+              <a:t> </a:t>
+            </a:r>
+            <a:r>
+              <a:rPr lang="nb-NO" dirty="0" err="1"/>
+              <a:t>with</a:t>
+            </a:r>
+            <a:r>
+              <a:rPr lang="nb-NO" dirty="0"/>
+              <a:t> </a:t>
+            </a:r>
+            <a:r>
+              <a:rPr lang="nb-NO" dirty="0" err="1"/>
+              <a:t>that</a:t>
+            </a:r>
+            <a:r>
+              <a:rPr lang="nb-NO" dirty="0"/>
+              <a:t> </a:t>
+            </a:r>
+            <a:r>
+              <a:rPr lang="nb-NO" dirty="0" err="1"/>
+              <a:t>formula</a:t>
+            </a:r>
+            <a:r>
+              <a:rPr lang="nb-NO" dirty="0"/>
+              <a:t>. This </a:t>
+            </a:r>
+            <a:r>
+              <a:rPr lang="nb-NO" dirty="0" err="1"/>
+              <a:t>formula</a:t>
+            </a:r>
+            <a:r>
+              <a:rPr lang="nb-NO" dirty="0"/>
+              <a:t> </a:t>
+            </a:r>
+            <a:r>
+              <a:rPr lang="nb-NO" dirty="0" err="1"/>
+              <a:t>means</a:t>
+            </a:r>
+            <a:r>
+              <a:rPr lang="nb-NO" dirty="0"/>
+              <a:t> – </a:t>
+            </a:r>
+            <a:r>
+              <a:rPr lang="nb-NO" dirty="0" err="1"/>
+              <a:t>the</a:t>
+            </a:r>
+            <a:r>
+              <a:rPr lang="nb-NO" dirty="0"/>
+              <a:t> </a:t>
+            </a:r>
+            <a:r>
+              <a:rPr lang="nb-NO" dirty="0" err="1"/>
+              <a:t>estimated</a:t>
+            </a:r>
+            <a:r>
+              <a:rPr lang="nb-NO" dirty="0"/>
+              <a:t> </a:t>
+            </a:r>
+            <a:r>
+              <a:rPr lang="nb-NO" dirty="0" err="1"/>
+              <a:t>probability</a:t>
+            </a:r>
+            <a:r>
+              <a:rPr lang="nb-NO" dirty="0"/>
+              <a:t> </a:t>
+            </a:r>
+            <a:r>
+              <a:rPr lang="nb-NO" dirty="0" err="1"/>
+              <a:t>of</a:t>
+            </a:r>
+            <a:r>
+              <a:rPr lang="nb-NO" dirty="0"/>
+              <a:t> an </a:t>
+            </a:r>
+            <a:r>
+              <a:rPr lang="nb-NO" dirty="0" err="1"/>
+              <a:t>error</a:t>
+            </a:r>
+            <a:r>
+              <a:rPr lang="nb-NO" dirty="0"/>
+              <a:t> – </a:t>
+            </a:r>
+            <a:r>
+              <a:rPr lang="nb-NO" dirty="0" err="1"/>
+              <a:t>i.e</a:t>
+            </a:r>
+            <a:r>
+              <a:rPr lang="nb-NO" dirty="0"/>
+              <a:t>, </a:t>
+            </a:r>
+            <a:r>
+              <a:rPr lang="nb-NO" dirty="0" err="1"/>
+              <a:t>the</a:t>
+            </a:r>
+            <a:r>
+              <a:rPr lang="nb-NO" dirty="0"/>
+              <a:t> base is </a:t>
+            </a:r>
+            <a:r>
+              <a:rPr lang="nb-NO" dirty="0" err="1"/>
+              <a:t>incorrect</a:t>
+            </a:r>
+            <a:r>
+              <a:rPr lang="nb-NO" dirty="0"/>
+              <a:t>. P =  </a:t>
+            </a:r>
+            <a:r>
+              <a:rPr lang="nb-NO" dirty="0" err="1"/>
+              <a:t>error</a:t>
+            </a:r>
+            <a:r>
+              <a:rPr lang="nb-NO" dirty="0"/>
+              <a:t> </a:t>
+            </a:r>
+            <a:r>
+              <a:rPr lang="nb-NO" dirty="0" err="1"/>
+              <a:t>probability</a:t>
+            </a:r>
+            <a:r>
+              <a:rPr lang="nb-NO" dirty="0"/>
+              <a:t>.</a:t>
+            </a:r>
+          </a:p>
+          <a:p>
+            <a:r>
+              <a:rPr lang="nb-NO" dirty="0" err="1"/>
+              <a:t>Lower</a:t>
+            </a:r>
+            <a:r>
+              <a:rPr lang="nb-NO" dirty="0"/>
+              <a:t> </a:t>
+            </a:r>
+            <a:r>
+              <a:rPr lang="nb-NO" dirty="0" err="1"/>
+              <a:t>values</a:t>
+            </a:r>
+            <a:r>
+              <a:rPr lang="nb-NO" dirty="0"/>
+              <a:t> </a:t>
+            </a:r>
+            <a:r>
+              <a:rPr lang="nb-NO" dirty="0" err="1"/>
+              <a:t>of</a:t>
+            </a:r>
+            <a:r>
+              <a:rPr lang="nb-NO" dirty="0"/>
+              <a:t> Q </a:t>
+            </a:r>
+            <a:r>
+              <a:rPr lang="nb-NO" dirty="0" err="1"/>
+              <a:t>represent</a:t>
+            </a:r>
+            <a:r>
+              <a:rPr lang="nb-NO" dirty="0"/>
+              <a:t> </a:t>
+            </a:r>
+            <a:r>
+              <a:rPr lang="nb-NO" dirty="0" err="1"/>
+              <a:t>higher</a:t>
+            </a:r>
+            <a:r>
+              <a:rPr lang="nb-NO" dirty="0"/>
+              <a:t> </a:t>
+            </a:r>
+            <a:r>
+              <a:rPr lang="nb-NO" dirty="0" err="1"/>
+              <a:t>possibility</a:t>
+            </a:r>
+            <a:r>
+              <a:rPr lang="nb-NO" dirty="0"/>
+              <a:t> </a:t>
+            </a:r>
+            <a:r>
+              <a:rPr lang="nb-NO" dirty="0" err="1"/>
+              <a:t>of</a:t>
+            </a:r>
+            <a:r>
+              <a:rPr lang="nb-NO" dirty="0"/>
+              <a:t> </a:t>
+            </a:r>
+            <a:r>
+              <a:rPr lang="nb-NO" dirty="0" err="1"/>
+              <a:t>errors</a:t>
+            </a:r>
+            <a:r>
+              <a:rPr lang="nb-NO" dirty="0"/>
+              <a:t>. </a:t>
+            </a:r>
+          </a:p>
+          <a:p>
+            <a:r>
+              <a:rPr lang="nb-NO" dirty="0" err="1"/>
+              <a:t>Example</a:t>
+            </a:r>
+            <a:r>
+              <a:rPr lang="nb-NO" dirty="0"/>
+              <a:t> Q score </a:t>
+            </a:r>
+            <a:r>
+              <a:rPr lang="nb-NO" dirty="0" err="1"/>
+              <a:t>of</a:t>
+            </a:r>
+            <a:r>
+              <a:rPr lang="nb-NO" dirty="0"/>
+              <a:t> 3 menas P = 0.5 </a:t>
+            </a:r>
+            <a:r>
+              <a:rPr lang="nb-NO" dirty="0" err="1"/>
+              <a:t>which</a:t>
+            </a:r>
+            <a:r>
+              <a:rPr lang="nb-NO" dirty="0"/>
+              <a:t> </a:t>
+            </a:r>
+            <a:r>
+              <a:rPr lang="nb-NO" dirty="0" err="1"/>
+              <a:t>means</a:t>
+            </a:r>
+            <a:r>
+              <a:rPr lang="nb-NO" dirty="0"/>
+              <a:t> 50% </a:t>
+            </a:r>
+            <a:r>
+              <a:rPr lang="nb-NO" dirty="0" err="1"/>
+              <a:t>chance</a:t>
+            </a:r>
+            <a:r>
+              <a:rPr lang="nb-NO" dirty="0"/>
+              <a:t> </a:t>
+            </a:r>
+            <a:r>
+              <a:rPr lang="nb-NO" dirty="0" err="1"/>
+              <a:t>of</a:t>
+            </a:r>
+            <a:r>
+              <a:rPr lang="nb-NO" dirty="0"/>
+              <a:t> </a:t>
+            </a:r>
+            <a:r>
+              <a:rPr lang="nb-NO" dirty="0" err="1"/>
+              <a:t>errors</a:t>
+            </a:r>
+            <a:r>
+              <a:rPr lang="nb-NO" dirty="0"/>
+              <a:t>.</a:t>
+            </a:r>
+          </a:p>
+          <a:p>
+            <a:endParaRPr lang="nb-NO" dirty="0"/>
+          </a:p>
+        </p:txBody>
+      </p:sp>
+      <p:sp>
+        <p:nvSpPr>
+          <p:cNvPr id="4" name="Slide Number Placeholder 3"/>
+          <p:cNvSpPr>
+            <a:spLocks noGrp="1"/>
+          </p:cNvSpPr>
+          <p:nvPr>
+            <p:ph type="sldNum" sz="quarter" idx="5"/>
+          </p:nvPr>
+        </p:nvSpPr>
+        <p:spPr/>
+        <p:txBody>
+          <a:bodyPr/>
+          <a:lstStyle/>
+          <a:p>
+            <a:fld id="{A25C8A11-C6F2-406A-BE8D-599351CE5793}" type="slidenum">
+              <a:rPr lang="nb-NO" smtClean="0"/>
+              <a:t>13</a:t>
+            </a:fld>
+            <a:endParaRPr lang="nb-NO"/>
+          </a:p>
+        </p:txBody>
+      </p:sp>
+    </p:spTree>
+    <p:extLst>
+      <p:ext uri="{BB962C8B-B14F-4D97-AF65-F5344CB8AC3E}">
+        <p14:creationId xmlns:p14="http://schemas.microsoft.com/office/powerpoint/2010/main" val="782075688"/>
+      </p:ext>
+    </p:extLst>
+  </p:cSld>
+  <p:clrMapOvr>
+    <a:masterClrMapping/>
+  </p:clrMapOvr>
+</p:notes>
+</file>
+
+<file path=ppt/notesSlides/notesSlide4.xml><?xml version="1.0" encoding="utf-8"?>
+<p:notes xmlns:a="http://schemas.openxmlformats.org/drawingml/2006/main" xmlns:r="http://schemas.openxmlformats.org/officeDocument/2006/relationships" xmlns:p="http://schemas.openxmlformats.org/presentationml/2006/main">
+  <p:cSld>
+    <p:spTree>
+      <p:nvGrpSpPr>
+        <p:cNvPr id="1" name=""/>
+        <p:cNvGrpSpPr/>
+        <p:nvPr/>
+      </p:nvGrpSpPr>
+      <p:grpSpPr>
+        <a:xfrm>
+          <a:off x="0" y="0"/>
+          <a:ext cx="0" cy="0"/>
+          <a:chOff x="0" y="0"/>
+          <a:chExt cx="0" cy="0"/>
+        </a:xfrm>
+      </p:grpSpPr>
+      <p:sp>
+        <p:nvSpPr>
+          <p:cNvPr id="2" name="Slide Image Placeholder 1"/>
+          <p:cNvSpPr>
+            <a:spLocks noGrp="1" noRot="1" noChangeAspect="1"/>
+          </p:cNvSpPr>
+          <p:nvPr>
+            <p:ph type="sldImg"/>
+          </p:nvPr>
+        </p:nvSpPr>
+        <p:spPr/>
+      </p:sp>
+      <p:sp>
+        <p:nvSpPr>
+          <p:cNvPr id="3" name="Notes Placeholder 2"/>
+          <p:cNvSpPr>
+            <a:spLocks noGrp="1"/>
+          </p:cNvSpPr>
+          <p:nvPr>
+            <p:ph type="body" idx="1"/>
+          </p:nvPr>
+        </p:nvSpPr>
+        <p:spPr/>
+        <p:txBody>
+          <a:bodyPr/>
+          <a:lstStyle/>
+          <a:p>
+            <a:pPr marL="0" marR="0" lvl="0" indent="0" algn="l" defTabSz="914400" rtl="0" eaLnBrk="1" fontAlgn="auto" latinLnBrk="0" hangingPunct="1">
+              <a:lnSpc>
+                <a:spcPct val="100000"/>
+              </a:lnSpc>
+              <a:spcBef>
+                <a:spcPts val="0"/>
+              </a:spcBef>
+              <a:spcAft>
+                <a:spcPts val="0"/>
+              </a:spcAft>
+              <a:buClrTx/>
+              <a:buSzTx/>
+              <a:buFontTx/>
+              <a:buNone/>
+              <a:tabLst/>
+              <a:defRPr/>
+            </a:pPr>
+            <a:r>
+              <a:rPr lang="nb-NO" dirty="0" err="1"/>
+              <a:t>Advantages</a:t>
+            </a:r>
+            <a:r>
+              <a:rPr lang="nb-NO" dirty="0"/>
+              <a:t> –   1) </a:t>
+            </a:r>
+            <a:r>
+              <a:rPr lang="nb-NO" dirty="0" err="1"/>
+              <a:t>Able</a:t>
+            </a:r>
+            <a:r>
+              <a:rPr lang="nb-NO" dirty="0"/>
+              <a:t> to </a:t>
+            </a:r>
+            <a:r>
+              <a:rPr lang="nb-NO" dirty="0" err="1"/>
+              <a:t>distinguish</a:t>
+            </a:r>
+            <a:r>
+              <a:rPr lang="nb-NO" dirty="0"/>
+              <a:t> </a:t>
+            </a:r>
+            <a:r>
+              <a:rPr lang="nb-NO" dirty="0" err="1"/>
+              <a:t>similar</a:t>
+            </a:r>
+            <a:r>
+              <a:rPr lang="nb-NO" dirty="0"/>
+              <a:t> </a:t>
+            </a:r>
+            <a:r>
+              <a:rPr lang="nb-NO" dirty="0" err="1"/>
+              <a:t>sequenes</a:t>
+            </a:r>
+            <a:r>
+              <a:rPr lang="nb-NO" dirty="0"/>
+              <a:t>, </a:t>
+            </a:r>
+            <a:r>
+              <a:rPr lang="nb-NO" dirty="0" err="1"/>
+              <a:t>instead</a:t>
+            </a:r>
+            <a:r>
+              <a:rPr lang="nb-NO" dirty="0"/>
+              <a:t> </a:t>
+            </a:r>
+            <a:r>
+              <a:rPr lang="nb-NO" dirty="0" err="1"/>
+              <a:t>of</a:t>
+            </a:r>
+            <a:r>
+              <a:rPr lang="nb-NO" dirty="0"/>
+              <a:t> lumping </a:t>
+            </a:r>
+            <a:r>
+              <a:rPr lang="nb-NO" dirty="0" err="1"/>
+              <a:t>them</a:t>
+            </a:r>
+            <a:r>
+              <a:rPr lang="nb-NO" dirty="0"/>
+              <a:t> </a:t>
+            </a:r>
+            <a:r>
+              <a:rPr lang="nb-NO" dirty="0" err="1"/>
+              <a:t>together</a:t>
+            </a:r>
+            <a:br>
+              <a:rPr lang="nb-NO" dirty="0"/>
+            </a:br>
+            <a:r>
+              <a:rPr lang="nb-NO" dirty="0"/>
+              <a:t>                         2) Long </a:t>
+            </a:r>
+            <a:r>
+              <a:rPr lang="nb-NO" dirty="0" err="1"/>
+              <a:t>tail</a:t>
+            </a:r>
+            <a:r>
+              <a:rPr lang="nb-NO" dirty="0"/>
+              <a:t> </a:t>
+            </a:r>
+            <a:r>
+              <a:rPr lang="nb-NO" dirty="0" err="1"/>
+              <a:t>of</a:t>
+            </a:r>
+            <a:r>
+              <a:rPr lang="nb-NO" dirty="0"/>
+              <a:t> </a:t>
+            </a:r>
+            <a:r>
+              <a:rPr lang="nb-NO" dirty="0" err="1"/>
+              <a:t>low</a:t>
+            </a:r>
+            <a:r>
+              <a:rPr lang="nb-NO" dirty="0"/>
+              <a:t> </a:t>
+            </a:r>
+            <a:r>
+              <a:rPr lang="nb-NO" dirty="0" err="1"/>
+              <a:t>abundance</a:t>
+            </a:r>
+            <a:r>
+              <a:rPr lang="nb-NO" dirty="0"/>
+              <a:t> </a:t>
+            </a:r>
+            <a:r>
+              <a:rPr lang="nb-NO" dirty="0" err="1"/>
+              <a:t>sequences</a:t>
+            </a:r>
+            <a:r>
+              <a:rPr lang="nb-NO" dirty="0"/>
+              <a:t> </a:t>
+            </a:r>
+            <a:r>
+              <a:rPr lang="nb-NO" dirty="0" err="1"/>
+              <a:t>disappears</a:t>
+            </a:r>
+            <a:r>
+              <a:rPr lang="nb-NO" dirty="0"/>
+              <a:t> </a:t>
+            </a:r>
+          </a:p>
+          <a:p>
+            <a:endParaRPr lang="nb-NO" dirty="0"/>
+          </a:p>
+          <a:p>
+            <a:r>
+              <a:rPr lang="nb-NO" dirty="0"/>
+              <a:t>Clustering – </a:t>
+            </a:r>
+            <a:r>
+              <a:rPr lang="nb-NO" dirty="0" err="1"/>
+              <a:t>you</a:t>
+            </a:r>
+            <a:r>
+              <a:rPr lang="nb-NO" dirty="0"/>
+              <a:t> </a:t>
+            </a:r>
+            <a:r>
+              <a:rPr lang="nb-NO" dirty="0" err="1"/>
+              <a:t>would</a:t>
+            </a:r>
+            <a:r>
+              <a:rPr lang="nb-NO" dirty="0"/>
+              <a:t> do </a:t>
+            </a:r>
+            <a:r>
+              <a:rPr lang="nb-NO" dirty="0" err="1"/>
+              <a:t>this</a:t>
+            </a:r>
+            <a:r>
+              <a:rPr lang="nb-NO" dirty="0"/>
+              <a:t> to </a:t>
+            </a:r>
+            <a:r>
+              <a:rPr lang="nb-NO" dirty="0" err="1"/>
+              <a:t>study</a:t>
+            </a:r>
+            <a:r>
+              <a:rPr lang="nb-NO" dirty="0"/>
+              <a:t> </a:t>
+            </a:r>
+            <a:r>
+              <a:rPr lang="nb-NO" dirty="0" err="1"/>
+              <a:t>biodiversities</a:t>
+            </a:r>
+            <a:r>
+              <a:rPr lang="nb-NO" dirty="0"/>
+              <a:t>. At </a:t>
+            </a:r>
+            <a:r>
+              <a:rPr lang="nb-NO" dirty="0" err="1"/>
+              <a:t>what</a:t>
+            </a:r>
+            <a:r>
+              <a:rPr lang="nb-NO" dirty="0"/>
+              <a:t> </a:t>
+            </a:r>
+            <a:r>
+              <a:rPr lang="nb-NO" dirty="0" err="1"/>
+              <a:t>threshold</a:t>
+            </a:r>
+            <a:r>
+              <a:rPr lang="nb-NO" dirty="0"/>
+              <a:t> – </a:t>
+            </a:r>
+            <a:r>
+              <a:rPr lang="nb-NO" dirty="0" err="1"/>
+              <a:t>depends</a:t>
+            </a:r>
+            <a:r>
+              <a:rPr lang="nb-NO" dirty="0"/>
+              <a:t> </a:t>
+            </a:r>
+            <a:r>
+              <a:rPr lang="nb-NO" dirty="0" err="1"/>
+              <a:t>on</a:t>
+            </a:r>
+            <a:r>
+              <a:rPr lang="nb-NO" dirty="0"/>
+              <a:t> </a:t>
+            </a:r>
+            <a:r>
+              <a:rPr lang="nb-NO" dirty="0" err="1"/>
+              <a:t>the</a:t>
+            </a:r>
+            <a:r>
+              <a:rPr lang="nb-NO" dirty="0"/>
+              <a:t> </a:t>
+            </a:r>
+            <a:r>
+              <a:rPr lang="nb-NO" dirty="0" err="1"/>
+              <a:t>question</a:t>
+            </a:r>
+            <a:r>
+              <a:rPr lang="nb-NO" dirty="0"/>
+              <a:t> </a:t>
+            </a:r>
+            <a:r>
+              <a:rPr lang="nb-NO" dirty="0" err="1"/>
+              <a:t>you</a:t>
+            </a:r>
+            <a:r>
+              <a:rPr lang="nb-NO" dirty="0"/>
+              <a:t> </a:t>
+            </a:r>
+            <a:r>
+              <a:rPr lang="nb-NO" dirty="0" err="1"/>
+              <a:t>want</a:t>
+            </a:r>
+            <a:r>
+              <a:rPr lang="nb-NO" dirty="0"/>
+              <a:t> to </a:t>
+            </a:r>
+            <a:r>
+              <a:rPr lang="nb-NO" dirty="0" err="1"/>
+              <a:t>answer</a:t>
+            </a:r>
+            <a:r>
+              <a:rPr lang="nb-NO" dirty="0"/>
+              <a:t> – </a:t>
+            </a:r>
+            <a:r>
+              <a:rPr lang="nb-NO" dirty="0" err="1"/>
+              <a:t>if</a:t>
+            </a:r>
+            <a:r>
+              <a:rPr lang="nb-NO" dirty="0"/>
+              <a:t> </a:t>
+            </a:r>
+            <a:r>
+              <a:rPr lang="nb-NO" dirty="0" err="1"/>
+              <a:t>youre</a:t>
+            </a:r>
+            <a:r>
+              <a:rPr lang="nb-NO" dirty="0"/>
+              <a:t> </a:t>
+            </a:r>
+            <a:r>
+              <a:rPr lang="nb-NO" dirty="0" err="1"/>
+              <a:t>looking</a:t>
+            </a:r>
+            <a:r>
+              <a:rPr lang="nb-NO" dirty="0"/>
+              <a:t> at </a:t>
+            </a:r>
+            <a:r>
+              <a:rPr lang="nb-NO" dirty="0" err="1"/>
+              <a:t>micromonas</a:t>
+            </a:r>
+            <a:r>
+              <a:rPr lang="nb-NO" dirty="0"/>
+              <a:t> in general and not </a:t>
+            </a:r>
+            <a:r>
+              <a:rPr lang="nb-NO" dirty="0" err="1"/>
+              <a:t>specific</a:t>
+            </a:r>
+            <a:r>
+              <a:rPr lang="nb-NO" dirty="0"/>
+              <a:t> species </a:t>
+            </a:r>
+            <a:r>
+              <a:rPr lang="nb-NO" dirty="0" err="1"/>
+              <a:t>then</a:t>
+            </a:r>
+            <a:r>
+              <a:rPr lang="nb-NO" dirty="0"/>
+              <a:t> </a:t>
+            </a:r>
+            <a:r>
+              <a:rPr lang="nb-NO" dirty="0" err="1"/>
+              <a:t>you</a:t>
+            </a:r>
+            <a:r>
+              <a:rPr lang="nb-NO" dirty="0"/>
+              <a:t> </a:t>
+            </a:r>
+            <a:r>
+              <a:rPr lang="nb-NO" dirty="0" err="1"/>
+              <a:t>can</a:t>
+            </a:r>
+            <a:r>
+              <a:rPr lang="nb-NO" dirty="0"/>
+              <a:t> </a:t>
+            </a:r>
+            <a:r>
+              <a:rPr lang="nb-NO" dirty="0" err="1"/>
+              <a:t>choose</a:t>
+            </a:r>
+            <a:r>
+              <a:rPr lang="nb-NO" dirty="0"/>
+              <a:t> lets </a:t>
+            </a:r>
+            <a:r>
+              <a:rPr lang="nb-NO" dirty="0" err="1"/>
+              <a:t>say</a:t>
+            </a:r>
+            <a:r>
+              <a:rPr lang="nb-NO" dirty="0"/>
+              <a:t> 97% </a:t>
+            </a:r>
+            <a:r>
+              <a:rPr lang="nb-NO" dirty="0" err="1"/>
+              <a:t>but</a:t>
+            </a:r>
+            <a:r>
+              <a:rPr lang="nb-NO" dirty="0"/>
+              <a:t> </a:t>
+            </a:r>
+            <a:r>
+              <a:rPr lang="nb-NO" dirty="0" err="1"/>
+              <a:t>if</a:t>
+            </a:r>
+            <a:r>
+              <a:rPr lang="nb-NO" dirty="0"/>
+              <a:t> </a:t>
+            </a:r>
+            <a:r>
+              <a:rPr lang="nb-NO" dirty="0" err="1"/>
+              <a:t>you</a:t>
+            </a:r>
+            <a:r>
+              <a:rPr lang="nb-NO" dirty="0"/>
+              <a:t> </a:t>
+            </a:r>
+            <a:r>
+              <a:rPr lang="nb-NO" dirty="0" err="1"/>
+              <a:t>want</a:t>
+            </a:r>
+            <a:r>
+              <a:rPr lang="nb-NO" dirty="0"/>
+              <a:t> </a:t>
+            </a:r>
+            <a:r>
+              <a:rPr lang="nb-NO" dirty="0" err="1"/>
+              <a:t>specific</a:t>
+            </a:r>
+            <a:r>
+              <a:rPr lang="nb-NO" dirty="0"/>
+              <a:t> species </a:t>
+            </a:r>
+            <a:r>
+              <a:rPr lang="nb-NO" dirty="0" err="1"/>
+              <a:t>then</a:t>
+            </a:r>
+            <a:r>
+              <a:rPr lang="nb-NO" dirty="0"/>
+              <a:t> </a:t>
+            </a:r>
+            <a:r>
+              <a:rPr lang="nb-NO" dirty="0" err="1"/>
+              <a:t>you</a:t>
+            </a:r>
+            <a:r>
+              <a:rPr lang="nb-NO" dirty="0"/>
+              <a:t> </a:t>
+            </a:r>
+            <a:r>
+              <a:rPr lang="nb-NO" dirty="0" err="1"/>
+              <a:t>choose</a:t>
+            </a:r>
+            <a:r>
+              <a:rPr lang="nb-NO" dirty="0"/>
+              <a:t> 99%. If </a:t>
+            </a:r>
+            <a:r>
+              <a:rPr lang="nb-NO" dirty="0" err="1"/>
+              <a:t>you</a:t>
+            </a:r>
+            <a:r>
+              <a:rPr lang="nb-NO" dirty="0"/>
+              <a:t> </a:t>
+            </a:r>
+            <a:r>
+              <a:rPr lang="nb-NO" dirty="0" err="1"/>
+              <a:t>choose</a:t>
+            </a:r>
+            <a:r>
+              <a:rPr lang="nb-NO" dirty="0"/>
+              <a:t> 99% in general </a:t>
+            </a:r>
+            <a:r>
+              <a:rPr lang="nb-NO" dirty="0" err="1"/>
+              <a:t>then</a:t>
+            </a:r>
+            <a:r>
+              <a:rPr lang="nb-NO" dirty="0"/>
+              <a:t> </a:t>
+            </a:r>
+            <a:r>
+              <a:rPr lang="nb-NO" dirty="0" err="1"/>
+              <a:t>you</a:t>
+            </a:r>
+            <a:r>
+              <a:rPr lang="nb-NO" dirty="0"/>
+              <a:t> have more </a:t>
+            </a:r>
+            <a:r>
+              <a:rPr lang="nb-NO" dirty="0" err="1"/>
+              <a:t>diversity</a:t>
+            </a:r>
+            <a:r>
+              <a:rPr lang="nb-NO" dirty="0"/>
+              <a:t>, </a:t>
+            </a:r>
+            <a:r>
+              <a:rPr lang="nb-NO" dirty="0" err="1"/>
+              <a:t>even</a:t>
+            </a:r>
+            <a:r>
+              <a:rPr lang="nb-NO" dirty="0"/>
+              <a:t> </a:t>
+            </a:r>
+            <a:r>
+              <a:rPr lang="nb-NO" dirty="0" err="1"/>
+              <a:t>though</a:t>
+            </a:r>
+            <a:r>
+              <a:rPr lang="nb-NO" dirty="0"/>
+              <a:t> </a:t>
+            </a:r>
+            <a:r>
+              <a:rPr lang="nb-NO" dirty="0" err="1"/>
+              <a:t>they</a:t>
+            </a:r>
+            <a:r>
+              <a:rPr lang="nb-NO" dirty="0"/>
+              <a:t> </a:t>
+            </a:r>
+            <a:r>
+              <a:rPr lang="nb-NO" dirty="0" err="1"/>
+              <a:t>might</a:t>
+            </a:r>
+            <a:r>
+              <a:rPr lang="nb-NO" dirty="0"/>
+              <a:t> be </a:t>
+            </a:r>
+            <a:r>
+              <a:rPr lang="nb-NO" dirty="0" err="1"/>
+              <a:t>the</a:t>
+            </a:r>
+            <a:r>
+              <a:rPr lang="nb-NO" dirty="0"/>
+              <a:t> same species </a:t>
+            </a:r>
+            <a:r>
+              <a:rPr lang="nb-NO" dirty="0" err="1"/>
+              <a:t>with</a:t>
+            </a:r>
+            <a:r>
+              <a:rPr lang="nb-NO" dirty="0"/>
+              <a:t> just a </a:t>
+            </a:r>
+            <a:r>
+              <a:rPr lang="nb-NO" dirty="0" err="1"/>
+              <a:t>difference</a:t>
+            </a:r>
+            <a:r>
+              <a:rPr lang="nb-NO" dirty="0"/>
+              <a:t> in </a:t>
+            </a:r>
+            <a:r>
+              <a:rPr lang="nb-NO" dirty="0" err="1"/>
+              <a:t>one</a:t>
+            </a:r>
+            <a:r>
+              <a:rPr lang="nb-NO" dirty="0"/>
+              <a:t> or </a:t>
+            </a:r>
+            <a:r>
+              <a:rPr lang="nb-NO" dirty="0" err="1"/>
+              <a:t>two</a:t>
+            </a:r>
+            <a:r>
+              <a:rPr lang="nb-NO" dirty="0"/>
+              <a:t> </a:t>
+            </a:r>
+            <a:r>
+              <a:rPr lang="nb-NO" dirty="0" err="1"/>
+              <a:t>nucleotides</a:t>
+            </a:r>
+            <a:r>
+              <a:rPr lang="nb-NO" dirty="0"/>
+              <a:t>. And </a:t>
+            </a:r>
+            <a:r>
+              <a:rPr lang="nb-NO" dirty="0" err="1"/>
+              <a:t>if</a:t>
+            </a:r>
+            <a:r>
+              <a:rPr lang="nb-NO" dirty="0"/>
+              <a:t> </a:t>
+            </a:r>
+            <a:r>
+              <a:rPr lang="nb-NO" dirty="0" err="1"/>
+              <a:t>you</a:t>
+            </a:r>
+            <a:r>
+              <a:rPr lang="nb-NO" dirty="0"/>
+              <a:t> </a:t>
+            </a:r>
+            <a:r>
+              <a:rPr lang="nb-NO" dirty="0" err="1"/>
+              <a:t>choose</a:t>
+            </a:r>
+            <a:r>
+              <a:rPr lang="nb-NO" dirty="0"/>
+              <a:t> 97% </a:t>
+            </a:r>
+            <a:r>
+              <a:rPr lang="nb-NO" dirty="0" err="1"/>
+              <a:t>then</a:t>
+            </a:r>
+            <a:r>
+              <a:rPr lang="nb-NO" dirty="0"/>
+              <a:t> </a:t>
+            </a:r>
+            <a:r>
+              <a:rPr lang="nb-NO" dirty="0" err="1"/>
+              <a:t>you</a:t>
+            </a:r>
+            <a:r>
+              <a:rPr lang="nb-NO" dirty="0"/>
+              <a:t> </a:t>
+            </a:r>
+            <a:r>
+              <a:rPr lang="nb-NO" dirty="0" err="1"/>
+              <a:t>might</a:t>
+            </a:r>
+            <a:r>
+              <a:rPr lang="nb-NO" dirty="0"/>
+              <a:t> have less </a:t>
+            </a:r>
+            <a:r>
+              <a:rPr lang="nb-NO" dirty="0" err="1"/>
+              <a:t>diversity</a:t>
+            </a:r>
+            <a:r>
+              <a:rPr lang="nb-NO" dirty="0"/>
+              <a:t> cos all different species </a:t>
+            </a:r>
+            <a:r>
+              <a:rPr lang="nb-NO" dirty="0" err="1"/>
+              <a:t>are</a:t>
+            </a:r>
+            <a:r>
+              <a:rPr lang="nb-NO" dirty="0"/>
+              <a:t> </a:t>
+            </a:r>
+            <a:r>
+              <a:rPr lang="nb-NO" dirty="0" err="1"/>
+              <a:t>clustered</a:t>
+            </a:r>
+            <a:r>
+              <a:rPr lang="nb-NO" dirty="0"/>
+              <a:t> </a:t>
+            </a:r>
+            <a:r>
+              <a:rPr lang="nb-NO" dirty="0" err="1"/>
+              <a:t>into</a:t>
+            </a:r>
+            <a:r>
+              <a:rPr lang="nb-NO" dirty="0"/>
+              <a:t> </a:t>
+            </a:r>
+            <a:r>
+              <a:rPr lang="nb-NO" dirty="0" err="1"/>
+              <a:t>one</a:t>
+            </a:r>
+            <a:r>
+              <a:rPr lang="nb-NO" dirty="0"/>
+              <a:t> </a:t>
+            </a:r>
+            <a:r>
+              <a:rPr lang="nb-NO" dirty="0" err="1"/>
+              <a:t>group</a:t>
+            </a:r>
+            <a:r>
+              <a:rPr lang="nb-NO" dirty="0"/>
+              <a:t>. </a:t>
+            </a:r>
+            <a:r>
+              <a:rPr lang="nb-NO" dirty="0" err="1"/>
+              <a:t>Therefore</a:t>
+            </a:r>
+            <a:r>
+              <a:rPr lang="nb-NO" dirty="0"/>
+              <a:t> </a:t>
+            </a:r>
+            <a:r>
+              <a:rPr lang="nb-NO" dirty="0" err="1"/>
+              <a:t>you</a:t>
+            </a:r>
+            <a:r>
+              <a:rPr lang="nb-NO" dirty="0"/>
+              <a:t> </a:t>
+            </a:r>
+            <a:r>
+              <a:rPr lang="nb-NO" dirty="0" err="1"/>
+              <a:t>need</a:t>
+            </a:r>
+            <a:r>
+              <a:rPr lang="nb-NO" dirty="0"/>
+              <a:t> to </a:t>
+            </a:r>
+            <a:r>
+              <a:rPr lang="nb-NO" dirty="0" err="1"/>
+              <a:t>choose</a:t>
+            </a:r>
+            <a:r>
+              <a:rPr lang="nb-NO" dirty="0"/>
+              <a:t> </a:t>
+            </a:r>
+            <a:r>
+              <a:rPr lang="nb-NO" dirty="0" err="1"/>
+              <a:t>what</a:t>
+            </a:r>
+            <a:r>
+              <a:rPr lang="nb-NO" dirty="0"/>
+              <a:t> </a:t>
+            </a:r>
+            <a:r>
+              <a:rPr lang="nb-NO" dirty="0" err="1"/>
+              <a:t>you</a:t>
+            </a:r>
+            <a:r>
+              <a:rPr lang="nb-NO" dirty="0"/>
+              <a:t> </a:t>
+            </a:r>
+            <a:r>
+              <a:rPr lang="nb-NO" dirty="0" err="1"/>
+              <a:t>want</a:t>
+            </a:r>
+            <a:r>
+              <a:rPr lang="nb-NO" dirty="0"/>
+              <a:t> </a:t>
+            </a:r>
+            <a:r>
+              <a:rPr lang="nb-NO" dirty="0" err="1"/>
+              <a:t>based</a:t>
+            </a:r>
+            <a:r>
+              <a:rPr lang="nb-NO" dirty="0"/>
+              <a:t> </a:t>
+            </a:r>
+            <a:r>
+              <a:rPr lang="nb-NO" dirty="0" err="1"/>
+              <a:t>on</a:t>
+            </a:r>
+            <a:r>
+              <a:rPr lang="nb-NO" dirty="0"/>
+              <a:t> </a:t>
+            </a:r>
+            <a:r>
+              <a:rPr lang="nb-NO" dirty="0" err="1"/>
+              <a:t>the</a:t>
+            </a:r>
+            <a:r>
+              <a:rPr lang="nb-NO" dirty="0"/>
+              <a:t> questions </a:t>
+            </a:r>
+            <a:r>
+              <a:rPr lang="nb-NO" dirty="0" err="1"/>
+              <a:t>you</a:t>
+            </a:r>
+            <a:r>
+              <a:rPr lang="nb-NO" dirty="0"/>
+              <a:t> </a:t>
+            </a:r>
+            <a:r>
+              <a:rPr lang="nb-NO" dirty="0" err="1"/>
+              <a:t>want</a:t>
+            </a:r>
+            <a:r>
+              <a:rPr lang="nb-NO" dirty="0"/>
+              <a:t> to </a:t>
+            </a:r>
+            <a:r>
+              <a:rPr lang="nb-NO" dirty="0" err="1"/>
+              <a:t>answer</a:t>
+            </a:r>
+            <a:r>
+              <a:rPr lang="nb-NO" dirty="0"/>
+              <a:t>.</a:t>
+            </a:r>
+          </a:p>
+          <a:p>
+            <a:endParaRPr lang="nb-NO" dirty="0"/>
+          </a:p>
+        </p:txBody>
+      </p:sp>
+      <p:sp>
+        <p:nvSpPr>
+          <p:cNvPr id="4" name="Slide Number Placeholder 3"/>
+          <p:cNvSpPr>
+            <a:spLocks noGrp="1"/>
+          </p:cNvSpPr>
+          <p:nvPr>
+            <p:ph type="sldNum" sz="quarter" idx="5"/>
+          </p:nvPr>
+        </p:nvSpPr>
+        <p:spPr/>
+        <p:txBody>
+          <a:bodyPr/>
+          <a:lstStyle/>
+          <a:p>
+            <a:fld id="{A25C8A11-C6F2-406A-BE8D-599351CE5793}" type="slidenum">
+              <a:rPr lang="nb-NO" smtClean="0"/>
+              <a:t>16</a:t>
+            </a:fld>
+            <a:endParaRPr lang="nb-NO"/>
+          </a:p>
+        </p:txBody>
+      </p:sp>
+    </p:spTree>
+    <p:extLst>
+      <p:ext uri="{BB962C8B-B14F-4D97-AF65-F5344CB8AC3E}">
+        <p14:creationId xmlns:p14="http://schemas.microsoft.com/office/powerpoint/2010/main" val="4026491435"/>
+      </p:ext>
+    </p:extLst>
+  </p:cSld>
+  <p:clrMapOvr>
+    <a:masterClrMapping/>
+  </p:clrMapOvr>
+</p:notes>
+</file>
+
+<file path=ppt/notesSlides/notesSlide5.xml><?xml version="1.0" encoding="utf-8"?>
+<p:notes xmlns:a="http://schemas.openxmlformats.org/drawingml/2006/main" xmlns:r="http://schemas.openxmlformats.org/officeDocument/2006/relationships" xmlns:p="http://schemas.openxmlformats.org/presentationml/2006/main">
+  <p:cSld>
+    <p:spTree>
+      <p:nvGrpSpPr>
+        <p:cNvPr id="1" name=""/>
+        <p:cNvGrpSpPr/>
+        <p:nvPr/>
+      </p:nvGrpSpPr>
+      <p:grpSpPr>
+        <a:xfrm>
+          <a:off x="0" y="0"/>
+          <a:ext cx="0" cy="0"/>
+          <a:chOff x="0" y="0"/>
+          <a:chExt cx="0" cy="0"/>
+        </a:xfrm>
+      </p:grpSpPr>
+      <p:sp>
+        <p:nvSpPr>
+          <p:cNvPr id="2" name="Slide Image Placeholder 1"/>
+          <p:cNvSpPr>
+            <a:spLocks noGrp="1" noRot="1" noChangeAspect="1"/>
+          </p:cNvSpPr>
+          <p:nvPr>
+            <p:ph type="sldImg"/>
+          </p:nvPr>
+        </p:nvSpPr>
+        <p:spPr/>
+      </p:sp>
+      <p:sp>
+        <p:nvSpPr>
+          <p:cNvPr id="3" name="Notes Placeholder 2"/>
+          <p:cNvSpPr>
+            <a:spLocks noGrp="1"/>
+          </p:cNvSpPr>
+          <p:nvPr>
+            <p:ph type="body" idx="1"/>
+          </p:nvPr>
+        </p:nvSpPr>
+        <p:spPr/>
+        <p:txBody>
+          <a:bodyPr/>
+          <a:lstStyle/>
+          <a:p>
+            <a:endParaRPr lang="nb-NO" dirty="0"/>
+          </a:p>
+        </p:txBody>
+      </p:sp>
+      <p:sp>
+        <p:nvSpPr>
+          <p:cNvPr id="4" name="Slide Number Placeholder 3"/>
+          <p:cNvSpPr>
+            <a:spLocks noGrp="1"/>
+          </p:cNvSpPr>
+          <p:nvPr>
+            <p:ph type="sldNum" sz="quarter" idx="5"/>
+          </p:nvPr>
+        </p:nvSpPr>
+        <p:spPr/>
+        <p:txBody>
+          <a:bodyPr/>
+          <a:lstStyle/>
+          <a:p>
+            <a:fld id="{A25C8A11-C6F2-406A-BE8D-599351CE5793}" type="slidenum">
+              <a:rPr lang="nb-NO" smtClean="0"/>
+              <a:t>20</a:t>
+            </a:fld>
+            <a:endParaRPr lang="nb-NO"/>
+          </a:p>
+        </p:txBody>
+      </p:sp>
+    </p:spTree>
+    <p:extLst>
+      <p:ext uri="{BB962C8B-B14F-4D97-AF65-F5344CB8AC3E}">
+        <p14:creationId xmlns:p14="http://schemas.microsoft.com/office/powerpoint/2010/main" val="1644905235"/>
+      </p:ext>
+    </p:extLst>
+  </p:cSld>
+  <p:clrMapOvr>
+    <a:masterClrMapping/>
+  </p:clrMapOvr>
+</p:notes>
+</file>
+
 <file path=ppt/slideLayouts/slideLayout1.xml><?xml version="1.0" encoding="utf-8"?>
 <p:sldLayout xmlns:a="http://schemas.openxmlformats.org/drawingml/2006/main" xmlns:r="http://schemas.openxmlformats.org/officeDocument/2006/relationships" xmlns:p="http://schemas.openxmlformats.org/presentationml/2006/main" type="title" preserve="1">
   <p:cSld name="Title Slide">
@@ -1984,7 +4179,7 @@
           <a:p>
             <a:fld id="{0D4E46AA-1EC0-4433-9956-E798E94A6FB7}" type="datetimeFigureOut">
               <a:rPr lang="en-US" smtClean="0"/>
-              <a:t>7/1/2021</a:t>
+              <a:t>7/8/2022</a:t>
             </a:fld>
             <a:endParaRPr lang="en-US"/>
           </a:p>
@@ -2182,7 +4377,7 @@
           <a:p>
             <a:fld id="{0D4E46AA-1EC0-4433-9956-E798E94A6FB7}" type="datetimeFigureOut">
               <a:rPr lang="en-US" smtClean="0"/>
-              <a:t>7/1/2021</a:t>
+              <a:t>7/8/2022</a:t>
             </a:fld>
             <a:endParaRPr lang="en-US"/>
           </a:p>
@@ -2390,7 +4585,7 @@
           <a:p>
             <a:fld id="{0D4E46AA-1EC0-4433-9956-E798E94A6FB7}" type="datetimeFigureOut">
               <a:rPr lang="en-US" smtClean="0"/>
-              <a:t>7/1/2021</a:t>
+              <a:t>7/8/2022</a:t>
             </a:fld>
             <a:endParaRPr lang="en-US"/>
           </a:p>
@@ -2588,7 +4783,7 @@
           <a:p>
             <a:fld id="{0D4E46AA-1EC0-4433-9956-E798E94A6FB7}" type="datetimeFigureOut">
               <a:rPr lang="en-US" smtClean="0"/>
-              <a:t>7/1/2021</a:t>
+              <a:t>7/8/2022</a:t>
             </a:fld>
             <a:endParaRPr lang="en-US"/>
           </a:p>
@@ -2867,7 +5062,7 @@
           <a:p>
             <a:fld id="{0D4E46AA-1EC0-4433-9956-E798E94A6FB7}" type="datetimeFigureOut">
               <a:rPr lang="en-US" smtClean="0"/>
-              <a:t>7/1/2021</a:t>
+              <a:t>7/8/2022</a:t>
             </a:fld>
             <a:endParaRPr lang="en-US"/>
           </a:p>
@@ -3132,7 +5327,7 @@
           <a:p>
             <a:fld id="{0D4E46AA-1EC0-4433-9956-E798E94A6FB7}" type="datetimeFigureOut">
               <a:rPr lang="en-US" smtClean="0"/>
-              <a:t>7/1/2021</a:t>
+              <a:t>7/8/2022</a:t>
             </a:fld>
             <a:endParaRPr lang="en-US"/>
           </a:p>
@@ -3548,7 +5743,7 @@
           <a:p>
             <a:fld id="{0D4E46AA-1EC0-4433-9956-E798E94A6FB7}" type="datetimeFigureOut">
               <a:rPr lang="en-US" smtClean="0"/>
-              <a:t>7/1/2021</a:t>
+              <a:t>7/8/2022</a:t>
             </a:fld>
             <a:endParaRPr lang="en-US"/>
           </a:p>
@@ -3689,7 +5884,7 @@
           <a:p>
             <a:fld id="{0D4E46AA-1EC0-4433-9956-E798E94A6FB7}" type="datetimeFigureOut">
               <a:rPr lang="en-US" smtClean="0"/>
-              <a:t>7/1/2021</a:t>
+              <a:t>7/8/2022</a:t>
             </a:fld>
             <a:endParaRPr lang="en-US"/>
           </a:p>
@@ -3802,7 +5997,7 @@
           <a:p>
             <a:fld id="{0D4E46AA-1EC0-4433-9956-E798E94A6FB7}" type="datetimeFigureOut">
               <a:rPr lang="en-US" smtClean="0"/>
-              <a:t>7/1/2021</a:t>
+              <a:t>7/8/2022</a:t>
             </a:fld>
             <a:endParaRPr lang="en-US"/>
           </a:p>
@@ -4115,7 +6310,7 @@
           <a:p>
             <a:fld id="{0D4E46AA-1EC0-4433-9956-E798E94A6FB7}" type="datetimeFigureOut">
               <a:rPr lang="en-US" smtClean="0"/>
-              <a:t>7/1/2021</a:t>
+              <a:t>7/8/2022</a:t>
             </a:fld>
             <a:endParaRPr lang="en-US"/>
           </a:p>
@@ -4403,7 +6598,7 @@
           <a:p>
             <a:fld id="{0D4E46AA-1EC0-4433-9956-E798E94A6FB7}" type="datetimeFigureOut">
               <a:rPr lang="en-US" smtClean="0"/>
-              <a:t>7/1/2021</a:t>
+              <a:t>7/8/2022</a:t>
             </a:fld>
             <a:endParaRPr lang="en-US"/>
           </a:p>
@@ -4643,7 +6838,7 @@
             <a:fld id="{0D4E46AA-1EC0-4433-9956-E798E94A6FB7}" type="datetimeFigureOut">
               <a:rPr lang="en-US" smtClean="0"/>
               <a:pPr/>
-              <a:t>7/1/2021</a:t>
+              <a:t>7/8/2022</a:t>
             </a:fld>
             <a:endParaRPr lang="en-US" dirty="0"/>
           </a:p>
@@ -5381,7 +7576,7 @@
                   <a:srgbClr val="FFFFFF"/>
                 </a:solidFill>
               </a:rPr>
-              <a:t>Ab327</a:t>
+              <a:t>Ab327/827</a:t>
             </a:r>
           </a:p>
           <a:p>
@@ -5532,6 +7727,458 @@
 </file>
 
 <file path=ppt/slides/slide10.xml><?xml version="1.0" encoding="utf-8"?>
+<p:sld xmlns:a="http://schemas.openxmlformats.org/drawingml/2006/main" xmlns:r="http://schemas.openxmlformats.org/officeDocument/2006/relationships" xmlns:p="http://schemas.openxmlformats.org/presentationml/2006/main">
+  <p:cSld>
+    <p:spTree>
+      <p:nvGrpSpPr>
+        <p:cNvPr id="1" name=""/>
+        <p:cNvGrpSpPr/>
+        <p:nvPr/>
+      </p:nvGrpSpPr>
+      <p:grpSpPr>
+        <a:xfrm>
+          <a:off x="0" y="0"/>
+          <a:ext cx="0" cy="0"/>
+          <a:chOff x="0" y="0"/>
+          <a:chExt cx="0" cy="0"/>
+        </a:xfrm>
+      </p:grpSpPr>
+      <p:pic>
+        <p:nvPicPr>
+          <p:cNvPr id="1026" name="Picture 2" descr="Say Dada Meme || Animatic by UndertaleComicAlpha on DeviantArt">
+            <a:extLst>
+              <a:ext uri="{FF2B5EF4-FFF2-40B4-BE49-F238E27FC236}">
+                <a16:creationId xmlns:a16="http://schemas.microsoft.com/office/drawing/2014/main" id="{C7E10B8F-A237-4F13-B3E5-FB6D5B0CE078}"/>
+              </a:ext>
+            </a:extLst>
+          </p:cNvPr>
+          <p:cNvPicPr>
+            <a:picLocks noChangeAspect="1" noChangeArrowheads="1"/>
+          </p:cNvPicPr>
+          <p:nvPr/>
+        </p:nvPicPr>
+        <p:blipFill rotWithShape="1">
+          <a:blip r:embed="rId2">
+            <a:extLst>
+              <a:ext uri="{28A0092B-C50C-407E-A947-70E740481C1C}">
+                <a14:useLocalDpi xmlns:a14="http://schemas.microsoft.com/office/drawing/2010/main" val="0"/>
+              </a:ext>
+            </a:extLst>
+          </a:blip>
+          <a:srcRect/>
+          <a:stretch/>
+        </p:blipFill>
+        <p:spPr bwMode="auto">
+          <a:xfrm>
+            <a:off x="0" y="0"/>
+            <a:ext cx="12192000" cy="6858000"/>
+          </a:xfrm>
+          <a:prstGeom prst="rect">
+            <a:avLst/>
+          </a:prstGeom>
+          <a:noFill/>
+          <a:extLst>
+            <a:ext uri="{909E8E84-426E-40DD-AFC4-6F175D3DCCD1}">
+              <a14:hiddenFill xmlns:a14="http://schemas.microsoft.com/office/drawing/2010/main">
+                <a:solidFill>
+                  <a:srgbClr val="FFFFFF"/>
+                </a:solidFill>
+              </a14:hiddenFill>
+            </a:ext>
+          </a:extLst>
+        </p:spPr>
+      </p:pic>
+      <p:sp>
+        <p:nvSpPr>
+          <p:cNvPr id="2" name="Title 1">
+            <a:extLst>
+              <a:ext uri="{FF2B5EF4-FFF2-40B4-BE49-F238E27FC236}">
+                <a16:creationId xmlns:a16="http://schemas.microsoft.com/office/drawing/2014/main" id="{70F3EE93-3095-4F9D-B393-0348D9CD1C0B}"/>
+              </a:ext>
+            </a:extLst>
+          </p:cNvPr>
+          <p:cNvSpPr>
+            <a:spLocks noGrp="1"/>
+          </p:cNvSpPr>
+          <p:nvPr>
+            <p:ph type="title"/>
+          </p:nvPr>
+        </p:nvSpPr>
+        <p:spPr>
+          <a:xfrm>
+            <a:off x="6421729" y="914400"/>
+            <a:ext cx="4892948" cy="3427867"/>
+          </a:xfrm>
+        </p:spPr>
+        <p:txBody>
+          <a:bodyPr vert="horz" lIns="91440" tIns="45720" rIns="91440" bIns="45720" rtlCol="0" anchor="t">
+            <a:normAutofit/>
+          </a:bodyPr>
+          <a:lstStyle/>
+          <a:p>
+            <a:pPr algn="r"/>
+            <a:r>
+              <a:rPr lang="en-US" sz="4000" b="1" dirty="0">
+                <a:solidFill>
+                  <a:schemeClr val="accent6">
+                    <a:lumMod val="60000"/>
+                    <a:lumOff val="40000"/>
+                  </a:schemeClr>
+                </a:solidFill>
+              </a:rPr>
+              <a:t>DADA 2 – Divisive Amplicon </a:t>
+            </a:r>
+            <a:r>
+              <a:rPr lang="en-US" sz="4000" b="1" dirty="0" err="1">
+                <a:solidFill>
+                  <a:schemeClr val="accent6">
+                    <a:lumMod val="60000"/>
+                    <a:lumOff val="40000"/>
+                  </a:schemeClr>
+                </a:solidFill>
+              </a:rPr>
+              <a:t>Denosing</a:t>
+            </a:r>
+            <a:r>
+              <a:rPr lang="en-US" sz="4000" b="1" dirty="0">
+                <a:solidFill>
+                  <a:schemeClr val="accent6">
+                    <a:lumMod val="60000"/>
+                    <a:lumOff val="40000"/>
+                  </a:schemeClr>
+                </a:solidFill>
+              </a:rPr>
+              <a:t> Algorithm</a:t>
+            </a:r>
+          </a:p>
+        </p:txBody>
+      </p:sp>
+      <p:sp>
+        <p:nvSpPr>
+          <p:cNvPr id="3" name="Text Placeholder 2">
+            <a:extLst>
+              <a:ext uri="{FF2B5EF4-FFF2-40B4-BE49-F238E27FC236}">
+                <a16:creationId xmlns:a16="http://schemas.microsoft.com/office/drawing/2014/main" id="{7B3F213A-FAB4-477E-9ECC-BB41CED0BCF9}"/>
+              </a:ext>
+            </a:extLst>
+          </p:cNvPr>
+          <p:cNvSpPr>
+            <a:spLocks noGrp="1"/>
+          </p:cNvSpPr>
+          <p:nvPr>
+            <p:ph type="body" idx="1"/>
+          </p:nvPr>
+        </p:nvSpPr>
+        <p:spPr>
+          <a:xfrm>
+            <a:off x="6373503" y="5253051"/>
+            <a:ext cx="4941173" cy="812923"/>
+          </a:xfrm>
+        </p:spPr>
+        <p:txBody>
+          <a:bodyPr vert="horz" lIns="91440" tIns="45720" rIns="91440" bIns="45720" rtlCol="0" anchor="t">
+            <a:normAutofit/>
+          </a:bodyPr>
+          <a:lstStyle/>
+          <a:p>
+            <a:pPr algn="r">
+              <a:lnSpc>
+                <a:spcPct val="130000"/>
+              </a:lnSpc>
+            </a:pPr>
+            <a:endParaRPr lang="en-US" sz="1800" b="1" cap="all" spc="300">
+              <a:solidFill>
+                <a:srgbClr val="FFFFFF"/>
+              </a:solidFill>
+            </a:endParaRPr>
+          </a:p>
+        </p:txBody>
+      </p:sp>
+    </p:spTree>
+    <p:extLst>
+      <p:ext uri="{BB962C8B-B14F-4D97-AF65-F5344CB8AC3E}">
+        <p14:creationId xmlns:p14="http://schemas.microsoft.com/office/powerpoint/2010/main" val="1654687904"/>
+      </p:ext>
+    </p:extLst>
+  </p:cSld>
+  <p:clrMapOvr>
+    <a:masterClrMapping/>
+  </p:clrMapOvr>
+</p:sld>
+</file>
+
+<file path=ppt/slides/slide11.xml><?xml version="1.0" encoding="utf-8"?>
+<p:sld xmlns:a="http://schemas.openxmlformats.org/drawingml/2006/main" xmlns:r="http://schemas.openxmlformats.org/officeDocument/2006/relationships" xmlns:p="http://schemas.openxmlformats.org/presentationml/2006/main">
+  <p:cSld>
+    <p:spTree>
+      <p:nvGrpSpPr>
+        <p:cNvPr id="1" name=""/>
+        <p:cNvGrpSpPr/>
+        <p:nvPr/>
+      </p:nvGrpSpPr>
+      <p:grpSpPr>
+        <a:xfrm>
+          <a:off x="0" y="0"/>
+          <a:ext cx="0" cy="0"/>
+          <a:chOff x="0" y="0"/>
+          <a:chExt cx="0" cy="0"/>
+        </a:xfrm>
+      </p:grpSpPr>
+      <p:sp>
+        <p:nvSpPr>
+          <p:cNvPr id="2" name="Title 1">
+            <a:extLst>
+              <a:ext uri="{FF2B5EF4-FFF2-40B4-BE49-F238E27FC236}">
+                <a16:creationId xmlns:a16="http://schemas.microsoft.com/office/drawing/2014/main" id="{232148C1-5C7C-4877-AB97-15135C1DBB84}"/>
+              </a:ext>
+            </a:extLst>
+          </p:cNvPr>
+          <p:cNvSpPr>
+            <a:spLocks noGrp="1"/>
+          </p:cNvSpPr>
+          <p:nvPr>
+            <p:ph type="title"/>
+          </p:nvPr>
+        </p:nvSpPr>
+        <p:spPr>
+          <a:xfrm>
+            <a:off x="209550" y="152400"/>
+            <a:ext cx="10363200" cy="1314443"/>
+          </a:xfrm>
+        </p:spPr>
+        <p:txBody>
+          <a:bodyPr/>
+          <a:lstStyle/>
+          <a:p>
+            <a:r>
+              <a:rPr lang="nb-NO" dirty="0"/>
+              <a:t>DADA 2 bioinformatics </a:t>
+            </a:r>
+            <a:r>
+              <a:rPr lang="nb-NO" dirty="0" err="1"/>
+              <a:t>workflow</a:t>
+            </a:r>
+            <a:endParaRPr lang="nb-NO" dirty="0"/>
+          </a:p>
+        </p:txBody>
+      </p:sp>
+      <p:pic>
+        <p:nvPicPr>
+          <p:cNvPr id="2050" name="Picture 2" descr="Image">
+            <a:extLst>
+              <a:ext uri="{FF2B5EF4-FFF2-40B4-BE49-F238E27FC236}">
+                <a16:creationId xmlns:a16="http://schemas.microsoft.com/office/drawing/2014/main" id="{6350AAED-5124-4AEB-B7CE-959F4AF3DCC3}"/>
+              </a:ext>
+            </a:extLst>
+          </p:cNvPr>
+          <p:cNvPicPr>
+            <a:picLocks noGrp="1" noChangeAspect="1" noChangeArrowheads="1"/>
+          </p:cNvPicPr>
+          <p:nvPr>
+            <p:ph idx="1"/>
+          </p:nvPr>
+        </p:nvPicPr>
+        <p:blipFill>
+          <a:blip r:embed="rId2">
+            <a:extLst>
+              <a:ext uri="{28A0092B-C50C-407E-A947-70E740481C1C}">
+                <a14:useLocalDpi xmlns:a14="http://schemas.microsoft.com/office/drawing/2010/main" val="0"/>
+              </a:ext>
+            </a:extLst>
+          </a:blip>
+          <a:srcRect/>
+          <a:stretch>
+            <a:fillRect/>
+          </a:stretch>
+        </p:blipFill>
+        <p:spPr bwMode="auto">
+          <a:xfrm>
+            <a:off x="590550" y="1079501"/>
+            <a:ext cx="10668000" cy="5368924"/>
+          </a:xfrm>
+          <a:prstGeom prst="rect">
+            <a:avLst/>
+          </a:prstGeom>
+          <a:noFill/>
+          <a:extLst>
+            <a:ext uri="{909E8E84-426E-40DD-AFC4-6F175D3DCCD1}">
+              <a14:hiddenFill xmlns:a14="http://schemas.microsoft.com/office/drawing/2010/main">
+                <a:solidFill>
+                  <a:srgbClr val="FFFFFF"/>
+                </a:solidFill>
+              </a14:hiddenFill>
+            </a:ext>
+          </a:extLst>
+        </p:spPr>
+      </p:pic>
+      <p:sp>
+        <p:nvSpPr>
+          <p:cNvPr id="4" name="TextBox 3">
+            <a:extLst>
+              <a:ext uri="{FF2B5EF4-FFF2-40B4-BE49-F238E27FC236}">
+                <a16:creationId xmlns:a16="http://schemas.microsoft.com/office/drawing/2014/main" id="{E531272C-AC6B-444E-8799-74A0B911E208}"/>
+              </a:ext>
+            </a:extLst>
+          </p:cNvPr>
+          <p:cNvSpPr txBox="1"/>
+          <p:nvPr/>
+        </p:nvSpPr>
+        <p:spPr>
+          <a:xfrm>
+            <a:off x="7886700" y="6581001"/>
+            <a:ext cx="4391025" cy="276999"/>
+          </a:xfrm>
+          <a:prstGeom prst="rect">
+            <a:avLst/>
+          </a:prstGeom>
+          <a:noFill/>
+        </p:spPr>
+        <p:txBody>
+          <a:bodyPr wrap="square" rtlCol="0">
+            <a:spAutoFit/>
+          </a:bodyPr>
+          <a:lstStyle/>
+          <a:p>
+            <a:r>
+              <a:rPr lang="nb-NO" sz="1200" dirty="0"/>
+              <a:t>https://twitter.com/katieloutogher/status/1002029813471707136</a:t>
+            </a:r>
+          </a:p>
+        </p:txBody>
+      </p:sp>
+    </p:spTree>
+    <p:extLst>
+      <p:ext uri="{BB962C8B-B14F-4D97-AF65-F5344CB8AC3E}">
+        <p14:creationId xmlns:p14="http://schemas.microsoft.com/office/powerpoint/2010/main" val="1605952621"/>
+      </p:ext>
+    </p:extLst>
+  </p:cSld>
+  <p:clrMapOvr>
+    <a:masterClrMapping/>
+  </p:clrMapOvr>
+</p:sld>
+</file>
+
+<file path=ppt/slides/slide12.xml><?xml version="1.0" encoding="utf-8"?>
+<p:sld xmlns:a="http://schemas.openxmlformats.org/drawingml/2006/main" xmlns:r="http://schemas.openxmlformats.org/officeDocument/2006/relationships" xmlns:p="http://schemas.openxmlformats.org/presentationml/2006/main">
+  <p:cSld>
+    <p:spTree>
+      <p:nvGrpSpPr>
+        <p:cNvPr id="1" name=""/>
+        <p:cNvGrpSpPr/>
+        <p:nvPr/>
+      </p:nvGrpSpPr>
+      <p:grpSpPr>
+        <a:xfrm>
+          <a:off x="0" y="0"/>
+          <a:ext cx="0" cy="0"/>
+          <a:chOff x="0" y="0"/>
+          <a:chExt cx="0" cy="0"/>
+        </a:xfrm>
+      </p:grpSpPr>
+      <p:sp>
+        <p:nvSpPr>
+          <p:cNvPr id="2" name="Title 1">
+            <a:extLst>
+              <a:ext uri="{FF2B5EF4-FFF2-40B4-BE49-F238E27FC236}">
+                <a16:creationId xmlns:a16="http://schemas.microsoft.com/office/drawing/2014/main" id="{8A6AF855-AB54-4937-88DE-0CAC8DFCC26E}"/>
+              </a:ext>
+            </a:extLst>
+          </p:cNvPr>
+          <p:cNvSpPr>
+            <a:spLocks noGrp="1"/>
+          </p:cNvSpPr>
+          <p:nvPr>
+            <p:ph type="title"/>
+          </p:nvPr>
+        </p:nvSpPr>
+        <p:spPr>
+          <a:xfrm>
+            <a:off x="288758" y="186255"/>
+            <a:ext cx="4082716" cy="729916"/>
+          </a:xfrm>
+        </p:spPr>
+        <p:txBody>
+          <a:bodyPr>
+            <a:normAutofit/>
+          </a:bodyPr>
+          <a:lstStyle/>
+          <a:p>
+            <a:r>
+              <a:rPr lang="nb-NO" dirty="0" err="1"/>
+              <a:t>Raw</a:t>
+            </a:r>
+            <a:r>
+              <a:rPr lang="nb-NO" dirty="0"/>
+              <a:t> Data (.</a:t>
+            </a:r>
+            <a:r>
+              <a:rPr lang="nb-NO" dirty="0" err="1"/>
+              <a:t>fastq</a:t>
+            </a:r>
+            <a:r>
+              <a:rPr lang="nb-NO" dirty="0"/>
+              <a:t>)</a:t>
+            </a:r>
+          </a:p>
+        </p:txBody>
+      </p:sp>
+      <p:sp>
+        <p:nvSpPr>
+          <p:cNvPr id="3" name="Content Placeholder 2">
+            <a:extLst>
+              <a:ext uri="{FF2B5EF4-FFF2-40B4-BE49-F238E27FC236}">
+                <a16:creationId xmlns:a16="http://schemas.microsoft.com/office/drawing/2014/main" id="{FC9A3B0E-FEA2-49A2-8148-7A176369912B}"/>
+              </a:ext>
+            </a:extLst>
+          </p:cNvPr>
+          <p:cNvSpPr>
+            <a:spLocks noGrp="1"/>
+          </p:cNvSpPr>
+          <p:nvPr>
+            <p:ph idx="1"/>
+          </p:nvPr>
+        </p:nvSpPr>
+        <p:spPr>
+          <a:xfrm>
+            <a:off x="288758" y="1179096"/>
+            <a:ext cx="10988841" cy="4762734"/>
+          </a:xfrm>
+        </p:spPr>
+        <p:txBody>
+          <a:bodyPr>
+            <a:normAutofit/>
+          </a:bodyPr>
+          <a:lstStyle/>
+          <a:p>
+            <a:r>
+              <a:rPr lang="nb-NO" dirty="0"/>
+              <a:t>@M06628:73:000000000-J98V8:1:1101:10864:11591:N:0:97</a:t>
+            </a:r>
+            <a:br>
+              <a:rPr lang="nb-NO" dirty="0"/>
+            </a:br>
+            <a:r>
+              <a:rPr lang="nb-NO" dirty="0"/>
+              <a:t>CCAGCAGCTGCGGTAATTCCAGCTCCAATAGCGTATATTAAAGTTGTTGCAGTTAAAAAGCTCGTAGTTGGATTTCTGGCTGGAGCTATCGGTCCGCCCCGCAAGTGTGGTTTACTATCTTCGTCTCCGACCATCCGTTTGGGAACTGTGCGGCCGGTAACTTGGTTGTATATGGGAAAACTTCGCTTACTGTGAATAAATTAGAGTGTTTAAAGCATGCTTAAGCCGTTGATTACATTAGCATGGAATAATAAGATAAGAGTTGTATCATTATTGTTTTTGTTGCCGGGTTATGTTATTA+                 -8BCCGGGGEGGGGGGGFGGGGGGGGGGGGGGGFGGGGGGDFAGGGGGGGDGGGGGGGGGGGGGGDFFGFFGGGGGGG,F,66,@@,CC@FDF@ECFGD7C+7@=EF,5+:+,9,CFEE,,A&lt;A?=EF7+@@+,?,+:,48++68D,@FEG33+3=+3+37,,8DB61@,3=E,@,3,,,,,&lt;38*&gt;&gt;*:&gt;F;,22,,=9,=01,,&lt;B3@8CGACC6,,9+++1,+322*/.+&lt;?=C);+:*1;/))/))7&lt;3+7C+2+)+*3A)0)3+,3)*26)39C:)(.3())(()((())-)))))</a:t>
+            </a:r>
+          </a:p>
+        </p:txBody>
+      </p:sp>
+    </p:spTree>
+    <p:extLst>
+      <p:ext uri="{BB962C8B-B14F-4D97-AF65-F5344CB8AC3E}">
+        <p14:creationId xmlns:p14="http://schemas.microsoft.com/office/powerpoint/2010/main" val="2254910046"/>
+      </p:ext>
+    </p:extLst>
+  </p:cSld>
+  <p:clrMapOvr>
+    <a:masterClrMapping/>
+  </p:clrMapOvr>
+</p:sld>
+</file>
+
+<file path=ppt/slides/slide13.xml><?xml version="1.0" encoding="utf-8"?>
 <p:sld xmlns:a="http://schemas.openxmlformats.org/drawingml/2006/main" xmlns:r="http://schemas.openxmlformats.org/officeDocument/2006/relationships" xmlns:p="http://schemas.openxmlformats.org/presentationml/2006/main">
   <p:cSld>
     <p:spTree>
@@ -5726,7 +8373,7 @@
                 <a:ext cx="6258928" cy="4503554"/>
               </a:xfrm>
               <a:blipFill>
-                <a:blip r:embed="rId2"/>
+                <a:blip r:embed="rId3"/>
                 <a:stretch>
                   <a:fillRect l="-1558" t="-135"/>
                 </a:stretch>
@@ -5762,7 +8409,7 @@
           <p:nvPr/>
         </p:nvPicPr>
         <p:blipFill>
-          <a:blip r:embed="rId3"/>
+          <a:blip r:embed="rId4"/>
           <a:stretch>
             <a:fillRect/>
           </a:stretch>
@@ -5792,7 +8439,7 @@
           <p:nvPr/>
         </p:nvPicPr>
         <p:blipFill>
-          <a:blip r:embed="rId4"/>
+          <a:blip r:embed="rId5"/>
           <a:stretch>
             <a:fillRect/>
           </a:stretch>
@@ -5821,7 +8468,7 @@
         </p:nvSpPr>
         <p:spPr>
           <a:xfrm>
-            <a:off x="7262061" y="6596390"/>
+            <a:off x="7262061" y="6461461"/>
             <a:ext cx="4929939" cy="261610"/>
           </a:xfrm>
           <a:prstGeom prst="rect">
@@ -5837,6 +8484,83 @@
             <a:r>
               <a:rPr lang="nb-NO" sz="1100" dirty="0"/>
               <a:t>https://www.illumina.com/documents/products/technotes/technote_Q-Scores.pdf</a:t>
+            </a:r>
+          </a:p>
+        </p:txBody>
+      </p:sp>
+      <p:sp>
+        <p:nvSpPr>
+          <p:cNvPr id="7" name="Rectangle 6">
+            <a:extLst>
+              <a:ext uri="{FF2B5EF4-FFF2-40B4-BE49-F238E27FC236}">
+                <a16:creationId xmlns:a16="http://schemas.microsoft.com/office/drawing/2014/main" id="{5110E796-6EA6-4C37-A64F-22B3987B55CA}"/>
+              </a:ext>
+            </a:extLst>
+          </p:cNvPr>
+          <p:cNvSpPr/>
+          <p:nvPr/>
+        </p:nvSpPr>
+        <p:spPr>
+          <a:xfrm>
+            <a:off x="66527" y="5113420"/>
+            <a:ext cx="5593977" cy="528918"/>
+          </a:xfrm>
+          <a:prstGeom prst="rect">
+            <a:avLst/>
+          </a:prstGeom>
+        </p:spPr>
+        <p:style>
+          <a:lnRef idx="2">
+            <a:schemeClr val="accent1">
+              <a:shade val="50000"/>
+            </a:schemeClr>
+          </a:lnRef>
+          <a:fillRef idx="1">
+            <a:schemeClr val="accent1"/>
+          </a:fillRef>
+          <a:effectRef idx="0">
+            <a:schemeClr val="accent1"/>
+          </a:effectRef>
+          <a:fontRef idx="minor">
+            <a:schemeClr val="lt1"/>
+          </a:fontRef>
+        </p:style>
+        <p:txBody>
+          <a:bodyPr rtlCol="0" anchor="ctr"/>
+          <a:lstStyle/>
+          <a:p>
+            <a:pPr algn="ctr"/>
+            <a:r>
+              <a:rPr lang="nb-NO" sz="2000" b="1" dirty="0" err="1"/>
+              <a:t>Higher</a:t>
+            </a:r>
+            <a:r>
+              <a:rPr lang="nb-NO" sz="2000" b="1" dirty="0"/>
+              <a:t> </a:t>
+            </a:r>
+            <a:r>
+              <a:rPr lang="nb-NO" sz="2000" b="1" dirty="0" err="1"/>
+              <a:t>the</a:t>
+            </a:r>
+            <a:r>
+              <a:rPr lang="nb-NO" sz="2000" b="1" dirty="0"/>
+              <a:t> score, more </a:t>
+            </a:r>
+            <a:r>
+              <a:rPr lang="nb-NO" sz="2000" b="1" dirty="0" err="1"/>
+              <a:t>accurate</a:t>
+            </a:r>
+            <a:r>
+              <a:rPr lang="nb-NO" sz="2000" b="1" dirty="0"/>
+              <a:t> </a:t>
+            </a:r>
+            <a:r>
+              <a:rPr lang="nb-NO" sz="2000" b="1" dirty="0" err="1"/>
+              <a:t>the</a:t>
+            </a:r>
+            <a:r>
+              <a:rPr lang="nb-NO" sz="2000" b="1" dirty="0"/>
+              <a:t> base pair!</a:t>
             </a:r>
           </a:p>
         </p:txBody>
@@ -6078,6 +8802,51 @@
                       </p:childTnLst>
                     </p:cTn>
                   </p:par>
+                  <p:par>
+                    <p:cTn id="21" fill="hold">
+                      <p:stCondLst>
+                        <p:cond delay="indefinite"/>
+                      </p:stCondLst>
+                      <p:childTnLst>
+                        <p:par>
+                          <p:cTn id="22" fill="hold">
+                            <p:stCondLst>
+                              <p:cond delay="0"/>
+                            </p:stCondLst>
+                            <p:childTnLst>
+                              <p:par>
+                                <p:cTn id="23" presetID="1" presetClass="entr" presetSubtype="0" fill="hold" grpId="0" nodeType="clickEffect">
+                                  <p:stCondLst>
+                                    <p:cond delay="0"/>
+                                  </p:stCondLst>
+                                  <p:childTnLst>
+                                    <p:set>
+                                      <p:cBhvr>
+                                        <p:cTn id="24" dur="1" fill="hold">
+                                          <p:stCondLst>
+                                            <p:cond delay="0"/>
+                                          </p:stCondLst>
+                                        </p:cTn>
+                                        <p:tgtEl>
+                                          <p:spTgt spid="7"/>
+                                        </p:tgtEl>
+                                        <p:attrNameLst>
+                                          <p:attrName>style.visibility</p:attrName>
+                                        </p:attrNameLst>
+                                      </p:cBhvr>
+                                      <p:to>
+                                        <p:strVal val="visible"/>
+                                      </p:to>
+                                    </p:set>
+                                  </p:childTnLst>
+                                </p:cTn>
+                              </p:par>
+                            </p:childTnLst>
+                          </p:cTn>
+                        </p:par>
+                      </p:childTnLst>
+                    </p:cTn>
+                  </p:par>
                 </p:childTnLst>
               </p:cTn>
               <p:prevCondLst>
@@ -6099,11 +8868,14 @@
         </p:cTn>
       </p:par>
     </p:tnLst>
+    <p:bldLst>
+      <p:bldP spid="7" grpId="0" animBg="1"/>
+    </p:bldLst>
   </p:timing>
 </p:sld>
 </file>
 
-<file path=ppt/slides/slide11.xml><?xml version="1.0" encoding="utf-8"?>
+<file path=ppt/slides/slide14.xml><?xml version="1.0" encoding="utf-8"?>
 <p:sld xmlns:a="http://schemas.openxmlformats.org/drawingml/2006/main" xmlns:r="http://schemas.openxmlformats.org/officeDocument/2006/relationships" xmlns:p="http://schemas.openxmlformats.org/presentationml/2006/main">
   <p:cSld>
     <p:spTree>
@@ -6718,7 +9490,7 @@
 </p:sld>
 </file>
 
-<file path=ppt/slides/slide12.xml><?xml version="1.0" encoding="utf-8"?>
+<file path=ppt/slides/slide15.xml><?xml version="1.0" encoding="utf-8"?>
 <p:sld xmlns:a="http://schemas.openxmlformats.org/drawingml/2006/main" xmlns:r="http://schemas.openxmlformats.org/officeDocument/2006/relationships" xmlns:p="http://schemas.openxmlformats.org/presentationml/2006/main">
   <p:cSld>
     <p:spTree>
@@ -7054,7 +9826,7 @@
 </p:sld>
 </file>
 
-<file path=ppt/slides/slide13.xml><?xml version="1.0" encoding="utf-8"?>
+<file path=ppt/slides/slide16.xml><?xml version="1.0" encoding="utf-8"?>
 <p:sld xmlns:a="http://schemas.openxmlformats.org/drawingml/2006/main" xmlns:r="http://schemas.openxmlformats.org/officeDocument/2006/relationships" xmlns:p="http://schemas.openxmlformats.org/presentationml/2006/main">
   <p:cSld>
     <p:spTree>
@@ -7316,131 +10088,6 @@
               <a:t> variant)</a:t>
             </a:r>
           </a:p>
-          <a:p>
-            <a:r>
-              <a:rPr lang="nb-NO" dirty="0" err="1"/>
-              <a:t>Advantages</a:t>
-            </a:r>
-            <a:r>
-              <a:rPr lang="nb-NO" dirty="0"/>
-              <a:t> – 1) </a:t>
-            </a:r>
-            <a:r>
-              <a:rPr lang="nb-NO" dirty="0" err="1"/>
-              <a:t>able</a:t>
-            </a:r>
-            <a:r>
-              <a:rPr lang="nb-NO" dirty="0"/>
-              <a:t> to </a:t>
-            </a:r>
-            <a:r>
-              <a:rPr lang="nb-NO" dirty="0" err="1"/>
-              <a:t>distinguish</a:t>
-            </a:r>
-            <a:r>
-              <a:rPr lang="nb-NO" dirty="0"/>
-              <a:t> </a:t>
-            </a:r>
-            <a:r>
-              <a:rPr lang="nb-NO" dirty="0" err="1"/>
-              <a:t>similar</a:t>
-            </a:r>
-            <a:r>
-              <a:rPr lang="nb-NO" dirty="0"/>
-              <a:t> </a:t>
-            </a:r>
-            <a:r>
-              <a:rPr lang="nb-NO" dirty="0" err="1"/>
-              <a:t>sequenes</a:t>
-            </a:r>
-            <a:r>
-              <a:rPr lang="nb-NO" dirty="0"/>
-              <a:t>, </a:t>
-            </a:r>
-            <a:r>
-              <a:rPr lang="nb-NO" dirty="0" err="1"/>
-              <a:t>instead</a:t>
-            </a:r>
-            <a:r>
-              <a:rPr lang="nb-NO" dirty="0"/>
-              <a:t> </a:t>
-            </a:r>
-            <a:r>
-              <a:rPr lang="nb-NO" dirty="0" err="1"/>
-              <a:t>of</a:t>
-            </a:r>
-            <a:r>
-              <a:rPr lang="nb-NO" dirty="0"/>
-              <a:t> lumping </a:t>
-            </a:r>
-            <a:r>
-              <a:rPr lang="nb-NO" dirty="0" err="1"/>
-              <a:t>them</a:t>
-            </a:r>
-            <a:r>
-              <a:rPr lang="nb-NO" dirty="0"/>
-              <a:t> </a:t>
-            </a:r>
-            <a:r>
-              <a:rPr lang="nb-NO" dirty="0" err="1"/>
-              <a:t>together</a:t>
-            </a:r>
-            <a:br>
-              <a:rPr lang="nb-NO" dirty="0"/>
-            </a:br>
-            <a:r>
-              <a:rPr lang="nb-NO" dirty="0"/>
-              <a:t>                         2) Long </a:t>
-            </a:r>
-            <a:r>
-              <a:rPr lang="nb-NO" dirty="0" err="1"/>
-              <a:t>tail</a:t>
-            </a:r>
-            <a:r>
-              <a:rPr lang="nb-NO" dirty="0"/>
-              <a:t> </a:t>
-            </a:r>
-            <a:r>
-              <a:rPr lang="nb-NO" dirty="0" err="1"/>
-              <a:t>of</a:t>
-            </a:r>
-            <a:r>
-              <a:rPr lang="nb-NO" dirty="0"/>
-              <a:t> </a:t>
-            </a:r>
-            <a:r>
-              <a:rPr lang="nb-NO" dirty="0" err="1"/>
-              <a:t>low</a:t>
-            </a:r>
-            <a:r>
-              <a:rPr lang="nb-NO" dirty="0"/>
-              <a:t> </a:t>
-            </a:r>
-            <a:r>
-              <a:rPr lang="nb-NO" dirty="0" err="1"/>
-              <a:t>abundance</a:t>
-            </a:r>
-            <a:r>
-              <a:rPr lang="nb-NO" dirty="0"/>
-              <a:t> </a:t>
-            </a:r>
-            <a:r>
-              <a:rPr lang="nb-NO" dirty="0" err="1"/>
-              <a:t>sequences</a:t>
-            </a:r>
-            <a:r>
-              <a:rPr lang="nb-NO" dirty="0"/>
-              <a:t> </a:t>
-            </a:r>
-            <a:r>
-              <a:rPr lang="nb-NO" dirty="0" err="1"/>
-              <a:t>disappears</a:t>
-            </a:r>
-            <a:r>
-              <a:rPr lang="nb-NO" dirty="0"/>
-              <a:t> </a:t>
-            </a:r>
-          </a:p>
         </p:txBody>
       </p:sp>
       <p:pic>
@@ -7458,7 +10105,7 @@
           <p:nvPr/>
         </p:nvPicPr>
         <p:blipFill>
-          <a:blip r:embed="rId2">
+          <a:blip r:embed="rId3">
             <a:extLst>
               <a:ext uri="{28A0092B-C50C-407E-A947-70E740481C1C}">
                 <a14:useLocalDpi xmlns:a14="http://schemas.microsoft.com/office/drawing/2010/main" val="0"/>
@@ -7472,7 +10119,7 @@
         </p:blipFill>
         <p:spPr bwMode="auto">
           <a:xfrm>
-            <a:off x="3743325" y="3334451"/>
+            <a:off x="1505451" y="2745560"/>
             <a:ext cx="8545300" cy="3523549"/>
           </a:xfrm>
           <a:prstGeom prst="rect">
@@ -7575,59 +10222,6 @@
       </p:sp>
       <p:sp>
         <p:nvSpPr>
-          <p:cNvPr id="7" name="&quot;Not Allowed&quot; Symbol 6">
-            <a:extLst>
-              <a:ext uri="{FF2B5EF4-FFF2-40B4-BE49-F238E27FC236}">
-                <a16:creationId xmlns:a16="http://schemas.microsoft.com/office/drawing/2014/main" id="{57DF63A0-207C-4A36-8403-1F0A68A6682E}"/>
-              </a:ext>
-            </a:extLst>
-          </p:cNvPr>
-          <p:cNvSpPr/>
-          <p:nvPr/>
-        </p:nvSpPr>
-        <p:spPr>
-          <a:xfrm>
-            <a:off x="7319211" y="341127"/>
-            <a:ext cx="858252" cy="792346"/>
-          </a:xfrm>
-          <a:prstGeom prst="noSmoking">
-            <a:avLst/>
-          </a:prstGeom>
-          <a:solidFill>
-            <a:srgbClr val="C00000"/>
-          </a:solidFill>
-        </p:spPr>
-        <p:style>
-          <a:lnRef idx="2">
-            <a:schemeClr val="accent1">
-              <a:shade val="50000"/>
-            </a:schemeClr>
-          </a:lnRef>
-          <a:fillRef idx="1">
-            <a:schemeClr val="accent1"/>
-          </a:fillRef>
-          <a:effectRef idx="0">
-            <a:schemeClr val="accent1"/>
-          </a:effectRef>
-          <a:fontRef idx="minor">
-            <a:schemeClr val="lt1"/>
-          </a:fontRef>
-        </p:style>
-        <p:txBody>
-          <a:bodyPr rtlCol="0" anchor="ctr"/>
-          <a:lstStyle/>
-          <a:p>
-            <a:pPr algn="ctr"/>
-            <a:endParaRPr lang="nb-NO">
-              <a:solidFill>
-                <a:schemeClr val="tx1"/>
-              </a:solidFill>
-            </a:endParaRPr>
-          </a:p>
-        </p:txBody>
-      </p:sp>
-      <p:sp>
-        <p:nvSpPr>
           <p:cNvPr id="8" name="Rectangle 7">
             <a:extLst>
               <a:ext uri="{FF2B5EF4-FFF2-40B4-BE49-F238E27FC236}">
@@ -7675,45 +10269,6 @@
           </a:p>
         </p:txBody>
       </p:sp>
-      <p:pic>
-        <p:nvPicPr>
-          <p:cNvPr id="10" name="Graphic 9" descr="Checkmark">
-            <a:extLst>
-              <a:ext uri="{FF2B5EF4-FFF2-40B4-BE49-F238E27FC236}">
-                <a16:creationId xmlns:a16="http://schemas.microsoft.com/office/drawing/2014/main" id="{5EE8FF12-0C0F-4881-A4B5-E10651D8D44C}"/>
-              </a:ext>
-            </a:extLst>
-          </p:cNvPr>
-          <p:cNvPicPr>
-            <a:picLocks noChangeAspect="1"/>
-          </p:cNvPicPr>
-          <p:nvPr/>
-        </p:nvPicPr>
-        <p:blipFill>
-          <a:blip r:embed="rId3">
-            <a:extLst>
-              <a:ext uri="{28A0092B-C50C-407E-A947-70E740481C1C}">
-                <a14:useLocalDpi xmlns:a14="http://schemas.microsoft.com/office/drawing/2010/main" val="0"/>
-              </a:ext>
-              <a:ext uri="{96DAC541-7B7A-43D3-8B79-37D633B846F1}">
-                <asvg:svgBlip xmlns:asvg="http://schemas.microsoft.com/office/drawing/2016/SVG/main" r:embed="rId4"/>
-              </a:ext>
-            </a:extLst>
-          </a:blip>
-          <a:stretch>
-            <a:fillRect/>
-          </a:stretch>
-        </p:blipFill>
-        <p:spPr>
-          <a:xfrm>
-            <a:off x="9464844" y="1772"/>
-            <a:ext cx="914400" cy="914400"/>
-          </a:xfrm>
-          <a:prstGeom prst="rect">
-            <a:avLst/>
-          </a:prstGeom>
-        </p:spPr>
-      </p:pic>
     </p:spTree>
     <p:extLst>
       <p:ext uri="{BB962C8B-B14F-4D97-AF65-F5344CB8AC3E}">
@@ -7727,7 +10282,7 @@
 </p:sld>
 </file>
 
-<file path=ppt/slides/slide14.xml><?xml version="1.0" encoding="utf-8"?>
+<file path=ppt/slides/slide17.xml><?xml version="1.0" encoding="utf-8"?>
 <p:sld xmlns:a="http://schemas.openxmlformats.org/drawingml/2006/main" xmlns:r="http://schemas.openxmlformats.org/officeDocument/2006/relationships" xmlns:p="http://schemas.openxmlformats.org/presentationml/2006/main">
   <p:cSld>
     <p:spTree>
@@ -7749,6 +10304,451 @@
           <p:cNvPr id="2" name="Title 1">
             <a:extLst>
               <a:ext uri="{FF2B5EF4-FFF2-40B4-BE49-F238E27FC236}">
+                <a16:creationId xmlns:a16="http://schemas.microsoft.com/office/drawing/2014/main" id="{16D50B0E-22AE-425C-B711-F0EC653884A5}"/>
+              </a:ext>
+            </a:extLst>
+          </p:cNvPr>
+          <p:cNvSpPr>
+            <a:spLocks noGrp="1"/>
+          </p:cNvSpPr>
+          <p:nvPr>
+            <p:ph type="title"/>
+          </p:nvPr>
+        </p:nvSpPr>
+        <p:spPr>
+          <a:xfrm>
+            <a:off x="200286" y="258949"/>
+            <a:ext cx="6045066" cy="1314443"/>
+          </a:xfrm>
+        </p:spPr>
+        <p:txBody>
+          <a:bodyPr/>
+          <a:lstStyle/>
+          <a:p>
+            <a:r>
+              <a:rPr lang="nb-NO" dirty="0"/>
+              <a:t>To </a:t>
+            </a:r>
+            <a:r>
+              <a:rPr lang="nb-NO" dirty="0" err="1"/>
+              <a:t>denoise</a:t>
+            </a:r>
+            <a:r>
+              <a:rPr lang="nb-NO" dirty="0"/>
+              <a:t> or to </a:t>
+            </a:r>
+            <a:r>
+              <a:rPr lang="nb-NO" dirty="0" err="1"/>
+              <a:t>cluster</a:t>
+            </a:r>
+            <a:r>
+              <a:rPr lang="nb-NO" dirty="0"/>
+              <a:t>?</a:t>
+            </a:r>
+            <a:br>
+              <a:rPr lang="nb-NO" dirty="0"/>
+            </a:br>
+            <a:endParaRPr lang="nb-NO" dirty="0"/>
+          </a:p>
+        </p:txBody>
+      </p:sp>
+      <p:sp>
+        <p:nvSpPr>
+          <p:cNvPr id="3" name="Content Placeholder 2">
+            <a:extLst>
+              <a:ext uri="{FF2B5EF4-FFF2-40B4-BE49-F238E27FC236}">
+                <a16:creationId xmlns:a16="http://schemas.microsoft.com/office/drawing/2014/main" id="{66DED8F5-C026-4FF0-8813-138612E682DC}"/>
+              </a:ext>
+            </a:extLst>
+          </p:cNvPr>
+          <p:cNvSpPr>
+            <a:spLocks noGrp="1"/>
+          </p:cNvSpPr>
+          <p:nvPr>
+            <p:ph idx="1"/>
+          </p:nvPr>
+        </p:nvSpPr>
+        <p:spPr>
+          <a:xfrm>
+            <a:off x="914398" y="2853369"/>
+            <a:ext cx="4783795" cy="3088460"/>
+          </a:xfrm>
+        </p:spPr>
+        <p:txBody>
+          <a:bodyPr/>
+          <a:lstStyle/>
+          <a:p>
+            <a:r>
+              <a:rPr lang="nb-NO" dirty="0"/>
+              <a:t>https://bmcbioinformatics.biomedcentral.com/articles/10.1186/s12859-021-04115-6</a:t>
+            </a:r>
+          </a:p>
+        </p:txBody>
+      </p:sp>
+      <p:pic>
+        <p:nvPicPr>
+          <p:cNvPr id="2050" name="Picture 2" descr="Rich Thinking Emoji - Thinking Face Emoji Transparent Background, HD Png  Download , Transparent Png Image - PNGitem">
+            <a:extLst>
+              <a:ext uri="{FF2B5EF4-FFF2-40B4-BE49-F238E27FC236}">
+                <a16:creationId xmlns:a16="http://schemas.microsoft.com/office/drawing/2014/main" id="{DB1DDA26-8D2D-43FB-B2F6-F6838C624DC8}"/>
+              </a:ext>
+            </a:extLst>
+          </p:cNvPr>
+          <p:cNvPicPr>
+            <a:picLocks noChangeAspect="1" noChangeArrowheads="1"/>
+          </p:cNvPicPr>
+          <p:nvPr/>
+        </p:nvPicPr>
+        <p:blipFill>
+          <a:blip r:embed="rId2">
+            <a:extLst>
+              <a:ext uri="{28A0092B-C50C-407E-A947-70E740481C1C}">
+                <a14:useLocalDpi xmlns:a14="http://schemas.microsoft.com/office/drawing/2010/main" val="0"/>
+              </a:ext>
+            </a:extLst>
+          </a:blip>
+          <a:srcRect/>
+          <a:stretch>
+            <a:fillRect/>
+          </a:stretch>
+        </p:blipFill>
+        <p:spPr bwMode="auto">
+          <a:xfrm>
+            <a:off x="10864704" y="0"/>
+            <a:ext cx="1327296" cy="1197941"/>
+          </a:xfrm>
+          <a:prstGeom prst="rect">
+            <a:avLst/>
+          </a:prstGeom>
+          <a:noFill/>
+          <a:extLst>
+            <a:ext uri="{909E8E84-426E-40DD-AFC4-6F175D3DCCD1}">
+              <a14:hiddenFill xmlns:a14="http://schemas.microsoft.com/office/drawing/2010/main">
+                <a:solidFill>
+                  <a:srgbClr val="FFFFFF"/>
+                </a:solidFill>
+              </a14:hiddenFill>
+            </a:ext>
+          </a:extLst>
+        </p:spPr>
+      </p:pic>
+      <p:sp>
+        <p:nvSpPr>
+          <p:cNvPr id="4" name="TextBox 3">
+            <a:extLst>
+              <a:ext uri="{FF2B5EF4-FFF2-40B4-BE49-F238E27FC236}">
+                <a16:creationId xmlns:a16="http://schemas.microsoft.com/office/drawing/2014/main" id="{35D7A95C-DB24-4255-87C2-FDF6B54EC593}"/>
+              </a:ext>
+            </a:extLst>
+          </p:cNvPr>
+          <p:cNvSpPr txBox="1"/>
+          <p:nvPr/>
+        </p:nvSpPr>
+        <p:spPr>
+          <a:xfrm>
+            <a:off x="1608463" y="1718631"/>
+            <a:ext cx="2005070" cy="553998"/>
+          </a:xfrm>
+          <a:prstGeom prst="rect">
+            <a:avLst/>
+          </a:prstGeom>
+          <a:noFill/>
+        </p:spPr>
+        <p:txBody>
+          <a:bodyPr wrap="square" rtlCol="0">
+            <a:spAutoFit/>
+          </a:bodyPr>
+          <a:lstStyle/>
+          <a:p>
+            <a:r>
+              <a:rPr lang="nb-NO" sz="3000" b="1" dirty="0"/>
+              <a:t>OR BOTH?</a:t>
+            </a:r>
+          </a:p>
+        </p:txBody>
+      </p:sp>
+      <p:pic>
+        <p:nvPicPr>
+          <p:cNvPr id="6" name="Picture 5">
+            <a:extLst>
+              <a:ext uri="{FF2B5EF4-FFF2-40B4-BE49-F238E27FC236}">
+                <a16:creationId xmlns:a16="http://schemas.microsoft.com/office/drawing/2014/main" id="{73D1F5BC-9B76-4501-8A9F-1DC0224B3939}"/>
+              </a:ext>
+            </a:extLst>
+          </p:cNvPr>
+          <p:cNvPicPr>
+            <a:picLocks noChangeAspect="1"/>
+          </p:cNvPicPr>
+          <p:nvPr/>
+        </p:nvPicPr>
+        <p:blipFill rotWithShape="1">
+          <a:blip r:embed="rId3"/>
+          <a:srcRect l="24931"/>
+          <a:stretch/>
+        </p:blipFill>
+        <p:spPr>
+          <a:xfrm>
+            <a:off x="5920332" y="185798"/>
+            <a:ext cx="4722234" cy="5127870"/>
+          </a:xfrm>
+          <a:prstGeom prst="rect">
+            <a:avLst/>
+          </a:prstGeom>
+        </p:spPr>
+      </p:pic>
+    </p:spTree>
+    <p:extLst>
+      <p:ext uri="{BB962C8B-B14F-4D97-AF65-F5344CB8AC3E}">
+        <p14:creationId xmlns:p14="http://schemas.microsoft.com/office/powerpoint/2010/main" val="277142095"/>
+      </p:ext>
+    </p:extLst>
+  </p:cSld>
+  <p:clrMapOvr>
+    <a:masterClrMapping/>
+  </p:clrMapOvr>
+  <p:timing>
+    <p:tnLst>
+      <p:par>
+        <p:cTn id="1" dur="indefinite" restart="never" nodeType="tmRoot">
+          <p:childTnLst>
+            <p:seq concurrent="1" nextAc="seek">
+              <p:cTn id="2" dur="indefinite" nodeType="mainSeq">
+                <p:childTnLst>
+                  <p:par>
+                    <p:cTn id="3" fill="hold">
+                      <p:stCondLst>
+                        <p:cond delay="indefinite"/>
+                      </p:stCondLst>
+                      <p:childTnLst>
+                        <p:par>
+                          <p:cTn id="4" fill="hold">
+                            <p:stCondLst>
+                              <p:cond delay="0"/>
+                            </p:stCondLst>
+                            <p:childTnLst>
+                              <p:par>
+                                <p:cTn id="5" presetID="1" presetClass="entr" presetSubtype="0" fill="hold" grpId="0" nodeType="clickEffect">
+                                  <p:stCondLst>
+                                    <p:cond delay="0"/>
+                                  </p:stCondLst>
+                                  <p:childTnLst>
+                                    <p:set>
+                                      <p:cBhvr>
+                                        <p:cTn id="6" dur="1" fill="hold">
+                                          <p:stCondLst>
+                                            <p:cond delay="0"/>
+                                          </p:stCondLst>
+                                        </p:cTn>
+                                        <p:tgtEl>
+                                          <p:spTgt spid="4"/>
+                                        </p:tgtEl>
+                                        <p:attrNameLst>
+                                          <p:attrName>style.visibility</p:attrName>
+                                        </p:attrNameLst>
+                                      </p:cBhvr>
+                                      <p:to>
+                                        <p:strVal val="visible"/>
+                                      </p:to>
+                                    </p:set>
+                                  </p:childTnLst>
+                                </p:cTn>
+                              </p:par>
+                            </p:childTnLst>
+                          </p:cTn>
+                        </p:par>
+                      </p:childTnLst>
+                    </p:cTn>
+                  </p:par>
+                  <p:par>
+                    <p:cTn id="7" fill="hold">
+                      <p:stCondLst>
+                        <p:cond delay="indefinite"/>
+                      </p:stCondLst>
+                      <p:childTnLst>
+                        <p:par>
+                          <p:cTn id="8" fill="hold">
+                            <p:stCondLst>
+                              <p:cond delay="0"/>
+                            </p:stCondLst>
+                            <p:childTnLst>
+                              <p:par>
+                                <p:cTn id="9" presetID="1" presetClass="entr" presetSubtype="0" fill="hold" nodeType="clickEffect">
+                                  <p:stCondLst>
+                                    <p:cond delay="0"/>
+                                  </p:stCondLst>
+                                  <p:childTnLst>
+                                    <p:set>
+                                      <p:cBhvr>
+                                        <p:cTn id="10" dur="1" fill="hold">
+                                          <p:stCondLst>
+                                            <p:cond delay="0"/>
+                                          </p:stCondLst>
+                                        </p:cTn>
+                                        <p:tgtEl>
+                                          <p:spTgt spid="2050"/>
+                                        </p:tgtEl>
+                                        <p:attrNameLst>
+                                          <p:attrName>style.visibility</p:attrName>
+                                        </p:attrNameLst>
+                                      </p:cBhvr>
+                                      <p:to>
+                                        <p:strVal val="visible"/>
+                                      </p:to>
+                                    </p:set>
+                                  </p:childTnLst>
+                                </p:cTn>
+                              </p:par>
+                            </p:childTnLst>
+                          </p:cTn>
+                        </p:par>
+                      </p:childTnLst>
+                    </p:cTn>
+                  </p:par>
+                  <p:par>
+                    <p:cTn id="11" fill="hold">
+                      <p:stCondLst>
+                        <p:cond delay="indefinite"/>
+                      </p:stCondLst>
+                      <p:childTnLst>
+                        <p:par>
+                          <p:cTn id="12" fill="hold">
+                            <p:stCondLst>
+                              <p:cond delay="0"/>
+                            </p:stCondLst>
+                            <p:childTnLst>
+                              <p:par>
+                                <p:cTn id="13" presetID="1" presetClass="entr" presetSubtype="0" fill="hold" grpId="0" nodeType="clickEffect">
+                                  <p:stCondLst>
+                                    <p:cond delay="0"/>
+                                  </p:stCondLst>
+                                  <p:childTnLst>
+                                    <p:set>
+                                      <p:cBhvr>
+                                        <p:cTn id="14" dur="1" fill="hold">
+                                          <p:stCondLst>
+                                            <p:cond delay="0"/>
+                                          </p:stCondLst>
+                                        </p:cTn>
+                                        <p:tgtEl>
+                                          <p:spTgt spid="3">
+                                            <p:txEl>
+                                              <p:pRg st="0" end="0"/>
+                                            </p:txEl>
+                                          </p:spTgt>
+                                        </p:tgtEl>
+                                        <p:attrNameLst>
+                                          <p:attrName>style.visibility</p:attrName>
+                                        </p:attrNameLst>
+                                      </p:cBhvr>
+                                      <p:to>
+                                        <p:strVal val="visible"/>
+                                      </p:to>
+                                    </p:set>
+                                  </p:childTnLst>
+                                </p:cTn>
+                              </p:par>
+                            </p:childTnLst>
+                          </p:cTn>
+                        </p:par>
+                      </p:childTnLst>
+                    </p:cTn>
+                  </p:par>
+                  <p:par>
+                    <p:cTn id="15" fill="hold">
+                      <p:stCondLst>
+                        <p:cond delay="indefinite"/>
+                      </p:stCondLst>
+                      <p:childTnLst>
+                        <p:par>
+                          <p:cTn id="16" fill="hold">
+                            <p:stCondLst>
+                              <p:cond delay="0"/>
+                            </p:stCondLst>
+                            <p:childTnLst>
+                              <p:par>
+                                <p:cTn id="17" presetID="1" presetClass="entr" presetSubtype="0" fill="hold" nodeType="clickEffect">
+                                  <p:stCondLst>
+                                    <p:cond delay="0"/>
+                                  </p:stCondLst>
+                                  <p:childTnLst>
+                                    <p:set>
+                                      <p:cBhvr>
+                                        <p:cTn id="18" dur="1" fill="hold">
+                                          <p:stCondLst>
+                                            <p:cond delay="0"/>
+                                          </p:stCondLst>
+                                        </p:cTn>
+                                        <p:tgtEl>
+                                          <p:spTgt spid="6"/>
+                                        </p:tgtEl>
+                                        <p:attrNameLst>
+                                          <p:attrName>style.visibility</p:attrName>
+                                        </p:attrNameLst>
+                                      </p:cBhvr>
+                                      <p:to>
+                                        <p:strVal val="visible"/>
+                                      </p:to>
+                                    </p:set>
+                                  </p:childTnLst>
+                                </p:cTn>
+                              </p:par>
+                            </p:childTnLst>
+                          </p:cTn>
+                        </p:par>
+                      </p:childTnLst>
+                    </p:cTn>
+                  </p:par>
+                </p:childTnLst>
+              </p:cTn>
+              <p:prevCondLst>
+                <p:cond evt="onPrev" delay="0">
+                  <p:tgtEl>
+                    <p:sldTgt/>
+                  </p:tgtEl>
+                </p:cond>
+              </p:prevCondLst>
+              <p:nextCondLst>
+                <p:cond evt="onNext" delay="0">
+                  <p:tgtEl>
+                    <p:sldTgt/>
+                  </p:tgtEl>
+                </p:cond>
+              </p:nextCondLst>
+            </p:seq>
+          </p:childTnLst>
+        </p:cTn>
+      </p:par>
+    </p:tnLst>
+    <p:bldLst>
+      <p:bldP spid="3" grpId="0" build="p"/>
+      <p:bldP spid="4" grpId="0"/>
+    </p:bldLst>
+  </p:timing>
+</p:sld>
+</file>
+
+<file path=ppt/slides/slide18.xml><?xml version="1.0" encoding="utf-8"?>
+<p:sld xmlns:a="http://schemas.openxmlformats.org/drawingml/2006/main" xmlns:r="http://schemas.openxmlformats.org/officeDocument/2006/relationships" xmlns:p="http://schemas.openxmlformats.org/presentationml/2006/main">
+  <p:cSld>
+    <p:spTree>
+      <p:nvGrpSpPr>
+        <p:cNvPr id="1" name=""/>
+        <p:cNvGrpSpPr/>
+        <p:nvPr/>
+      </p:nvGrpSpPr>
+      <p:grpSpPr>
+        <a:xfrm>
+          <a:off x="0" y="0"/>
+          <a:ext cx="0" cy="0"/>
+          <a:chOff x="0" y="0"/>
+          <a:chExt cx="0" cy="0"/>
+        </a:xfrm>
+      </p:grpSpPr>
+      <p:sp>
+        <p:nvSpPr>
+          <p:cNvPr id="2" name="Title 1">
+            <a:extLst>
+              <a:ext uri="{FF2B5EF4-FFF2-40B4-BE49-F238E27FC236}">
                 <a16:creationId xmlns:a16="http://schemas.microsoft.com/office/drawing/2014/main" id="{1E03D065-D33F-4872-B77B-029674CF3A91}"/>
               </a:ext>
             </a:extLst>
@@ -7815,7 +10815,7 @@
             </a:r>
             <a:r>
               <a:rPr lang="en-GB" dirty="0"/>
-              <a:t> – works with at least 12pair base overlap</a:t>
+              <a:t> – works with at least 12 pair base overlap</a:t>
             </a:r>
           </a:p>
           <a:p>
@@ -7865,7 +10865,7 @@
 </p:sld>
 </file>
 
-<file path=ppt/slides/slide15.xml><?xml version="1.0" encoding="utf-8"?>
+<file path=ppt/slides/slide19.xml><?xml version="1.0" encoding="utf-8"?>
 <p:sld xmlns:a="http://schemas.openxmlformats.org/drawingml/2006/main" xmlns:r="http://schemas.openxmlformats.org/officeDocument/2006/relationships" xmlns:p="http://schemas.openxmlformats.org/presentationml/2006/main">
   <p:cSld>
     <p:spTree>
@@ -7998,573 +10998,6 @@
     <p:extLst>
       <p:ext uri="{BB962C8B-B14F-4D97-AF65-F5344CB8AC3E}">
         <p14:creationId xmlns:p14="http://schemas.microsoft.com/office/powerpoint/2010/main" val="1833388495"/>
-      </p:ext>
-    </p:extLst>
-  </p:cSld>
-  <p:clrMapOvr>
-    <a:masterClrMapping/>
-  </p:clrMapOvr>
-</p:sld>
-</file>
-
-<file path=ppt/slides/slide16.xml><?xml version="1.0" encoding="utf-8"?>
-<p:sld xmlns:a="http://schemas.openxmlformats.org/drawingml/2006/main" xmlns:r="http://schemas.openxmlformats.org/officeDocument/2006/relationships" xmlns:p="http://schemas.openxmlformats.org/presentationml/2006/main">
-  <p:cSld>
-    <p:spTree>
-      <p:nvGrpSpPr>
-        <p:cNvPr id="1" name=""/>
-        <p:cNvGrpSpPr/>
-        <p:nvPr/>
-      </p:nvGrpSpPr>
-      <p:grpSpPr>
-        <a:xfrm>
-          <a:off x="0" y="0"/>
-          <a:ext cx="0" cy="0"/>
-          <a:chOff x="0" y="0"/>
-          <a:chExt cx="0" cy="0"/>
-        </a:xfrm>
-      </p:grpSpPr>
-      <p:sp>
-        <p:nvSpPr>
-          <p:cNvPr id="2" name="Title 1">
-            <a:extLst>
-              <a:ext uri="{FF2B5EF4-FFF2-40B4-BE49-F238E27FC236}">
-                <a16:creationId xmlns:a16="http://schemas.microsoft.com/office/drawing/2014/main" id="{73C3DF57-6791-42AA-A4C0-BDB220AE5A97}"/>
-              </a:ext>
-            </a:extLst>
-          </p:cNvPr>
-          <p:cNvSpPr>
-            <a:spLocks noGrp="1"/>
-          </p:cNvSpPr>
-          <p:nvPr>
-            <p:ph type="title"/>
-          </p:nvPr>
-        </p:nvSpPr>
-        <p:spPr>
-          <a:xfrm>
-            <a:off x="133350" y="107950"/>
-            <a:ext cx="10363200" cy="1314443"/>
-          </a:xfrm>
-        </p:spPr>
-        <p:txBody>
-          <a:bodyPr/>
-          <a:lstStyle/>
-          <a:p>
-            <a:r>
-              <a:rPr lang="en-GB" dirty="0"/>
-              <a:t>Removing chimeras</a:t>
-            </a:r>
-            <a:br>
-              <a:rPr lang="en-GB" dirty="0"/>
-            </a:br>
-            <a:endParaRPr lang="en-GB" dirty="0"/>
-          </a:p>
-        </p:txBody>
-      </p:sp>
-      <p:sp>
-        <p:nvSpPr>
-          <p:cNvPr id="3" name="Content Placeholder 2">
-            <a:extLst>
-              <a:ext uri="{FF2B5EF4-FFF2-40B4-BE49-F238E27FC236}">
-                <a16:creationId xmlns:a16="http://schemas.microsoft.com/office/drawing/2014/main" id="{556BE548-8A4A-4132-BDA6-58CFBF74D0F1}"/>
-              </a:ext>
-            </a:extLst>
-          </p:cNvPr>
-          <p:cNvSpPr>
-            <a:spLocks noGrp="1"/>
-          </p:cNvSpPr>
-          <p:nvPr>
-            <p:ph idx="1"/>
-          </p:nvPr>
-        </p:nvSpPr>
-        <p:spPr>
-          <a:xfrm>
-            <a:off x="449580" y="2131061"/>
-            <a:ext cx="10896599" cy="1160780"/>
-          </a:xfrm>
-        </p:spPr>
-        <p:txBody>
-          <a:bodyPr>
-            <a:normAutofit/>
-          </a:bodyPr>
-          <a:lstStyle/>
-          <a:p>
-            <a:r>
-              <a:rPr lang="en-GB" dirty="0"/>
-              <a:t>Chimeras – two or more sequences incorrectly joined together</a:t>
-            </a:r>
-          </a:p>
-          <a:p>
-            <a:r>
-              <a:rPr lang="en-GB" dirty="0"/>
-              <a:t>Accuracy of ASV’s makes it easier to detect chimeras than in OTU’s </a:t>
-            </a:r>
-          </a:p>
-        </p:txBody>
-      </p:sp>
-    </p:spTree>
-    <p:extLst>
-      <p:ext uri="{BB962C8B-B14F-4D97-AF65-F5344CB8AC3E}">
-        <p14:creationId xmlns:p14="http://schemas.microsoft.com/office/powerpoint/2010/main" val="2151245427"/>
-      </p:ext>
-    </p:extLst>
-  </p:cSld>
-  <p:clrMapOvr>
-    <a:masterClrMapping/>
-  </p:clrMapOvr>
-</p:sld>
-</file>
-
-<file path=ppt/slides/slide17.xml><?xml version="1.0" encoding="utf-8"?>
-<p:sld xmlns:a="http://schemas.openxmlformats.org/drawingml/2006/main" xmlns:r="http://schemas.openxmlformats.org/officeDocument/2006/relationships" xmlns:p="http://schemas.openxmlformats.org/presentationml/2006/main">
-  <p:cSld>
-    <p:spTree>
-      <p:nvGrpSpPr>
-        <p:cNvPr id="1" name=""/>
-        <p:cNvGrpSpPr/>
-        <p:nvPr/>
-      </p:nvGrpSpPr>
-      <p:grpSpPr>
-        <a:xfrm>
-          <a:off x="0" y="0"/>
-          <a:ext cx="0" cy="0"/>
-          <a:chOff x="0" y="0"/>
-          <a:chExt cx="0" cy="0"/>
-        </a:xfrm>
-      </p:grpSpPr>
-      <p:sp>
-        <p:nvSpPr>
-          <p:cNvPr id="2" name="Title 1">
-            <a:extLst>
-              <a:ext uri="{FF2B5EF4-FFF2-40B4-BE49-F238E27FC236}">
-                <a16:creationId xmlns:a16="http://schemas.microsoft.com/office/drawing/2014/main" id="{F5DF8EE5-E06D-4F76-858A-B29902A9B0BE}"/>
-              </a:ext>
-            </a:extLst>
-          </p:cNvPr>
-          <p:cNvSpPr>
-            <a:spLocks noGrp="1"/>
-          </p:cNvSpPr>
-          <p:nvPr>
-            <p:ph type="title"/>
-          </p:nvPr>
-        </p:nvSpPr>
-        <p:spPr>
-          <a:xfrm>
-            <a:off x="146050" y="152400"/>
-            <a:ext cx="10363200" cy="1314443"/>
-          </a:xfrm>
-        </p:spPr>
-        <p:txBody>
-          <a:bodyPr/>
-          <a:lstStyle/>
-          <a:p>
-            <a:r>
-              <a:rPr lang="en-GB" dirty="0"/>
-              <a:t>Assign taxonomy</a:t>
-            </a:r>
-          </a:p>
-        </p:txBody>
-      </p:sp>
-      <p:sp>
-        <p:nvSpPr>
-          <p:cNvPr id="3" name="Content Placeholder 2">
-            <a:extLst>
-              <a:ext uri="{FF2B5EF4-FFF2-40B4-BE49-F238E27FC236}">
-                <a16:creationId xmlns:a16="http://schemas.microsoft.com/office/drawing/2014/main" id="{1D62EAE9-3869-46DC-90B4-AC9CDEF6D049}"/>
-              </a:ext>
-            </a:extLst>
-          </p:cNvPr>
-          <p:cNvSpPr>
-            <a:spLocks noGrp="1"/>
-          </p:cNvSpPr>
-          <p:nvPr>
-            <p:ph idx="1"/>
-          </p:nvPr>
-        </p:nvSpPr>
-        <p:spPr>
-          <a:xfrm>
-            <a:off x="285751" y="1365250"/>
-            <a:ext cx="2825750" cy="4576579"/>
-          </a:xfrm>
-        </p:spPr>
-        <p:txBody>
-          <a:bodyPr/>
-          <a:lstStyle/>
-          <a:p>
-            <a:r>
-              <a:rPr lang="en-GB" dirty="0"/>
-              <a:t>Takes sequences from samples and assigns taxonomy based on the reference database provided</a:t>
-            </a:r>
-          </a:p>
-          <a:p>
-            <a:r>
-              <a:rPr lang="en-GB" dirty="0"/>
-              <a:t>Database for protists/eukaryotes -  pr2 database</a:t>
-            </a:r>
-          </a:p>
-          <a:p>
-            <a:r>
-              <a:rPr lang="en-GB" dirty="0"/>
-              <a:t>Database for bacteria – silva</a:t>
-            </a:r>
-          </a:p>
-          <a:p>
-            <a:endParaRPr lang="en-GB" dirty="0"/>
-          </a:p>
-        </p:txBody>
-      </p:sp>
-      <p:pic>
-        <p:nvPicPr>
-          <p:cNvPr id="5" name="Picture 4">
-            <a:extLst>
-              <a:ext uri="{FF2B5EF4-FFF2-40B4-BE49-F238E27FC236}">
-                <a16:creationId xmlns:a16="http://schemas.microsoft.com/office/drawing/2014/main" id="{C5C38FB6-A2C7-47E8-875A-F36AF8B9D57C}"/>
-              </a:ext>
-            </a:extLst>
-          </p:cNvPr>
-          <p:cNvPicPr>
-            <a:picLocks noChangeAspect="1"/>
-          </p:cNvPicPr>
-          <p:nvPr/>
-        </p:nvPicPr>
-        <p:blipFill>
-          <a:blip r:embed="rId2"/>
-          <a:stretch>
-            <a:fillRect/>
-          </a:stretch>
-        </p:blipFill>
-        <p:spPr>
-          <a:xfrm>
-            <a:off x="3056889" y="1006470"/>
-            <a:ext cx="9598661" cy="5616579"/>
-          </a:xfrm>
-          <a:prstGeom prst="rect">
-            <a:avLst/>
-          </a:prstGeom>
-        </p:spPr>
-      </p:pic>
-    </p:spTree>
-    <p:extLst>
-      <p:ext uri="{BB962C8B-B14F-4D97-AF65-F5344CB8AC3E}">
-        <p14:creationId xmlns:p14="http://schemas.microsoft.com/office/powerpoint/2010/main" val="2462639946"/>
-      </p:ext>
-    </p:extLst>
-  </p:cSld>
-  <p:clrMapOvr>
-    <a:masterClrMapping/>
-  </p:clrMapOvr>
-</p:sld>
-</file>
-
-<file path=ppt/slides/slide18.xml><?xml version="1.0" encoding="utf-8"?>
-<p:sld xmlns:a="http://schemas.openxmlformats.org/drawingml/2006/main" xmlns:r="http://schemas.openxmlformats.org/officeDocument/2006/relationships" xmlns:p="http://schemas.openxmlformats.org/presentationml/2006/main">
-  <p:cSld>
-    <p:spTree>
-      <p:nvGrpSpPr>
-        <p:cNvPr id="1" name=""/>
-        <p:cNvGrpSpPr/>
-        <p:nvPr/>
-      </p:nvGrpSpPr>
-      <p:grpSpPr>
-        <a:xfrm>
-          <a:off x="0" y="0"/>
-          <a:ext cx="0" cy="0"/>
-          <a:chOff x="0" y="0"/>
-          <a:chExt cx="0" cy="0"/>
-        </a:xfrm>
-      </p:grpSpPr>
-      <p:sp>
-        <p:nvSpPr>
-          <p:cNvPr id="2" name="Title 1">
-            <a:extLst>
-              <a:ext uri="{FF2B5EF4-FFF2-40B4-BE49-F238E27FC236}">
-                <a16:creationId xmlns:a16="http://schemas.microsoft.com/office/drawing/2014/main" id="{5F26E2E2-44BF-46F0-AB78-E718D81FA586}"/>
-              </a:ext>
-            </a:extLst>
-          </p:cNvPr>
-          <p:cNvSpPr>
-            <a:spLocks noGrp="1"/>
-          </p:cNvSpPr>
-          <p:nvPr>
-            <p:ph type="title"/>
-          </p:nvPr>
-        </p:nvSpPr>
-        <p:spPr>
-          <a:xfrm>
-            <a:off x="190072" y="133564"/>
-            <a:ext cx="10363200" cy="1314443"/>
-          </a:xfrm>
-        </p:spPr>
-        <p:txBody>
-          <a:bodyPr/>
-          <a:lstStyle/>
-          <a:p>
-            <a:r>
-              <a:rPr lang="en-GB" dirty="0"/>
-              <a:t>Bootstrap values for assigning taxonomy</a:t>
-            </a:r>
-          </a:p>
-        </p:txBody>
-      </p:sp>
-      <p:sp>
-        <p:nvSpPr>
-          <p:cNvPr id="7" name="Content Placeholder 6">
-            <a:extLst>
-              <a:ext uri="{FF2B5EF4-FFF2-40B4-BE49-F238E27FC236}">
-                <a16:creationId xmlns:a16="http://schemas.microsoft.com/office/drawing/2014/main" id="{6FD6FFD7-F06D-4FA7-BB6A-A17F3060B2E6}"/>
-              </a:ext>
-            </a:extLst>
-          </p:cNvPr>
-          <p:cNvSpPr>
-            <a:spLocks noGrp="1"/>
-          </p:cNvSpPr>
-          <p:nvPr>
-            <p:ph idx="1"/>
-          </p:nvPr>
-        </p:nvSpPr>
-        <p:spPr>
-          <a:xfrm>
-            <a:off x="308225" y="1351052"/>
-            <a:ext cx="4924175" cy="4590777"/>
-          </a:xfrm>
-        </p:spPr>
-        <p:txBody>
-          <a:bodyPr/>
-          <a:lstStyle/>
-          <a:p>
-            <a:r>
-              <a:rPr lang="en-GB" dirty="0"/>
-              <a:t>This step check the accuracy with which taxonomy is assigned to our samples from the database</a:t>
-            </a:r>
-          </a:p>
-        </p:txBody>
-      </p:sp>
-      <p:pic>
-        <p:nvPicPr>
-          <p:cNvPr id="9" name="Picture 8">
-            <a:extLst>
-              <a:ext uri="{FF2B5EF4-FFF2-40B4-BE49-F238E27FC236}">
-                <a16:creationId xmlns:a16="http://schemas.microsoft.com/office/drawing/2014/main" id="{04A449B6-DE49-45E2-9BA6-5530C33BA068}"/>
-              </a:ext>
-            </a:extLst>
-          </p:cNvPr>
-          <p:cNvPicPr>
-            <a:picLocks noChangeAspect="1"/>
-          </p:cNvPicPr>
-          <p:nvPr/>
-        </p:nvPicPr>
-        <p:blipFill rotWithShape="1">
-          <a:blip r:embed="rId2"/>
-          <a:srcRect r="24232"/>
-          <a:stretch/>
-        </p:blipFill>
-        <p:spPr>
-          <a:xfrm>
-            <a:off x="5896373" y="914144"/>
-            <a:ext cx="6105555" cy="5810292"/>
-          </a:xfrm>
-          <a:prstGeom prst="rect">
-            <a:avLst/>
-          </a:prstGeom>
-        </p:spPr>
-      </p:pic>
-    </p:spTree>
-    <p:extLst>
-      <p:ext uri="{BB962C8B-B14F-4D97-AF65-F5344CB8AC3E}">
-        <p14:creationId xmlns:p14="http://schemas.microsoft.com/office/powerpoint/2010/main" val="1351791954"/>
-      </p:ext>
-    </p:extLst>
-  </p:cSld>
-  <p:clrMapOvr>
-    <a:masterClrMapping/>
-  </p:clrMapOvr>
-</p:sld>
-</file>
-
-<file path=ppt/slides/slide19.xml><?xml version="1.0" encoding="utf-8"?>
-<p:sld xmlns:a="http://schemas.openxmlformats.org/drawingml/2006/main" xmlns:r="http://schemas.openxmlformats.org/officeDocument/2006/relationships" xmlns:p="http://schemas.openxmlformats.org/presentationml/2006/main">
-  <p:cSld>
-    <p:spTree>
-      <p:nvGrpSpPr>
-        <p:cNvPr id="1" name=""/>
-        <p:cNvGrpSpPr/>
-        <p:nvPr/>
-      </p:nvGrpSpPr>
-      <p:grpSpPr>
-        <a:xfrm>
-          <a:off x="0" y="0"/>
-          <a:ext cx="0" cy="0"/>
-          <a:chOff x="0" y="0"/>
-          <a:chExt cx="0" cy="0"/>
-        </a:xfrm>
-      </p:grpSpPr>
-      <p:sp>
-        <p:nvSpPr>
-          <p:cNvPr id="2" name="Title 1">
-            <a:extLst>
-              <a:ext uri="{FF2B5EF4-FFF2-40B4-BE49-F238E27FC236}">
-                <a16:creationId xmlns:a16="http://schemas.microsoft.com/office/drawing/2014/main" id="{A2179F93-67EC-41FD-A0EB-BB09C5D0723E}"/>
-              </a:ext>
-            </a:extLst>
-          </p:cNvPr>
-          <p:cNvSpPr>
-            <a:spLocks noGrp="1"/>
-          </p:cNvSpPr>
-          <p:nvPr>
-            <p:ph type="title"/>
-          </p:nvPr>
-        </p:nvSpPr>
-        <p:spPr>
-          <a:xfrm>
-            <a:off x="152400" y="120650"/>
-            <a:ext cx="10363200" cy="1314443"/>
-          </a:xfrm>
-        </p:spPr>
-        <p:txBody>
-          <a:bodyPr/>
-          <a:lstStyle/>
-          <a:p>
-            <a:r>
-              <a:rPr lang="en-GB" dirty="0"/>
-              <a:t>Creating a </a:t>
-            </a:r>
-            <a:r>
-              <a:rPr lang="en-GB" dirty="0" err="1"/>
-              <a:t>phyloseq</a:t>
-            </a:r>
-            <a:r>
-              <a:rPr lang="en-GB" dirty="0"/>
-              <a:t> object</a:t>
-            </a:r>
-          </a:p>
-        </p:txBody>
-      </p:sp>
-      <p:sp>
-        <p:nvSpPr>
-          <p:cNvPr id="3" name="Content Placeholder 2">
-            <a:extLst>
-              <a:ext uri="{FF2B5EF4-FFF2-40B4-BE49-F238E27FC236}">
-                <a16:creationId xmlns:a16="http://schemas.microsoft.com/office/drawing/2014/main" id="{D7A26D38-BD9E-45A3-B701-A8B08BEAB263}"/>
-              </a:ext>
-            </a:extLst>
-          </p:cNvPr>
-          <p:cNvSpPr>
-            <a:spLocks noGrp="1"/>
-          </p:cNvSpPr>
-          <p:nvPr>
-            <p:ph idx="1"/>
-          </p:nvPr>
-        </p:nvSpPr>
-        <p:spPr>
-          <a:xfrm>
-            <a:off x="419100" y="1263650"/>
-            <a:ext cx="10858499" cy="4678179"/>
-          </a:xfrm>
-        </p:spPr>
-        <p:txBody>
-          <a:bodyPr/>
-          <a:lstStyle/>
-          <a:p>
-            <a:r>
-              <a:rPr lang="en-GB" dirty="0"/>
-              <a:t>Provides a set of classes and tools to facilitate the import, storage, analysis and graphical display of microbiome census data.</a:t>
-            </a:r>
-          </a:p>
-          <a:p>
-            <a:endParaRPr lang="en-GB" dirty="0"/>
-          </a:p>
-          <a:p>
-            <a:endParaRPr lang="en-GB" dirty="0"/>
-          </a:p>
-          <a:p>
-            <a:endParaRPr lang="en-GB" dirty="0"/>
-          </a:p>
-          <a:p>
-            <a:endParaRPr lang="en-GB" dirty="0"/>
-          </a:p>
-          <a:p>
-            <a:r>
-              <a:rPr lang="en-GB" dirty="0" err="1"/>
-              <a:t>Sample_data</a:t>
-            </a:r>
-            <a:r>
-              <a:rPr lang="en-GB" dirty="0"/>
-              <a:t> has nothing in it for now, but you can add your CTD data to this + all of your environmental data.</a:t>
-            </a:r>
-          </a:p>
-          <a:p>
-            <a:endParaRPr lang="en-GB" dirty="0"/>
-          </a:p>
-        </p:txBody>
-      </p:sp>
-      <p:sp>
-        <p:nvSpPr>
-          <p:cNvPr id="5" name="TextBox 4">
-            <a:extLst>
-              <a:ext uri="{FF2B5EF4-FFF2-40B4-BE49-F238E27FC236}">
-                <a16:creationId xmlns:a16="http://schemas.microsoft.com/office/drawing/2014/main" id="{CDF11FB9-E32E-4595-BF54-2ADBEFCFBFB3}"/>
-              </a:ext>
-            </a:extLst>
-          </p:cNvPr>
-          <p:cNvSpPr txBox="1"/>
-          <p:nvPr/>
-        </p:nvSpPr>
-        <p:spPr>
-          <a:xfrm>
-            <a:off x="95892" y="6543082"/>
-            <a:ext cx="4815156" cy="261610"/>
-          </a:xfrm>
-          <a:prstGeom prst="rect">
-            <a:avLst/>
-          </a:prstGeom>
-          <a:noFill/>
-        </p:spPr>
-        <p:txBody>
-          <a:bodyPr wrap="square">
-            <a:spAutoFit/>
-          </a:bodyPr>
-          <a:lstStyle/>
-          <a:p>
-            <a:r>
-              <a:rPr lang="en-GB" sz="1100" dirty="0"/>
-              <a:t>https://www.bioconductor.org/packages/release/bioc/html/phyloseq.html</a:t>
-            </a:r>
-          </a:p>
-        </p:txBody>
-      </p:sp>
-      <p:pic>
-        <p:nvPicPr>
-          <p:cNvPr id="7" name="Picture 6">
-            <a:extLst>
-              <a:ext uri="{FF2B5EF4-FFF2-40B4-BE49-F238E27FC236}">
-                <a16:creationId xmlns:a16="http://schemas.microsoft.com/office/drawing/2014/main" id="{B96E03C7-B788-4214-918C-CC114CA12FB1}"/>
-              </a:ext>
-            </a:extLst>
-          </p:cNvPr>
-          <p:cNvPicPr>
-            <a:picLocks noChangeAspect="1"/>
-          </p:cNvPicPr>
-          <p:nvPr/>
-        </p:nvPicPr>
-        <p:blipFill rotWithShape="1">
-          <a:blip r:embed="rId2"/>
-          <a:srcRect b="9311"/>
-          <a:stretch/>
-        </p:blipFill>
-        <p:spPr>
-          <a:xfrm>
-            <a:off x="559380" y="2347909"/>
-            <a:ext cx="9762566" cy="1314443"/>
-          </a:xfrm>
-          <a:prstGeom prst="rect">
-            <a:avLst/>
-          </a:prstGeom>
-        </p:spPr>
-      </p:pic>
-    </p:spTree>
-    <p:extLst>
-      <p:ext uri="{BB962C8B-B14F-4D97-AF65-F5344CB8AC3E}">
-        <p14:creationId xmlns:p14="http://schemas.microsoft.com/office/powerpoint/2010/main" val="1890577983"/>
       </p:ext>
     </p:extLst>
   </p:cSld>
@@ -8609,8 +11042,8 @@
         </p:nvSpPr>
         <p:spPr>
           <a:xfrm>
-            <a:off x="264694" y="130108"/>
-            <a:ext cx="2711116" cy="786063"/>
+            <a:off x="264693" y="130108"/>
+            <a:ext cx="3368843" cy="786063"/>
           </a:xfrm>
         </p:spPr>
         <p:txBody>
@@ -9353,6 +11786,690 @@
           <p:cNvPr id="2" name="Title 1">
             <a:extLst>
               <a:ext uri="{FF2B5EF4-FFF2-40B4-BE49-F238E27FC236}">
+                <a16:creationId xmlns:a16="http://schemas.microsoft.com/office/drawing/2014/main" id="{73C3DF57-6791-42AA-A4C0-BDB220AE5A97}"/>
+              </a:ext>
+            </a:extLst>
+          </p:cNvPr>
+          <p:cNvSpPr>
+            <a:spLocks noGrp="1"/>
+          </p:cNvSpPr>
+          <p:nvPr>
+            <p:ph type="title"/>
+          </p:nvPr>
+        </p:nvSpPr>
+        <p:spPr>
+          <a:xfrm>
+            <a:off x="320040" y="258949"/>
+            <a:ext cx="4079987" cy="1314443"/>
+          </a:xfrm>
+        </p:spPr>
+        <p:txBody>
+          <a:bodyPr>
+            <a:normAutofit/>
+          </a:bodyPr>
+          <a:lstStyle/>
+          <a:p>
+            <a:pPr>
+              <a:lnSpc>
+                <a:spcPct val="90000"/>
+              </a:lnSpc>
+            </a:pPr>
+            <a:r>
+              <a:rPr lang="en-GB" sz="3400" dirty="0"/>
+              <a:t>Removing chimeras</a:t>
+            </a:r>
+            <a:br>
+              <a:rPr lang="en-GB" sz="3400" dirty="0"/>
+            </a:br>
+            <a:endParaRPr lang="en-GB" sz="3400" dirty="0"/>
+          </a:p>
+        </p:txBody>
+      </p:sp>
+      <p:sp>
+        <p:nvSpPr>
+          <p:cNvPr id="3" name="Content Placeholder 2">
+            <a:extLst>
+              <a:ext uri="{FF2B5EF4-FFF2-40B4-BE49-F238E27FC236}">
+                <a16:creationId xmlns:a16="http://schemas.microsoft.com/office/drawing/2014/main" id="{556BE548-8A4A-4132-BDA6-58CFBF74D0F1}"/>
+              </a:ext>
+            </a:extLst>
+          </p:cNvPr>
+          <p:cNvSpPr>
+            <a:spLocks noGrp="1"/>
+          </p:cNvSpPr>
+          <p:nvPr>
+            <p:ph idx="1"/>
+          </p:nvPr>
+        </p:nvSpPr>
+        <p:spPr>
+          <a:xfrm>
+            <a:off x="457200" y="1803054"/>
+            <a:ext cx="5214432" cy="2750473"/>
+          </a:xfrm>
+        </p:spPr>
+        <p:txBody>
+          <a:bodyPr>
+            <a:noAutofit/>
+          </a:bodyPr>
+          <a:lstStyle/>
+          <a:p>
+            <a:pPr>
+              <a:lnSpc>
+                <a:spcPct val="110000"/>
+              </a:lnSpc>
+            </a:pPr>
+            <a:r>
+              <a:rPr lang="en-GB" sz="2500" dirty="0"/>
+              <a:t>Formed during PCR amplification</a:t>
+            </a:r>
+          </a:p>
+          <a:p>
+            <a:pPr>
+              <a:lnSpc>
+                <a:spcPct val="110000"/>
+              </a:lnSpc>
+            </a:pPr>
+            <a:r>
+              <a:rPr lang="en-GB" sz="2500" dirty="0"/>
+              <a:t>When one sequence is incompletely amplified</a:t>
+            </a:r>
+          </a:p>
+          <a:p>
+            <a:pPr>
+              <a:lnSpc>
+                <a:spcPct val="110000"/>
+              </a:lnSpc>
+            </a:pPr>
+            <a:r>
+              <a:rPr lang="en-GB" sz="2500" dirty="0"/>
+              <a:t>Result : sequence read = half of one sample + half of another</a:t>
+            </a:r>
+          </a:p>
+          <a:p>
+            <a:pPr>
+              <a:lnSpc>
+                <a:spcPct val="110000"/>
+              </a:lnSpc>
+            </a:pPr>
+            <a:endParaRPr lang="en-GB" sz="2500" dirty="0"/>
+          </a:p>
+        </p:txBody>
+      </p:sp>
+      <p:pic>
+        <p:nvPicPr>
+          <p:cNvPr id="3074" name="Picture 2" descr="MTP-Primary analysis – EzBioCloud Help center">
+            <a:extLst>
+              <a:ext uri="{FF2B5EF4-FFF2-40B4-BE49-F238E27FC236}">
+                <a16:creationId xmlns:a16="http://schemas.microsoft.com/office/drawing/2014/main" id="{24F3714C-B3E1-4999-B5C0-0D413799372E}"/>
+              </a:ext>
+            </a:extLst>
+          </p:cNvPr>
+          <p:cNvPicPr>
+            <a:picLocks noChangeAspect="1" noChangeArrowheads="1"/>
+          </p:cNvPicPr>
+          <p:nvPr/>
+        </p:nvPicPr>
+        <p:blipFill>
+          <a:blip r:embed="rId3">
+            <a:extLst>
+              <a:ext uri="{28A0092B-C50C-407E-A947-70E740481C1C}">
+                <a14:useLocalDpi xmlns:a14="http://schemas.microsoft.com/office/drawing/2010/main" val="0"/>
+              </a:ext>
+            </a:extLst>
+          </a:blip>
+          <a:stretch>
+            <a:fillRect/>
+          </a:stretch>
+        </p:blipFill>
+        <p:spPr bwMode="auto">
+          <a:xfrm>
+            <a:off x="5748569" y="795193"/>
+            <a:ext cx="6366494" cy="5460589"/>
+          </a:xfrm>
+          <a:prstGeom prst="rect">
+            <a:avLst/>
+          </a:prstGeom>
+          <a:noFill/>
+          <a:extLst>
+            <a:ext uri="{909E8E84-426E-40DD-AFC4-6F175D3DCCD1}">
+              <a14:hiddenFill xmlns:a14="http://schemas.microsoft.com/office/drawing/2010/main">
+                <a:solidFill>
+                  <a:srgbClr val="FFFFFF"/>
+                </a:solidFill>
+              </a14:hiddenFill>
+            </a:ext>
+          </a:extLst>
+        </p:spPr>
+      </p:pic>
+      <p:sp>
+        <p:nvSpPr>
+          <p:cNvPr id="8" name="TextBox 7">
+            <a:extLst>
+              <a:ext uri="{FF2B5EF4-FFF2-40B4-BE49-F238E27FC236}">
+                <a16:creationId xmlns:a16="http://schemas.microsoft.com/office/drawing/2014/main" id="{8E66C334-2A48-4909-A0F1-480001C0BD93}"/>
+              </a:ext>
+            </a:extLst>
+          </p:cNvPr>
+          <p:cNvSpPr txBox="1"/>
+          <p:nvPr/>
+        </p:nvSpPr>
+        <p:spPr>
+          <a:xfrm>
+            <a:off x="17178" y="6618006"/>
+            <a:ext cx="2726022" cy="246221"/>
+          </a:xfrm>
+          <a:prstGeom prst="rect">
+            <a:avLst/>
+          </a:prstGeom>
+          <a:noFill/>
+        </p:spPr>
+        <p:txBody>
+          <a:bodyPr wrap="square">
+            <a:spAutoFit/>
+          </a:bodyPr>
+          <a:lstStyle/>
+          <a:p>
+            <a:r>
+              <a:rPr lang="nb-NO" sz="1000" dirty="0"/>
+              <a:t>https://help.ezbiocloud.net/mtp-pipeline/</a:t>
+            </a:r>
+          </a:p>
+        </p:txBody>
+      </p:sp>
+    </p:spTree>
+    <p:extLst>
+      <p:ext uri="{BB962C8B-B14F-4D97-AF65-F5344CB8AC3E}">
+        <p14:creationId xmlns:p14="http://schemas.microsoft.com/office/powerpoint/2010/main" val="781490477"/>
+      </p:ext>
+    </p:extLst>
+  </p:cSld>
+  <p:clrMapOvr>
+    <a:masterClrMapping/>
+  </p:clrMapOvr>
+</p:sld>
+</file>
+
+<file path=ppt/slides/slide21.xml><?xml version="1.0" encoding="utf-8"?>
+<p:sld xmlns:a="http://schemas.openxmlformats.org/drawingml/2006/main" xmlns:r="http://schemas.openxmlformats.org/officeDocument/2006/relationships" xmlns:p="http://schemas.openxmlformats.org/presentationml/2006/main">
+  <p:cSld>
+    <p:spTree>
+      <p:nvGrpSpPr>
+        <p:cNvPr id="1" name=""/>
+        <p:cNvGrpSpPr/>
+        <p:nvPr/>
+      </p:nvGrpSpPr>
+      <p:grpSpPr>
+        <a:xfrm>
+          <a:off x="0" y="0"/>
+          <a:ext cx="0" cy="0"/>
+          <a:chOff x="0" y="0"/>
+          <a:chExt cx="0" cy="0"/>
+        </a:xfrm>
+      </p:grpSpPr>
+      <p:sp>
+        <p:nvSpPr>
+          <p:cNvPr id="2" name="Title 1">
+            <a:extLst>
+              <a:ext uri="{FF2B5EF4-FFF2-40B4-BE49-F238E27FC236}">
+                <a16:creationId xmlns:a16="http://schemas.microsoft.com/office/drawing/2014/main" id="{F5DF8EE5-E06D-4F76-858A-B29902A9B0BE}"/>
+              </a:ext>
+            </a:extLst>
+          </p:cNvPr>
+          <p:cNvSpPr>
+            <a:spLocks noGrp="1"/>
+          </p:cNvSpPr>
+          <p:nvPr>
+            <p:ph type="title"/>
+          </p:nvPr>
+        </p:nvSpPr>
+        <p:spPr>
+          <a:xfrm>
+            <a:off x="146050" y="152400"/>
+            <a:ext cx="10363200" cy="1314443"/>
+          </a:xfrm>
+        </p:spPr>
+        <p:txBody>
+          <a:bodyPr/>
+          <a:lstStyle/>
+          <a:p>
+            <a:r>
+              <a:rPr lang="en-GB" dirty="0"/>
+              <a:t>Assign taxonomy</a:t>
+            </a:r>
+          </a:p>
+        </p:txBody>
+      </p:sp>
+      <p:sp>
+        <p:nvSpPr>
+          <p:cNvPr id="3" name="Content Placeholder 2">
+            <a:extLst>
+              <a:ext uri="{FF2B5EF4-FFF2-40B4-BE49-F238E27FC236}">
+                <a16:creationId xmlns:a16="http://schemas.microsoft.com/office/drawing/2014/main" id="{1D62EAE9-3869-46DC-90B4-AC9CDEF6D049}"/>
+              </a:ext>
+            </a:extLst>
+          </p:cNvPr>
+          <p:cNvSpPr>
+            <a:spLocks noGrp="1"/>
+          </p:cNvSpPr>
+          <p:nvPr>
+            <p:ph idx="1"/>
+          </p:nvPr>
+        </p:nvSpPr>
+        <p:spPr>
+          <a:xfrm>
+            <a:off x="285751" y="1365250"/>
+            <a:ext cx="2825750" cy="4576579"/>
+          </a:xfrm>
+        </p:spPr>
+        <p:txBody>
+          <a:bodyPr/>
+          <a:lstStyle/>
+          <a:p>
+            <a:r>
+              <a:rPr lang="en-GB" dirty="0"/>
+              <a:t>Takes sequences from samples and assigns taxonomy based on the reference database provided</a:t>
+            </a:r>
+          </a:p>
+          <a:p>
+            <a:r>
+              <a:rPr lang="en-GB" dirty="0"/>
+              <a:t>Database for protists/eukaryotes -  pr2 database</a:t>
+            </a:r>
+          </a:p>
+          <a:p>
+            <a:r>
+              <a:rPr lang="en-GB" dirty="0"/>
+              <a:t>Database for bacteria – silva</a:t>
+            </a:r>
+          </a:p>
+          <a:p>
+            <a:endParaRPr lang="en-GB" dirty="0"/>
+          </a:p>
+        </p:txBody>
+      </p:sp>
+      <p:pic>
+        <p:nvPicPr>
+          <p:cNvPr id="5" name="Picture 4">
+            <a:extLst>
+              <a:ext uri="{FF2B5EF4-FFF2-40B4-BE49-F238E27FC236}">
+                <a16:creationId xmlns:a16="http://schemas.microsoft.com/office/drawing/2014/main" id="{C5C38FB6-A2C7-47E8-875A-F36AF8B9D57C}"/>
+              </a:ext>
+            </a:extLst>
+          </p:cNvPr>
+          <p:cNvPicPr>
+            <a:picLocks noChangeAspect="1"/>
+          </p:cNvPicPr>
+          <p:nvPr/>
+        </p:nvPicPr>
+        <p:blipFill>
+          <a:blip r:embed="rId2"/>
+          <a:stretch>
+            <a:fillRect/>
+          </a:stretch>
+        </p:blipFill>
+        <p:spPr>
+          <a:xfrm>
+            <a:off x="3056889" y="1006470"/>
+            <a:ext cx="9598661" cy="5616579"/>
+          </a:xfrm>
+          <a:prstGeom prst="rect">
+            <a:avLst/>
+          </a:prstGeom>
+        </p:spPr>
+      </p:pic>
+    </p:spTree>
+    <p:extLst>
+      <p:ext uri="{BB962C8B-B14F-4D97-AF65-F5344CB8AC3E}">
+        <p14:creationId xmlns:p14="http://schemas.microsoft.com/office/powerpoint/2010/main" val="2462639946"/>
+      </p:ext>
+    </p:extLst>
+  </p:cSld>
+  <p:clrMapOvr>
+    <a:masterClrMapping/>
+  </p:clrMapOvr>
+</p:sld>
+</file>
+
+<file path=ppt/slides/slide22.xml><?xml version="1.0" encoding="utf-8"?>
+<p:sld xmlns:a="http://schemas.openxmlformats.org/drawingml/2006/main" xmlns:r="http://schemas.openxmlformats.org/officeDocument/2006/relationships" xmlns:p="http://schemas.openxmlformats.org/presentationml/2006/main">
+  <p:cSld>
+    <p:spTree>
+      <p:nvGrpSpPr>
+        <p:cNvPr id="1" name=""/>
+        <p:cNvGrpSpPr/>
+        <p:nvPr/>
+      </p:nvGrpSpPr>
+      <p:grpSpPr>
+        <a:xfrm>
+          <a:off x="0" y="0"/>
+          <a:ext cx="0" cy="0"/>
+          <a:chOff x="0" y="0"/>
+          <a:chExt cx="0" cy="0"/>
+        </a:xfrm>
+      </p:grpSpPr>
+      <p:sp>
+        <p:nvSpPr>
+          <p:cNvPr id="2" name="Title 1">
+            <a:extLst>
+              <a:ext uri="{FF2B5EF4-FFF2-40B4-BE49-F238E27FC236}">
+                <a16:creationId xmlns:a16="http://schemas.microsoft.com/office/drawing/2014/main" id="{5F26E2E2-44BF-46F0-AB78-E718D81FA586}"/>
+              </a:ext>
+            </a:extLst>
+          </p:cNvPr>
+          <p:cNvSpPr>
+            <a:spLocks noGrp="1"/>
+          </p:cNvSpPr>
+          <p:nvPr>
+            <p:ph type="title"/>
+          </p:nvPr>
+        </p:nvSpPr>
+        <p:spPr>
+          <a:xfrm>
+            <a:off x="190072" y="133564"/>
+            <a:ext cx="10363200" cy="1314443"/>
+          </a:xfrm>
+        </p:spPr>
+        <p:txBody>
+          <a:bodyPr/>
+          <a:lstStyle/>
+          <a:p>
+            <a:r>
+              <a:rPr lang="en-GB" dirty="0"/>
+              <a:t>Bootstrap values for assigning taxonomy</a:t>
+            </a:r>
+          </a:p>
+        </p:txBody>
+      </p:sp>
+      <p:sp>
+        <p:nvSpPr>
+          <p:cNvPr id="7" name="Content Placeholder 6">
+            <a:extLst>
+              <a:ext uri="{FF2B5EF4-FFF2-40B4-BE49-F238E27FC236}">
+                <a16:creationId xmlns:a16="http://schemas.microsoft.com/office/drawing/2014/main" id="{6FD6FFD7-F06D-4FA7-BB6A-A17F3060B2E6}"/>
+              </a:ext>
+            </a:extLst>
+          </p:cNvPr>
+          <p:cNvSpPr>
+            <a:spLocks noGrp="1"/>
+          </p:cNvSpPr>
+          <p:nvPr>
+            <p:ph idx="1"/>
+          </p:nvPr>
+        </p:nvSpPr>
+        <p:spPr>
+          <a:xfrm>
+            <a:off x="308225" y="1351052"/>
+            <a:ext cx="4924175" cy="4590777"/>
+          </a:xfrm>
+        </p:spPr>
+        <p:txBody>
+          <a:bodyPr/>
+          <a:lstStyle/>
+          <a:p>
+            <a:r>
+              <a:rPr lang="en-GB" dirty="0"/>
+              <a:t>This step checks the accuracy with which taxonomy is assigned to our samples from the database</a:t>
+            </a:r>
+          </a:p>
+        </p:txBody>
+      </p:sp>
+      <p:pic>
+        <p:nvPicPr>
+          <p:cNvPr id="9" name="Picture 8">
+            <a:extLst>
+              <a:ext uri="{FF2B5EF4-FFF2-40B4-BE49-F238E27FC236}">
+                <a16:creationId xmlns:a16="http://schemas.microsoft.com/office/drawing/2014/main" id="{04A449B6-DE49-45E2-9BA6-5530C33BA068}"/>
+              </a:ext>
+            </a:extLst>
+          </p:cNvPr>
+          <p:cNvPicPr>
+            <a:picLocks noChangeAspect="1"/>
+          </p:cNvPicPr>
+          <p:nvPr/>
+        </p:nvPicPr>
+        <p:blipFill rotWithShape="1">
+          <a:blip r:embed="rId2"/>
+          <a:srcRect r="24232"/>
+          <a:stretch/>
+        </p:blipFill>
+        <p:spPr>
+          <a:xfrm>
+            <a:off x="5896373" y="914144"/>
+            <a:ext cx="6105555" cy="5810292"/>
+          </a:xfrm>
+          <a:prstGeom prst="rect">
+            <a:avLst/>
+          </a:prstGeom>
+        </p:spPr>
+      </p:pic>
+    </p:spTree>
+    <p:extLst>
+      <p:ext uri="{BB962C8B-B14F-4D97-AF65-F5344CB8AC3E}">
+        <p14:creationId xmlns:p14="http://schemas.microsoft.com/office/powerpoint/2010/main" val="1351791954"/>
+      </p:ext>
+    </p:extLst>
+  </p:cSld>
+  <p:clrMapOvr>
+    <a:masterClrMapping/>
+  </p:clrMapOvr>
+</p:sld>
+</file>
+
+<file path=ppt/slides/slide23.xml><?xml version="1.0" encoding="utf-8"?>
+<p:sld xmlns:a="http://schemas.openxmlformats.org/drawingml/2006/main" xmlns:r="http://schemas.openxmlformats.org/officeDocument/2006/relationships" xmlns:p="http://schemas.openxmlformats.org/presentationml/2006/main">
+  <p:cSld>
+    <p:spTree>
+      <p:nvGrpSpPr>
+        <p:cNvPr id="1" name=""/>
+        <p:cNvGrpSpPr/>
+        <p:nvPr/>
+      </p:nvGrpSpPr>
+      <p:grpSpPr>
+        <a:xfrm>
+          <a:off x="0" y="0"/>
+          <a:ext cx="0" cy="0"/>
+          <a:chOff x="0" y="0"/>
+          <a:chExt cx="0" cy="0"/>
+        </a:xfrm>
+      </p:grpSpPr>
+      <p:sp>
+        <p:nvSpPr>
+          <p:cNvPr id="2" name="Title 1">
+            <a:extLst>
+              <a:ext uri="{FF2B5EF4-FFF2-40B4-BE49-F238E27FC236}">
+                <a16:creationId xmlns:a16="http://schemas.microsoft.com/office/drawing/2014/main" id="{A2179F93-67EC-41FD-A0EB-BB09C5D0723E}"/>
+              </a:ext>
+            </a:extLst>
+          </p:cNvPr>
+          <p:cNvSpPr>
+            <a:spLocks noGrp="1"/>
+          </p:cNvSpPr>
+          <p:nvPr>
+            <p:ph type="title"/>
+          </p:nvPr>
+        </p:nvSpPr>
+        <p:spPr>
+          <a:xfrm>
+            <a:off x="152400" y="120650"/>
+            <a:ext cx="10363200" cy="1314443"/>
+          </a:xfrm>
+        </p:spPr>
+        <p:txBody>
+          <a:bodyPr/>
+          <a:lstStyle/>
+          <a:p>
+            <a:r>
+              <a:rPr lang="en-GB" dirty="0"/>
+              <a:t>Creating a </a:t>
+            </a:r>
+            <a:r>
+              <a:rPr lang="en-GB" dirty="0" err="1"/>
+              <a:t>phyloseq</a:t>
+            </a:r>
+            <a:r>
+              <a:rPr lang="en-GB" dirty="0"/>
+              <a:t> object</a:t>
+            </a:r>
+          </a:p>
+        </p:txBody>
+      </p:sp>
+      <p:sp>
+        <p:nvSpPr>
+          <p:cNvPr id="3" name="Content Placeholder 2">
+            <a:extLst>
+              <a:ext uri="{FF2B5EF4-FFF2-40B4-BE49-F238E27FC236}">
+                <a16:creationId xmlns:a16="http://schemas.microsoft.com/office/drawing/2014/main" id="{D7A26D38-BD9E-45A3-B701-A8B08BEAB263}"/>
+              </a:ext>
+            </a:extLst>
+          </p:cNvPr>
+          <p:cNvSpPr>
+            <a:spLocks noGrp="1"/>
+          </p:cNvSpPr>
+          <p:nvPr>
+            <p:ph idx="1"/>
+          </p:nvPr>
+        </p:nvSpPr>
+        <p:spPr>
+          <a:xfrm>
+            <a:off x="419100" y="1263650"/>
+            <a:ext cx="10858499" cy="4678179"/>
+          </a:xfrm>
+        </p:spPr>
+        <p:txBody>
+          <a:bodyPr/>
+          <a:lstStyle/>
+          <a:p>
+            <a:r>
+              <a:rPr lang="en-GB" dirty="0"/>
+              <a:t>Provides a set of classes and tools to facilitate the import, storage, analysis and graphical display of microbiome census data.</a:t>
+            </a:r>
+          </a:p>
+          <a:p>
+            <a:endParaRPr lang="en-GB" dirty="0"/>
+          </a:p>
+          <a:p>
+            <a:endParaRPr lang="en-GB" dirty="0"/>
+          </a:p>
+          <a:p>
+            <a:endParaRPr lang="en-GB" dirty="0"/>
+          </a:p>
+          <a:p>
+            <a:endParaRPr lang="en-GB" dirty="0"/>
+          </a:p>
+          <a:p>
+            <a:r>
+              <a:rPr lang="en-GB" dirty="0" err="1"/>
+              <a:t>Sample_data</a:t>
+            </a:r>
+            <a:r>
+              <a:rPr lang="en-GB" dirty="0"/>
+              <a:t> has nothing in it for now, but you can add your CTD data to this + all of your environmental data.</a:t>
+            </a:r>
+          </a:p>
+          <a:p>
+            <a:endParaRPr lang="en-GB" dirty="0"/>
+          </a:p>
+        </p:txBody>
+      </p:sp>
+      <p:sp>
+        <p:nvSpPr>
+          <p:cNvPr id="5" name="TextBox 4">
+            <a:extLst>
+              <a:ext uri="{FF2B5EF4-FFF2-40B4-BE49-F238E27FC236}">
+                <a16:creationId xmlns:a16="http://schemas.microsoft.com/office/drawing/2014/main" id="{CDF11FB9-E32E-4595-BF54-2ADBEFCFBFB3}"/>
+              </a:ext>
+            </a:extLst>
+          </p:cNvPr>
+          <p:cNvSpPr txBox="1"/>
+          <p:nvPr/>
+        </p:nvSpPr>
+        <p:spPr>
+          <a:xfrm>
+            <a:off x="95892" y="6543082"/>
+            <a:ext cx="4815156" cy="261610"/>
+          </a:xfrm>
+          <a:prstGeom prst="rect">
+            <a:avLst/>
+          </a:prstGeom>
+          <a:noFill/>
+        </p:spPr>
+        <p:txBody>
+          <a:bodyPr wrap="square">
+            <a:spAutoFit/>
+          </a:bodyPr>
+          <a:lstStyle/>
+          <a:p>
+            <a:r>
+              <a:rPr lang="en-GB" sz="1100" dirty="0"/>
+              <a:t>https://www.bioconductor.org/packages/release/bioc/html/phyloseq.html</a:t>
+            </a:r>
+          </a:p>
+        </p:txBody>
+      </p:sp>
+      <p:pic>
+        <p:nvPicPr>
+          <p:cNvPr id="7" name="Picture 6">
+            <a:extLst>
+              <a:ext uri="{FF2B5EF4-FFF2-40B4-BE49-F238E27FC236}">
+                <a16:creationId xmlns:a16="http://schemas.microsoft.com/office/drawing/2014/main" id="{B96E03C7-B788-4214-918C-CC114CA12FB1}"/>
+              </a:ext>
+            </a:extLst>
+          </p:cNvPr>
+          <p:cNvPicPr>
+            <a:picLocks noChangeAspect="1"/>
+          </p:cNvPicPr>
+          <p:nvPr/>
+        </p:nvPicPr>
+        <p:blipFill rotWithShape="1">
+          <a:blip r:embed="rId2"/>
+          <a:srcRect b="9311"/>
+          <a:stretch/>
+        </p:blipFill>
+        <p:spPr>
+          <a:xfrm>
+            <a:off x="559380" y="2347909"/>
+            <a:ext cx="9762566" cy="1314443"/>
+          </a:xfrm>
+          <a:prstGeom prst="rect">
+            <a:avLst/>
+          </a:prstGeom>
+        </p:spPr>
+      </p:pic>
+    </p:spTree>
+    <p:extLst>
+      <p:ext uri="{BB962C8B-B14F-4D97-AF65-F5344CB8AC3E}">
+        <p14:creationId xmlns:p14="http://schemas.microsoft.com/office/powerpoint/2010/main" val="1890577983"/>
+      </p:ext>
+    </p:extLst>
+  </p:cSld>
+  <p:clrMapOvr>
+    <a:masterClrMapping/>
+  </p:clrMapOvr>
+</p:sld>
+</file>
+
+<file path=ppt/slides/slide24.xml><?xml version="1.0" encoding="utf-8"?>
+<p:sld xmlns:a="http://schemas.openxmlformats.org/drawingml/2006/main" xmlns:r="http://schemas.openxmlformats.org/officeDocument/2006/relationships" xmlns:p="http://schemas.openxmlformats.org/presentationml/2006/main">
+  <p:cSld>
+    <p:spTree>
+      <p:nvGrpSpPr>
+        <p:cNvPr id="1" name=""/>
+        <p:cNvGrpSpPr/>
+        <p:nvPr/>
+      </p:nvGrpSpPr>
+      <p:grpSpPr>
+        <a:xfrm>
+          <a:off x="0" y="0"/>
+          <a:ext cx="0" cy="0"/>
+          <a:chOff x="0" y="0"/>
+          <a:chExt cx="0" cy="0"/>
+        </a:xfrm>
+      </p:grpSpPr>
+      <p:sp>
+        <p:nvSpPr>
+          <p:cNvPr id="2" name="Title 1">
+            <a:extLst>
+              <a:ext uri="{FF2B5EF4-FFF2-40B4-BE49-F238E27FC236}">
                 <a16:creationId xmlns:a16="http://schemas.microsoft.com/office/drawing/2014/main" id="{403E7125-3DC1-4CEA-8DE1-A410488A2684}"/>
               </a:ext>
             </a:extLst>
@@ -9423,7 +12540,7 @@
 </p:sld>
 </file>
 
-<file path=ppt/slides/slide21.xml><?xml version="1.0" encoding="utf-8"?>
+<file path=ppt/slides/slide25.xml><?xml version="1.0" encoding="utf-8"?>
 <p:sld xmlns:a="http://schemas.openxmlformats.org/drawingml/2006/main" xmlns:r="http://schemas.openxmlformats.org/officeDocument/2006/relationships" xmlns:p="http://schemas.openxmlformats.org/presentationml/2006/main">
   <p:cSld>
     <p:spTree>
@@ -9445,391 +12562,6 @@
           <p:cNvPr id="2" name="Title 1">
             <a:extLst>
               <a:ext uri="{FF2B5EF4-FFF2-40B4-BE49-F238E27FC236}">
-                <a16:creationId xmlns:a16="http://schemas.microsoft.com/office/drawing/2014/main" id="{F4526B36-091B-439B-960A-8BD2685D736B}"/>
-              </a:ext>
-            </a:extLst>
-          </p:cNvPr>
-          <p:cNvSpPr>
-            <a:spLocks noGrp="1"/>
-          </p:cNvSpPr>
-          <p:nvPr>
-            <p:ph type="title"/>
-          </p:nvPr>
-        </p:nvSpPr>
-        <p:spPr>
-          <a:xfrm>
-            <a:off x="251460" y="160020"/>
-            <a:ext cx="10363200" cy="1314443"/>
-          </a:xfrm>
-        </p:spPr>
-        <p:txBody>
-          <a:bodyPr/>
-          <a:lstStyle/>
-          <a:p>
-            <a:r>
-              <a:rPr lang="nb-NO" dirty="0" err="1"/>
-              <a:t>Advantages</a:t>
-            </a:r>
-            <a:r>
-              <a:rPr lang="nb-NO" dirty="0"/>
-              <a:t> </a:t>
-            </a:r>
-            <a:r>
-              <a:rPr lang="nb-NO" dirty="0" err="1"/>
-              <a:t>of</a:t>
-            </a:r>
-            <a:r>
-              <a:rPr lang="nb-NO" dirty="0"/>
-              <a:t> DADA2 </a:t>
-            </a:r>
-          </a:p>
-        </p:txBody>
-      </p:sp>
-      <p:sp>
-        <p:nvSpPr>
-          <p:cNvPr id="3" name="Content Placeholder 2">
-            <a:extLst>
-              <a:ext uri="{FF2B5EF4-FFF2-40B4-BE49-F238E27FC236}">
-                <a16:creationId xmlns:a16="http://schemas.microsoft.com/office/drawing/2014/main" id="{AC248B0E-622A-44EE-BE0A-67EB2918F744}"/>
-              </a:ext>
-            </a:extLst>
-          </p:cNvPr>
-          <p:cNvSpPr>
-            <a:spLocks noGrp="1"/>
-          </p:cNvSpPr>
-          <p:nvPr>
-            <p:ph idx="1"/>
-          </p:nvPr>
-        </p:nvSpPr>
-        <p:spPr>
-          <a:xfrm>
-            <a:off x="468630" y="1245871"/>
-            <a:ext cx="10808969" cy="3086100"/>
-          </a:xfrm>
-        </p:spPr>
-        <p:txBody>
-          <a:bodyPr>
-            <a:noAutofit/>
-          </a:bodyPr>
-          <a:lstStyle/>
-          <a:p>
-            <a:r>
-              <a:rPr lang="nb-NO" sz="3000" b="1" dirty="0"/>
-              <a:t>Resolution</a:t>
-            </a:r>
-            <a:r>
-              <a:rPr lang="nb-NO" sz="3000" dirty="0"/>
-              <a:t> : </a:t>
-            </a:r>
-            <a:r>
-              <a:rPr lang="nb-NO" sz="3000" dirty="0" err="1"/>
-              <a:t>Resolves</a:t>
-            </a:r>
-            <a:r>
-              <a:rPr lang="nb-NO" sz="3000" dirty="0"/>
-              <a:t> </a:t>
-            </a:r>
-            <a:r>
-              <a:rPr lang="nb-NO" sz="3000" dirty="0" err="1"/>
-              <a:t>biological</a:t>
-            </a:r>
-            <a:r>
-              <a:rPr lang="nb-NO" sz="3000" dirty="0"/>
-              <a:t> </a:t>
-            </a:r>
-            <a:r>
-              <a:rPr lang="nb-NO" sz="3000" dirty="0" err="1"/>
-              <a:t>differences</a:t>
-            </a:r>
-            <a:r>
-              <a:rPr lang="nb-NO" sz="3000" dirty="0"/>
-              <a:t> </a:t>
-            </a:r>
-            <a:r>
-              <a:rPr lang="nb-NO" sz="3000" dirty="0" err="1"/>
-              <a:t>of</a:t>
-            </a:r>
-            <a:r>
-              <a:rPr lang="nb-NO" sz="3000" dirty="0"/>
-              <a:t> 1 or </a:t>
-            </a:r>
-            <a:r>
-              <a:rPr lang="nb-NO" sz="3000" dirty="0" err="1"/>
-              <a:t>even</a:t>
-            </a:r>
-            <a:r>
-              <a:rPr lang="nb-NO" sz="3000" dirty="0"/>
-              <a:t> 2 </a:t>
-            </a:r>
-            <a:r>
-              <a:rPr lang="nb-NO" sz="3000" dirty="0" err="1"/>
-              <a:t>nucleotides</a:t>
-            </a:r>
-            <a:endParaRPr lang="nb-NO" sz="3000" dirty="0"/>
-          </a:p>
-          <a:p>
-            <a:r>
-              <a:rPr lang="nb-NO" sz="3000" b="1" dirty="0" err="1"/>
-              <a:t>Accuracy</a:t>
-            </a:r>
-            <a:r>
-              <a:rPr lang="nb-NO" sz="3000" b="1" dirty="0"/>
-              <a:t> : </a:t>
-            </a:r>
-            <a:r>
-              <a:rPr lang="nb-NO" sz="3000" dirty="0"/>
-              <a:t>DADA2 reports </a:t>
-            </a:r>
-            <a:r>
-              <a:rPr lang="nb-NO" sz="3000" dirty="0" err="1"/>
-              <a:t>fewer</a:t>
-            </a:r>
-            <a:r>
-              <a:rPr lang="nb-NO" sz="3000" dirty="0"/>
-              <a:t> </a:t>
-            </a:r>
-            <a:r>
-              <a:rPr lang="nb-NO" sz="3000" dirty="0" err="1"/>
-              <a:t>flase</a:t>
-            </a:r>
-            <a:r>
-              <a:rPr lang="nb-NO" sz="3000" dirty="0"/>
-              <a:t> positive </a:t>
-            </a:r>
-            <a:r>
-              <a:rPr lang="nb-NO" sz="3000" dirty="0" err="1"/>
-              <a:t>sequence</a:t>
-            </a:r>
-            <a:r>
-              <a:rPr lang="nb-NO" sz="3000" dirty="0"/>
-              <a:t> variants </a:t>
-            </a:r>
-            <a:r>
-              <a:rPr lang="nb-NO" sz="3000" dirty="0" err="1"/>
-              <a:t>than</a:t>
-            </a:r>
-            <a:r>
-              <a:rPr lang="nb-NO" sz="3000" dirty="0"/>
-              <a:t> </a:t>
-            </a:r>
-            <a:r>
-              <a:rPr lang="nb-NO" sz="3000" dirty="0" err="1"/>
-              <a:t>other</a:t>
-            </a:r>
-            <a:r>
-              <a:rPr lang="nb-NO" sz="3000" dirty="0"/>
-              <a:t> </a:t>
-            </a:r>
-            <a:r>
-              <a:rPr lang="nb-NO" sz="3000" dirty="0" err="1"/>
-              <a:t>methods</a:t>
-            </a:r>
-            <a:r>
-              <a:rPr lang="nb-NO" sz="3000" dirty="0"/>
-              <a:t> </a:t>
-            </a:r>
-          </a:p>
-          <a:p>
-            <a:r>
-              <a:rPr lang="nb-NO" sz="3000" b="1" dirty="0" err="1"/>
-              <a:t>Comparability</a:t>
-            </a:r>
-            <a:r>
-              <a:rPr lang="nb-NO" sz="3000" b="1" dirty="0"/>
-              <a:t> : </a:t>
-            </a:r>
-            <a:r>
-              <a:rPr lang="nb-NO" sz="3000" dirty="0" err="1"/>
-              <a:t>ASV’s</a:t>
-            </a:r>
-            <a:r>
-              <a:rPr lang="nb-NO" sz="3000" dirty="0"/>
-              <a:t> output by DADA2 </a:t>
-            </a:r>
-            <a:r>
-              <a:rPr lang="nb-NO" sz="3000" dirty="0" err="1"/>
-              <a:t>can</a:t>
-            </a:r>
-            <a:r>
-              <a:rPr lang="nb-NO" sz="3000" dirty="0"/>
-              <a:t> be </a:t>
-            </a:r>
-            <a:r>
-              <a:rPr lang="nb-NO" sz="3000" dirty="0" err="1"/>
-              <a:t>directly</a:t>
-            </a:r>
-            <a:r>
-              <a:rPr lang="nb-NO" sz="3000" dirty="0"/>
-              <a:t> </a:t>
-            </a:r>
-            <a:r>
-              <a:rPr lang="nb-NO" sz="3000" dirty="0" err="1"/>
-              <a:t>compared</a:t>
-            </a:r>
-            <a:r>
-              <a:rPr lang="nb-NO" sz="3000" dirty="0"/>
-              <a:t> </a:t>
-            </a:r>
-            <a:r>
-              <a:rPr lang="nb-NO" sz="3000" dirty="0" err="1"/>
-              <a:t>between</a:t>
-            </a:r>
-            <a:r>
-              <a:rPr lang="nb-NO" sz="3000" dirty="0"/>
-              <a:t> studies, </a:t>
-            </a:r>
-            <a:r>
-              <a:rPr lang="nb-NO" sz="3000" dirty="0" err="1"/>
-              <a:t>without</a:t>
-            </a:r>
-            <a:r>
-              <a:rPr lang="nb-NO" sz="3000" dirty="0"/>
-              <a:t> </a:t>
-            </a:r>
-            <a:r>
-              <a:rPr lang="nb-NO" sz="3000" dirty="0" err="1"/>
-              <a:t>the</a:t>
-            </a:r>
-            <a:r>
-              <a:rPr lang="nb-NO" sz="3000" dirty="0"/>
-              <a:t> </a:t>
-            </a:r>
-            <a:r>
-              <a:rPr lang="nb-NO" sz="3000" dirty="0" err="1"/>
-              <a:t>need</a:t>
-            </a:r>
-            <a:r>
-              <a:rPr lang="nb-NO" sz="3000" dirty="0"/>
-              <a:t> to reprocess </a:t>
-            </a:r>
-            <a:r>
-              <a:rPr lang="nb-NO" sz="3000" dirty="0" err="1"/>
-              <a:t>the</a:t>
-            </a:r>
-            <a:r>
-              <a:rPr lang="nb-NO" sz="3000" dirty="0"/>
-              <a:t> </a:t>
-            </a:r>
-            <a:r>
-              <a:rPr lang="nb-NO" sz="3000" dirty="0" err="1"/>
-              <a:t>pooled</a:t>
-            </a:r>
-            <a:r>
-              <a:rPr lang="nb-NO" sz="3000" dirty="0"/>
-              <a:t> data.</a:t>
-            </a:r>
-          </a:p>
-          <a:p>
-            <a:r>
-              <a:rPr lang="nb-NO" sz="3000" b="1" dirty="0" err="1"/>
-              <a:t>Computational</a:t>
-            </a:r>
-            <a:r>
-              <a:rPr lang="nb-NO" sz="3000" b="1" dirty="0"/>
-              <a:t> </a:t>
-            </a:r>
-            <a:r>
-              <a:rPr lang="nb-NO" sz="3000" b="1" dirty="0" err="1"/>
-              <a:t>Scaling</a:t>
-            </a:r>
-            <a:r>
-              <a:rPr lang="nb-NO" sz="3000" b="1" dirty="0"/>
-              <a:t> : </a:t>
-            </a:r>
-            <a:r>
-              <a:rPr lang="nb-NO" sz="3000" dirty="0" err="1"/>
-              <a:t>compute</a:t>
-            </a:r>
-            <a:r>
-              <a:rPr lang="nb-NO" sz="3000" dirty="0"/>
-              <a:t> timing for </a:t>
-            </a:r>
-            <a:r>
-              <a:rPr lang="nb-NO" sz="3000" dirty="0" err="1"/>
-              <a:t>this</a:t>
-            </a:r>
-            <a:r>
-              <a:rPr lang="nb-NO" sz="3000" dirty="0"/>
-              <a:t> = sample </a:t>
-            </a:r>
-            <a:r>
-              <a:rPr lang="nb-NO" sz="3000" dirty="0" err="1"/>
-              <a:t>number</a:t>
-            </a:r>
-            <a:r>
-              <a:rPr lang="nb-NO" sz="3000" dirty="0"/>
-              <a:t> (linear </a:t>
-            </a:r>
-            <a:r>
-              <a:rPr lang="nb-NO" sz="3000" dirty="0" err="1"/>
-              <a:t>relation</a:t>
-            </a:r>
-            <a:r>
-              <a:rPr lang="nb-NO" sz="3000" dirty="0"/>
-              <a:t>) + </a:t>
-            </a:r>
-            <a:r>
-              <a:rPr lang="nb-NO" sz="3000" dirty="0" err="1"/>
-              <a:t>memory</a:t>
-            </a:r>
-            <a:r>
-              <a:rPr lang="nb-NO" sz="3000" dirty="0"/>
-              <a:t> </a:t>
-            </a:r>
-            <a:r>
-              <a:rPr lang="nb-NO" sz="3000" dirty="0" err="1"/>
-              <a:t>requirements</a:t>
-            </a:r>
-            <a:r>
-              <a:rPr lang="nb-NO" sz="3000" dirty="0"/>
-              <a:t> – </a:t>
-            </a:r>
-            <a:r>
-              <a:rPr lang="nb-NO" sz="3000" dirty="0" err="1"/>
-              <a:t>essentially</a:t>
-            </a:r>
-            <a:r>
-              <a:rPr lang="nb-NO" sz="3000" dirty="0"/>
-              <a:t> less.</a:t>
-            </a:r>
-          </a:p>
-        </p:txBody>
-      </p:sp>
-    </p:spTree>
-    <p:extLst>
-      <p:ext uri="{BB962C8B-B14F-4D97-AF65-F5344CB8AC3E}">
-        <p14:creationId xmlns:p14="http://schemas.microsoft.com/office/powerpoint/2010/main" val="934977294"/>
-      </p:ext>
-    </p:extLst>
-  </p:cSld>
-  <p:clrMapOvr>
-    <a:masterClrMapping/>
-  </p:clrMapOvr>
-</p:sld>
-</file>
-
-<file path=ppt/slides/slide22.xml><?xml version="1.0" encoding="utf-8"?>
-<p:sld xmlns:a="http://schemas.openxmlformats.org/drawingml/2006/main" xmlns:r="http://schemas.openxmlformats.org/officeDocument/2006/relationships" xmlns:p="http://schemas.openxmlformats.org/presentationml/2006/main">
-  <p:cSld>
-    <p:spTree>
-      <p:nvGrpSpPr>
-        <p:cNvPr id="1" name=""/>
-        <p:cNvGrpSpPr/>
-        <p:nvPr/>
-      </p:nvGrpSpPr>
-      <p:grpSpPr>
-        <a:xfrm>
-          <a:off x="0" y="0"/>
-          <a:ext cx="0" cy="0"/>
-          <a:chOff x="0" y="0"/>
-          <a:chExt cx="0" cy="0"/>
-        </a:xfrm>
-      </p:grpSpPr>
-      <p:sp>
-        <p:nvSpPr>
-          <p:cNvPr id="2" name="Title 1">
-            <a:extLst>
-              <a:ext uri="{FF2B5EF4-FFF2-40B4-BE49-F238E27FC236}">
                 <a16:creationId xmlns:a16="http://schemas.microsoft.com/office/drawing/2014/main" id="{CED35CE5-C6A9-4C85-8EB3-31F96F9D5FC9}"/>
               </a:ext>
             </a:extLst>
@@ -9919,14 +12651,18 @@
             </a:br>
             <a:r>
               <a:rPr lang="en-GB" dirty="0"/>
-              <a:t>        Mac – </a:t>
-            </a:r>
-            <a:r>
-              <a:rPr lang="en-GB" dirty="0" err="1"/>
+              <a:t>        </a:t>
+            </a:r>
+            <a:r>
+              <a:rPr lang="en-GB" b="1" dirty="0"/>
+              <a:t>Mac – </a:t>
+            </a:r>
+            <a:r>
+              <a:rPr lang="en-GB" b="1" dirty="0" err="1"/>
               <a:t>cyberduck</a:t>
             </a:r>
             <a:r>
-              <a:rPr lang="en-GB" dirty="0"/>
+              <a:rPr lang="en-GB" b="1" dirty="0"/>
               <a:t>, Windows – WINSCP</a:t>
             </a:r>
             <a:br>
@@ -9934,7 +12670,23 @@
             </a:br>
             <a:r>
               <a:rPr lang="en-GB" dirty="0"/>
-              <a:t>    3) Use terminal (for Mac) and Command Prompt (for windows), to command the       supercomputer what to do.</a:t>
+              <a:t>    3) Use </a:t>
+            </a:r>
+            <a:r>
+              <a:rPr lang="en-GB" b="1" dirty="0"/>
+              <a:t>terminal (for Mac) </a:t>
+            </a:r>
+            <a:r>
+              <a:rPr lang="en-GB" dirty="0"/>
+              <a:t>and </a:t>
+            </a:r>
+            <a:r>
+              <a:rPr lang="en-GB" b="1" dirty="0"/>
+              <a:t>Command Prompt (for windows)</a:t>
+            </a:r>
+            <a:r>
+              <a:rPr lang="en-GB" dirty="0"/>
+              <a:t>, to command the       supercomputer what to do.</a:t>
             </a:r>
             <a:br>
               <a:rPr lang="en-GB" dirty="0"/>
@@ -9966,7 +12718,7 @@
 </p:sld>
 </file>
 
-<file path=ppt/slides/slide23.xml><?xml version="1.0" encoding="utf-8"?>
+<file path=ppt/slides/slide26.xml><?xml version="1.0" encoding="utf-8"?>
 <p:sld xmlns:a="http://schemas.openxmlformats.org/drawingml/2006/main" xmlns:r="http://schemas.openxmlformats.org/officeDocument/2006/relationships" xmlns:p="http://schemas.openxmlformats.org/presentationml/2006/main">
   <p:cSld>
     <p:spTree>
@@ -10162,7 +12914,7 @@
 </p:sld>
 </file>
 
-<file path=ppt/slides/slide24.xml><?xml version="1.0" encoding="utf-8"?>
+<file path=ppt/slides/slide27.xml><?xml version="1.0" encoding="utf-8"?>
 <p:sld xmlns:a="http://schemas.openxmlformats.org/drawingml/2006/main" xmlns:r="http://schemas.openxmlformats.org/officeDocument/2006/relationships" xmlns:p="http://schemas.openxmlformats.org/presentationml/2006/main">
   <p:cSld>
     <p:spTree>
@@ -10305,7 +13057,7 @@
 </p:sld>
 </file>
 
-<file path=ppt/slides/slide25.xml><?xml version="1.0" encoding="utf-8"?>
+<file path=ppt/slides/slide28.xml><?xml version="1.0" encoding="utf-8"?>
 <p:sld xmlns:a="http://schemas.openxmlformats.org/drawingml/2006/main" xmlns:r="http://schemas.openxmlformats.org/officeDocument/2006/relationships" xmlns:p="http://schemas.openxmlformats.org/presentationml/2006/main">
   <p:cSld>
     <p:bg>
@@ -10927,8 +13679,8 @@
         </p:blipFill>
         <p:spPr>
           <a:xfrm>
-            <a:off x="8915400" y="361949"/>
-            <a:ext cx="2989865" cy="6279341"/>
+            <a:off x="9382609" y="332438"/>
+            <a:ext cx="2809391" cy="6279341"/>
           </a:xfrm>
           <a:prstGeom prst="rect">
             <a:avLst/>
@@ -11032,7 +13784,7 @@
         </p:spPr>
         <p:txBody>
           <a:bodyPr>
-            <a:normAutofit/>
+            <a:normAutofit fontScale="90000"/>
           </a:bodyPr>
           <a:lstStyle/>
           <a:p>
@@ -11374,7 +14126,7 @@
         </p:nvSpPr>
         <p:spPr>
           <a:xfrm>
-            <a:off x="6866020" y="2206152"/>
+            <a:off x="6866019" y="2838742"/>
             <a:ext cx="1981200" cy="369332"/>
           </a:xfrm>
           <a:prstGeom prst="rect">
@@ -11445,7 +14197,7 @@
         </p:nvSpPr>
         <p:spPr>
           <a:xfrm>
-            <a:off x="8847220" y="3287020"/>
+            <a:off x="9601200" y="3695217"/>
             <a:ext cx="2165683" cy="369332"/>
           </a:xfrm>
           <a:prstGeom prst="rect">
@@ -11506,7 +14258,7 @@
         </p:nvSpPr>
         <p:spPr>
           <a:xfrm>
-            <a:off x="6866020" y="4237434"/>
+            <a:off x="6962272" y="4892116"/>
             <a:ext cx="1981200" cy="369332"/>
           </a:xfrm>
           <a:prstGeom prst="rect">
@@ -11548,10 +14300,10 @@
       </p:sp>
       <p:sp>
         <p:nvSpPr>
-          <p:cNvPr id="10" name="TextBox 9">
-            <a:extLst>
-              <a:ext uri="{FF2B5EF4-FFF2-40B4-BE49-F238E27FC236}">
-                <a16:creationId xmlns:a16="http://schemas.microsoft.com/office/drawing/2014/main" id="{E7C30F7E-1626-4401-BCD1-F7F3D15A0845}"/>
+          <p:cNvPr id="11" name="TextBox 10">
+            <a:extLst>
+              <a:ext uri="{FF2B5EF4-FFF2-40B4-BE49-F238E27FC236}">
+                <a16:creationId xmlns:a16="http://schemas.microsoft.com/office/drawing/2014/main" id="{920262DB-F11E-4D16-B4D2-5545BB516B45}"/>
               </a:ext>
             </a:extLst>
           </p:cNvPr>
@@ -11560,61 +14312,7 @@
         </p:nvSpPr>
         <p:spPr>
           <a:xfrm>
-            <a:off x="9296399" y="5346819"/>
-            <a:ext cx="1981200" cy="369332"/>
-          </a:xfrm>
-          <a:prstGeom prst="rect">
-            <a:avLst/>
-          </a:prstGeom>
-          <a:noFill/>
-        </p:spPr>
-        <p:txBody>
-          <a:bodyPr wrap="square" rtlCol="0">
-            <a:spAutoFit/>
-          </a:bodyPr>
-          <a:lstStyle/>
-          <a:p>
-            <a:r>
-              <a:rPr lang="nb-NO" dirty="0" err="1">
-                <a:solidFill>
-                  <a:schemeClr val="accent2">
-                    <a:lumMod val="75000"/>
-                  </a:schemeClr>
-                </a:solidFill>
-                <a:highlight>
-                  <a:srgbClr val="FFFF00"/>
-                </a:highlight>
-              </a:rPr>
-              <a:t>Metagenomics</a:t>
-            </a:r>
-            <a:endParaRPr lang="nb-NO" dirty="0">
-              <a:solidFill>
-                <a:schemeClr val="accent2">
-                  <a:lumMod val="75000"/>
-                </a:schemeClr>
-              </a:solidFill>
-              <a:highlight>
-                <a:srgbClr val="FFFF00"/>
-              </a:highlight>
-            </a:endParaRPr>
-          </a:p>
-        </p:txBody>
-      </p:sp>
-      <p:sp>
-        <p:nvSpPr>
-          <p:cNvPr id="11" name="TextBox 10">
-            <a:extLst>
-              <a:ext uri="{FF2B5EF4-FFF2-40B4-BE49-F238E27FC236}">
-                <a16:creationId xmlns:a16="http://schemas.microsoft.com/office/drawing/2014/main" id="{920262DB-F11E-4D16-B4D2-5545BB516B45}"/>
-              </a:ext>
-            </a:extLst>
-          </p:cNvPr>
-          <p:cNvSpPr txBox="1"/>
-          <p:nvPr/>
-        </p:nvSpPr>
-        <p:spPr>
-          <a:xfrm>
-            <a:off x="6866019" y="6140731"/>
+            <a:off x="9079830" y="5978547"/>
             <a:ext cx="2430379" cy="369332"/>
           </a:xfrm>
           <a:prstGeom prst="rect">
@@ -11952,7 +14650,7 @@
                                           </p:stCondLst>
                                         </p:cTn>
                                         <p:tgtEl>
-                                          <p:spTgt spid="10">
+                                          <p:spTgt spid="11">
                                             <p:txEl>
                                               <p:pRg st="0" end="0"/>
                                             </p:txEl>
@@ -11988,7 +14686,7 @@
                             </p:stCondLst>
                             <p:childTnLst>
                               <p:par>
-                                <p:cTn id="29" presetID="1" presetClass="entr" presetSubtype="0" fill="hold" nodeType="clickEffect">
+                                <p:cTn id="29" presetID="1" presetClass="entr" presetSubtype="0" fill="hold" grpId="0" nodeType="clickEffect">
                                   <p:stCondLst>
                                     <p:cond delay="0"/>
                                   </p:stCondLst>
@@ -12001,7 +14699,7 @@
                                           </p:stCondLst>
                                         </p:cTn>
                                         <p:tgtEl>
-                                          <p:spTgt spid="11">
+                                          <p:spTgt spid="3">
                                             <p:txEl>
                                               <p:pRg st="0" end="0"/>
                                             </p:txEl>
@@ -12052,7 +14750,7 @@
                                         <p:tgtEl>
                                           <p:spTgt spid="3">
                                             <p:txEl>
-                                              <p:pRg st="0" end="0"/>
+                                              <p:pRg st="1" end="1"/>
                                             </p:txEl>
                                           </p:spTgt>
                                         </p:tgtEl>
@@ -12094,55 +14792,6 @@
                                     <p:set>
                                       <p:cBhvr>
                                         <p:cTn id="38" dur="1" fill="hold">
-                                          <p:stCondLst>
-                                            <p:cond delay="0"/>
-                                          </p:stCondLst>
-                                        </p:cTn>
-                                        <p:tgtEl>
-                                          <p:spTgt spid="3">
-                                            <p:txEl>
-                                              <p:pRg st="1" end="1"/>
-                                            </p:txEl>
-                                          </p:spTgt>
-                                        </p:tgtEl>
-                                        <p:attrNameLst>
-                                          <p:attrName>style.visibility</p:attrName>
-                                        </p:attrNameLst>
-                                      </p:cBhvr>
-                                      <p:to>
-                                        <p:strVal val="visible"/>
-                                      </p:to>
-                                    </p:set>
-                                  </p:childTnLst>
-                                </p:cTn>
-                              </p:par>
-                            </p:childTnLst>
-                          </p:cTn>
-                        </p:par>
-                      </p:childTnLst>
-                    </p:cTn>
-                  </p:par>
-                  <p:par>
-                    <p:cTn id="39" fill="hold">
-                      <p:stCondLst>
-                        <p:cond delay="indefinite"/>
-                      </p:stCondLst>
-                      <p:childTnLst>
-                        <p:par>
-                          <p:cTn id="40" fill="hold">
-                            <p:stCondLst>
-                              <p:cond delay="0"/>
-                            </p:stCondLst>
-                            <p:childTnLst>
-                              <p:par>
-                                <p:cTn id="41" presetID="1" presetClass="entr" presetSubtype="0" fill="hold" grpId="0" nodeType="clickEffect">
-                                  <p:stCondLst>
-                                    <p:cond delay="0"/>
-                                  </p:stCondLst>
-                                  <p:childTnLst>
-                                    <p:set>
-                                      <p:cBhvr>
-                                        <p:cTn id="42" dur="1" fill="hold">
                                           <p:stCondLst>
                                             <p:cond delay="0"/>
                                           </p:stCondLst>
@@ -12572,6 +15221,1819 @@
 </file>
 
 <file path=ppt/slides/slide6.xml><?xml version="1.0" encoding="utf-8"?>
+<p:sld xmlns:a="http://schemas.openxmlformats.org/drawingml/2006/main" xmlns:r="http://schemas.openxmlformats.org/officeDocument/2006/relationships" xmlns:p="http://schemas.openxmlformats.org/presentationml/2006/main">
+  <p:cSld>
+    <p:spTree>
+      <p:nvGrpSpPr>
+        <p:cNvPr id="1" name=""/>
+        <p:cNvGrpSpPr/>
+        <p:nvPr/>
+      </p:nvGrpSpPr>
+      <p:grpSpPr>
+        <a:xfrm>
+          <a:off x="0" y="0"/>
+          <a:ext cx="0" cy="0"/>
+          <a:chOff x="0" y="0"/>
+          <a:chExt cx="0" cy="0"/>
+        </a:xfrm>
+      </p:grpSpPr>
+      <p:sp>
+        <p:nvSpPr>
+          <p:cNvPr id="2" name="Title 1">
+            <a:extLst>
+              <a:ext uri="{FF2B5EF4-FFF2-40B4-BE49-F238E27FC236}">
+                <a16:creationId xmlns:a16="http://schemas.microsoft.com/office/drawing/2014/main" id="{C3873669-95B8-433F-8518-A03E8D86AAAF}"/>
+              </a:ext>
+            </a:extLst>
+          </p:cNvPr>
+          <p:cNvSpPr>
+            <a:spLocks noGrp="1"/>
+          </p:cNvSpPr>
+          <p:nvPr>
+            <p:ph type="title"/>
+          </p:nvPr>
+        </p:nvSpPr>
+        <p:spPr>
+          <a:xfrm>
+            <a:off x="232610" y="168442"/>
+            <a:ext cx="10363200" cy="689811"/>
+          </a:xfrm>
+        </p:spPr>
+        <p:txBody>
+          <a:bodyPr>
+            <a:normAutofit fontScale="90000"/>
+          </a:bodyPr>
+          <a:lstStyle/>
+          <a:p>
+            <a:r>
+              <a:rPr lang="nb-NO" dirty="0" err="1"/>
+              <a:t>Next</a:t>
+            </a:r>
+            <a:r>
+              <a:rPr lang="nb-NO" dirty="0"/>
+              <a:t> </a:t>
+            </a:r>
+            <a:r>
+              <a:rPr lang="nb-NO" dirty="0" err="1"/>
+              <a:t>Generation</a:t>
+            </a:r>
+            <a:r>
+              <a:rPr lang="nb-NO" dirty="0"/>
+              <a:t> </a:t>
+            </a:r>
+            <a:r>
+              <a:rPr lang="nb-NO" dirty="0" err="1"/>
+              <a:t>Sequencing</a:t>
+            </a:r>
+            <a:endParaRPr lang="nb-NO" dirty="0"/>
+          </a:p>
+        </p:txBody>
+      </p:sp>
+      <p:sp>
+        <p:nvSpPr>
+          <p:cNvPr id="3" name="Content Placeholder 2">
+            <a:extLst>
+              <a:ext uri="{FF2B5EF4-FFF2-40B4-BE49-F238E27FC236}">
+                <a16:creationId xmlns:a16="http://schemas.microsoft.com/office/drawing/2014/main" id="{AFBE543D-0669-424E-B35B-F065CC082098}"/>
+              </a:ext>
+            </a:extLst>
+          </p:cNvPr>
+          <p:cNvSpPr>
+            <a:spLocks noGrp="1"/>
+          </p:cNvSpPr>
+          <p:nvPr>
+            <p:ph idx="1"/>
+          </p:nvPr>
+        </p:nvSpPr>
+        <p:spPr>
+          <a:xfrm>
+            <a:off x="232610" y="1578020"/>
+            <a:ext cx="10363200" cy="4758771"/>
+          </a:xfrm>
+        </p:spPr>
+        <p:txBody>
+          <a:bodyPr>
+            <a:noAutofit/>
+          </a:bodyPr>
+          <a:lstStyle/>
+          <a:p>
+            <a:r>
+              <a:rPr lang="nb-NO" sz="2800" b="1" dirty="0" err="1"/>
+              <a:t>Massively</a:t>
+            </a:r>
+            <a:r>
+              <a:rPr lang="nb-NO" sz="2800" b="1" dirty="0"/>
+              <a:t> </a:t>
+            </a:r>
+            <a:r>
+              <a:rPr lang="nb-NO" sz="2800" b="1" dirty="0" err="1"/>
+              <a:t>parallel</a:t>
+            </a:r>
+            <a:r>
+              <a:rPr lang="nb-NO" sz="2800" b="1" dirty="0"/>
+              <a:t> </a:t>
+            </a:r>
+            <a:r>
+              <a:rPr lang="nb-NO" sz="2800" b="1" dirty="0" err="1"/>
+              <a:t>sequencing</a:t>
+            </a:r>
+            <a:r>
+              <a:rPr lang="nb-NO" sz="2800" b="1" dirty="0"/>
+              <a:t> </a:t>
+            </a:r>
+            <a:r>
+              <a:rPr lang="nb-NO" sz="2800" b="1" dirty="0" err="1"/>
+              <a:t>technology</a:t>
+            </a:r>
+            <a:r>
+              <a:rPr lang="nb-NO" sz="2800" b="1" dirty="0"/>
+              <a:t>, used to </a:t>
+            </a:r>
+            <a:r>
+              <a:rPr lang="nb-NO" sz="2800" b="1" dirty="0" err="1"/>
+              <a:t>determine</a:t>
+            </a:r>
+            <a:r>
+              <a:rPr lang="nb-NO" sz="2800" b="1" dirty="0"/>
+              <a:t> order </a:t>
+            </a:r>
+            <a:r>
+              <a:rPr lang="nb-NO" sz="2800" b="1" dirty="0" err="1"/>
+              <a:t>of</a:t>
+            </a:r>
+            <a:r>
+              <a:rPr lang="nb-NO" sz="2800" b="1" dirty="0"/>
+              <a:t> </a:t>
+            </a:r>
+            <a:r>
+              <a:rPr lang="nb-NO" sz="2800" b="1" dirty="0" err="1"/>
+              <a:t>nucleotides</a:t>
+            </a:r>
+            <a:r>
+              <a:rPr lang="nb-NO" sz="2800" b="1" dirty="0"/>
+              <a:t> in </a:t>
+            </a:r>
+            <a:r>
+              <a:rPr lang="nb-NO" sz="2800" b="1" dirty="0" err="1"/>
+              <a:t>entire</a:t>
+            </a:r>
+            <a:r>
+              <a:rPr lang="nb-NO" sz="2800" b="1" dirty="0"/>
+              <a:t> </a:t>
+            </a:r>
+            <a:r>
+              <a:rPr lang="nb-NO" sz="2800" b="1" dirty="0" err="1"/>
+              <a:t>genomes</a:t>
+            </a:r>
+            <a:r>
+              <a:rPr lang="nb-NO" sz="2800" b="1" dirty="0"/>
+              <a:t> or </a:t>
+            </a:r>
+            <a:r>
+              <a:rPr lang="nb-NO" sz="2800" b="1" dirty="0" err="1"/>
+              <a:t>targeted</a:t>
+            </a:r>
+            <a:r>
+              <a:rPr lang="nb-NO" sz="2800" b="1" dirty="0"/>
+              <a:t> regions </a:t>
+            </a:r>
+            <a:r>
+              <a:rPr lang="nb-NO" sz="2800" b="1" dirty="0" err="1"/>
+              <a:t>of</a:t>
+            </a:r>
+            <a:r>
+              <a:rPr lang="nb-NO" sz="2800" b="1" dirty="0"/>
+              <a:t> DNA/RNA</a:t>
+            </a:r>
+          </a:p>
+          <a:p>
+            <a:r>
+              <a:rPr lang="nb-NO" sz="2800" dirty="0" err="1"/>
+              <a:t>Answers</a:t>
+            </a:r>
+            <a:r>
+              <a:rPr lang="nb-NO" sz="2800" dirty="0"/>
+              <a:t> questions </a:t>
+            </a:r>
+            <a:r>
+              <a:rPr lang="nb-NO" sz="2800" dirty="0" err="1"/>
+              <a:t>such</a:t>
+            </a:r>
+            <a:r>
+              <a:rPr lang="nb-NO" sz="2800" dirty="0"/>
+              <a:t> as – </a:t>
+            </a:r>
+            <a:r>
+              <a:rPr lang="nb-NO" sz="2800" b="1" dirty="0" err="1"/>
+              <a:t>What’s</a:t>
+            </a:r>
+            <a:r>
+              <a:rPr lang="nb-NO" sz="2800" b="1" dirty="0"/>
+              <a:t> all </a:t>
+            </a:r>
+            <a:r>
+              <a:rPr lang="nb-NO" sz="2800" b="1" dirty="0" err="1"/>
+              <a:t>involved</a:t>
+            </a:r>
+            <a:r>
+              <a:rPr lang="nb-NO" sz="2800" b="1" dirty="0"/>
+              <a:t>? </a:t>
+            </a:r>
+            <a:r>
+              <a:rPr lang="nb-NO" sz="2800" b="1" dirty="0" err="1"/>
+              <a:t>What’s</a:t>
+            </a:r>
+            <a:r>
+              <a:rPr lang="nb-NO" sz="2800" b="1" dirty="0"/>
+              <a:t> </a:t>
+            </a:r>
+            <a:r>
+              <a:rPr lang="nb-NO" sz="2800" b="1" dirty="0" err="1"/>
+              <a:t>the</a:t>
+            </a:r>
+            <a:r>
+              <a:rPr lang="nb-NO" sz="2800" b="1" dirty="0"/>
+              <a:t> basis?</a:t>
+            </a:r>
+          </a:p>
+          <a:p>
+            <a:r>
+              <a:rPr lang="nb-NO" sz="2800" dirty="0"/>
+              <a:t>Good </a:t>
+            </a:r>
+            <a:r>
+              <a:rPr lang="nb-NO" sz="2800" dirty="0" err="1"/>
+              <a:t>Quality</a:t>
+            </a:r>
+            <a:r>
+              <a:rPr lang="nb-NO" sz="2800" dirty="0"/>
+              <a:t>, </a:t>
+            </a:r>
+            <a:r>
+              <a:rPr lang="nb-NO" sz="2800" dirty="0" err="1"/>
+              <a:t>high</a:t>
+            </a:r>
+            <a:r>
+              <a:rPr lang="nb-NO" sz="2800" dirty="0"/>
+              <a:t> </a:t>
+            </a:r>
+            <a:r>
+              <a:rPr lang="nb-NO" sz="2800" dirty="0" err="1"/>
+              <a:t>robustness</a:t>
+            </a:r>
+            <a:r>
+              <a:rPr lang="nb-NO" sz="2800" dirty="0"/>
+              <a:t> and </a:t>
+            </a:r>
+            <a:r>
+              <a:rPr lang="nb-NO" sz="2800" dirty="0" err="1"/>
+              <a:t>low</a:t>
+            </a:r>
+            <a:r>
+              <a:rPr lang="nb-NO" sz="2800" dirty="0"/>
+              <a:t> </a:t>
+            </a:r>
+            <a:r>
+              <a:rPr lang="nb-NO" sz="2800" dirty="0" err="1"/>
+              <a:t>noise</a:t>
+            </a:r>
+            <a:endParaRPr lang="nb-NO" sz="2800" dirty="0"/>
+          </a:p>
+          <a:p>
+            <a:r>
+              <a:rPr lang="nb-NO" sz="2800" dirty="0" err="1"/>
+              <a:t>Example</a:t>
+            </a:r>
+            <a:r>
+              <a:rPr lang="nb-NO" sz="2800" dirty="0"/>
+              <a:t>- </a:t>
+            </a:r>
+            <a:r>
+              <a:rPr lang="nb-NO" sz="2800" dirty="0" err="1"/>
+              <a:t>Illumina</a:t>
+            </a:r>
+            <a:r>
+              <a:rPr lang="nb-NO" sz="2800" dirty="0"/>
+              <a:t> </a:t>
+            </a:r>
+            <a:r>
+              <a:rPr lang="nb-NO" sz="2800" dirty="0" err="1"/>
+              <a:t>sequence</a:t>
+            </a:r>
+            <a:r>
+              <a:rPr lang="nb-NO" sz="2800" dirty="0"/>
+              <a:t> </a:t>
+            </a:r>
+            <a:r>
+              <a:rPr lang="nb-NO" sz="2800" dirty="0" err="1"/>
+              <a:t>technology</a:t>
+            </a:r>
+            <a:endParaRPr lang="nb-NO" sz="2800" dirty="0"/>
+          </a:p>
+        </p:txBody>
+      </p:sp>
+      <p:sp>
+        <p:nvSpPr>
+          <p:cNvPr id="5" name="TextBox 4">
+            <a:extLst>
+              <a:ext uri="{FF2B5EF4-FFF2-40B4-BE49-F238E27FC236}">
+                <a16:creationId xmlns:a16="http://schemas.microsoft.com/office/drawing/2014/main" id="{5AD9D2E0-0325-47A7-8477-6CD858397471}"/>
+              </a:ext>
+            </a:extLst>
+          </p:cNvPr>
+          <p:cNvSpPr txBox="1"/>
+          <p:nvPr/>
+        </p:nvSpPr>
+        <p:spPr>
+          <a:xfrm>
+            <a:off x="7996517" y="6611779"/>
+            <a:ext cx="4195483" cy="246221"/>
+          </a:xfrm>
+          <a:prstGeom prst="rect">
+            <a:avLst/>
+          </a:prstGeom>
+          <a:noFill/>
+        </p:spPr>
+        <p:txBody>
+          <a:bodyPr wrap="square">
+            <a:spAutoFit/>
+          </a:bodyPr>
+          <a:lstStyle/>
+          <a:p>
+            <a:r>
+              <a:rPr lang="nb-NO" sz="1000" dirty="0"/>
+              <a:t>https://www.sciencedirect.com/science/article/pii/S092544391400180X</a:t>
+            </a:r>
+          </a:p>
+        </p:txBody>
+      </p:sp>
+    </p:spTree>
+    <p:extLst>
+      <p:ext uri="{BB962C8B-B14F-4D97-AF65-F5344CB8AC3E}">
+        <p14:creationId xmlns:p14="http://schemas.microsoft.com/office/powerpoint/2010/main" val="603825204"/>
+      </p:ext>
+    </p:extLst>
+  </p:cSld>
+  <p:clrMapOvr>
+    <a:masterClrMapping/>
+  </p:clrMapOvr>
+  <p:timing>
+    <p:tnLst>
+      <p:par>
+        <p:cTn id="1" dur="indefinite" restart="never" nodeType="tmRoot">
+          <p:childTnLst>
+            <p:seq concurrent="1" nextAc="seek">
+              <p:cTn id="2" dur="indefinite" nodeType="mainSeq">
+                <p:childTnLst>
+                  <p:par>
+                    <p:cTn id="3" fill="hold">
+                      <p:stCondLst>
+                        <p:cond delay="indefinite"/>
+                      </p:stCondLst>
+                      <p:childTnLst>
+                        <p:par>
+                          <p:cTn id="4" fill="hold">
+                            <p:stCondLst>
+                              <p:cond delay="0"/>
+                            </p:stCondLst>
+                            <p:childTnLst>
+                              <p:par>
+                                <p:cTn id="5" presetID="1" presetClass="entr" presetSubtype="0" fill="hold" grpId="0" nodeType="clickEffect">
+                                  <p:stCondLst>
+                                    <p:cond delay="0"/>
+                                  </p:stCondLst>
+                                  <p:childTnLst>
+                                    <p:set>
+                                      <p:cBhvr>
+                                        <p:cTn id="6" dur="1" fill="hold">
+                                          <p:stCondLst>
+                                            <p:cond delay="0"/>
+                                          </p:stCondLst>
+                                        </p:cTn>
+                                        <p:tgtEl>
+                                          <p:spTgt spid="3">
+                                            <p:txEl>
+                                              <p:pRg st="0" end="0"/>
+                                            </p:txEl>
+                                          </p:spTgt>
+                                        </p:tgtEl>
+                                        <p:attrNameLst>
+                                          <p:attrName>style.visibility</p:attrName>
+                                        </p:attrNameLst>
+                                      </p:cBhvr>
+                                      <p:to>
+                                        <p:strVal val="visible"/>
+                                      </p:to>
+                                    </p:set>
+                                  </p:childTnLst>
+                                </p:cTn>
+                              </p:par>
+                            </p:childTnLst>
+                          </p:cTn>
+                        </p:par>
+                      </p:childTnLst>
+                    </p:cTn>
+                  </p:par>
+                  <p:par>
+                    <p:cTn id="7" fill="hold">
+                      <p:stCondLst>
+                        <p:cond delay="indefinite"/>
+                      </p:stCondLst>
+                      <p:childTnLst>
+                        <p:par>
+                          <p:cTn id="8" fill="hold">
+                            <p:stCondLst>
+                              <p:cond delay="0"/>
+                            </p:stCondLst>
+                            <p:childTnLst>
+                              <p:par>
+                                <p:cTn id="9" presetID="1" presetClass="entr" presetSubtype="0" fill="hold" grpId="0" nodeType="clickEffect">
+                                  <p:stCondLst>
+                                    <p:cond delay="0"/>
+                                  </p:stCondLst>
+                                  <p:childTnLst>
+                                    <p:set>
+                                      <p:cBhvr>
+                                        <p:cTn id="10" dur="1" fill="hold">
+                                          <p:stCondLst>
+                                            <p:cond delay="0"/>
+                                          </p:stCondLst>
+                                        </p:cTn>
+                                        <p:tgtEl>
+                                          <p:spTgt spid="3">
+                                            <p:txEl>
+                                              <p:pRg st="1" end="1"/>
+                                            </p:txEl>
+                                          </p:spTgt>
+                                        </p:tgtEl>
+                                        <p:attrNameLst>
+                                          <p:attrName>style.visibility</p:attrName>
+                                        </p:attrNameLst>
+                                      </p:cBhvr>
+                                      <p:to>
+                                        <p:strVal val="visible"/>
+                                      </p:to>
+                                    </p:set>
+                                  </p:childTnLst>
+                                </p:cTn>
+                              </p:par>
+                            </p:childTnLst>
+                          </p:cTn>
+                        </p:par>
+                      </p:childTnLst>
+                    </p:cTn>
+                  </p:par>
+                  <p:par>
+                    <p:cTn id="11" fill="hold">
+                      <p:stCondLst>
+                        <p:cond delay="indefinite"/>
+                      </p:stCondLst>
+                      <p:childTnLst>
+                        <p:par>
+                          <p:cTn id="12" fill="hold">
+                            <p:stCondLst>
+                              <p:cond delay="0"/>
+                            </p:stCondLst>
+                            <p:childTnLst>
+                              <p:par>
+                                <p:cTn id="13" presetID="1" presetClass="entr" presetSubtype="0" fill="hold" grpId="0" nodeType="clickEffect">
+                                  <p:stCondLst>
+                                    <p:cond delay="0"/>
+                                  </p:stCondLst>
+                                  <p:childTnLst>
+                                    <p:set>
+                                      <p:cBhvr>
+                                        <p:cTn id="14" dur="1" fill="hold">
+                                          <p:stCondLst>
+                                            <p:cond delay="0"/>
+                                          </p:stCondLst>
+                                        </p:cTn>
+                                        <p:tgtEl>
+                                          <p:spTgt spid="3">
+                                            <p:txEl>
+                                              <p:pRg st="2" end="2"/>
+                                            </p:txEl>
+                                          </p:spTgt>
+                                        </p:tgtEl>
+                                        <p:attrNameLst>
+                                          <p:attrName>style.visibility</p:attrName>
+                                        </p:attrNameLst>
+                                      </p:cBhvr>
+                                      <p:to>
+                                        <p:strVal val="visible"/>
+                                      </p:to>
+                                    </p:set>
+                                  </p:childTnLst>
+                                </p:cTn>
+                              </p:par>
+                            </p:childTnLst>
+                          </p:cTn>
+                        </p:par>
+                      </p:childTnLst>
+                    </p:cTn>
+                  </p:par>
+                  <p:par>
+                    <p:cTn id="15" fill="hold">
+                      <p:stCondLst>
+                        <p:cond delay="indefinite"/>
+                      </p:stCondLst>
+                      <p:childTnLst>
+                        <p:par>
+                          <p:cTn id="16" fill="hold">
+                            <p:stCondLst>
+                              <p:cond delay="0"/>
+                            </p:stCondLst>
+                            <p:childTnLst>
+                              <p:par>
+                                <p:cTn id="17" presetID="1" presetClass="entr" presetSubtype="0" fill="hold" grpId="0" nodeType="clickEffect">
+                                  <p:stCondLst>
+                                    <p:cond delay="0"/>
+                                  </p:stCondLst>
+                                  <p:childTnLst>
+                                    <p:set>
+                                      <p:cBhvr>
+                                        <p:cTn id="18" dur="1" fill="hold">
+                                          <p:stCondLst>
+                                            <p:cond delay="0"/>
+                                          </p:stCondLst>
+                                        </p:cTn>
+                                        <p:tgtEl>
+                                          <p:spTgt spid="3">
+                                            <p:txEl>
+                                              <p:pRg st="3" end="3"/>
+                                            </p:txEl>
+                                          </p:spTgt>
+                                        </p:tgtEl>
+                                        <p:attrNameLst>
+                                          <p:attrName>style.visibility</p:attrName>
+                                        </p:attrNameLst>
+                                      </p:cBhvr>
+                                      <p:to>
+                                        <p:strVal val="visible"/>
+                                      </p:to>
+                                    </p:set>
+                                  </p:childTnLst>
+                                </p:cTn>
+                              </p:par>
+                            </p:childTnLst>
+                          </p:cTn>
+                        </p:par>
+                      </p:childTnLst>
+                    </p:cTn>
+                  </p:par>
+                </p:childTnLst>
+              </p:cTn>
+              <p:prevCondLst>
+                <p:cond evt="onPrev" delay="0">
+                  <p:tgtEl>
+                    <p:sldTgt/>
+                  </p:tgtEl>
+                </p:cond>
+              </p:prevCondLst>
+              <p:nextCondLst>
+                <p:cond evt="onNext" delay="0">
+                  <p:tgtEl>
+                    <p:sldTgt/>
+                  </p:tgtEl>
+                </p:cond>
+              </p:nextCondLst>
+            </p:seq>
+          </p:childTnLst>
+        </p:cTn>
+      </p:par>
+    </p:tnLst>
+    <p:bldLst>
+      <p:bldP spid="3" grpId="0" build="p"/>
+    </p:bldLst>
+  </p:timing>
+</p:sld>
+</file>
+
+<file path=ppt/slides/slide7.xml><?xml version="1.0" encoding="utf-8"?>
+<p:sld xmlns:a="http://schemas.openxmlformats.org/drawingml/2006/main" xmlns:r="http://schemas.openxmlformats.org/officeDocument/2006/relationships" xmlns:p="http://schemas.openxmlformats.org/presentationml/2006/main">
+  <p:cSld>
+    <p:spTree>
+      <p:nvGrpSpPr>
+        <p:cNvPr id="1" name=""/>
+        <p:cNvGrpSpPr/>
+        <p:nvPr/>
+      </p:nvGrpSpPr>
+      <p:grpSpPr>
+        <a:xfrm>
+          <a:off x="0" y="0"/>
+          <a:ext cx="0" cy="0"/>
+          <a:chOff x="0" y="0"/>
+          <a:chExt cx="0" cy="0"/>
+        </a:xfrm>
+      </p:grpSpPr>
+      <p:sp>
+        <p:nvSpPr>
+          <p:cNvPr id="2" name="Title 1">
+            <a:extLst>
+              <a:ext uri="{FF2B5EF4-FFF2-40B4-BE49-F238E27FC236}">
+                <a16:creationId xmlns:a16="http://schemas.microsoft.com/office/drawing/2014/main" id="{9815ECD0-2646-411E-B82D-635823F791C4}"/>
+              </a:ext>
+            </a:extLst>
+          </p:cNvPr>
+          <p:cNvSpPr>
+            <a:spLocks noGrp="1"/>
+          </p:cNvSpPr>
+          <p:nvPr>
+            <p:ph type="title"/>
+          </p:nvPr>
+        </p:nvSpPr>
+        <p:spPr>
+          <a:xfrm>
+            <a:off x="264694" y="144379"/>
+            <a:ext cx="10363200" cy="1314443"/>
+          </a:xfrm>
+        </p:spPr>
+        <p:txBody>
+          <a:bodyPr/>
+          <a:lstStyle/>
+          <a:p>
+            <a:r>
+              <a:rPr lang="nb-NO" dirty="0" err="1"/>
+              <a:t>Illumina</a:t>
+            </a:r>
+            <a:r>
+              <a:rPr lang="nb-NO" dirty="0"/>
+              <a:t> </a:t>
+            </a:r>
+            <a:r>
+              <a:rPr lang="nb-NO" dirty="0" err="1"/>
+              <a:t>sequence</a:t>
+            </a:r>
+            <a:r>
+              <a:rPr lang="nb-NO" dirty="0"/>
+              <a:t> </a:t>
+            </a:r>
+            <a:r>
+              <a:rPr lang="nb-NO" dirty="0" err="1"/>
+              <a:t>technology</a:t>
+            </a:r>
+            <a:endParaRPr lang="nb-NO" dirty="0"/>
+          </a:p>
+        </p:txBody>
+      </p:sp>
+      <p:sp>
+        <p:nvSpPr>
+          <p:cNvPr id="3" name="Content Placeholder 2">
+            <a:extLst>
+              <a:ext uri="{FF2B5EF4-FFF2-40B4-BE49-F238E27FC236}">
+                <a16:creationId xmlns:a16="http://schemas.microsoft.com/office/drawing/2014/main" id="{117A3935-8C5C-45C7-A3C6-4B3D8073B85E}"/>
+              </a:ext>
+            </a:extLst>
+          </p:cNvPr>
+          <p:cNvSpPr>
+            <a:spLocks noGrp="1"/>
+          </p:cNvSpPr>
+          <p:nvPr>
+            <p:ph idx="1"/>
+          </p:nvPr>
+        </p:nvSpPr>
+        <p:spPr>
+          <a:xfrm>
+            <a:off x="264694" y="1345411"/>
+            <a:ext cx="8422106" cy="5242776"/>
+          </a:xfrm>
+        </p:spPr>
+        <p:txBody>
+          <a:bodyPr>
+            <a:normAutofit/>
+          </a:bodyPr>
+          <a:lstStyle/>
+          <a:p>
+            <a:r>
+              <a:rPr lang="nb-NO" sz="2800" dirty="0" err="1"/>
+              <a:t>Technique</a:t>
+            </a:r>
+            <a:r>
+              <a:rPr lang="nb-NO" sz="2800" dirty="0"/>
+              <a:t> used to </a:t>
+            </a:r>
+            <a:r>
+              <a:rPr lang="nb-NO" sz="2800" dirty="0" err="1"/>
+              <a:t>determine</a:t>
+            </a:r>
+            <a:r>
+              <a:rPr lang="nb-NO" sz="2800" dirty="0"/>
+              <a:t> series </a:t>
+            </a:r>
+            <a:r>
+              <a:rPr lang="nb-NO" sz="2800" dirty="0" err="1"/>
+              <a:t>of</a:t>
+            </a:r>
+            <a:r>
+              <a:rPr lang="nb-NO" sz="2800" dirty="0"/>
+              <a:t> base pairs in DNA</a:t>
+            </a:r>
+          </a:p>
+          <a:p>
+            <a:r>
+              <a:rPr lang="nb-NO" sz="2800" dirty="0"/>
+              <a:t>Used for </a:t>
+            </a:r>
+            <a:r>
+              <a:rPr lang="nb-NO" sz="2800" dirty="0" err="1"/>
+              <a:t>whole</a:t>
+            </a:r>
+            <a:r>
+              <a:rPr lang="nb-NO" sz="2800" dirty="0"/>
+              <a:t> </a:t>
+            </a:r>
+            <a:r>
+              <a:rPr lang="nb-NO" sz="2800" dirty="0" err="1"/>
+              <a:t>genome</a:t>
+            </a:r>
+            <a:r>
+              <a:rPr lang="nb-NO" sz="2800" dirty="0"/>
+              <a:t> </a:t>
+            </a:r>
+            <a:r>
+              <a:rPr lang="nb-NO" sz="2800" dirty="0" err="1"/>
+              <a:t>sequening</a:t>
+            </a:r>
+            <a:r>
+              <a:rPr lang="nb-NO" sz="2800" dirty="0"/>
+              <a:t>, </a:t>
+            </a:r>
+            <a:r>
+              <a:rPr lang="nb-NO" sz="2800" dirty="0" err="1"/>
+              <a:t>trasncriptome</a:t>
+            </a:r>
+            <a:r>
+              <a:rPr lang="nb-NO" sz="2800" dirty="0"/>
+              <a:t> </a:t>
+            </a:r>
+            <a:r>
+              <a:rPr lang="nb-NO" sz="2800" dirty="0" err="1"/>
+              <a:t>analysis</a:t>
+            </a:r>
+            <a:r>
+              <a:rPr lang="nb-NO" sz="2800" dirty="0"/>
+              <a:t>, </a:t>
+            </a:r>
+            <a:r>
+              <a:rPr lang="nb-NO" sz="2800" dirty="0" err="1"/>
+              <a:t>metagenomics</a:t>
+            </a:r>
+            <a:r>
+              <a:rPr lang="nb-NO" sz="2800" dirty="0"/>
+              <a:t>…….</a:t>
+            </a:r>
+          </a:p>
+          <a:p>
+            <a:r>
+              <a:rPr lang="nb-NO" sz="2800" dirty="0"/>
+              <a:t>All </a:t>
+            </a:r>
+            <a:r>
+              <a:rPr lang="nb-NO" sz="2800" dirty="0" err="1"/>
+              <a:t>steps</a:t>
+            </a:r>
+            <a:r>
+              <a:rPr lang="nb-NO" sz="2800" dirty="0"/>
+              <a:t> </a:t>
+            </a:r>
+            <a:r>
+              <a:rPr lang="nb-NO" sz="2800" dirty="0" err="1"/>
+              <a:t>take</a:t>
+            </a:r>
+            <a:r>
+              <a:rPr lang="nb-NO" sz="2800" dirty="0"/>
+              <a:t> </a:t>
+            </a:r>
+            <a:r>
+              <a:rPr lang="nb-NO" sz="2800" dirty="0" err="1"/>
+              <a:t>place</a:t>
+            </a:r>
+            <a:r>
+              <a:rPr lang="nb-NO" sz="2800" dirty="0"/>
+              <a:t> in a </a:t>
+            </a:r>
+            <a:r>
+              <a:rPr lang="nb-NO" sz="2800" dirty="0" err="1"/>
+              <a:t>flow</a:t>
+            </a:r>
+            <a:r>
+              <a:rPr lang="nb-NO" sz="2800" dirty="0"/>
+              <a:t> </a:t>
+            </a:r>
+            <a:r>
+              <a:rPr lang="nb-NO" sz="2800" dirty="0" err="1"/>
+              <a:t>cell</a:t>
+            </a:r>
+            <a:r>
+              <a:rPr lang="nb-NO" sz="2800" dirty="0"/>
+              <a:t> (a </a:t>
+            </a:r>
+            <a:r>
+              <a:rPr lang="nb-NO" sz="2800" dirty="0" err="1"/>
+              <a:t>channel</a:t>
+            </a:r>
+            <a:r>
+              <a:rPr lang="nb-NO" sz="2800" dirty="0"/>
+              <a:t> for </a:t>
+            </a:r>
+            <a:r>
+              <a:rPr lang="nb-NO" sz="2800" dirty="0" err="1"/>
+              <a:t>adsorbing</a:t>
+            </a:r>
+            <a:r>
+              <a:rPr lang="nb-NO" sz="2800" dirty="0"/>
+              <a:t> DNA fragments).</a:t>
+            </a:r>
+          </a:p>
+          <a:p>
+            <a:r>
+              <a:rPr lang="nb-NO" sz="2800" dirty="0"/>
+              <a:t>Four </a:t>
+            </a:r>
+            <a:r>
+              <a:rPr lang="nb-NO" sz="2800" dirty="0" err="1"/>
+              <a:t>steps</a:t>
+            </a:r>
+            <a:r>
+              <a:rPr lang="nb-NO" sz="2800" dirty="0"/>
+              <a:t> – Sample prep, </a:t>
+            </a:r>
+            <a:r>
+              <a:rPr lang="nb-NO" sz="2800" dirty="0" err="1"/>
+              <a:t>cluster</a:t>
+            </a:r>
+            <a:r>
+              <a:rPr lang="nb-NO" sz="2800" dirty="0"/>
+              <a:t> </a:t>
+            </a:r>
+            <a:r>
+              <a:rPr lang="nb-NO" sz="2800" dirty="0" err="1"/>
+              <a:t>generation</a:t>
+            </a:r>
+            <a:r>
+              <a:rPr lang="nb-NO" sz="2800" dirty="0"/>
+              <a:t>, </a:t>
+            </a:r>
+            <a:r>
+              <a:rPr lang="nb-NO" sz="2800" dirty="0" err="1"/>
+              <a:t>sequencing</a:t>
+            </a:r>
+            <a:r>
+              <a:rPr lang="nb-NO" sz="2800" dirty="0"/>
+              <a:t>, data </a:t>
+            </a:r>
+            <a:r>
+              <a:rPr lang="nb-NO" sz="2800" dirty="0" err="1"/>
+              <a:t>analysis</a:t>
+            </a:r>
+            <a:endParaRPr lang="nb-NO" sz="2800" dirty="0"/>
+          </a:p>
+        </p:txBody>
+      </p:sp>
+      <p:pic>
+        <p:nvPicPr>
+          <p:cNvPr id="1026" name="Picture 2" descr="Patterned Flow Cell Technology">
+            <a:extLst>
+              <a:ext uri="{FF2B5EF4-FFF2-40B4-BE49-F238E27FC236}">
+                <a16:creationId xmlns:a16="http://schemas.microsoft.com/office/drawing/2014/main" id="{E20C0D5D-C2F4-4CC4-A93C-902DDAA15DFF}"/>
+              </a:ext>
+            </a:extLst>
+          </p:cNvPr>
+          <p:cNvPicPr>
+            <a:picLocks noChangeAspect="1" noChangeArrowheads="1"/>
+          </p:cNvPicPr>
+          <p:nvPr/>
+        </p:nvPicPr>
+        <p:blipFill rotWithShape="1">
+          <a:blip r:embed="rId2">
+            <a:extLst>
+              <a:ext uri="{28A0092B-C50C-407E-A947-70E740481C1C}">
+                <a14:useLocalDpi xmlns:a14="http://schemas.microsoft.com/office/drawing/2010/main" val="0"/>
+              </a:ext>
+            </a:extLst>
+          </a:blip>
+          <a:srcRect l="20379" r="19899"/>
+          <a:stretch/>
+        </p:blipFill>
+        <p:spPr bwMode="auto">
+          <a:xfrm>
+            <a:off x="8818994" y="0"/>
+            <a:ext cx="3324859" cy="3592945"/>
+          </a:xfrm>
+          <a:prstGeom prst="rect">
+            <a:avLst/>
+          </a:prstGeom>
+          <a:noFill/>
+          <a:extLst>
+            <a:ext uri="{909E8E84-426E-40DD-AFC4-6F175D3DCCD1}">
+              <a14:hiddenFill xmlns:a14="http://schemas.microsoft.com/office/drawing/2010/main">
+                <a:solidFill>
+                  <a:srgbClr val="FFFFFF"/>
+                </a:solidFill>
+              </a14:hiddenFill>
+            </a:ext>
+          </a:extLst>
+        </p:spPr>
+      </p:pic>
+      <p:sp>
+        <p:nvSpPr>
+          <p:cNvPr id="6" name="TextBox 5">
+            <a:extLst>
+              <a:ext uri="{FF2B5EF4-FFF2-40B4-BE49-F238E27FC236}">
+                <a16:creationId xmlns:a16="http://schemas.microsoft.com/office/drawing/2014/main" id="{4E61DE4C-A67D-4A7F-B11A-6F664811A9C9}"/>
+              </a:ext>
+            </a:extLst>
+          </p:cNvPr>
+          <p:cNvSpPr txBox="1"/>
+          <p:nvPr/>
+        </p:nvSpPr>
+        <p:spPr>
+          <a:xfrm>
+            <a:off x="7888941" y="6588187"/>
+            <a:ext cx="4383741" cy="246221"/>
+          </a:xfrm>
+          <a:prstGeom prst="rect">
+            <a:avLst/>
+          </a:prstGeom>
+          <a:noFill/>
+        </p:spPr>
+        <p:txBody>
+          <a:bodyPr wrap="square">
+            <a:spAutoFit/>
+          </a:bodyPr>
+          <a:lstStyle/>
+          <a:p>
+            <a:r>
+              <a:rPr lang="nb-NO" sz="1000" dirty="0"/>
+              <a:t>https://www.sciencedirect.com/science/article/pii/S092544391400180X</a:t>
+            </a:r>
+          </a:p>
+        </p:txBody>
+      </p:sp>
+    </p:spTree>
+    <p:extLst>
+      <p:ext uri="{BB962C8B-B14F-4D97-AF65-F5344CB8AC3E}">
+        <p14:creationId xmlns:p14="http://schemas.microsoft.com/office/powerpoint/2010/main" val="3322734860"/>
+      </p:ext>
+    </p:extLst>
+  </p:cSld>
+  <p:clrMapOvr>
+    <a:masterClrMapping/>
+  </p:clrMapOvr>
+  <p:timing>
+    <p:tnLst>
+      <p:par>
+        <p:cTn id="1" dur="indefinite" restart="never" nodeType="tmRoot">
+          <p:childTnLst>
+            <p:seq concurrent="1" nextAc="seek">
+              <p:cTn id="2" dur="indefinite" nodeType="mainSeq">
+                <p:childTnLst>
+                  <p:par>
+                    <p:cTn id="3" fill="hold">
+                      <p:stCondLst>
+                        <p:cond delay="indefinite"/>
+                      </p:stCondLst>
+                      <p:childTnLst>
+                        <p:par>
+                          <p:cTn id="4" fill="hold">
+                            <p:stCondLst>
+                              <p:cond delay="0"/>
+                            </p:stCondLst>
+                            <p:childTnLst>
+                              <p:par>
+                                <p:cTn id="5" presetID="1" presetClass="entr" presetSubtype="0" fill="hold" grpId="0" nodeType="clickEffect">
+                                  <p:stCondLst>
+                                    <p:cond delay="0"/>
+                                  </p:stCondLst>
+                                  <p:childTnLst>
+                                    <p:set>
+                                      <p:cBhvr>
+                                        <p:cTn id="6" dur="1" fill="hold">
+                                          <p:stCondLst>
+                                            <p:cond delay="0"/>
+                                          </p:stCondLst>
+                                        </p:cTn>
+                                        <p:tgtEl>
+                                          <p:spTgt spid="3">
+                                            <p:txEl>
+                                              <p:pRg st="0" end="0"/>
+                                            </p:txEl>
+                                          </p:spTgt>
+                                        </p:tgtEl>
+                                        <p:attrNameLst>
+                                          <p:attrName>style.visibility</p:attrName>
+                                        </p:attrNameLst>
+                                      </p:cBhvr>
+                                      <p:to>
+                                        <p:strVal val="visible"/>
+                                      </p:to>
+                                    </p:set>
+                                  </p:childTnLst>
+                                </p:cTn>
+                              </p:par>
+                            </p:childTnLst>
+                          </p:cTn>
+                        </p:par>
+                      </p:childTnLst>
+                    </p:cTn>
+                  </p:par>
+                  <p:par>
+                    <p:cTn id="7" fill="hold">
+                      <p:stCondLst>
+                        <p:cond delay="indefinite"/>
+                      </p:stCondLst>
+                      <p:childTnLst>
+                        <p:par>
+                          <p:cTn id="8" fill="hold">
+                            <p:stCondLst>
+                              <p:cond delay="0"/>
+                            </p:stCondLst>
+                            <p:childTnLst>
+                              <p:par>
+                                <p:cTn id="9" presetID="1" presetClass="entr" presetSubtype="0" fill="hold" grpId="0" nodeType="clickEffect">
+                                  <p:stCondLst>
+                                    <p:cond delay="0"/>
+                                  </p:stCondLst>
+                                  <p:childTnLst>
+                                    <p:set>
+                                      <p:cBhvr>
+                                        <p:cTn id="10" dur="1" fill="hold">
+                                          <p:stCondLst>
+                                            <p:cond delay="0"/>
+                                          </p:stCondLst>
+                                        </p:cTn>
+                                        <p:tgtEl>
+                                          <p:spTgt spid="3">
+                                            <p:txEl>
+                                              <p:pRg st="1" end="1"/>
+                                            </p:txEl>
+                                          </p:spTgt>
+                                        </p:tgtEl>
+                                        <p:attrNameLst>
+                                          <p:attrName>style.visibility</p:attrName>
+                                        </p:attrNameLst>
+                                      </p:cBhvr>
+                                      <p:to>
+                                        <p:strVal val="visible"/>
+                                      </p:to>
+                                    </p:set>
+                                  </p:childTnLst>
+                                </p:cTn>
+                              </p:par>
+                            </p:childTnLst>
+                          </p:cTn>
+                        </p:par>
+                      </p:childTnLst>
+                    </p:cTn>
+                  </p:par>
+                  <p:par>
+                    <p:cTn id="11" fill="hold">
+                      <p:stCondLst>
+                        <p:cond delay="indefinite"/>
+                      </p:stCondLst>
+                      <p:childTnLst>
+                        <p:par>
+                          <p:cTn id="12" fill="hold">
+                            <p:stCondLst>
+                              <p:cond delay="0"/>
+                            </p:stCondLst>
+                            <p:childTnLst>
+                              <p:par>
+                                <p:cTn id="13" presetID="1" presetClass="entr" presetSubtype="0" fill="hold" grpId="0" nodeType="clickEffect">
+                                  <p:stCondLst>
+                                    <p:cond delay="0"/>
+                                  </p:stCondLst>
+                                  <p:childTnLst>
+                                    <p:set>
+                                      <p:cBhvr>
+                                        <p:cTn id="14" dur="1" fill="hold">
+                                          <p:stCondLst>
+                                            <p:cond delay="0"/>
+                                          </p:stCondLst>
+                                        </p:cTn>
+                                        <p:tgtEl>
+                                          <p:spTgt spid="3">
+                                            <p:txEl>
+                                              <p:pRg st="2" end="2"/>
+                                            </p:txEl>
+                                          </p:spTgt>
+                                        </p:tgtEl>
+                                        <p:attrNameLst>
+                                          <p:attrName>style.visibility</p:attrName>
+                                        </p:attrNameLst>
+                                      </p:cBhvr>
+                                      <p:to>
+                                        <p:strVal val="visible"/>
+                                      </p:to>
+                                    </p:set>
+                                  </p:childTnLst>
+                                </p:cTn>
+                              </p:par>
+                            </p:childTnLst>
+                          </p:cTn>
+                        </p:par>
+                      </p:childTnLst>
+                    </p:cTn>
+                  </p:par>
+                  <p:par>
+                    <p:cTn id="15" fill="hold">
+                      <p:stCondLst>
+                        <p:cond delay="indefinite"/>
+                      </p:stCondLst>
+                      <p:childTnLst>
+                        <p:par>
+                          <p:cTn id="16" fill="hold">
+                            <p:stCondLst>
+                              <p:cond delay="0"/>
+                            </p:stCondLst>
+                            <p:childTnLst>
+                              <p:par>
+                                <p:cTn id="17" presetID="1" presetClass="entr" presetSubtype="0" fill="hold" grpId="0" nodeType="clickEffect">
+                                  <p:stCondLst>
+                                    <p:cond delay="0"/>
+                                  </p:stCondLst>
+                                  <p:childTnLst>
+                                    <p:set>
+                                      <p:cBhvr>
+                                        <p:cTn id="18" dur="1" fill="hold">
+                                          <p:stCondLst>
+                                            <p:cond delay="0"/>
+                                          </p:stCondLst>
+                                        </p:cTn>
+                                        <p:tgtEl>
+                                          <p:spTgt spid="3">
+                                            <p:txEl>
+                                              <p:pRg st="3" end="3"/>
+                                            </p:txEl>
+                                          </p:spTgt>
+                                        </p:tgtEl>
+                                        <p:attrNameLst>
+                                          <p:attrName>style.visibility</p:attrName>
+                                        </p:attrNameLst>
+                                      </p:cBhvr>
+                                      <p:to>
+                                        <p:strVal val="visible"/>
+                                      </p:to>
+                                    </p:set>
+                                  </p:childTnLst>
+                                </p:cTn>
+                              </p:par>
+                            </p:childTnLst>
+                          </p:cTn>
+                        </p:par>
+                      </p:childTnLst>
+                    </p:cTn>
+                  </p:par>
+                </p:childTnLst>
+              </p:cTn>
+              <p:prevCondLst>
+                <p:cond evt="onPrev" delay="0">
+                  <p:tgtEl>
+                    <p:sldTgt/>
+                  </p:tgtEl>
+                </p:cond>
+              </p:prevCondLst>
+              <p:nextCondLst>
+                <p:cond evt="onNext" delay="0">
+                  <p:tgtEl>
+                    <p:sldTgt/>
+                  </p:tgtEl>
+                </p:cond>
+              </p:nextCondLst>
+            </p:seq>
+          </p:childTnLst>
+        </p:cTn>
+      </p:par>
+    </p:tnLst>
+    <p:bldLst>
+      <p:bldP spid="3" grpId="0" build="p"/>
+    </p:bldLst>
+  </p:timing>
+</p:sld>
+</file>
+
+<file path=ppt/slides/slide8.xml><?xml version="1.0" encoding="utf-8"?>
+<p:sld xmlns:a="http://schemas.openxmlformats.org/drawingml/2006/main" xmlns:r="http://schemas.openxmlformats.org/officeDocument/2006/relationships" xmlns:p="http://schemas.openxmlformats.org/presentationml/2006/main">
+  <p:cSld>
+    <p:bg>
+      <p:bgPr>
+        <a:solidFill>
+          <a:schemeClr val="bg1"/>
+        </a:solidFill>
+        <a:effectLst/>
+      </p:bgPr>
+    </p:bg>
+    <p:spTree>
+      <p:nvGrpSpPr>
+        <p:cNvPr id="1" name=""/>
+        <p:cNvGrpSpPr/>
+        <p:nvPr/>
+      </p:nvGrpSpPr>
+      <p:grpSpPr>
+        <a:xfrm>
+          <a:off x="0" y="0"/>
+          <a:ext cx="0" cy="0"/>
+          <a:chOff x="0" y="0"/>
+          <a:chExt cx="0" cy="0"/>
+        </a:xfrm>
+      </p:grpSpPr>
+      <p:cxnSp>
+        <p:nvCxnSpPr>
+          <p:cNvPr id="9" name="Straight Connector 8">
+            <a:extLst>
+              <a:ext uri="{FF2B5EF4-FFF2-40B4-BE49-F238E27FC236}">
+                <a16:creationId xmlns:a16="http://schemas.microsoft.com/office/drawing/2014/main" id="{F209B62C-3402-4623-9A7C-AA048B56F8C3}"/>
+              </a:ext>
+              <a:ext uri="{C183D7F6-B498-43B3-948B-1728B52AA6E4}">
+                <adec:decorative xmlns:adec="http://schemas.microsoft.com/office/drawing/2017/decorative" val="1"/>
+              </a:ext>
+            </a:extLst>
+          </p:cNvPr>
+          <p:cNvCxnSpPr>
+            <a:cxnSpLocks noGrp="1" noRot="1" noChangeAspect="1" noMove="1" noResize="1" noEditPoints="1" noAdjustHandles="1" noChangeArrowheads="1" noChangeShapeType="1"/>
+          </p:cNvCxnSpPr>
+          <p:nvPr>
+            <p:extLst>
+              <p:ext uri="{386F3935-93C4-4BCD-93E2-E3B085C9AB24}">
+                <p16:designElem xmlns:p16="http://schemas.microsoft.com/office/powerpoint/2015/main" val="1"/>
+              </p:ext>
+            </p:extLst>
+          </p:nvPr>
+        </p:nvCxnSpPr>
+        <p:spPr>
+          <a:xfrm>
+            <a:off x="990600" y="1031001"/>
+            <a:ext cx="978862" cy="0"/>
+          </a:xfrm>
+          <a:prstGeom prst="line">
+            <a:avLst/>
+          </a:prstGeom>
+          <a:ln w="76200"/>
+        </p:spPr>
+        <p:style>
+          <a:lnRef idx="1">
+            <a:schemeClr val="accent1"/>
+          </a:lnRef>
+          <a:fillRef idx="0">
+            <a:schemeClr val="accent1"/>
+          </a:fillRef>
+          <a:effectRef idx="0">
+            <a:schemeClr val="accent1"/>
+          </a:effectRef>
+          <a:fontRef idx="minor">
+            <a:schemeClr val="tx1"/>
+          </a:fontRef>
+        </p:style>
+      </p:cxnSp>
+      <p:sp useBgFill="1">
+        <p:nvSpPr>
+          <p:cNvPr id="11" name="Rectangle 10">
+            <a:extLst>
+              <a:ext uri="{FF2B5EF4-FFF2-40B4-BE49-F238E27FC236}">
+                <a16:creationId xmlns:a16="http://schemas.microsoft.com/office/drawing/2014/main" id="{19F9BF86-FE94-4517-B97D-026C7515E589}"/>
+              </a:ext>
+              <a:ext uri="{C183D7F6-B498-43B3-948B-1728B52AA6E4}">
+                <adec:decorative xmlns:adec="http://schemas.microsoft.com/office/drawing/2017/decorative" val="1"/>
+              </a:ext>
+            </a:extLst>
+          </p:cNvPr>
+          <p:cNvSpPr>
+            <a:spLocks noGrp="1" noRot="1" noChangeAspect="1" noMove="1" noResize="1" noEditPoints="1" noAdjustHandles="1" noChangeArrowheads="1" noChangeShapeType="1" noTextEdit="1"/>
+          </p:cNvSpPr>
+          <p:nvPr>
+            <p:extLst>
+              <p:ext uri="{386F3935-93C4-4BCD-93E2-E3B085C9AB24}">
+                <p16:designElem xmlns:p16="http://schemas.microsoft.com/office/powerpoint/2015/main" val="1"/>
+              </p:ext>
+            </p:extLst>
+          </p:nvPr>
+        </p:nvSpPr>
+        <p:spPr>
+          <a:xfrm>
+            <a:off x="0" y="0"/>
+            <a:ext cx="12192000" cy="6858000"/>
+          </a:xfrm>
+          <a:prstGeom prst="rect">
+            <a:avLst/>
+          </a:prstGeom>
+          <a:ln w="12700" cap="flat" cmpd="sng" algn="ctr">
+            <a:noFill/>
+            <a:prstDash val="solid"/>
+            <a:miter lim="800000"/>
+          </a:ln>
+          <a:effectLst/>
+          <a:extLst>
+            <a:ext uri="{91240B29-F687-4F45-9708-019B960494DF}">
+              <a14:hiddenLine xmlns:a14="http://schemas.microsoft.com/office/drawing/2010/main" w="12700" cap="flat" cmpd="sng" algn="ctr">
+                <a:solidFill>
+                  <a:schemeClr val="accent1">
+                    <a:shade val="50000"/>
+                  </a:schemeClr>
+                </a:solidFill>
+                <a:prstDash val="solid"/>
+                <a:miter lim="800000"/>
+              </a14:hiddenLine>
+            </a:ext>
+          </a:extLst>
+        </p:spPr>
+        <p:style>
+          <a:lnRef idx="2">
+            <a:schemeClr val="accent1">
+              <a:shade val="50000"/>
+            </a:schemeClr>
+          </a:lnRef>
+          <a:fillRef idx="1">
+            <a:schemeClr val="accent1"/>
+          </a:fillRef>
+          <a:effectRef idx="0">
+            <a:schemeClr val="accent1"/>
+          </a:effectRef>
+          <a:fontRef idx="minor">
+            <a:schemeClr val="lt1"/>
+          </a:fontRef>
+        </p:style>
+        <p:txBody>
+          <a:bodyPr rtlCol="0" anchor="ctr"/>
+          <a:lstStyle/>
+          <a:p>
+            <a:pPr algn="ctr"/>
+            <a:endParaRPr lang="en-US"/>
+          </a:p>
+        </p:txBody>
+      </p:sp>
+      <p:pic>
+        <p:nvPicPr>
+          <p:cNvPr id="5" name="Picture 4" descr="DNA render">
+            <a:extLst>
+              <a:ext uri="{FF2B5EF4-FFF2-40B4-BE49-F238E27FC236}">
+                <a16:creationId xmlns:a16="http://schemas.microsoft.com/office/drawing/2014/main" id="{D56AE74C-E443-4E06-B3BA-7B0524222161}"/>
+              </a:ext>
+            </a:extLst>
+          </p:cNvPr>
+          <p:cNvPicPr>
+            <a:picLocks noChangeAspect="1"/>
+          </p:cNvPicPr>
+          <p:nvPr/>
+        </p:nvPicPr>
+        <p:blipFill rotWithShape="1">
+          <a:blip r:embed="rId3">
+            <a:alphaModFix/>
+          </a:blip>
+          <a:srcRect/>
+          <a:stretch/>
+        </p:blipFill>
+        <p:spPr>
+          <a:xfrm>
+            <a:off x="21" y="0"/>
+            <a:ext cx="12191979" cy="6857990"/>
+          </a:xfrm>
+          <a:prstGeom prst="rect">
+            <a:avLst/>
+          </a:prstGeom>
+        </p:spPr>
+      </p:pic>
+      <p:sp>
+        <p:nvSpPr>
+          <p:cNvPr id="13" name="Rectangle 12">
+            <a:extLst>
+              <a:ext uri="{FF2B5EF4-FFF2-40B4-BE49-F238E27FC236}">
+                <a16:creationId xmlns:a16="http://schemas.microsoft.com/office/drawing/2014/main" id="{1DEDA826-0CC6-45C8-B90F-CB99E02CFB47}"/>
+              </a:ext>
+              <a:ext uri="{C183D7F6-B498-43B3-948B-1728B52AA6E4}">
+                <adec:decorative xmlns:adec="http://schemas.microsoft.com/office/drawing/2017/decorative" val="1"/>
+              </a:ext>
+            </a:extLst>
+          </p:cNvPr>
+          <p:cNvSpPr>
+            <a:spLocks noGrp="1" noRot="1" noChangeAspect="1" noMove="1" noResize="1" noEditPoints="1" noAdjustHandles="1" noChangeArrowheads="1" noChangeShapeType="1" noTextEdit="1"/>
+          </p:cNvSpPr>
+          <p:nvPr>
+            <p:extLst>
+              <p:ext uri="{386F3935-93C4-4BCD-93E2-E3B085C9AB24}">
+                <p16:designElem xmlns:p16="http://schemas.microsoft.com/office/powerpoint/2015/main" val="1"/>
+              </p:ext>
+            </p:extLst>
+          </p:nvPr>
+        </p:nvSpPr>
+        <p:spPr>
+          <a:xfrm>
+            <a:off x="-406" y="0"/>
+            <a:ext cx="8543515" cy="6858000"/>
+          </a:xfrm>
+          <a:prstGeom prst="rect">
+            <a:avLst/>
+          </a:prstGeom>
+          <a:gradFill flip="none" rotWithShape="1">
+            <a:gsLst>
+              <a:gs pos="0">
+                <a:srgbClr val="000000">
+                  <a:alpha val="0"/>
+                </a:srgbClr>
+              </a:gs>
+              <a:gs pos="58000">
+                <a:srgbClr val="000000">
+                  <a:alpha val="55000"/>
+                </a:srgbClr>
+              </a:gs>
+              <a:gs pos="93000">
+                <a:srgbClr val="000000">
+                  <a:alpha val="64000"/>
+                </a:srgbClr>
+              </a:gs>
+            </a:gsLst>
+            <a:lin ang="10800000" scaled="1"/>
+            <a:tileRect/>
+          </a:gradFill>
+          <a:ln>
+            <a:noFill/>
+          </a:ln>
+        </p:spPr>
+        <p:style>
+          <a:lnRef idx="2">
+            <a:schemeClr val="accent1">
+              <a:shade val="50000"/>
+            </a:schemeClr>
+          </a:lnRef>
+          <a:fillRef idx="1">
+            <a:schemeClr val="accent1"/>
+          </a:fillRef>
+          <a:effectRef idx="0">
+            <a:schemeClr val="accent1"/>
+          </a:effectRef>
+          <a:fontRef idx="minor">
+            <a:schemeClr val="lt1"/>
+          </a:fontRef>
+        </p:style>
+        <p:txBody>
+          <a:bodyPr rtlCol="0" anchor="ctr"/>
+          <a:lstStyle/>
+          <a:p>
+            <a:pPr algn="ctr"/>
+            <a:endParaRPr lang="en-US"/>
+          </a:p>
+        </p:txBody>
+      </p:sp>
+      <p:sp>
+        <p:nvSpPr>
+          <p:cNvPr id="2" name="Title 1">
+            <a:extLst>
+              <a:ext uri="{FF2B5EF4-FFF2-40B4-BE49-F238E27FC236}">
+                <a16:creationId xmlns:a16="http://schemas.microsoft.com/office/drawing/2014/main" id="{4D84AFFE-4FAF-4E82-877A-FD8EDB55B193}"/>
+              </a:ext>
+            </a:extLst>
+          </p:cNvPr>
+          <p:cNvSpPr>
+            <a:spLocks noGrp="1"/>
+          </p:cNvSpPr>
+          <p:nvPr>
+            <p:ph type="title"/>
+          </p:nvPr>
+        </p:nvSpPr>
+        <p:spPr>
+          <a:xfrm>
+            <a:off x="200025" y="138116"/>
+            <a:ext cx="4761571" cy="790569"/>
+          </a:xfrm>
+        </p:spPr>
+        <p:txBody>
+          <a:bodyPr vert="horz" lIns="91440" tIns="45720" rIns="91440" bIns="45720" rtlCol="0" anchor="b">
+            <a:normAutofit/>
+          </a:bodyPr>
+          <a:lstStyle/>
+          <a:p>
+            <a:r>
+              <a:rPr lang="en-US" dirty="0">
+                <a:solidFill>
+                  <a:srgbClr val="FFFFFF"/>
+                </a:solidFill>
+              </a:rPr>
+              <a:t>Illumina sequencing</a:t>
+            </a:r>
+          </a:p>
+        </p:txBody>
+      </p:sp>
+      <p:cxnSp>
+        <p:nvCxnSpPr>
+          <p:cNvPr id="15" name="Straight Connector 14">
+            <a:extLst>
+              <a:ext uri="{FF2B5EF4-FFF2-40B4-BE49-F238E27FC236}">
+                <a16:creationId xmlns:a16="http://schemas.microsoft.com/office/drawing/2014/main" id="{23DDA327-270B-43AF-BDBD-2EB50E83E222}"/>
+              </a:ext>
+              <a:ext uri="{C183D7F6-B498-43B3-948B-1728B52AA6E4}">
+                <adec:decorative xmlns:adec="http://schemas.microsoft.com/office/drawing/2017/decorative" val="1"/>
+              </a:ext>
+            </a:extLst>
+          </p:cNvPr>
+          <p:cNvCxnSpPr>
+            <a:cxnSpLocks noGrp="1" noRot="1" noChangeAspect="1" noMove="1" noResize="1" noEditPoints="1" noAdjustHandles="1" noChangeArrowheads="1" noChangeShapeType="1"/>
+          </p:cNvCxnSpPr>
+          <p:nvPr>
+            <p:extLst>
+              <p:ext uri="{386F3935-93C4-4BCD-93E2-E3B085C9AB24}">
+                <p16:designElem xmlns:p16="http://schemas.microsoft.com/office/powerpoint/2015/main" val="1"/>
+              </p:ext>
+            </p:extLst>
+          </p:nvPr>
+        </p:nvCxnSpPr>
+        <p:spPr>
+          <a:xfrm>
+            <a:off x="990600" y="1031001"/>
+            <a:ext cx="978862" cy="0"/>
+          </a:xfrm>
+          <a:prstGeom prst="line">
+            <a:avLst/>
+          </a:prstGeom>
+          <a:ln w="76200"/>
+        </p:spPr>
+        <p:style>
+          <a:lnRef idx="1">
+            <a:schemeClr val="accent1"/>
+          </a:lnRef>
+          <a:fillRef idx="0">
+            <a:schemeClr val="accent1"/>
+          </a:fillRef>
+          <a:effectRef idx="0">
+            <a:schemeClr val="accent1"/>
+          </a:effectRef>
+          <a:fontRef idx="minor">
+            <a:schemeClr val="tx1"/>
+          </a:fontRef>
+        </p:style>
+      </p:cxnSp>
+      <p:sp>
+        <p:nvSpPr>
+          <p:cNvPr id="6" name="TextBox 5">
+            <a:extLst>
+              <a:ext uri="{FF2B5EF4-FFF2-40B4-BE49-F238E27FC236}">
+                <a16:creationId xmlns:a16="http://schemas.microsoft.com/office/drawing/2014/main" id="{E5723ECA-DD95-454F-AEBA-3C2455F82852}"/>
+              </a:ext>
+            </a:extLst>
+          </p:cNvPr>
+          <p:cNvSpPr txBox="1"/>
+          <p:nvPr/>
+        </p:nvSpPr>
+        <p:spPr>
+          <a:xfrm>
+            <a:off x="858253" y="6017473"/>
+            <a:ext cx="5959642" cy="646331"/>
+          </a:xfrm>
+          <a:prstGeom prst="rect">
+            <a:avLst/>
+          </a:prstGeom>
+          <a:noFill/>
+        </p:spPr>
+        <p:txBody>
+          <a:bodyPr wrap="square" rtlCol="0">
+            <a:spAutoFit/>
+          </a:bodyPr>
+          <a:lstStyle/>
+          <a:p>
+            <a:endParaRPr lang="nb-NO" dirty="0">
+              <a:solidFill>
+                <a:schemeClr val="accent2">
+                  <a:lumMod val="75000"/>
+                </a:schemeClr>
+              </a:solidFill>
+            </a:endParaRPr>
+          </a:p>
+          <a:p>
+            <a:endParaRPr lang="nb-NO" dirty="0"/>
+          </a:p>
+        </p:txBody>
+      </p:sp>
+      <p:pic>
+        <p:nvPicPr>
+          <p:cNvPr id="3" name="Online Media 2" title="Illumina Sequencing by Synthesis">
+            <a:hlinkClick r:id="" action="ppaction://media"/>
+            <a:extLst>
+              <a:ext uri="{FF2B5EF4-FFF2-40B4-BE49-F238E27FC236}">
+                <a16:creationId xmlns:a16="http://schemas.microsoft.com/office/drawing/2014/main" id="{E6319B32-18CB-42A1-A520-B4F7D5C952A8}"/>
+              </a:ext>
+            </a:extLst>
+          </p:cNvPr>
+          <p:cNvPicPr>
+            <a:picLocks noRot="1" noChangeAspect="1"/>
+          </p:cNvPicPr>
+          <p:nvPr>
+            <a:videoFile r:link="rId1"/>
+          </p:nvPr>
+        </p:nvPicPr>
+        <p:blipFill>
+          <a:blip r:embed="rId4"/>
+          <a:stretch>
+            <a:fillRect/>
+          </a:stretch>
+        </p:blipFill>
+        <p:spPr>
+          <a:xfrm>
+            <a:off x="3085034" y="2110618"/>
+            <a:ext cx="5338111" cy="3016034"/>
+          </a:xfrm>
+          <a:prstGeom prst="rect">
+            <a:avLst/>
+          </a:prstGeom>
+        </p:spPr>
+      </p:pic>
+      <p:sp>
+        <p:nvSpPr>
+          <p:cNvPr id="4" name="TextBox 3">
+            <a:extLst>
+              <a:ext uri="{FF2B5EF4-FFF2-40B4-BE49-F238E27FC236}">
+                <a16:creationId xmlns:a16="http://schemas.microsoft.com/office/drawing/2014/main" id="{694C4A3F-6DD9-433D-9C34-971811E2C8D3}"/>
+              </a:ext>
+            </a:extLst>
+          </p:cNvPr>
+          <p:cNvSpPr txBox="1"/>
+          <p:nvPr/>
+        </p:nvSpPr>
+        <p:spPr>
+          <a:xfrm>
+            <a:off x="3067959" y="6109811"/>
+            <a:ext cx="5895473" cy="369332"/>
+          </a:xfrm>
+          <a:prstGeom prst="rect">
+            <a:avLst/>
+          </a:prstGeom>
+          <a:noFill/>
+        </p:spPr>
+        <p:txBody>
+          <a:bodyPr wrap="square" rtlCol="0">
+            <a:spAutoFit/>
+          </a:bodyPr>
+          <a:lstStyle/>
+          <a:p>
+            <a:r>
+              <a:rPr lang="nb-NO" dirty="0">
+                <a:solidFill>
+                  <a:schemeClr val="bg1"/>
+                </a:solidFill>
+                <a:hlinkClick r:id="rId5">
+                  <a:extLst>
+                    <a:ext uri="{A12FA001-AC4F-418D-AE19-62706E023703}">
+                      <ahyp:hlinkClr xmlns:ahyp="http://schemas.microsoft.com/office/drawing/2018/hyperlinkcolor" val="tx"/>
+                    </a:ext>
+                  </a:extLst>
+                </a:hlinkClick>
+              </a:rPr>
+              <a:t>https://www.youtube.com/watch?v=fCd6B5HRaZ8&amp;t=1s</a:t>
+            </a:r>
+            <a:endParaRPr lang="nb-NO" dirty="0">
+              <a:solidFill>
+                <a:schemeClr val="bg1"/>
+              </a:solidFill>
+            </a:endParaRPr>
+          </a:p>
+        </p:txBody>
+      </p:sp>
+    </p:spTree>
+    <p:extLst>
+      <p:ext uri="{BB962C8B-B14F-4D97-AF65-F5344CB8AC3E}">
+        <p14:creationId xmlns:p14="http://schemas.microsoft.com/office/powerpoint/2010/main" val="1695933190"/>
+      </p:ext>
+    </p:extLst>
+  </p:cSld>
+  <p:clrMapOvr>
+    <a:masterClrMapping/>
+  </p:clrMapOvr>
+  <p:timing>
+    <p:tnLst>
+      <p:par>
+        <p:cTn id="1" dur="indefinite" restart="never" nodeType="tmRoot">
+          <p:childTnLst>
+            <p:seq concurrent="1" nextAc="seek">
+              <p:cTn id="2" dur="indefinite" nodeType="mainSeq">
+                <p:childTnLst>
+                  <p:par>
+                    <p:cTn id="3" fill="hold">
+                      <p:stCondLst>
+                        <p:cond delay="indefinite"/>
+                      </p:stCondLst>
+                      <p:childTnLst>
+                        <p:par>
+                          <p:cTn id="4" fill="hold">
+                            <p:stCondLst>
+                              <p:cond delay="0"/>
+                            </p:stCondLst>
+                            <p:childTnLst>
+                              <p:par>
+                                <p:cTn id="5" presetID="1" presetClass="mediacall" presetSubtype="0" fill="hold" nodeType="clickEffect">
+                                  <p:stCondLst>
+                                    <p:cond delay="0"/>
+                                  </p:stCondLst>
+                                  <p:childTnLst>
+                                    <p:cmd type="call" cmd="playFrom(0.0)">
+                                      <p:cBhvr>
+                                        <p:cTn id="6" dur="1" fill="hold"/>
+                                        <p:tgtEl>
+                                          <p:spTgt spid="3"/>
+                                        </p:tgtEl>
+                                      </p:cBhvr>
+                                    </p:cmd>
+                                  </p:childTnLst>
+                                </p:cTn>
+                              </p:par>
+                            </p:childTnLst>
+                          </p:cTn>
+                        </p:par>
+                      </p:childTnLst>
+                    </p:cTn>
+                  </p:par>
+                </p:childTnLst>
+              </p:cTn>
+              <p:prevCondLst>
+                <p:cond evt="onPrev" delay="0">
+                  <p:tgtEl>
+                    <p:sldTgt/>
+                  </p:tgtEl>
+                </p:cond>
+              </p:prevCondLst>
+              <p:nextCondLst>
+                <p:cond evt="onNext" delay="0">
+                  <p:tgtEl>
+                    <p:sldTgt/>
+                  </p:tgtEl>
+                </p:cond>
+              </p:nextCondLst>
+            </p:seq>
+            <p:video>
+              <p:cMediaNode vol="80000">
+                <p:cTn id="7" fill="hold" display="0">
+                  <p:stCondLst>
+                    <p:cond delay="indefinite"/>
+                  </p:stCondLst>
+                </p:cTn>
+                <p:tgtEl>
+                  <p:spTgt spid="3"/>
+                </p:tgtEl>
+              </p:cMediaNode>
+            </p:video>
+            <p:seq concurrent="1" nextAc="seek">
+              <p:cTn id="8" restart="whenNotActive" fill="hold" evtFilter="cancelBubble" nodeType="interactiveSeq">
+                <p:stCondLst>
+                  <p:cond evt="onClick" delay="0">
+                    <p:tgtEl>
+                      <p:spTgt spid="3"/>
+                    </p:tgtEl>
+                  </p:cond>
+                </p:stCondLst>
+                <p:endSync evt="end" delay="0">
+                  <p:rtn val="all"/>
+                </p:endSync>
+                <p:childTnLst>
+                  <p:par>
+                    <p:cTn id="9" fill="hold">
+                      <p:stCondLst>
+                        <p:cond delay="0"/>
+                      </p:stCondLst>
+                      <p:childTnLst>
+                        <p:par>
+                          <p:cTn id="10" fill="hold">
+                            <p:stCondLst>
+                              <p:cond delay="0"/>
+                            </p:stCondLst>
+                            <p:childTnLst>
+                              <p:par>
+                                <p:cTn id="11" presetID="2" presetClass="mediacall" presetSubtype="0" fill="hold" nodeType="clickEffect">
+                                  <p:stCondLst>
+                                    <p:cond delay="0"/>
+                                  </p:stCondLst>
+                                  <p:childTnLst>
+                                    <p:cmd type="call" cmd="togglePause">
+                                      <p:cBhvr>
+                                        <p:cTn id="12" dur="1" fill="hold"/>
+                                        <p:tgtEl>
+                                          <p:spTgt spid="3"/>
+                                        </p:tgtEl>
+                                      </p:cBhvr>
+                                    </p:cmd>
+                                  </p:childTnLst>
+                                </p:cTn>
+                              </p:par>
+                            </p:childTnLst>
+                          </p:cTn>
+                        </p:par>
+                      </p:childTnLst>
+                    </p:cTn>
+                  </p:par>
+                </p:childTnLst>
+              </p:cTn>
+              <p:nextCondLst>
+                <p:cond evt="onClick" delay="0">
+                  <p:tgtEl>
+                    <p:spTgt spid="3"/>
+                  </p:tgtEl>
+                </p:cond>
+              </p:nextCondLst>
+            </p:seq>
+          </p:childTnLst>
+        </p:cTn>
+      </p:par>
+    </p:tnLst>
+  </p:timing>
+</p:sld>
+</file>
+
+<file path=ppt/slides/slide9.xml><?xml version="1.0" encoding="utf-8"?>
 <p:sld xmlns:a="http://schemas.openxmlformats.org/drawingml/2006/main" xmlns:r="http://schemas.openxmlformats.org/officeDocument/2006/relationships" xmlns:p="http://schemas.openxmlformats.org/presentationml/2006/main">
   <p:cSld>
     <p:spTree>
@@ -13318,898 +17780,6 @@
       <p:bldP spid="7" grpId="0" animBg="1"/>
     </p:bldLst>
   </p:timing>
-</p:sld>
-</file>
-
-<file path=ppt/slides/slide7.xml><?xml version="1.0" encoding="utf-8"?>
-<p:sld xmlns:a="http://schemas.openxmlformats.org/drawingml/2006/main" xmlns:r="http://schemas.openxmlformats.org/officeDocument/2006/relationships" xmlns:p="http://schemas.openxmlformats.org/presentationml/2006/main">
-  <p:cSld>
-    <p:bg>
-      <p:bgPr>
-        <a:solidFill>
-          <a:schemeClr val="bg1"/>
-        </a:solidFill>
-        <a:effectLst/>
-      </p:bgPr>
-    </p:bg>
-    <p:spTree>
-      <p:nvGrpSpPr>
-        <p:cNvPr id="1" name=""/>
-        <p:cNvGrpSpPr/>
-        <p:nvPr/>
-      </p:nvGrpSpPr>
-      <p:grpSpPr>
-        <a:xfrm>
-          <a:off x="0" y="0"/>
-          <a:ext cx="0" cy="0"/>
-          <a:chOff x="0" y="0"/>
-          <a:chExt cx="0" cy="0"/>
-        </a:xfrm>
-      </p:grpSpPr>
-      <p:cxnSp>
-        <p:nvCxnSpPr>
-          <p:cNvPr id="9" name="Straight Connector 8">
-            <a:extLst>
-              <a:ext uri="{FF2B5EF4-FFF2-40B4-BE49-F238E27FC236}">
-                <a16:creationId xmlns:a16="http://schemas.microsoft.com/office/drawing/2014/main" id="{F209B62C-3402-4623-9A7C-AA048B56F8C3}"/>
-              </a:ext>
-              <a:ext uri="{C183D7F6-B498-43B3-948B-1728B52AA6E4}">
-                <adec:decorative xmlns:adec="http://schemas.microsoft.com/office/drawing/2017/decorative" val="1"/>
-              </a:ext>
-            </a:extLst>
-          </p:cNvPr>
-          <p:cNvCxnSpPr>
-            <a:cxnSpLocks noGrp="1" noRot="1" noChangeAspect="1" noMove="1" noResize="1" noEditPoints="1" noAdjustHandles="1" noChangeArrowheads="1" noChangeShapeType="1"/>
-          </p:cNvCxnSpPr>
-          <p:nvPr>
-            <p:extLst>
-              <p:ext uri="{386F3935-93C4-4BCD-93E2-E3B085C9AB24}">
-                <p16:designElem xmlns:p16="http://schemas.microsoft.com/office/powerpoint/2015/main" val="1"/>
-              </p:ext>
-            </p:extLst>
-          </p:nvPr>
-        </p:nvCxnSpPr>
-        <p:spPr>
-          <a:xfrm>
-            <a:off x="990600" y="1031001"/>
-            <a:ext cx="978862" cy="0"/>
-          </a:xfrm>
-          <a:prstGeom prst="line">
-            <a:avLst/>
-          </a:prstGeom>
-          <a:ln w="76200"/>
-        </p:spPr>
-        <p:style>
-          <a:lnRef idx="1">
-            <a:schemeClr val="accent1"/>
-          </a:lnRef>
-          <a:fillRef idx="0">
-            <a:schemeClr val="accent1"/>
-          </a:fillRef>
-          <a:effectRef idx="0">
-            <a:schemeClr val="accent1"/>
-          </a:effectRef>
-          <a:fontRef idx="minor">
-            <a:schemeClr val="tx1"/>
-          </a:fontRef>
-        </p:style>
-      </p:cxnSp>
-      <p:sp useBgFill="1">
-        <p:nvSpPr>
-          <p:cNvPr id="11" name="Rectangle 10">
-            <a:extLst>
-              <a:ext uri="{FF2B5EF4-FFF2-40B4-BE49-F238E27FC236}">
-                <a16:creationId xmlns:a16="http://schemas.microsoft.com/office/drawing/2014/main" id="{19F9BF86-FE94-4517-B97D-026C7515E589}"/>
-              </a:ext>
-              <a:ext uri="{C183D7F6-B498-43B3-948B-1728B52AA6E4}">
-                <adec:decorative xmlns:adec="http://schemas.microsoft.com/office/drawing/2017/decorative" val="1"/>
-              </a:ext>
-            </a:extLst>
-          </p:cNvPr>
-          <p:cNvSpPr>
-            <a:spLocks noGrp="1" noRot="1" noChangeAspect="1" noMove="1" noResize="1" noEditPoints="1" noAdjustHandles="1" noChangeArrowheads="1" noChangeShapeType="1" noTextEdit="1"/>
-          </p:cNvSpPr>
-          <p:nvPr>
-            <p:extLst>
-              <p:ext uri="{386F3935-93C4-4BCD-93E2-E3B085C9AB24}">
-                <p16:designElem xmlns:p16="http://schemas.microsoft.com/office/powerpoint/2015/main" val="1"/>
-              </p:ext>
-            </p:extLst>
-          </p:nvPr>
-        </p:nvSpPr>
-        <p:spPr>
-          <a:xfrm>
-            <a:off x="0" y="0"/>
-            <a:ext cx="12192000" cy="6858000"/>
-          </a:xfrm>
-          <a:prstGeom prst="rect">
-            <a:avLst/>
-          </a:prstGeom>
-          <a:ln w="12700" cap="flat" cmpd="sng" algn="ctr">
-            <a:noFill/>
-            <a:prstDash val="solid"/>
-            <a:miter lim="800000"/>
-          </a:ln>
-          <a:effectLst/>
-          <a:extLst>
-            <a:ext uri="{91240B29-F687-4F45-9708-019B960494DF}">
-              <a14:hiddenLine xmlns:a14="http://schemas.microsoft.com/office/drawing/2010/main" w="12700" cap="flat" cmpd="sng" algn="ctr">
-                <a:solidFill>
-                  <a:schemeClr val="accent1">
-                    <a:shade val="50000"/>
-                  </a:schemeClr>
-                </a:solidFill>
-                <a:prstDash val="solid"/>
-                <a:miter lim="800000"/>
-              </a14:hiddenLine>
-            </a:ext>
-          </a:extLst>
-        </p:spPr>
-        <p:style>
-          <a:lnRef idx="2">
-            <a:schemeClr val="accent1">
-              <a:shade val="50000"/>
-            </a:schemeClr>
-          </a:lnRef>
-          <a:fillRef idx="1">
-            <a:schemeClr val="accent1"/>
-          </a:fillRef>
-          <a:effectRef idx="0">
-            <a:schemeClr val="accent1"/>
-          </a:effectRef>
-          <a:fontRef idx="minor">
-            <a:schemeClr val="lt1"/>
-          </a:fontRef>
-        </p:style>
-        <p:txBody>
-          <a:bodyPr rtlCol="0" anchor="ctr"/>
-          <a:lstStyle/>
-          <a:p>
-            <a:pPr algn="ctr"/>
-            <a:endParaRPr lang="en-US"/>
-          </a:p>
-        </p:txBody>
-      </p:sp>
-      <p:pic>
-        <p:nvPicPr>
-          <p:cNvPr id="5" name="Picture 4" descr="DNA render">
-            <a:extLst>
-              <a:ext uri="{FF2B5EF4-FFF2-40B4-BE49-F238E27FC236}">
-                <a16:creationId xmlns:a16="http://schemas.microsoft.com/office/drawing/2014/main" id="{D56AE74C-E443-4E06-B3BA-7B0524222161}"/>
-              </a:ext>
-            </a:extLst>
-          </p:cNvPr>
-          <p:cNvPicPr>
-            <a:picLocks noChangeAspect="1"/>
-          </p:cNvPicPr>
-          <p:nvPr/>
-        </p:nvPicPr>
-        <p:blipFill rotWithShape="1">
-          <a:blip r:embed="rId3">
-            <a:alphaModFix/>
-          </a:blip>
-          <a:srcRect/>
-          <a:stretch/>
-        </p:blipFill>
-        <p:spPr>
-          <a:xfrm>
-            <a:off x="21" y="0"/>
-            <a:ext cx="12191979" cy="6857990"/>
-          </a:xfrm>
-          <a:prstGeom prst="rect">
-            <a:avLst/>
-          </a:prstGeom>
-        </p:spPr>
-      </p:pic>
-      <p:sp>
-        <p:nvSpPr>
-          <p:cNvPr id="13" name="Rectangle 12">
-            <a:extLst>
-              <a:ext uri="{FF2B5EF4-FFF2-40B4-BE49-F238E27FC236}">
-                <a16:creationId xmlns:a16="http://schemas.microsoft.com/office/drawing/2014/main" id="{1DEDA826-0CC6-45C8-B90F-CB99E02CFB47}"/>
-              </a:ext>
-              <a:ext uri="{C183D7F6-B498-43B3-948B-1728B52AA6E4}">
-                <adec:decorative xmlns:adec="http://schemas.microsoft.com/office/drawing/2017/decorative" val="1"/>
-              </a:ext>
-            </a:extLst>
-          </p:cNvPr>
-          <p:cNvSpPr>
-            <a:spLocks noGrp="1" noRot="1" noChangeAspect="1" noMove="1" noResize="1" noEditPoints="1" noAdjustHandles="1" noChangeArrowheads="1" noChangeShapeType="1" noTextEdit="1"/>
-          </p:cNvSpPr>
-          <p:nvPr>
-            <p:extLst>
-              <p:ext uri="{386F3935-93C4-4BCD-93E2-E3B085C9AB24}">
-                <p16:designElem xmlns:p16="http://schemas.microsoft.com/office/powerpoint/2015/main" val="1"/>
-              </p:ext>
-            </p:extLst>
-          </p:nvPr>
-        </p:nvSpPr>
-        <p:spPr>
-          <a:xfrm>
-            <a:off x="-406" y="0"/>
-            <a:ext cx="8543515" cy="6858000"/>
-          </a:xfrm>
-          <a:prstGeom prst="rect">
-            <a:avLst/>
-          </a:prstGeom>
-          <a:gradFill flip="none" rotWithShape="1">
-            <a:gsLst>
-              <a:gs pos="0">
-                <a:srgbClr val="000000">
-                  <a:alpha val="0"/>
-                </a:srgbClr>
-              </a:gs>
-              <a:gs pos="58000">
-                <a:srgbClr val="000000">
-                  <a:alpha val="55000"/>
-                </a:srgbClr>
-              </a:gs>
-              <a:gs pos="93000">
-                <a:srgbClr val="000000">
-                  <a:alpha val="64000"/>
-                </a:srgbClr>
-              </a:gs>
-            </a:gsLst>
-            <a:lin ang="10800000" scaled="1"/>
-            <a:tileRect/>
-          </a:gradFill>
-          <a:ln>
-            <a:noFill/>
-          </a:ln>
-        </p:spPr>
-        <p:style>
-          <a:lnRef idx="2">
-            <a:schemeClr val="accent1">
-              <a:shade val="50000"/>
-            </a:schemeClr>
-          </a:lnRef>
-          <a:fillRef idx="1">
-            <a:schemeClr val="accent1"/>
-          </a:fillRef>
-          <a:effectRef idx="0">
-            <a:schemeClr val="accent1"/>
-          </a:effectRef>
-          <a:fontRef idx="minor">
-            <a:schemeClr val="lt1"/>
-          </a:fontRef>
-        </p:style>
-        <p:txBody>
-          <a:bodyPr rtlCol="0" anchor="ctr"/>
-          <a:lstStyle/>
-          <a:p>
-            <a:pPr algn="ctr"/>
-            <a:endParaRPr lang="en-US"/>
-          </a:p>
-        </p:txBody>
-      </p:sp>
-      <p:sp>
-        <p:nvSpPr>
-          <p:cNvPr id="2" name="Title 1">
-            <a:extLst>
-              <a:ext uri="{FF2B5EF4-FFF2-40B4-BE49-F238E27FC236}">
-                <a16:creationId xmlns:a16="http://schemas.microsoft.com/office/drawing/2014/main" id="{4D84AFFE-4FAF-4E82-877A-FD8EDB55B193}"/>
-              </a:ext>
-            </a:extLst>
-          </p:cNvPr>
-          <p:cNvSpPr>
-            <a:spLocks noGrp="1"/>
-          </p:cNvSpPr>
-          <p:nvPr>
-            <p:ph type="title"/>
-          </p:nvPr>
-        </p:nvSpPr>
-        <p:spPr>
-          <a:xfrm>
-            <a:off x="200025" y="138116"/>
-            <a:ext cx="4761571" cy="790569"/>
-          </a:xfrm>
-        </p:spPr>
-        <p:txBody>
-          <a:bodyPr vert="horz" lIns="91440" tIns="45720" rIns="91440" bIns="45720" rtlCol="0" anchor="b">
-            <a:normAutofit/>
-          </a:bodyPr>
-          <a:lstStyle/>
-          <a:p>
-            <a:r>
-              <a:rPr lang="en-US" dirty="0">
-                <a:solidFill>
-                  <a:srgbClr val="FFFFFF"/>
-                </a:solidFill>
-              </a:rPr>
-              <a:t>Illumina sequencing</a:t>
-            </a:r>
-          </a:p>
-        </p:txBody>
-      </p:sp>
-      <p:cxnSp>
-        <p:nvCxnSpPr>
-          <p:cNvPr id="15" name="Straight Connector 14">
-            <a:extLst>
-              <a:ext uri="{FF2B5EF4-FFF2-40B4-BE49-F238E27FC236}">
-                <a16:creationId xmlns:a16="http://schemas.microsoft.com/office/drawing/2014/main" id="{23DDA327-270B-43AF-BDBD-2EB50E83E222}"/>
-              </a:ext>
-              <a:ext uri="{C183D7F6-B498-43B3-948B-1728B52AA6E4}">
-                <adec:decorative xmlns:adec="http://schemas.microsoft.com/office/drawing/2017/decorative" val="1"/>
-              </a:ext>
-            </a:extLst>
-          </p:cNvPr>
-          <p:cNvCxnSpPr>
-            <a:cxnSpLocks noGrp="1" noRot="1" noChangeAspect="1" noMove="1" noResize="1" noEditPoints="1" noAdjustHandles="1" noChangeArrowheads="1" noChangeShapeType="1"/>
-          </p:cNvCxnSpPr>
-          <p:nvPr>
-            <p:extLst>
-              <p:ext uri="{386F3935-93C4-4BCD-93E2-E3B085C9AB24}">
-                <p16:designElem xmlns:p16="http://schemas.microsoft.com/office/powerpoint/2015/main" val="1"/>
-              </p:ext>
-            </p:extLst>
-          </p:nvPr>
-        </p:nvCxnSpPr>
-        <p:spPr>
-          <a:xfrm>
-            <a:off x="990600" y="1031001"/>
-            <a:ext cx="978862" cy="0"/>
-          </a:xfrm>
-          <a:prstGeom prst="line">
-            <a:avLst/>
-          </a:prstGeom>
-          <a:ln w="76200"/>
-        </p:spPr>
-        <p:style>
-          <a:lnRef idx="1">
-            <a:schemeClr val="accent1"/>
-          </a:lnRef>
-          <a:fillRef idx="0">
-            <a:schemeClr val="accent1"/>
-          </a:fillRef>
-          <a:effectRef idx="0">
-            <a:schemeClr val="accent1"/>
-          </a:effectRef>
-          <a:fontRef idx="minor">
-            <a:schemeClr val="tx1"/>
-          </a:fontRef>
-        </p:style>
-      </p:cxnSp>
-      <p:sp>
-        <p:nvSpPr>
-          <p:cNvPr id="6" name="TextBox 5">
-            <a:extLst>
-              <a:ext uri="{FF2B5EF4-FFF2-40B4-BE49-F238E27FC236}">
-                <a16:creationId xmlns:a16="http://schemas.microsoft.com/office/drawing/2014/main" id="{E5723ECA-DD95-454F-AEBA-3C2455F82852}"/>
-              </a:ext>
-            </a:extLst>
-          </p:cNvPr>
-          <p:cNvSpPr txBox="1"/>
-          <p:nvPr/>
-        </p:nvSpPr>
-        <p:spPr>
-          <a:xfrm>
-            <a:off x="858253" y="6017473"/>
-            <a:ext cx="5959642" cy="646331"/>
-          </a:xfrm>
-          <a:prstGeom prst="rect">
-            <a:avLst/>
-          </a:prstGeom>
-          <a:noFill/>
-        </p:spPr>
-        <p:txBody>
-          <a:bodyPr wrap="square" rtlCol="0">
-            <a:spAutoFit/>
-          </a:bodyPr>
-          <a:lstStyle/>
-          <a:p>
-            <a:endParaRPr lang="nb-NO" dirty="0">
-              <a:solidFill>
-                <a:schemeClr val="accent2">
-                  <a:lumMod val="75000"/>
-                </a:schemeClr>
-              </a:solidFill>
-            </a:endParaRPr>
-          </a:p>
-          <a:p>
-            <a:endParaRPr lang="nb-NO" dirty="0"/>
-          </a:p>
-        </p:txBody>
-      </p:sp>
-      <p:pic>
-        <p:nvPicPr>
-          <p:cNvPr id="3" name="Online Media 2" title="Illumina Sequencing by Synthesis">
-            <a:hlinkClick r:id="" action="ppaction://media"/>
-            <a:extLst>
-              <a:ext uri="{FF2B5EF4-FFF2-40B4-BE49-F238E27FC236}">
-                <a16:creationId xmlns:a16="http://schemas.microsoft.com/office/drawing/2014/main" id="{E6319B32-18CB-42A1-A520-B4F7D5C952A8}"/>
-              </a:ext>
-            </a:extLst>
-          </p:cNvPr>
-          <p:cNvPicPr>
-            <a:picLocks noRot="1" noChangeAspect="1"/>
-          </p:cNvPicPr>
-          <p:nvPr>
-            <a:videoFile r:link="rId1"/>
-          </p:nvPr>
-        </p:nvPicPr>
-        <p:blipFill>
-          <a:blip r:embed="rId4"/>
-          <a:stretch>
-            <a:fillRect/>
-          </a:stretch>
-        </p:blipFill>
-        <p:spPr>
-          <a:xfrm>
-            <a:off x="3085034" y="2110618"/>
-            <a:ext cx="5338111" cy="3016034"/>
-          </a:xfrm>
-          <a:prstGeom prst="rect">
-            <a:avLst/>
-          </a:prstGeom>
-        </p:spPr>
-      </p:pic>
-      <p:sp>
-        <p:nvSpPr>
-          <p:cNvPr id="4" name="TextBox 3">
-            <a:extLst>
-              <a:ext uri="{FF2B5EF4-FFF2-40B4-BE49-F238E27FC236}">
-                <a16:creationId xmlns:a16="http://schemas.microsoft.com/office/drawing/2014/main" id="{694C4A3F-6DD9-433D-9C34-971811E2C8D3}"/>
-              </a:ext>
-            </a:extLst>
-          </p:cNvPr>
-          <p:cNvSpPr txBox="1"/>
-          <p:nvPr/>
-        </p:nvSpPr>
-        <p:spPr>
-          <a:xfrm>
-            <a:off x="3067959" y="6109811"/>
-            <a:ext cx="5895473" cy="369332"/>
-          </a:xfrm>
-          <a:prstGeom prst="rect">
-            <a:avLst/>
-          </a:prstGeom>
-          <a:noFill/>
-        </p:spPr>
-        <p:txBody>
-          <a:bodyPr wrap="square" rtlCol="0">
-            <a:spAutoFit/>
-          </a:bodyPr>
-          <a:lstStyle/>
-          <a:p>
-            <a:r>
-              <a:rPr lang="nb-NO" dirty="0">
-                <a:solidFill>
-                  <a:schemeClr val="bg1"/>
-                </a:solidFill>
-                <a:hlinkClick r:id="rId5">
-                  <a:extLst>
-                    <a:ext uri="{A12FA001-AC4F-418D-AE19-62706E023703}">
-                      <ahyp:hlinkClr xmlns:ahyp="http://schemas.microsoft.com/office/drawing/2018/hyperlinkcolor" val="tx"/>
-                    </a:ext>
-                  </a:extLst>
-                </a:hlinkClick>
-              </a:rPr>
-              <a:t>https://www.youtube.com/watch?v=fCd6B5HRaZ8&amp;t=1s</a:t>
-            </a:r>
-            <a:endParaRPr lang="nb-NO" dirty="0">
-              <a:solidFill>
-                <a:schemeClr val="bg1"/>
-              </a:solidFill>
-            </a:endParaRPr>
-          </a:p>
-        </p:txBody>
-      </p:sp>
-    </p:spTree>
-    <p:extLst>
-      <p:ext uri="{BB962C8B-B14F-4D97-AF65-F5344CB8AC3E}">
-        <p14:creationId xmlns:p14="http://schemas.microsoft.com/office/powerpoint/2010/main" val="1695933190"/>
-      </p:ext>
-    </p:extLst>
-  </p:cSld>
-  <p:clrMapOvr>
-    <a:masterClrMapping/>
-  </p:clrMapOvr>
-  <p:timing>
-    <p:tnLst>
-      <p:par>
-        <p:cTn id="1" dur="indefinite" restart="never" nodeType="tmRoot">
-          <p:childTnLst>
-            <p:seq concurrent="1" nextAc="seek">
-              <p:cTn id="2" dur="indefinite" nodeType="mainSeq">
-                <p:childTnLst>
-                  <p:par>
-                    <p:cTn id="3" fill="hold">
-                      <p:stCondLst>
-                        <p:cond delay="indefinite"/>
-                      </p:stCondLst>
-                      <p:childTnLst>
-                        <p:par>
-                          <p:cTn id="4" fill="hold">
-                            <p:stCondLst>
-                              <p:cond delay="0"/>
-                            </p:stCondLst>
-                            <p:childTnLst>
-                              <p:par>
-                                <p:cTn id="5" presetID="1" presetClass="mediacall" presetSubtype="0" fill="hold" nodeType="clickEffect">
-                                  <p:stCondLst>
-                                    <p:cond delay="0"/>
-                                  </p:stCondLst>
-                                  <p:childTnLst>
-                                    <p:cmd type="call" cmd="playFrom(0.0)">
-                                      <p:cBhvr>
-                                        <p:cTn id="6" dur="1" fill="hold"/>
-                                        <p:tgtEl>
-                                          <p:spTgt spid="3"/>
-                                        </p:tgtEl>
-                                      </p:cBhvr>
-                                    </p:cmd>
-                                  </p:childTnLst>
-                                </p:cTn>
-                              </p:par>
-                            </p:childTnLst>
-                          </p:cTn>
-                        </p:par>
-                      </p:childTnLst>
-                    </p:cTn>
-                  </p:par>
-                </p:childTnLst>
-              </p:cTn>
-              <p:prevCondLst>
-                <p:cond evt="onPrev" delay="0">
-                  <p:tgtEl>
-                    <p:sldTgt/>
-                  </p:tgtEl>
-                </p:cond>
-              </p:prevCondLst>
-              <p:nextCondLst>
-                <p:cond evt="onNext" delay="0">
-                  <p:tgtEl>
-                    <p:sldTgt/>
-                  </p:tgtEl>
-                </p:cond>
-              </p:nextCondLst>
-            </p:seq>
-            <p:video>
-              <p:cMediaNode vol="80000">
-                <p:cTn id="7" fill="hold" display="0">
-                  <p:stCondLst>
-                    <p:cond delay="indefinite"/>
-                  </p:stCondLst>
-                </p:cTn>
-                <p:tgtEl>
-                  <p:spTgt spid="3"/>
-                </p:tgtEl>
-              </p:cMediaNode>
-            </p:video>
-            <p:seq concurrent="1" nextAc="seek">
-              <p:cTn id="8" restart="whenNotActive" fill="hold" evtFilter="cancelBubble" nodeType="interactiveSeq">
-                <p:stCondLst>
-                  <p:cond evt="onClick" delay="0">
-                    <p:tgtEl>
-                      <p:spTgt spid="3"/>
-                    </p:tgtEl>
-                  </p:cond>
-                </p:stCondLst>
-                <p:endSync evt="end" delay="0">
-                  <p:rtn val="all"/>
-                </p:endSync>
-                <p:childTnLst>
-                  <p:par>
-                    <p:cTn id="9" fill="hold">
-                      <p:stCondLst>
-                        <p:cond delay="0"/>
-                      </p:stCondLst>
-                      <p:childTnLst>
-                        <p:par>
-                          <p:cTn id="10" fill="hold">
-                            <p:stCondLst>
-                              <p:cond delay="0"/>
-                            </p:stCondLst>
-                            <p:childTnLst>
-                              <p:par>
-                                <p:cTn id="11" presetID="2" presetClass="mediacall" presetSubtype="0" fill="hold" nodeType="clickEffect">
-                                  <p:stCondLst>
-                                    <p:cond delay="0"/>
-                                  </p:stCondLst>
-                                  <p:childTnLst>
-                                    <p:cmd type="call" cmd="togglePause">
-                                      <p:cBhvr>
-                                        <p:cTn id="12" dur="1" fill="hold"/>
-                                        <p:tgtEl>
-                                          <p:spTgt spid="3"/>
-                                        </p:tgtEl>
-                                      </p:cBhvr>
-                                    </p:cmd>
-                                  </p:childTnLst>
-                                </p:cTn>
-                              </p:par>
-                            </p:childTnLst>
-                          </p:cTn>
-                        </p:par>
-                      </p:childTnLst>
-                    </p:cTn>
-                  </p:par>
-                </p:childTnLst>
-              </p:cTn>
-              <p:nextCondLst>
-                <p:cond evt="onClick" delay="0">
-                  <p:tgtEl>
-                    <p:spTgt spid="3"/>
-                  </p:tgtEl>
-                </p:cond>
-              </p:nextCondLst>
-            </p:seq>
-          </p:childTnLst>
-        </p:cTn>
-      </p:par>
-    </p:tnLst>
-  </p:timing>
-</p:sld>
-</file>
-
-<file path=ppt/slides/slide8.xml><?xml version="1.0" encoding="utf-8"?>
-<p:sld xmlns:a="http://schemas.openxmlformats.org/drawingml/2006/main" xmlns:r="http://schemas.openxmlformats.org/officeDocument/2006/relationships" xmlns:p="http://schemas.openxmlformats.org/presentationml/2006/main">
-  <p:cSld>
-    <p:spTree>
-      <p:nvGrpSpPr>
-        <p:cNvPr id="1" name=""/>
-        <p:cNvGrpSpPr/>
-        <p:nvPr/>
-      </p:nvGrpSpPr>
-      <p:grpSpPr>
-        <a:xfrm>
-          <a:off x="0" y="0"/>
-          <a:ext cx="0" cy="0"/>
-          <a:chOff x="0" y="0"/>
-          <a:chExt cx="0" cy="0"/>
-        </a:xfrm>
-      </p:grpSpPr>
-      <p:sp>
-        <p:nvSpPr>
-          <p:cNvPr id="2" name="Title 1">
-            <a:extLst>
-              <a:ext uri="{FF2B5EF4-FFF2-40B4-BE49-F238E27FC236}">
-                <a16:creationId xmlns:a16="http://schemas.microsoft.com/office/drawing/2014/main" id="{8A6AF855-AB54-4937-88DE-0CAC8DFCC26E}"/>
-              </a:ext>
-            </a:extLst>
-          </p:cNvPr>
-          <p:cNvSpPr>
-            <a:spLocks noGrp="1"/>
-          </p:cNvSpPr>
-          <p:nvPr>
-            <p:ph type="title"/>
-          </p:nvPr>
-        </p:nvSpPr>
-        <p:spPr>
-          <a:xfrm>
-            <a:off x="288758" y="186255"/>
-            <a:ext cx="4082716" cy="729916"/>
-          </a:xfrm>
-        </p:spPr>
-        <p:txBody>
-          <a:bodyPr>
-            <a:normAutofit/>
-          </a:bodyPr>
-          <a:lstStyle/>
-          <a:p>
-            <a:r>
-              <a:rPr lang="nb-NO" dirty="0" err="1"/>
-              <a:t>Raw</a:t>
-            </a:r>
-            <a:r>
-              <a:rPr lang="nb-NO" dirty="0"/>
-              <a:t> Data (.</a:t>
-            </a:r>
-            <a:r>
-              <a:rPr lang="nb-NO" dirty="0" err="1"/>
-              <a:t>fastq</a:t>
-            </a:r>
-            <a:r>
-              <a:rPr lang="nb-NO" dirty="0"/>
-              <a:t>)</a:t>
-            </a:r>
-          </a:p>
-        </p:txBody>
-      </p:sp>
-      <p:sp>
-        <p:nvSpPr>
-          <p:cNvPr id="3" name="Content Placeholder 2">
-            <a:extLst>
-              <a:ext uri="{FF2B5EF4-FFF2-40B4-BE49-F238E27FC236}">
-                <a16:creationId xmlns:a16="http://schemas.microsoft.com/office/drawing/2014/main" id="{FC9A3B0E-FEA2-49A2-8148-7A176369912B}"/>
-              </a:ext>
-            </a:extLst>
-          </p:cNvPr>
-          <p:cNvSpPr>
-            <a:spLocks noGrp="1"/>
-          </p:cNvSpPr>
-          <p:nvPr>
-            <p:ph idx="1"/>
-          </p:nvPr>
-        </p:nvSpPr>
-        <p:spPr>
-          <a:xfrm>
-            <a:off x="288758" y="1179096"/>
-            <a:ext cx="10988841" cy="4762734"/>
-          </a:xfrm>
-        </p:spPr>
-        <p:txBody>
-          <a:bodyPr>
-            <a:normAutofit/>
-          </a:bodyPr>
-          <a:lstStyle/>
-          <a:p>
-            <a:r>
-              <a:rPr lang="nb-NO" dirty="0"/>
-              <a:t>@M06628:73:000000000-J98V8:1:1101:10864:11591:N:0:97</a:t>
-            </a:r>
-            <a:br>
-              <a:rPr lang="nb-NO" dirty="0"/>
-            </a:br>
-            <a:r>
-              <a:rPr lang="nb-NO" dirty="0"/>
-              <a:t>CCAGCAGCTGCGGTAATTCCAGCTCCAATAGCGTATATTAAAGTTGTTGCAGTTAAAAAGCTCGTAGTTGGATTTCTGGCTGGAGCTATCGGTCCGCCCCGCAAGTGTGGTTTACTATCTTCGTCTCCGACCATCCGTTTGGGAACTGTGCGGCCGGTAACTTGGTTGTATATGGGAAAACTTCGCTTACTGTGAATAAATTAGAGTGTTTAAAGCATGCTTAAGCCGTTGATTACATTAGCATGGAATAATAAGATAAGAGTTGTATCATTATTGTTTTTGTTGCCGGGTTATGTTATTA+                 -8BCCGGGGEGGGGGGGFGGGGGGGGGGGGGGGFGGGGGGDFAGGGGGGGDGGGGGGGGGGGGGGDFFGFFGGGGGGG,F,66,@@,CC@FDF@ECFGD7C+7@=EF,5+:+,9,CFEE,,A&lt;A?=EF7+@@+,?,+:,48++68D,@FEG33+3=+3+37,,8DB61@,3=E,@,3,,,,,&lt;38*&gt;&gt;*:&gt;F;,22,,=9,=01,,&lt;B3@8CGACC6,,9+++1,+322*/.+&lt;?=C);+:*1;/))/))7&lt;3+7C+2+)+*3A)0)3+,3)*26)39C:)(.3())(()((())-)))))</a:t>
-            </a:r>
-          </a:p>
-        </p:txBody>
-      </p:sp>
-    </p:spTree>
-    <p:extLst>
-      <p:ext uri="{BB962C8B-B14F-4D97-AF65-F5344CB8AC3E}">
-        <p14:creationId xmlns:p14="http://schemas.microsoft.com/office/powerpoint/2010/main" val="2254910046"/>
-      </p:ext>
-    </p:extLst>
-  </p:cSld>
-  <p:clrMapOvr>
-    <a:masterClrMapping/>
-  </p:clrMapOvr>
-</p:sld>
-</file>
-
-<file path=ppt/slides/slide9.xml><?xml version="1.0" encoding="utf-8"?>
-<p:sld xmlns:a="http://schemas.openxmlformats.org/drawingml/2006/main" xmlns:r="http://schemas.openxmlformats.org/officeDocument/2006/relationships" xmlns:p="http://schemas.openxmlformats.org/presentationml/2006/main">
-  <p:cSld>
-    <p:spTree>
-      <p:nvGrpSpPr>
-        <p:cNvPr id="1" name=""/>
-        <p:cNvGrpSpPr/>
-        <p:nvPr/>
-      </p:nvGrpSpPr>
-      <p:grpSpPr>
-        <a:xfrm>
-          <a:off x="0" y="0"/>
-          <a:ext cx="0" cy="0"/>
-          <a:chOff x="0" y="0"/>
-          <a:chExt cx="0" cy="0"/>
-        </a:xfrm>
-      </p:grpSpPr>
-      <p:sp>
-        <p:nvSpPr>
-          <p:cNvPr id="2" name="Title 1">
-            <a:extLst>
-              <a:ext uri="{FF2B5EF4-FFF2-40B4-BE49-F238E27FC236}">
-                <a16:creationId xmlns:a16="http://schemas.microsoft.com/office/drawing/2014/main" id="{232148C1-5C7C-4877-AB97-15135C1DBB84}"/>
-              </a:ext>
-            </a:extLst>
-          </p:cNvPr>
-          <p:cNvSpPr>
-            <a:spLocks noGrp="1"/>
-          </p:cNvSpPr>
-          <p:nvPr>
-            <p:ph type="title"/>
-          </p:nvPr>
-        </p:nvSpPr>
-        <p:spPr>
-          <a:xfrm>
-            <a:off x="209550" y="152400"/>
-            <a:ext cx="10363200" cy="1314443"/>
-          </a:xfrm>
-        </p:spPr>
-        <p:txBody>
-          <a:bodyPr/>
-          <a:lstStyle/>
-          <a:p>
-            <a:r>
-              <a:rPr lang="nb-NO" dirty="0"/>
-              <a:t>DADA 2 bioinformatics </a:t>
-            </a:r>
-            <a:r>
-              <a:rPr lang="nb-NO" dirty="0" err="1"/>
-              <a:t>workflow</a:t>
-            </a:r>
-            <a:endParaRPr lang="nb-NO" dirty="0"/>
-          </a:p>
-        </p:txBody>
-      </p:sp>
-      <p:pic>
-        <p:nvPicPr>
-          <p:cNvPr id="2050" name="Picture 2" descr="Image">
-            <a:extLst>
-              <a:ext uri="{FF2B5EF4-FFF2-40B4-BE49-F238E27FC236}">
-                <a16:creationId xmlns:a16="http://schemas.microsoft.com/office/drawing/2014/main" id="{6350AAED-5124-4AEB-B7CE-959F4AF3DCC3}"/>
-              </a:ext>
-            </a:extLst>
-          </p:cNvPr>
-          <p:cNvPicPr>
-            <a:picLocks noGrp="1" noChangeAspect="1" noChangeArrowheads="1"/>
-          </p:cNvPicPr>
-          <p:nvPr>
-            <p:ph idx="1"/>
-          </p:nvPr>
-        </p:nvPicPr>
-        <p:blipFill>
-          <a:blip r:embed="rId2">
-            <a:extLst>
-              <a:ext uri="{28A0092B-C50C-407E-A947-70E740481C1C}">
-                <a14:useLocalDpi xmlns:a14="http://schemas.microsoft.com/office/drawing/2010/main" val="0"/>
-              </a:ext>
-            </a:extLst>
-          </a:blip>
-          <a:srcRect/>
-          <a:stretch>
-            <a:fillRect/>
-          </a:stretch>
-        </p:blipFill>
-        <p:spPr bwMode="auto">
-          <a:xfrm>
-            <a:off x="590550" y="1079501"/>
-            <a:ext cx="10668000" cy="5368924"/>
-          </a:xfrm>
-          <a:prstGeom prst="rect">
-            <a:avLst/>
-          </a:prstGeom>
-          <a:noFill/>
-          <a:extLst>
-            <a:ext uri="{909E8E84-426E-40DD-AFC4-6F175D3DCCD1}">
-              <a14:hiddenFill xmlns:a14="http://schemas.microsoft.com/office/drawing/2010/main">
-                <a:solidFill>
-                  <a:srgbClr val="FFFFFF"/>
-                </a:solidFill>
-              </a14:hiddenFill>
-            </a:ext>
-          </a:extLst>
-        </p:spPr>
-      </p:pic>
-      <p:sp>
-        <p:nvSpPr>
-          <p:cNvPr id="4" name="TextBox 3">
-            <a:extLst>
-              <a:ext uri="{FF2B5EF4-FFF2-40B4-BE49-F238E27FC236}">
-                <a16:creationId xmlns:a16="http://schemas.microsoft.com/office/drawing/2014/main" id="{E531272C-AC6B-444E-8799-74A0B911E208}"/>
-              </a:ext>
-            </a:extLst>
-          </p:cNvPr>
-          <p:cNvSpPr txBox="1"/>
-          <p:nvPr/>
-        </p:nvSpPr>
-        <p:spPr>
-          <a:xfrm>
-            <a:off x="7886700" y="6581001"/>
-            <a:ext cx="4391025" cy="276999"/>
-          </a:xfrm>
-          <a:prstGeom prst="rect">
-            <a:avLst/>
-          </a:prstGeom>
-          <a:noFill/>
-        </p:spPr>
-        <p:txBody>
-          <a:bodyPr wrap="square" rtlCol="0">
-            <a:spAutoFit/>
-          </a:bodyPr>
-          <a:lstStyle/>
-          <a:p>
-            <a:r>
-              <a:rPr lang="nb-NO" sz="1200" dirty="0"/>
-              <a:t>https://twitter.com/katieloutogher/status/1002029813471707136</a:t>
-            </a:r>
-          </a:p>
-        </p:txBody>
-      </p:sp>
-    </p:spTree>
-    <p:extLst>
-      <p:ext uri="{BB962C8B-B14F-4D97-AF65-F5344CB8AC3E}">
-        <p14:creationId xmlns:p14="http://schemas.microsoft.com/office/powerpoint/2010/main" val="1605952621"/>
-      </p:ext>
-    </p:extLst>
-  </p:cSld>
-  <p:clrMapOvr>
-    <a:masterClrMapping/>
-  </p:clrMapOvr>
 </p:sld>
 </file>
 
